--- a/doc/QPF_Prototype.pptx
+++ b/doc/QPF_Prototype.pptx
@@ -4,6 +4,9 @@
   <p:sldMasterIdLst>
     <p:sldMasterId id="2147483660" r:id="rId1"/>
   </p:sldMasterIdLst>
+  <p:notesMasterIdLst>
+    <p:notesMasterId r:id="rId11"/>
+  </p:notesMasterIdLst>
   <p:sldIdLst>
     <p:sldId id="256" r:id="rId2"/>
     <p:sldId id="257" r:id="rId3"/>
@@ -12,9 +15,11 @@
     <p:sldId id="262" r:id="rId6"/>
     <p:sldId id="260" r:id="rId7"/>
     <p:sldId id="261" r:id="rId8"/>
+    <p:sldId id="263" r:id="rId9"/>
+    <p:sldId id="264" r:id="rId10"/>
   </p:sldIdLst>
   <p:sldSz cx="9144000" cy="6858000" type="screen4x3"/>
-  <p:notesSz cx="6858000" cy="9144000"/>
+  <p:notesSz cx="7099300" cy="10234613"/>
   <p:defaultTextStyle>
     <a:defPPr>
       <a:defRPr lang="en-US"/>
@@ -113,6 +118,524 @@
 </p:presentation>
 </file>
 
+<file path=ppt/notesMasters/notesMaster1.xml><?xml version="1.0" encoding="utf-8"?>
+<p:notesMaster xmlns:a="http://schemas.openxmlformats.org/drawingml/2006/main" xmlns:r="http://schemas.openxmlformats.org/officeDocument/2006/relationships" xmlns:p="http://schemas.openxmlformats.org/presentationml/2006/main">
+  <p:cSld>
+    <p:bg>
+      <p:bgRef idx="1001">
+        <a:schemeClr val="bg1"/>
+      </p:bgRef>
+    </p:bg>
+    <p:spTree>
+      <p:nvGrpSpPr>
+        <p:cNvPr id="1" name=""/>
+        <p:cNvGrpSpPr/>
+        <p:nvPr/>
+      </p:nvGrpSpPr>
+      <p:grpSpPr>
+        <a:xfrm>
+          <a:off x="0" y="0"/>
+          <a:ext cx="0" cy="0"/>
+          <a:chOff x="0" y="0"/>
+          <a:chExt cx="0" cy="0"/>
+        </a:xfrm>
+      </p:grpSpPr>
+      <p:sp>
+        <p:nvSpPr>
+          <p:cNvPr id="2" name="Header Placeholder 1"/>
+          <p:cNvSpPr>
+            <a:spLocks noGrp="1"/>
+          </p:cNvSpPr>
+          <p:nvPr>
+            <p:ph type="hdr" sz="quarter"/>
+          </p:nvPr>
+        </p:nvSpPr>
+        <p:spPr>
+          <a:xfrm>
+            <a:off x="0" y="0"/>
+            <a:ext cx="3076363" cy="511731"/>
+          </a:xfrm>
+          <a:prstGeom prst="rect">
+            <a:avLst/>
+          </a:prstGeom>
+        </p:spPr>
+        <p:txBody>
+          <a:bodyPr vert="horz" lIns="99048" tIns="49524" rIns="99048" bIns="49524" rtlCol="0"/>
+          <a:lstStyle>
+            <a:lvl1pPr algn="l">
+              <a:defRPr sz="1300"/>
+            </a:lvl1pPr>
+          </a:lstStyle>
+          <a:p>
+            <a:endParaRPr lang="es-ES"/>
+          </a:p>
+        </p:txBody>
+      </p:sp>
+      <p:sp>
+        <p:nvSpPr>
+          <p:cNvPr id="3" name="Date Placeholder 2"/>
+          <p:cNvSpPr>
+            <a:spLocks noGrp="1"/>
+          </p:cNvSpPr>
+          <p:nvPr>
+            <p:ph type="dt" idx="1"/>
+          </p:nvPr>
+        </p:nvSpPr>
+        <p:spPr>
+          <a:xfrm>
+            <a:off x="4021294" y="0"/>
+            <a:ext cx="3076363" cy="511731"/>
+          </a:xfrm>
+          <a:prstGeom prst="rect">
+            <a:avLst/>
+          </a:prstGeom>
+        </p:spPr>
+        <p:txBody>
+          <a:bodyPr vert="horz" lIns="99048" tIns="49524" rIns="99048" bIns="49524" rtlCol="0"/>
+          <a:lstStyle>
+            <a:lvl1pPr algn="r">
+              <a:defRPr sz="1300"/>
+            </a:lvl1pPr>
+          </a:lstStyle>
+          <a:p>
+            <a:fld id="{47B75761-7C48-4337-85E8-87D4C483F3E9}" type="datetimeFigureOut">
+              <a:rPr lang="es-ES" smtClean="0"/>
+              <a:t>06/07/2015</a:t>
+            </a:fld>
+            <a:endParaRPr lang="es-ES"/>
+          </a:p>
+        </p:txBody>
+      </p:sp>
+      <p:sp>
+        <p:nvSpPr>
+          <p:cNvPr id="4" name="Slide Image Placeholder 3"/>
+          <p:cNvSpPr>
+            <a:spLocks noGrp="1" noRot="1" noChangeAspect="1"/>
+          </p:cNvSpPr>
+          <p:nvPr>
+            <p:ph type="sldImg" idx="2"/>
+          </p:nvPr>
+        </p:nvSpPr>
+        <p:spPr>
+          <a:xfrm>
+            <a:off x="992188" y="768350"/>
+            <a:ext cx="5114925" cy="3836988"/>
+          </a:xfrm>
+          <a:prstGeom prst="rect">
+            <a:avLst/>
+          </a:prstGeom>
+          <a:noFill/>
+          <a:ln w="12700">
+            <a:solidFill>
+              <a:prstClr val="black"/>
+            </a:solidFill>
+          </a:ln>
+        </p:spPr>
+        <p:txBody>
+          <a:bodyPr vert="horz" lIns="99048" tIns="49524" rIns="99048" bIns="49524" rtlCol="0" anchor="ctr"/>
+          <a:lstStyle/>
+          <a:p>
+            <a:endParaRPr lang="es-ES"/>
+          </a:p>
+        </p:txBody>
+      </p:sp>
+      <p:sp>
+        <p:nvSpPr>
+          <p:cNvPr id="5" name="Notes Placeholder 4"/>
+          <p:cNvSpPr>
+            <a:spLocks noGrp="1"/>
+          </p:cNvSpPr>
+          <p:nvPr>
+            <p:ph type="body" sz="quarter" idx="3"/>
+          </p:nvPr>
+        </p:nvSpPr>
+        <p:spPr>
+          <a:xfrm>
+            <a:off x="709930" y="4861441"/>
+            <a:ext cx="5679440" cy="4605576"/>
+          </a:xfrm>
+          <a:prstGeom prst="rect">
+            <a:avLst/>
+          </a:prstGeom>
+        </p:spPr>
+        <p:txBody>
+          <a:bodyPr vert="horz" lIns="99048" tIns="49524" rIns="99048" bIns="49524" rtlCol="0"/>
+          <a:lstStyle/>
+          <a:p>
+            <a:pPr lvl="0"/>
+            <a:r>
+              <a:rPr lang="en-US" smtClean="0"/>
+              <a:t>Click to edit Master text styles</a:t>
+            </a:r>
+          </a:p>
+          <a:p>
+            <a:pPr lvl="1"/>
+            <a:r>
+              <a:rPr lang="en-US" smtClean="0"/>
+              <a:t>Second level</a:t>
+            </a:r>
+          </a:p>
+          <a:p>
+            <a:pPr lvl="2"/>
+            <a:r>
+              <a:rPr lang="en-US" smtClean="0"/>
+              <a:t>Third level</a:t>
+            </a:r>
+          </a:p>
+          <a:p>
+            <a:pPr lvl="3"/>
+            <a:r>
+              <a:rPr lang="en-US" smtClean="0"/>
+              <a:t>Fourth level</a:t>
+            </a:r>
+          </a:p>
+          <a:p>
+            <a:pPr lvl="4"/>
+            <a:r>
+              <a:rPr lang="en-US" smtClean="0"/>
+              <a:t>Fifth level</a:t>
+            </a:r>
+            <a:endParaRPr lang="es-ES"/>
+          </a:p>
+        </p:txBody>
+      </p:sp>
+      <p:sp>
+        <p:nvSpPr>
+          <p:cNvPr id="6" name="Footer Placeholder 5"/>
+          <p:cNvSpPr>
+            <a:spLocks noGrp="1"/>
+          </p:cNvSpPr>
+          <p:nvPr>
+            <p:ph type="ftr" sz="quarter" idx="4"/>
+          </p:nvPr>
+        </p:nvSpPr>
+        <p:spPr>
+          <a:xfrm>
+            <a:off x="0" y="9721106"/>
+            <a:ext cx="3076363" cy="511731"/>
+          </a:xfrm>
+          <a:prstGeom prst="rect">
+            <a:avLst/>
+          </a:prstGeom>
+        </p:spPr>
+        <p:txBody>
+          <a:bodyPr vert="horz" lIns="99048" tIns="49524" rIns="99048" bIns="49524" rtlCol="0" anchor="b"/>
+          <a:lstStyle>
+            <a:lvl1pPr algn="l">
+              <a:defRPr sz="1300"/>
+            </a:lvl1pPr>
+          </a:lstStyle>
+          <a:p>
+            <a:endParaRPr lang="es-ES"/>
+          </a:p>
+        </p:txBody>
+      </p:sp>
+      <p:sp>
+        <p:nvSpPr>
+          <p:cNvPr id="7" name="Slide Number Placeholder 6"/>
+          <p:cNvSpPr>
+            <a:spLocks noGrp="1"/>
+          </p:cNvSpPr>
+          <p:nvPr>
+            <p:ph type="sldNum" sz="quarter" idx="5"/>
+          </p:nvPr>
+        </p:nvSpPr>
+        <p:spPr>
+          <a:xfrm>
+            <a:off x="4021294" y="9721106"/>
+            <a:ext cx="3076363" cy="511731"/>
+          </a:xfrm>
+          <a:prstGeom prst="rect">
+            <a:avLst/>
+          </a:prstGeom>
+        </p:spPr>
+        <p:txBody>
+          <a:bodyPr vert="horz" lIns="99048" tIns="49524" rIns="99048" bIns="49524" rtlCol="0" anchor="b"/>
+          <a:lstStyle>
+            <a:lvl1pPr algn="r">
+              <a:defRPr sz="1300"/>
+            </a:lvl1pPr>
+          </a:lstStyle>
+          <a:p>
+            <a:fld id="{59145A56-C534-44D3-8716-D1A21E2FD81B}" type="slidenum">
+              <a:rPr lang="es-ES" smtClean="0"/>
+              <a:t>‹#›</a:t>
+            </a:fld>
+            <a:endParaRPr lang="es-ES"/>
+          </a:p>
+        </p:txBody>
+      </p:sp>
+    </p:spTree>
+    <p:extLst>
+      <p:ext uri="{BB962C8B-B14F-4D97-AF65-F5344CB8AC3E}">
+        <p14:creationId xmlns:p14="http://schemas.microsoft.com/office/powerpoint/2010/main" val="2634774092"/>
+      </p:ext>
+    </p:extLst>
+  </p:cSld>
+  <p:clrMap bg1="lt1" tx1="dk1" bg2="lt2" tx2="dk2" accent1="accent1" accent2="accent2" accent3="accent3" accent4="accent4" accent5="accent5" accent6="accent6" hlink="hlink" folHlink="folHlink"/>
+  <p:notesStyle>
+    <a:lvl1pPr marL="0" algn="l" defTabSz="914400" rtl="0" eaLnBrk="1" latinLnBrk="0" hangingPunct="1">
+      <a:defRPr sz="1200" kern="1200">
+        <a:solidFill>
+          <a:schemeClr val="tx1"/>
+        </a:solidFill>
+        <a:latin typeface="+mn-lt"/>
+        <a:ea typeface="+mn-ea"/>
+        <a:cs typeface="+mn-cs"/>
+      </a:defRPr>
+    </a:lvl1pPr>
+    <a:lvl2pPr marL="457200" algn="l" defTabSz="914400" rtl="0" eaLnBrk="1" latinLnBrk="0" hangingPunct="1">
+      <a:defRPr sz="1200" kern="1200">
+        <a:solidFill>
+          <a:schemeClr val="tx1"/>
+        </a:solidFill>
+        <a:latin typeface="+mn-lt"/>
+        <a:ea typeface="+mn-ea"/>
+        <a:cs typeface="+mn-cs"/>
+      </a:defRPr>
+    </a:lvl2pPr>
+    <a:lvl3pPr marL="914400" algn="l" defTabSz="914400" rtl="0" eaLnBrk="1" latinLnBrk="0" hangingPunct="1">
+      <a:defRPr sz="1200" kern="1200">
+        <a:solidFill>
+          <a:schemeClr val="tx1"/>
+        </a:solidFill>
+        <a:latin typeface="+mn-lt"/>
+        <a:ea typeface="+mn-ea"/>
+        <a:cs typeface="+mn-cs"/>
+      </a:defRPr>
+    </a:lvl3pPr>
+    <a:lvl4pPr marL="1371600" algn="l" defTabSz="914400" rtl="0" eaLnBrk="1" latinLnBrk="0" hangingPunct="1">
+      <a:defRPr sz="1200" kern="1200">
+        <a:solidFill>
+          <a:schemeClr val="tx1"/>
+        </a:solidFill>
+        <a:latin typeface="+mn-lt"/>
+        <a:ea typeface="+mn-ea"/>
+        <a:cs typeface="+mn-cs"/>
+      </a:defRPr>
+    </a:lvl4pPr>
+    <a:lvl5pPr marL="1828800" algn="l" defTabSz="914400" rtl="0" eaLnBrk="1" latinLnBrk="0" hangingPunct="1">
+      <a:defRPr sz="1200" kern="1200">
+        <a:solidFill>
+          <a:schemeClr val="tx1"/>
+        </a:solidFill>
+        <a:latin typeface="+mn-lt"/>
+        <a:ea typeface="+mn-ea"/>
+        <a:cs typeface="+mn-cs"/>
+      </a:defRPr>
+    </a:lvl5pPr>
+    <a:lvl6pPr marL="2286000" algn="l" defTabSz="914400" rtl="0" eaLnBrk="1" latinLnBrk="0" hangingPunct="1">
+      <a:defRPr sz="1200" kern="1200">
+        <a:solidFill>
+          <a:schemeClr val="tx1"/>
+        </a:solidFill>
+        <a:latin typeface="+mn-lt"/>
+        <a:ea typeface="+mn-ea"/>
+        <a:cs typeface="+mn-cs"/>
+      </a:defRPr>
+    </a:lvl6pPr>
+    <a:lvl7pPr marL="2743200" algn="l" defTabSz="914400" rtl="0" eaLnBrk="1" latinLnBrk="0" hangingPunct="1">
+      <a:defRPr sz="1200" kern="1200">
+        <a:solidFill>
+          <a:schemeClr val="tx1"/>
+        </a:solidFill>
+        <a:latin typeface="+mn-lt"/>
+        <a:ea typeface="+mn-ea"/>
+        <a:cs typeface="+mn-cs"/>
+      </a:defRPr>
+    </a:lvl7pPr>
+    <a:lvl8pPr marL="3200400" algn="l" defTabSz="914400" rtl="0" eaLnBrk="1" latinLnBrk="0" hangingPunct="1">
+      <a:defRPr sz="1200" kern="1200">
+        <a:solidFill>
+          <a:schemeClr val="tx1"/>
+        </a:solidFill>
+        <a:latin typeface="+mn-lt"/>
+        <a:ea typeface="+mn-ea"/>
+        <a:cs typeface="+mn-cs"/>
+      </a:defRPr>
+    </a:lvl8pPr>
+    <a:lvl9pPr marL="3657600" algn="l" defTabSz="914400" rtl="0" eaLnBrk="1" latinLnBrk="0" hangingPunct="1">
+      <a:defRPr sz="1200" kern="1200">
+        <a:solidFill>
+          <a:schemeClr val="tx1"/>
+        </a:solidFill>
+        <a:latin typeface="+mn-lt"/>
+        <a:ea typeface="+mn-ea"/>
+        <a:cs typeface="+mn-cs"/>
+      </a:defRPr>
+    </a:lvl9pPr>
+  </p:notesStyle>
+</p:notesMaster>
+</file>
+
+<file path=ppt/notesSlides/notesSlide1.xml><?xml version="1.0" encoding="utf-8"?>
+<p:notes xmlns:a="http://schemas.openxmlformats.org/drawingml/2006/main" xmlns:r="http://schemas.openxmlformats.org/officeDocument/2006/relationships" xmlns:p="http://schemas.openxmlformats.org/presentationml/2006/main">
+  <p:cSld>
+    <p:spTree>
+      <p:nvGrpSpPr>
+        <p:cNvPr id="1" name=""/>
+        <p:cNvGrpSpPr/>
+        <p:nvPr/>
+      </p:nvGrpSpPr>
+      <p:grpSpPr>
+        <a:xfrm>
+          <a:off x="0" y="0"/>
+          <a:ext cx="0" cy="0"/>
+          <a:chOff x="0" y="0"/>
+          <a:chExt cx="0" cy="0"/>
+        </a:xfrm>
+      </p:grpSpPr>
+      <p:sp>
+        <p:nvSpPr>
+          <p:cNvPr id="2" name="Slide Image Placeholder 1"/>
+          <p:cNvSpPr>
+            <a:spLocks noGrp="1" noRot="1" noChangeAspect="1"/>
+          </p:cNvSpPr>
+          <p:nvPr>
+            <p:ph type="sldImg"/>
+          </p:nvPr>
+        </p:nvSpPr>
+        <p:spPr/>
+      </p:sp>
+      <p:sp>
+        <p:nvSpPr>
+          <p:cNvPr id="3" name="Notes Placeholder 2"/>
+          <p:cNvSpPr>
+            <a:spLocks noGrp="1"/>
+          </p:cNvSpPr>
+          <p:nvPr>
+            <p:ph type="body" idx="1"/>
+          </p:nvPr>
+        </p:nvSpPr>
+        <p:spPr/>
+        <p:txBody>
+          <a:bodyPr/>
+          <a:lstStyle/>
+          <a:p>
+            <a:endParaRPr lang="es-ES" dirty="0"/>
+          </a:p>
+        </p:txBody>
+      </p:sp>
+      <p:sp>
+        <p:nvSpPr>
+          <p:cNvPr id="4" name="Slide Number Placeholder 3"/>
+          <p:cNvSpPr>
+            <a:spLocks noGrp="1"/>
+          </p:cNvSpPr>
+          <p:nvPr>
+            <p:ph type="sldNum" sz="quarter" idx="10"/>
+          </p:nvPr>
+        </p:nvSpPr>
+        <p:spPr/>
+        <p:txBody>
+          <a:bodyPr/>
+          <a:lstStyle/>
+          <a:p>
+            <a:fld id="{59145A56-C534-44D3-8716-D1A21E2FD81B}" type="slidenum">
+              <a:rPr lang="es-ES" smtClean="0"/>
+              <a:t>7</a:t>
+            </a:fld>
+            <a:endParaRPr lang="es-ES"/>
+          </a:p>
+        </p:txBody>
+      </p:sp>
+    </p:spTree>
+    <p:extLst>
+      <p:ext uri="{BB962C8B-B14F-4D97-AF65-F5344CB8AC3E}">
+        <p14:creationId xmlns:p14="http://schemas.microsoft.com/office/powerpoint/2010/main" val="309814853"/>
+      </p:ext>
+    </p:extLst>
+  </p:cSld>
+  <p:clrMapOvr>
+    <a:masterClrMapping/>
+  </p:clrMapOvr>
+</p:notes>
+</file>
+
+<file path=ppt/notesSlides/notesSlide2.xml><?xml version="1.0" encoding="utf-8"?>
+<p:notes xmlns:a="http://schemas.openxmlformats.org/drawingml/2006/main" xmlns:r="http://schemas.openxmlformats.org/officeDocument/2006/relationships" xmlns:p="http://schemas.openxmlformats.org/presentationml/2006/main">
+  <p:cSld>
+    <p:spTree>
+      <p:nvGrpSpPr>
+        <p:cNvPr id="1" name=""/>
+        <p:cNvGrpSpPr/>
+        <p:nvPr/>
+      </p:nvGrpSpPr>
+      <p:grpSpPr>
+        <a:xfrm>
+          <a:off x="0" y="0"/>
+          <a:ext cx="0" cy="0"/>
+          <a:chOff x="0" y="0"/>
+          <a:chExt cx="0" cy="0"/>
+        </a:xfrm>
+      </p:grpSpPr>
+      <p:sp>
+        <p:nvSpPr>
+          <p:cNvPr id="2" name="Slide Image Placeholder 1"/>
+          <p:cNvSpPr>
+            <a:spLocks noGrp="1" noRot="1" noChangeAspect="1"/>
+          </p:cNvSpPr>
+          <p:nvPr>
+            <p:ph type="sldImg"/>
+          </p:nvPr>
+        </p:nvSpPr>
+        <p:spPr/>
+      </p:sp>
+      <p:sp>
+        <p:nvSpPr>
+          <p:cNvPr id="3" name="Notes Placeholder 2"/>
+          <p:cNvSpPr>
+            <a:spLocks noGrp="1"/>
+          </p:cNvSpPr>
+          <p:nvPr>
+            <p:ph type="body" idx="1"/>
+          </p:nvPr>
+        </p:nvSpPr>
+        <p:spPr/>
+        <p:txBody>
+          <a:bodyPr/>
+          <a:lstStyle/>
+          <a:p>
+            <a:endParaRPr lang="es-ES" dirty="0"/>
+          </a:p>
+        </p:txBody>
+      </p:sp>
+      <p:sp>
+        <p:nvSpPr>
+          <p:cNvPr id="4" name="Slide Number Placeholder 3"/>
+          <p:cNvSpPr>
+            <a:spLocks noGrp="1"/>
+          </p:cNvSpPr>
+          <p:nvPr>
+            <p:ph type="sldNum" sz="quarter" idx="10"/>
+          </p:nvPr>
+        </p:nvSpPr>
+        <p:spPr/>
+        <p:txBody>
+          <a:bodyPr/>
+          <a:lstStyle/>
+          <a:p>
+            <a:fld id="{59145A56-C534-44D3-8716-D1A21E2FD81B}" type="slidenum">
+              <a:rPr lang="es-ES" smtClean="0"/>
+              <a:t>8</a:t>
+            </a:fld>
+            <a:endParaRPr lang="es-ES"/>
+          </a:p>
+        </p:txBody>
+      </p:sp>
+    </p:spTree>
+    <p:extLst>
+      <p:ext uri="{BB962C8B-B14F-4D97-AF65-F5344CB8AC3E}">
+        <p14:creationId xmlns:p14="http://schemas.microsoft.com/office/powerpoint/2010/main" val="309814853"/>
+      </p:ext>
+    </p:extLst>
+  </p:cSld>
+  <p:clrMapOvr>
+    <a:masterClrMapping/>
+  </p:clrMapOvr>
+</p:notes>
+</file>
+
 <file path=ppt/slideLayouts/slideLayout1.xml><?xml version="1.0" encoding="utf-8"?>
 <p:sldLayout xmlns:a="http://schemas.openxmlformats.org/drawingml/2006/main" xmlns:r="http://schemas.openxmlformats.org/officeDocument/2006/relationships" xmlns:p="http://schemas.openxmlformats.org/presentationml/2006/main" type="title" preserve="1">
   <p:cSld name="Title Slide">
@@ -299,7 +822,7 @@
             <a:fld id="{8E36636D-D922-432D-A958-524484B5923D}" type="datetimeFigureOut">
               <a:rPr lang="en-US" smtClean="0"/>
               <a:pPr/>
-              <a:t>6/7/15</a:t>
+              <a:t>7/6/2015</a:t>
             </a:fld>
             <a:endParaRPr lang="en-US"/>
           </a:p>
@@ -342,7 +865,7 @@
             <a:fld id="{DF28FB93-0A08-4E7D-8E63-9EFA29F1E093}" type="slidenum">
               <a:rPr lang="en-US" smtClean="0"/>
               <a:pPr/>
-              <a:t>‹Nr.›</a:t>
+              <a:t>‹#›</a:t>
             </a:fld>
             <a:endParaRPr lang="en-US"/>
           </a:p>
@@ -466,7 +989,7 @@
             <a:fld id="{8E36636D-D922-432D-A958-524484B5923D}" type="datetimeFigureOut">
               <a:rPr lang="en-US" smtClean="0"/>
               <a:pPr/>
-              <a:t>6/7/15</a:t>
+              <a:t>7/6/2015</a:t>
             </a:fld>
             <a:endParaRPr lang="en-US"/>
           </a:p>
@@ -509,7 +1032,7 @@
             <a:fld id="{DF28FB93-0A08-4E7D-8E63-9EFA29F1E093}" type="slidenum">
               <a:rPr lang="en-US" smtClean="0"/>
               <a:pPr/>
-              <a:t>‹Nr.›</a:t>
+              <a:t>‹#›</a:t>
             </a:fld>
             <a:endParaRPr lang="en-US"/>
           </a:p>
@@ -643,7 +1166,7 @@
             <a:fld id="{8E36636D-D922-432D-A958-524484B5923D}" type="datetimeFigureOut">
               <a:rPr lang="en-US" smtClean="0"/>
               <a:pPr/>
-              <a:t>6/7/15</a:t>
+              <a:t>7/6/2015</a:t>
             </a:fld>
             <a:endParaRPr lang="en-US"/>
           </a:p>
@@ -686,7 +1209,7 @@
             <a:fld id="{DF28FB93-0A08-4E7D-8E63-9EFA29F1E093}" type="slidenum">
               <a:rPr lang="en-US" smtClean="0"/>
               <a:pPr/>
-              <a:t>‹Nr.›</a:t>
+              <a:t>‹#›</a:t>
             </a:fld>
             <a:endParaRPr lang="en-US"/>
           </a:p>
@@ -810,7 +1333,7 @@
             <a:fld id="{8E36636D-D922-432D-A958-524484B5923D}" type="datetimeFigureOut">
               <a:rPr lang="en-US" smtClean="0"/>
               <a:pPr/>
-              <a:t>6/7/15</a:t>
+              <a:t>7/6/2015</a:t>
             </a:fld>
             <a:endParaRPr lang="en-US"/>
           </a:p>
@@ -853,7 +1376,7 @@
             <a:fld id="{DF28FB93-0A08-4E7D-8E63-9EFA29F1E093}" type="slidenum">
               <a:rPr lang="en-US" smtClean="0"/>
               <a:pPr/>
-              <a:t>‹Nr.›</a:t>
+              <a:t>‹#›</a:t>
             </a:fld>
             <a:endParaRPr lang="en-US"/>
           </a:p>
@@ -1051,7 +1574,7 @@
             <a:fld id="{8E36636D-D922-432D-A958-524484B5923D}" type="datetimeFigureOut">
               <a:rPr lang="en-US" smtClean="0"/>
               <a:pPr/>
-              <a:t>6/7/15</a:t>
+              <a:t>7/6/2015</a:t>
             </a:fld>
             <a:endParaRPr lang="en-US"/>
           </a:p>
@@ -1094,7 +1617,7 @@
             <a:fld id="{DF28FB93-0A08-4E7D-8E63-9EFA29F1E093}" type="slidenum">
               <a:rPr lang="en-US" smtClean="0"/>
               <a:pPr/>
-              <a:t>‹Nr.›</a:t>
+              <a:t>‹#›</a:t>
             </a:fld>
             <a:endParaRPr lang="en-US"/>
           </a:p>
@@ -1336,7 +1859,7 @@
             <a:fld id="{8E36636D-D922-432D-A958-524484B5923D}" type="datetimeFigureOut">
               <a:rPr lang="en-US" smtClean="0"/>
               <a:pPr/>
-              <a:t>6/7/15</a:t>
+              <a:t>7/6/2015</a:t>
             </a:fld>
             <a:endParaRPr lang="en-US"/>
           </a:p>
@@ -1379,7 +1902,7 @@
             <a:fld id="{DF28FB93-0A08-4E7D-8E63-9EFA29F1E093}" type="slidenum">
               <a:rPr lang="en-US" smtClean="0"/>
               <a:pPr/>
-              <a:t>‹Nr.›</a:t>
+              <a:t>‹#›</a:t>
             </a:fld>
             <a:endParaRPr lang="en-US"/>
           </a:p>
@@ -1755,7 +2278,7 @@
             <a:fld id="{8E36636D-D922-432D-A958-524484B5923D}" type="datetimeFigureOut">
               <a:rPr lang="en-US" smtClean="0"/>
               <a:pPr/>
-              <a:t>6/7/15</a:t>
+              <a:t>7/6/2015</a:t>
             </a:fld>
             <a:endParaRPr lang="en-US"/>
           </a:p>
@@ -1798,7 +2321,7 @@
             <a:fld id="{DF28FB93-0A08-4E7D-8E63-9EFA29F1E093}" type="slidenum">
               <a:rPr lang="en-US" smtClean="0"/>
               <a:pPr/>
-              <a:t>‹Nr.›</a:t>
+              <a:t>‹#›</a:t>
             </a:fld>
             <a:endParaRPr lang="en-US"/>
           </a:p>
@@ -1870,7 +2393,7 @@
             <a:fld id="{8E36636D-D922-432D-A958-524484B5923D}" type="datetimeFigureOut">
               <a:rPr lang="en-US" smtClean="0"/>
               <a:pPr/>
-              <a:t>6/7/15</a:t>
+              <a:t>7/6/2015</a:t>
             </a:fld>
             <a:endParaRPr lang="en-US"/>
           </a:p>
@@ -1913,7 +2436,7 @@
             <a:fld id="{DF28FB93-0A08-4E7D-8E63-9EFA29F1E093}" type="slidenum">
               <a:rPr lang="en-US" smtClean="0"/>
               <a:pPr/>
-              <a:t>‹Nr.›</a:t>
+              <a:t>‹#›</a:t>
             </a:fld>
             <a:endParaRPr lang="en-US"/>
           </a:p>
@@ -1962,7 +2485,7 @@
             <a:fld id="{8E36636D-D922-432D-A958-524484B5923D}" type="datetimeFigureOut">
               <a:rPr lang="en-US" smtClean="0"/>
               <a:pPr/>
-              <a:t>6/7/15</a:t>
+              <a:t>7/6/2015</a:t>
             </a:fld>
             <a:endParaRPr lang="en-US"/>
           </a:p>
@@ -2005,7 +2528,7 @@
             <a:fld id="{DF28FB93-0A08-4E7D-8E63-9EFA29F1E093}" type="slidenum">
               <a:rPr lang="en-US" smtClean="0"/>
               <a:pPr/>
-              <a:t>‹Nr.›</a:t>
+              <a:t>‹#›</a:t>
             </a:fld>
             <a:endParaRPr lang="en-US"/>
           </a:p>
@@ -2243,7 +2766,7 @@
             <a:fld id="{8E36636D-D922-432D-A958-524484B5923D}" type="datetimeFigureOut">
               <a:rPr lang="en-US" smtClean="0"/>
               <a:pPr/>
-              <a:t>6/7/15</a:t>
+              <a:t>7/6/2015</a:t>
             </a:fld>
             <a:endParaRPr lang="en-US"/>
           </a:p>
@@ -2286,7 +2809,7 @@
             <a:fld id="{DF28FB93-0A08-4E7D-8E63-9EFA29F1E093}" type="slidenum">
               <a:rPr lang="en-US" smtClean="0"/>
               <a:pPr/>
-              <a:t>‹Nr.›</a:t>
+              <a:t>‹#›</a:t>
             </a:fld>
             <a:endParaRPr lang="en-US"/>
           </a:p>
@@ -2504,7 +3027,7 @@
             <a:fld id="{8E36636D-D922-432D-A958-524484B5923D}" type="datetimeFigureOut">
               <a:rPr lang="en-US" smtClean="0"/>
               <a:pPr/>
-              <a:t>6/7/15</a:t>
+              <a:t>7/6/2015</a:t>
             </a:fld>
             <a:endParaRPr lang="en-US"/>
           </a:p>
@@ -2547,7 +3070,7 @@
             <a:fld id="{DF28FB93-0A08-4E7D-8E63-9EFA29F1E093}" type="slidenum">
               <a:rPr lang="en-US" smtClean="0"/>
               <a:pPr/>
-              <a:t>‹Nr.›</a:t>
+              <a:t>‹#›</a:t>
             </a:fld>
             <a:endParaRPr lang="en-US"/>
           </a:p>
@@ -2714,7 +3237,7 @@
             <a:fld id="{8E36636D-D922-432D-A958-524484B5923D}" type="datetimeFigureOut">
               <a:rPr lang="en-US" smtClean="0"/>
               <a:pPr/>
-              <a:t>6/7/15</a:t>
+              <a:t>7/6/2015</a:t>
             </a:fld>
             <a:endParaRPr lang="en-US"/>
           </a:p>
@@ -2793,7 +3316,7 @@
             <a:fld id="{DF28FB93-0A08-4E7D-8E63-9EFA29F1E093}" type="slidenum">
               <a:rPr lang="en-US" smtClean="0"/>
               <a:pPr/>
-              <a:t>‹Nr.›</a:t>
+              <a:t>‹#›</a:t>
             </a:fld>
             <a:endParaRPr lang="en-US"/>
           </a:p>
@@ -3211,13 +3734,8 @@
           <a:p>
             <a:r>
               <a:rPr lang="es-ES" sz="1400"/>
-              <a:t>J C Gonz</a:t>
-            </a:r>
-            <a:r>
-              <a:rPr lang="es-ES" sz="1400"/>
-              <a:t>ález – Jul 2015</a:t>
-            </a:r>
-            <a:endParaRPr lang="es-ES" sz="1400"/>
+              <a:t>J C González – Jul 2015</a:t>
+            </a:r>
           </a:p>
         </p:txBody>
       </p:sp>
@@ -3283,7 +3801,7 @@
         </p:nvSpPr>
         <p:spPr>
           <a:xfrm>
-            <a:off x="3341172" y="2304947"/>
+            <a:off x="3503097" y="2304947"/>
             <a:ext cx="1230828" cy="530634"/>
           </a:xfrm>
           <a:prstGeom prst="rect">
@@ -3338,7 +3856,7 @@
         </p:nvSpPr>
         <p:spPr>
           <a:xfrm>
-            <a:off x="5679370" y="2304947"/>
+            <a:off x="5841295" y="2304947"/>
             <a:ext cx="1230828" cy="530634"/>
           </a:xfrm>
           <a:prstGeom prst="rect">
@@ -3393,7 +3911,7 @@
         </p:nvSpPr>
         <p:spPr>
           <a:xfrm>
-            <a:off x="1018210" y="2304947"/>
+            <a:off x="1180135" y="2304947"/>
             <a:ext cx="1230828" cy="530634"/>
           </a:xfrm>
           <a:prstGeom prst="rect">
@@ -3445,7 +3963,7 @@
         </p:nvSpPr>
         <p:spPr>
           <a:xfrm>
-            <a:off x="1018210" y="1154956"/>
+            <a:off x="1180135" y="1154956"/>
             <a:ext cx="1230828" cy="530634"/>
           </a:xfrm>
           <a:prstGeom prst="rect">
@@ -3490,7 +4008,7 @@
         </p:nvSpPr>
         <p:spPr>
           <a:xfrm>
-            <a:off x="1135805" y="3429000"/>
+            <a:off x="1297730" y="3429000"/>
             <a:ext cx="1230828" cy="530634"/>
           </a:xfrm>
           <a:prstGeom prst="rect">
@@ -3542,7 +4060,7 @@
         </p:nvSpPr>
         <p:spPr>
           <a:xfrm>
-            <a:off x="3341172" y="3429000"/>
+            <a:off x="3503097" y="3429000"/>
             <a:ext cx="1230828" cy="530634"/>
           </a:xfrm>
           <a:prstGeom prst="rect">
@@ -3594,7 +4112,7 @@
         </p:nvSpPr>
         <p:spPr>
           <a:xfrm>
-            <a:off x="5560406" y="3429000"/>
+            <a:off x="5722331" y="3429000"/>
             <a:ext cx="1230828" cy="530634"/>
           </a:xfrm>
           <a:prstGeom prst="rect">
@@ -3651,7 +4169,7 @@
         </p:nvSpPr>
         <p:spPr>
           <a:xfrm>
-            <a:off x="7177827" y="4026753"/>
+            <a:off x="7339752" y="4026753"/>
             <a:ext cx="1230828" cy="530634"/>
           </a:xfrm>
           <a:prstGeom prst="rect">
@@ -3706,7 +4224,7 @@
         </p:nvSpPr>
         <p:spPr>
           <a:xfrm>
-            <a:off x="7177827" y="4837708"/>
+            <a:off x="7339752" y="4837708"/>
             <a:ext cx="1230828" cy="530634"/>
           </a:xfrm>
           <a:prstGeom prst="rect">
@@ -3761,7 +4279,7 @@
         </p:nvSpPr>
         <p:spPr>
           <a:xfrm>
-            <a:off x="1277866" y="5525709"/>
+            <a:off x="1439791" y="5525709"/>
             <a:ext cx="1287257" cy="297918"/>
           </a:xfrm>
           <a:prstGeom prst="snip2DiagRect">
@@ -3802,7 +4320,7 @@
         </p:nvSpPr>
         <p:spPr>
           <a:xfrm>
-            <a:off x="2731647" y="5529150"/>
+            <a:off x="2893572" y="5529150"/>
             <a:ext cx="1287257" cy="297918"/>
           </a:xfrm>
           <a:prstGeom prst="snip2DiagRect">
@@ -3843,7 +4361,7 @@
         </p:nvSpPr>
         <p:spPr>
           <a:xfrm>
-            <a:off x="4668046" y="5529150"/>
+            <a:off x="4829971" y="5529150"/>
             <a:ext cx="1287257" cy="297918"/>
           </a:xfrm>
           <a:prstGeom prst="snip2DiagRect">
@@ -3884,7 +4402,7 @@
         </p:nvSpPr>
         <p:spPr>
           <a:xfrm>
-            <a:off x="7629474" y="4472267"/>
+            <a:off x="7791399" y="4472267"/>
             <a:ext cx="367596" cy="369332"/>
           </a:xfrm>
           <a:prstGeom prst="rect">
@@ -3913,7 +4431,7 @@
         </p:nvSpPr>
         <p:spPr>
           <a:xfrm>
-            <a:off x="4175618" y="5469356"/>
+            <a:off x="4337543" y="5469356"/>
             <a:ext cx="367596" cy="369332"/>
           </a:xfrm>
           <a:prstGeom prst="rect">
@@ -3944,7 +4462,7 @@
         </p:nvCxnSpPr>
         <p:spPr>
           <a:xfrm flipH="1">
-            <a:off x="2140231" y="4292070"/>
+            <a:off x="2302156" y="4292070"/>
             <a:ext cx="5037596" cy="0"/>
           </a:xfrm>
           <a:prstGeom prst="straightConnector1">
@@ -3985,7 +4503,7 @@
         </p:nvCxnSpPr>
         <p:spPr>
           <a:xfrm flipH="1">
-            <a:off x="5119307" y="5103025"/>
+            <a:off x="5281232" y="5103025"/>
             <a:ext cx="2058520" cy="0"/>
           </a:xfrm>
           <a:prstGeom prst="straightConnector1">
@@ -4026,7 +4544,7 @@
         </p:nvCxnSpPr>
         <p:spPr>
           <a:xfrm flipV="1">
-            <a:off x="1921495" y="4292070"/>
+            <a:off x="2083420" y="4292070"/>
             <a:ext cx="0" cy="1233639"/>
           </a:xfrm>
           <a:prstGeom prst="straightConnector1">
@@ -4067,7 +4585,7 @@
         </p:nvCxnSpPr>
         <p:spPr>
           <a:xfrm flipV="1">
-            <a:off x="3375276" y="4664773"/>
+            <a:off x="3537201" y="4664773"/>
             <a:ext cx="0" cy="864377"/>
           </a:xfrm>
           <a:prstGeom prst="straightConnector1">
@@ -4108,7 +4626,7 @@
         </p:nvCxnSpPr>
         <p:spPr>
           <a:xfrm flipV="1">
-            <a:off x="5311675" y="5190050"/>
+            <a:off x="5473600" y="5190050"/>
             <a:ext cx="0" cy="339100"/>
           </a:xfrm>
           <a:prstGeom prst="straightConnector1">
@@ -4147,7 +4665,7 @@
         </p:nvSpPr>
         <p:spPr>
           <a:xfrm rot="900402">
-            <a:off x="1716250" y="4683728"/>
+            <a:off x="1878175" y="4683728"/>
             <a:ext cx="3898225" cy="95822"/>
           </a:xfrm>
           <a:prstGeom prst="rect">
@@ -4188,7 +4706,7 @@
         </p:nvCxnSpPr>
         <p:spPr>
           <a:xfrm>
-            <a:off x="2249038" y="1420273"/>
+            <a:off x="2410963" y="1420273"/>
             <a:ext cx="1707548" cy="884674"/>
           </a:xfrm>
           <a:prstGeom prst="bentConnector2">
@@ -4224,7 +4742,7 @@
         </p:nvCxnSpPr>
         <p:spPr>
           <a:xfrm flipH="1">
-            <a:off x="2249038" y="2493105"/>
+            <a:off x="2410963" y="2493105"/>
             <a:ext cx="1092134" cy="0"/>
           </a:xfrm>
           <a:prstGeom prst="straightConnector1">
@@ -4260,7 +4778,7 @@
         </p:nvCxnSpPr>
         <p:spPr>
           <a:xfrm>
-            <a:off x="2249038" y="2676865"/>
+            <a:off x="2410963" y="2676865"/>
             <a:ext cx="1092134" cy="0"/>
           </a:xfrm>
           <a:prstGeom prst="straightConnector1">
@@ -4296,7 +4814,7 @@
         </p:nvCxnSpPr>
         <p:spPr>
           <a:xfrm flipH="1">
-            <a:off x="4573240" y="2496545"/>
+            <a:off x="4735165" y="2496545"/>
             <a:ext cx="1092134" cy="0"/>
           </a:xfrm>
           <a:prstGeom prst="straightConnector1">
@@ -4332,7 +4850,7 @@
         </p:nvCxnSpPr>
         <p:spPr>
           <a:xfrm>
-            <a:off x="4573240" y="2680305"/>
+            <a:off x="4735165" y="2680305"/>
             <a:ext cx="1092134" cy="0"/>
           </a:xfrm>
           <a:prstGeom prst="straightConnector1">
@@ -4368,7 +4886,7 @@
         </p:nvCxnSpPr>
         <p:spPr>
           <a:xfrm flipH="1">
-            <a:off x="2366633" y="3605419"/>
+            <a:off x="2528558" y="3605419"/>
             <a:ext cx="974540" cy="0"/>
           </a:xfrm>
           <a:prstGeom prst="straightConnector1">
@@ -4404,7 +4922,7 @@
         </p:nvCxnSpPr>
         <p:spPr>
           <a:xfrm>
-            <a:off x="2366633" y="3789179"/>
+            <a:off x="2528558" y="3789179"/>
             <a:ext cx="974539" cy="0"/>
           </a:xfrm>
           <a:prstGeom prst="straightConnector1">
@@ -4440,7 +4958,7 @@
         </p:nvCxnSpPr>
         <p:spPr>
           <a:xfrm flipH="1">
-            <a:off x="4585869" y="3605419"/>
+            <a:off x="4747794" y="3605419"/>
             <a:ext cx="974540" cy="0"/>
           </a:xfrm>
           <a:prstGeom prst="straightConnector1">
@@ -4476,7 +4994,7 @@
         </p:nvCxnSpPr>
         <p:spPr>
           <a:xfrm>
-            <a:off x="4585869" y="3789179"/>
+            <a:off x="4747794" y="3789179"/>
             <a:ext cx="974539" cy="0"/>
           </a:xfrm>
           <a:prstGeom prst="straightConnector1">
@@ -4515,7 +5033,7 @@
         </p:nvCxnSpPr>
         <p:spPr>
           <a:xfrm>
-            <a:off x="6791234" y="3694317"/>
+            <a:off x="6953159" y="3694317"/>
             <a:ext cx="1617421" cy="597753"/>
           </a:xfrm>
           <a:prstGeom prst="bentConnector3">
@@ -4556,7 +5074,7 @@
         </p:nvCxnSpPr>
         <p:spPr>
           <a:xfrm>
-            <a:off x="6791234" y="3694317"/>
+            <a:off x="6953159" y="3694317"/>
             <a:ext cx="1617421" cy="1408708"/>
           </a:xfrm>
           <a:prstGeom prst="bentConnector3">
@@ -4597,7 +5115,7 @@
         </p:nvCxnSpPr>
         <p:spPr>
           <a:xfrm flipV="1">
-            <a:off x="5311675" y="5827068"/>
+            <a:off x="5473600" y="5827068"/>
             <a:ext cx="0" cy="390016"/>
           </a:xfrm>
           <a:prstGeom prst="straightConnector1">
@@ -4638,7 +5156,7 @@
         </p:nvCxnSpPr>
         <p:spPr>
           <a:xfrm flipV="1">
-            <a:off x="3375276" y="5827068"/>
+            <a:off x="3537201" y="5827068"/>
             <a:ext cx="0" cy="390016"/>
           </a:xfrm>
           <a:prstGeom prst="straightConnector1">
@@ -4679,7 +5197,7 @@
         </p:nvCxnSpPr>
         <p:spPr>
           <a:xfrm flipV="1">
-            <a:off x="1921495" y="5823627"/>
+            <a:off x="2083420" y="5823627"/>
             <a:ext cx="0" cy="393457"/>
           </a:xfrm>
           <a:prstGeom prst="straightConnector1">
@@ -4718,7 +5236,7 @@
         </p:nvSpPr>
         <p:spPr>
           <a:xfrm>
-            <a:off x="1018210" y="6036766"/>
+            <a:off x="1180135" y="6036766"/>
             <a:ext cx="5300567" cy="266558"/>
           </a:xfrm>
           <a:prstGeom prst="rect">
@@ -4772,7 +5290,7 @@
         </p:nvGrpSpPr>
         <p:grpSpPr>
           <a:xfrm rot="19827909">
-            <a:off x="2316614" y="3026894"/>
+            <a:off x="2478539" y="3026894"/>
             <a:ext cx="1092134" cy="183760"/>
             <a:chOff x="4725640" y="2648945"/>
             <a:chExt cx="1092134" cy="183760"/>
@@ -4859,7 +5377,7 @@
         </p:nvGrpSpPr>
         <p:grpSpPr>
           <a:xfrm rot="5400000">
-            <a:off x="3630314" y="3040410"/>
+            <a:off x="3792239" y="3040410"/>
             <a:ext cx="593419" cy="183761"/>
             <a:chOff x="4738269" y="3757819"/>
             <a:chExt cx="974540" cy="183760"/>
@@ -4946,7 +5464,7 @@
         </p:nvSpPr>
         <p:spPr>
           <a:xfrm>
-            <a:off x="3916985" y="1601049"/>
+            <a:off x="4078910" y="1601049"/>
             <a:ext cx="659155" cy="369332"/>
           </a:xfrm>
           <a:prstGeom prst="rect">
@@ -4987,7 +5505,7 @@
         </p:nvSpPr>
         <p:spPr>
           <a:xfrm>
-            <a:off x="4789729" y="2652530"/>
+            <a:off x="4951654" y="2652530"/>
             <a:ext cx="659155" cy="276999"/>
           </a:xfrm>
           <a:prstGeom prst="rect">
@@ -5022,7 +5540,7 @@
         </p:nvSpPr>
         <p:spPr>
           <a:xfrm>
-            <a:off x="2284214" y="2138534"/>
+            <a:off x="2446139" y="2138534"/>
             <a:ext cx="1065203" cy="369332"/>
           </a:xfrm>
           <a:prstGeom prst="rect">
@@ -5066,7 +5584,7 @@
         </p:nvSpPr>
         <p:spPr>
           <a:xfrm>
-            <a:off x="3979704" y="2912073"/>
+            <a:off x="4141629" y="2912073"/>
             <a:ext cx="484365" cy="184666"/>
           </a:xfrm>
           <a:prstGeom prst="rect">
@@ -5095,7 +5613,7 @@
         </p:nvSpPr>
         <p:spPr>
           <a:xfrm>
-            <a:off x="3223341" y="3057539"/>
+            <a:off x="3385266" y="3057539"/>
             <a:ext cx="659155" cy="276999"/>
           </a:xfrm>
           <a:prstGeom prst="rect">
@@ -5132,7 +5650,7 @@
         </p:nvSpPr>
         <p:spPr>
           <a:xfrm>
-            <a:off x="2799365" y="3180665"/>
+            <a:off x="2961290" y="3180665"/>
             <a:ext cx="573557" cy="184666"/>
           </a:xfrm>
           <a:prstGeom prst="rect">
@@ -5161,7 +5679,7 @@
         </p:nvSpPr>
         <p:spPr>
           <a:xfrm>
-            <a:off x="1865831" y="2913981"/>
+            <a:off x="2027756" y="2913981"/>
             <a:ext cx="902811" cy="369332"/>
           </a:xfrm>
           <a:prstGeom prst="rect">
@@ -5202,7 +5720,7 @@
         </p:nvSpPr>
         <p:spPr>
           <a:xfrm>
-            <a:off x="2565123" y="3773499"/>
+            <a:off x="2727048" y="3773499"/>
             <a:ext cx="573557" cy="184666"/>
           </a:xfrm>
           <a:prstGeom prst="rect">
@@ -5231,7 +5749,7 @@
         </p:nvSpPr>
         <p:spPr>
           <a:xfrm>
-            <a:off x="2731647" y="3342182"/>
+            <a:off x="2893572" y="3342182"/>
             <a:ext cx="607859" cy="276999"/>
           </a:xfrm>
           <a:prstGeom prst="rect">
@@ -5268,7 +5786,7 @@
         </p:nvSpPr>
         <p:spPr>
           <a:xfrm>
-            <a:off x="6836791" y="3507101"/>
+            <a:off x="6998716" y="3507101"/>
             <a:ext cx="484365" cy="184666"/>
           </a:xfrm>
           <a:prstGeom prst="rect">
@@ -5297,7 +5815,7 @@
         </p:nvSpPr>
         <p:spPr>
           <a:xfrm>
-            <a:off x="8511418" y="5169743"/>
+            <a:off x="8559043" y="5141168"/>
             <a:ext cx="556563" cy="184666"/>
           </a:xfrm>
           <a:prstGeom prst="rect">
@@ -5326,7 +5844,7 @@
         </p:nvSpPr>
         <p:spPr>
           <a:xfrm>
-            <a:off x="3130739" y="1235607"/>
+            <a:off x="3292664" y="1235607"/>
             <a:ext cx="697627" cy="184666"/>
           </a:xfrm>
           <a:prstGeom prst="rect">
@@ -5362,7 +5880,7 @@
         </p:nvSpPr>
         <p:spPr>
           <a:xfrm>
-            <a:off x="2395657" y="2650914"/>
+            <a:off x="2557582" y="2650914"/>
             <a:ext cx="671979" cy="184666"/>
           </a:xfrm>
           <a:prstGeom prst="rect">
@@ -5398,7 +5916,7 @@
         </p:nvSpPr>
         <p:spPr>
           <a:xfrm>
-            <a:off x="4830084" y="3414768"/>
+            <a:off x="4992009" y="3414768"/>
             <a:ext cx="484365" cy="184666"/>
           </a:xfrm>
           <a:prstGeom prst="rect">
@@ -5427,7 +5945,7 @@
         </p:nvSpPr>
         <p:spPr>
           <a:xfrm>
-            <a:off x="4799628" y="3774968"/>
+            <a:off x="4961553" y="3774968"/>
             <a:ext cx="556563" cy="184666"/>
           </a:xfrm>
           <a:prstGeom prst="rect">
@@ -5456,7 +5974,7 @@
         </p:nvSpPr>
         <p:spPr>
           <a:xfrm>
-            <a:off x="4790689" y="2320627"/>
+            <a:off x="4952614" y="2320627"/>
             <a:ext cx="624352" cy="184666"/>
           </a:xfrm>
           <a:prstGeom prst="rect">
@@ -5485,7 +6003,7 @@
         </p:nvCxnSpPr>
         <p:spPr>
           <a:xfrm rot="1772091">
-            <a:off x="4539231" y="3100723"/>
+            <a:off x="4701156" y="3100723"/>
             <a:ext cx="1092134" cy="0"/>
           </a:xfrm>
           <a:prstGeom prst="straightConnector1">
@@ -5521,7 +6039,7 @@
         </p:nvSpPr>
         <p:spPr>
           <a:xfrm>
-            <a:off x="4535374" y="3062380"/>
+            <a:off x="4697299" y="3062380"/>
             <a:ext cx="646331" cy="184666"/>
           </a:xfrm>
           <a:prstGeom prst="rect">
@@ -5542,6 +6060,83 @@
           </a:p>
         </p:txBody>
       </p:sp>
+      <p:sp>
+        <p:nvSpPr>
+          <p:cNvPr id="12" name="Rounded Rectangle 11"/>
+          <p:cNvSpPr/>
+          <p:nvPr/>
+        </p:nvSpPr>
+        <p:spPr>
+          <a:xfrm>
+            <a:off x="333375" y="2844090"/>
+            <a:ext cx="476250" cy="2092555"/>
+          </a:xfrm>
+          <a:prstGeom prst="roundRect">
+            <a:avLst/>
+          </a:prstGeom>
+        </p:spPr>
+        <p:style>
+          <a:lnRef idx="1">
+            <a:schemeClr val="accent2"/>
+          </a:lnRef>
+          <a:fillRef idx="3">
+            <a:schemeClr val="accent2"/>
+          </a:fillRef>
+          <a:effectRef idx="2">
+            <a:schemeClr val="accent2"/>
+          </a:effectRef>
+          <a:fontRef idx="minor">
+            <a:schemeClr val="lt1"/>
+          </a:fontRef>
+        </p:style>
+        <p:txBody>
+          <a:bodyPr vert="vert270" rtlCol="0" anchor="ctr"/>
+          <a:lstStyle/>
+          <a:p>
+            <a:pPr algn="ctr"/>
+            <a:r>
+              <a:rPr lang="en-US" sz="1200" b="1" dirty="0" smtClean="0"/>
+              <a:t>External Archive</a:t>
+            </a:r>
+            <a:endParaRPr lang="es-ES" sz="1200" b="1" dirty="0"/>
+          </a:p>
+        </p:txBody>
+      </p:sp>
+      <p:cxnSp>
+        <p:nvCxnSpPr>
+          <p:cNvPr id="22" name="Straight Arrow Connector 21"/>
+          <p:cNvCxnSpPr>
+            <a:stCxn id="7" idx="1"/>
+          </p:cNvCxnSpPr>
+          <p:nvPr/>
+        </p:nvCxnSpPr>
+        <p:spPr>
+          <a:xfrm flipH="1">
+            <a:off x="809625" y="3694317"/>
+            <a:ext cx="488105" cy="0"/>
+          </a:xfrm>
+          <a:prstGeom prst="straightConnector1">
+            <a:avLst/>
+          </a:prstGeom>
+          <a:ln w="50800">
+            <a:tailEnd type="stealth"/>
+          </a:ln>
+        </p:spPr>
+        <p:style>
+          <a:lnRef idx="1">
+            <a:schemeClr val="accent1"/>
+          </a:lnRef>
+          <a:fillRef idx="0">
+            <a:schemeClr val="accent1"/>
+          </a:fillRef>
+          <a:effectRef idx="0">
+            <a:schemeClr val="accent1"/>
+          </a:effectRef>
+          <a:fontRef idx="minor">
+            <a:schemeClr val="tx1"/>
+          </a:fontRef>
+        </p:style>
+      </p:cxnSp>
     </p:spTree>
     <p:extLst>
       <p:ext uri="{BB962C8B-B14F-4D97-AF65-F5344CB8AC3E}">
@@ -5555,7 +6150,7 @@
   <p:timing>
     <p:tnLst>
       <p:par>
-        <p:cTn xmlns:p14="http://schemas.microsoft.com/office/powerpoint/2010/main" id="1" dur="indefinite" restart="never" nodeType="tmRoot"/>
+        <p:cTn id="1" dur="indefinite" restart="never" nodeType="tmRoot"/>
       </p:par>
     </p:tnLst>
   </p:timing>
@@ -5753,11 +6348,7 @@
               <a:pPr algn="ctr"/>
               <a:r>
                 <a:rPr lang="es-ES" sz="1000" b="1"/>
-                <a:t>q</a:t>
-              </a:r>
-              <a:r>
-                <a:rPr lang="es-ES" sz="1000" b="1"/>
-                <a:t>pf</a:t>
+                <a:t>qpf</a:t>
               </a:r>
             </a:p>
             <a:p>
@@ -5766,7 +6357,6 @@
                 <a:rPr lang="es-ES" sz="700" b="1"/>
                 <a:t>&lt;&lt;executable&gt;&gt;</a:t>
               </a:r>
-              <a:endParaRPr lang="es-ES" sz="700" b="1"/>
             </a:p>
           </p:txBody>
         </p:sp>
@@ -6188,11 +6778,7 @@
           <a:p>
             <a:r>
               <a:rPr lang="es-ES" sz="800"/>
-              <a:t>c</a:t>
-            </a:r>
-            <a:r>
-              <a:rPr lang="es-ES" sz="800"/>
-              <a:t>reate/spawn</a:t>
+              <a:t>create/spawn</a:t>
             </a:r>
           </a:p>
         </p:txBody>
@@ -6327,7 +6913,6 @@
               <a:rPr lang="es-ES" sz="1200"/>
               <a:t>SYSTEM LAUNCH AND PREPARATION</a:t>
             </a:r>
-            <a:endParaRPr lang="es-ES" sz="1200"/>
           </a:p>
         </p:txBody>
       </p:sp>
@@ -6357,7 +6942,6 @@
               <a:rPr lang="es-ES" sz="800"/>
               <a:t>initialize</a:t>
             </a:r>
-            <a:endParaRPr lang="es-ES" sz="800"/>
           </a:p>
         </p:txBody>
       </p:sp>
@@ -8468,7 +9052,7 @@
         </p:nvCxnSpPr>
         <p:spPr>
           <a:xfrm>
-            <a:off x="2770872" y="3831041"/>
+            <a:off x="2770872" y="3631016"/>
             <a:ext cx="3677280" cy="0"/>
           </a:xfrm>
           <a:prstGeom prst="straightConnector1">
@@ -8536,7 +9120,7 @@
         </p:nvSpPr>
         <p:spPr>
           <a:xfrm>
-            <a:off x="2760431" y="3615597"/>
+            <a:off x="2760431" y="3415572"/>
             <a:ext cx="787395" cy="215444"/>
           </a:xfrm>
           <a:prstGeom prst="rect">
@@ -8551,7 +9135,7 @@
           <a:lstStyle/>
           <a:p>
             <a:r>
-              <a:rPr lang="es-ES" sz="800"/>
+              <a:rPr lang="es-ES" sz="800" dirty="0"/>
               <a:t>MSG_INDATA</a:t>
             </a:r>
           </a:p>
@@ -8651,6 +9235,254 @@
               <a:rPr lang="es-ES" sz="800"/>
               <a:t>MSG_INDATA</a:t>
             </a:r>
+          </a:p>
+        </p:txBody>
+      </p:sp>
+      <p:sp>
+        <p:nvSpPr>
+          <p:cNvPr id="25" name="Rectángulo 58"/>
+          <p:cNvSpPr/>
+          <p:nvPr/>
+        </p:nvSpPr>
+        <p:spPr>
+          <a:xfrm>
+            <a:off x="4558554" y="3921512"/>
+            <a:ext cx="101916" cy="233664"/>
+          </a:xfrm>
+          <a:prstGeom prst="rect">
+            <a:avLst/>
+          </a:prstGeom>
+        </p:spPr>
+        <p:style>
+          <a:lnRef idx="1">
+            <a:schemeClr val="accent1"/>
+          </a:lnRef>
+          <a:fillRef idx="2">
+            <a:schemeClr val="accent1"/>
+          </a:fillRef>
+          <a:effectRef idx="1">
+            <a:schemeClr val="accent1"/>
+          </a:effectRef>
+          <a:fontRef idx="minor">
+            <a:schemeClr val="dk1"/>
+          </a:fontRef>
+        </p:style>
+        <p:txBody>
+          <a:bodyPr rtlCol="0" anchor="ctr"/>
+          <a:lstStyle/>
+          <a:p>
+            <a:pPr algn="ctr"/>
+            <a:endParaRPr lang="es-ES"/>
+          </a:p>
+        </p:txBody>
+      </p:sp>
+      <p:cxnSp>
+        <p:nvCxnSpPr>
+          <p:cNvPr id="26" name="Conector angular 11"/>
+          <p:cNvCxnSpPr>
+            <a:stCxn id="25" idx="0"/>
+            <a:endCxn id="25" idx="3"/>
+          </p:cNvCxnSpPr>
+          <p:nvPr/>
+        </p:nvCxnSpPr>
+        <p:spPr>
+          <a:xfrm rot="16200000" flipH="1">
+            <a:off x="4576575" y="3954449"/>
+            <a:ext cx="116832" cy="50958"/>
+          </a:xfrm>
+          <a:prstGeom prst="bentConnector4">
+            <a:avLst>
+              <a:gd name="adj1" fmla="val -101720"/>
+              <a:gd name="adj2" fmla="val 548605"/>
+            </a:avLst>
+          </a:prstGeom>
+          <a:ln w="12700" cmpd="sng">
+            <a:solidFill>
+              <a:schemeClr val="tx1">
+                <a:lumMod val="95000"/>
+              </a:schemeClr>
+            </a:solidFill>
+            <a:headEnd type="none"/>
+            <a:tailEnd type="triangle"/>
+          </a:ln>
+        </p:spPr>
+        <p:style>
+          <a:lnRef idx="2">
+            <a:schemeClr val="accent1"/>
+          </a:lnRef>
+          <a:fillRef idx="0">
+            <a:schemeClr val="accent1"/>
+          </a:fillRef>
+          <a:effectRef idx="1">
+            <a:schemeClr val="accent1"/>
+          </a:effectRef>
+          <a:fontRef idx="minor">
+            <a:schemeClr val="tx1"/>
+          </a:fontRef>
+        </p:style>
+      </p:cxnSp>
+      <p:sp>
+        <p:nvSpPr>
+          <p:cNvPr id="27" name="CuadroTexto 59"/>
+          <p:cNvSpPr txBox="1"/>
+          <p:nvPr/>
+        </p:nvSpPr>
+        <p:spPr>
+          <a:xfrm>
+            <a:off x="4844026" y="3841364"/>
+            <a:ext cx="401072" cy="215444"/>
+          </a:xfrm>
+          <a:prstGeom prst="rect">
+            <a:avLst/>
+          </a:prstGeom>
+          <a:noFill/>
+        </p:spPr>
+        <p:txBody>
+          <a:bodyPr wrap="none" rtlCol="0">
+            <a:spAutoFit/>
+          </a:bodyPr>
+          <a:lstStyle>
+            <a:defPPr>
+              <a:defRPr lang="en-US"/>
+            </a:defPPr>
+            <a:lvl1pPr>
+              <a:defRPr sz="800"/>
+            </a:lvl1pPr>
+          </a:lstStyle>
+          <a:p>
+            <a:r>
+              <a:rPr lang="es-ES" dirty="0" smtClean="0"/>
+              <a:t>store</a:t>
+            </a:r>
+            <a:endParaRPr lang="es-ES" dirty="0"/>
+          </a:p>
+        </p:txBody>
+      </p:sp>
+      <p:sp>
+        <p:nvSpPr>
+          <p:cNvPr id="28" name="Rectángulo 58"/>
+          <p:cNvSpPr/>
+          <p:nvPr/>
+        </p:nvSpPr>
+        <p:spPr>
+          <a:xfrm>
+            <a:off x="6405034" y="4343297"/>
+            <a:ext cx="101916" cy="233664"/>
+          </a:xfrm>
+          <a:prstGeom prst="rect">
+            <a:avLst/>
+          </a:prstGeom>
+        </p:spPr>
+        <p:style>
+          <a:lnRef idx="1">
+            <a:schemeClr val="accent1"/>
+          </a:lnRef>
+          <a:fillRef idx="2">
+            <a:schemeClr val="accent1"/>
+          </a:fillRef>
+          <a:effectRef idx="1">
+            <a:schemeClr val="accent1"/>
+          </a:effectRef>
+          <a:fontRef idx="minor">
+            <a:schemeClr val="dk1"/>
+          </a:fontRef>
+        </p:style>
+        <p:txBody>
+          <a:bodyPr rtlCol="0" anchor="ctr"/>
+          <a:lstStyle/>
+          <a:p>
+            <a:pPr algn="ctr"/>
+            <a:endParaRPr lang="es-ES"/>
+          </a:p>
+        </p:txBody>
+      </p:sp>
+      <p:cxnSp>
+        <p:nvCxnSpPr>
+          <p:cNvPr id="30" name="Conector angular 11"/>
+          <p:cNvCxnSpPr>
+            <a:stCxn id="28" idx="0"/>
+            <a:endCxn id="28" idx="3"/>
+          </p:cNvCxnSpPr>
+          <p:nvPr/>
+        </p:nvCxnSpPr>
+        <p:spPr>
+          <a:xfrm rot="16200000" flipH="1">
+            <a:off x="6423055" y="4376234"/>
+            <a:ext cx="116832" cy="50958"/>
+          </a:xfrm>
+          <a:prstGeom prst="bentConnector4">
+            <a:avLst>
+              <a:gd name="adj1" fmla="val -101720"/>
+              <a:gd name="adj2" fmla="val 548605"/>
+            </a:avLst>
+          </a:prstGeom>
+          <a:ln w="12700" cmpd="sng">
+            <a:solidFill>
+              <a:schemeClr val="tx1">
+                <a:lumMod val="95000"/>
+              </a:schemeClr>
+            </a:solidFill>
+            <a:headEnd type="none"/>
+            <a:tailEnd type="triangle"/>
+          </a:ln>
+        </p:spPr>
+        <p:style>
+          <a:lnRef idx="2">
+            <a:schemeClr val="accent1"/>
+          </a:lnRef>
+          <a:fillRef idx="0">
+            <a:schemeClr val="accent1"/>
+          </a:fillRef>
+          <a:effectRef idx="1">
+            <a:schemeClr val="accent1"/>
+          </a:effectRef>
+          <a:fontRef idx="minor">
+            <a:schemeClr val="tx1"/>
+          </a:fontRef>
+        </p:style>
+      </p:cxnSp>
+      <p:sp>
+        <p:nvSpPr>
+          <p:cNvPr id="31" name="CuadroTexto 59"/>
+          <p:cNvSpPr txBox="1"/>
+          <p:nvPr/>
+        </p:nvSpPr>
+        <p:spPr>
+          <a:xfrm>
+            <a:off x="6690506" y="4263149"/>
+            <a:ext cx="654346" cy="215444"/>
+          </a:xfrm>
+          <a:prstGeom prst="rect">
+            <a:avLst/>
+          </a:prstGeom>
+          <a:noFill/>
+        </p:spPr>
+        <p:txBody>
+          <a:bodyPr wrap="none" rtlCol="0">
+            <a:spAutoFit/>
+          </a:bodyPr>
+          <a:lstStyle>
+            <a:defPPr>
+              <a:defRPr lang="en-US"/>
+            </a:defPPr>
+            <a:lvl1pPr>
+              <a:defRPr sz="800"/>
+            </a:lvl1pPr>
+          </a:lstStyle>
+          <a:p>
+            <a:r>
+              <a:rPr lang="es-ES" dirty="0" err="1"/>
+              <a:t>c</a:t>
+            </a:r>
+            <a:r>
+              <a:rPr lang="es-ES" dirty="0" err="1" smtClean="0"/>
+              <a:t>heck</a:t>
+            </a:r>
+            <a:r>
+              <a:rPr lang="es-ES" dirty="0" smtClean="0"/>
+              <a:t> rules</a:t>
+            </a:r>
+            <a:endParaRPr lang="es-ES" dirty="0"/>
           </a:p>
         </p:txBody>
       </p:sp>
@@ -8898,7 +9730,7 @@
         </p:nvGrpSpPr>
         <p:grpSpPr>
           <a:xfrm>
-            <a:off x="4145498" y="1787510"/>
+            <a:off x="4155023" y="1787510"/>
             <a:ext cx="923544" cy="4296295"/>
             <a:chOff x="1168111" y="1348472"/>
             <a:chExt cx="914400" cy="4296295"/>
@@ -8993,7 +9825,7 @@
         </p:nvCxnSpPr>
         <p:spPr>
           <a:xfrm>
-            <a:off x="2770872" y="3367264"/>
+            <a:off x="2770872" y="4043539"/>
             <a:ext cx="1818117" cy="0"/>
           </a:xfrm>
           <a:prstGeom prst="straightConnector1">
@@ -9032,7 +9864,7 @@
         </p:nvSpPr>
         <p:spPr>
           <a:xfrm>
-            <a:off x="2760431" y="3151820"/>
+            <a:off x="2760431" y="3837620"/>
             <a:ext cx="992579" cy="215444"/>
           </a:xfrm>
           <a:prstGeom prst="rect">
@@ -9047,7 +9879,7 @@
           <a:lstStyle/>
           <a:p>
             <a:r>
-              <a:rPr lang="es-ES" sz="800"/>
+              <a:rPr lang="es-ES" sz="800" dirty="0"/>
               <a:t>MSG_TASK_PROC</a:t>
             </a:r>
           </a:p>
@@ -9061,7 +9893,7 @@
         </p:nvCxnSpPr>
         <p:spPr>
           <a:xfrm>
-            <a:off x="922240" y="2880046"/>
+            <a:off x="922240" y="3375346"/>
             <a:ext cx="1825868" cy="0"/>
           </a:xfrm>
           <a:prstGeom prst="straightConnector1">
@@ -9129,7 +9961,7 @@
         </p:nvSpPr>
         <p:spPr>
           <a:xfrm>
-            <a:off x="922240" y="2676041"/>
+            <a:off x="922240" y="3171341"/>
             <a:ext cx="1018227" cy="215444"/>
           </a:xfrm>
           <a:prstGeom prst="rect">
@@ -9144,9 +9976,1249 @@
           <a:lstStyle/>
           <a:p>
             <a:r>
-              <a:rPr lang="es-ES" sz="800"/>
-              <a:t>MSG_ITASK_PROC</a:t>
-            </a:r>
+              <a:rPr lang="es-ES" sz="800" dirty="0" smtClean="0"/>
+              <a:t>MSG_TASK_PROC</a:t>
+            </a:r>
+            <a:endParaRPr lang="es-ES" sz="800" dirty="0"/>
+          </a:p>
+        </p:txBody>
+      </p:sp>
+      <p:sp>
+        <p:nvSpPr>
+          <p:cNvPr id="17" name="Rectángulo 58"/>
+          <p:cNvSpPr/>
+          <p:nvPr/>
+        </p:nvSpPr>
+        <p:spPr>
+          <a:xfrm>
+            <a:off x="862629" y="2543072"/>
+            <a:ext cx="101916" cy="233664"/>
+          </a:xfrm>
+          <a:prstGeom prst="rect">
+            <a:avLst/>
+          </a:prstGeom>
+        </p:spPr>
+        <p:style>
+          <a:lnRef idx="1">
+            <a:schemeClr val="accent1"/>
+          </a:lnRef>
+          <a:fillRef idx="2">
+            <a:schemeClr val="accent1"/>
+          </a:fillRef>
+          <a:effectRef idx="1">
+            <a:schemeClr val="accent1"/>
+          </a:effectRef>
+          <a:fontRef idx="minor">
+            <a:schemeClr val="dk1"/>
+          </a:fontRef>
+        </p:style>
+        <p:txBody>
+          <a:bodyPr rtlCol="0" anchor="ctr"/>
+          <a:lstStyle/>
+          <a:p>
+            <a:pPr algn="ctr"/>
+            <a:endParaRPr lang="es-ES"/>
+          </a:p>
+        </p:txBody>
+      </p:sp>
+      <p:cxnSp>
+        <p:nvCxnSpPr>
+          <p:cNvPr id="18" name="Conector angular 11"/>
+          <p:cNvCxnSpPr>
+            <a:stCxn id="17" idx="0"/>
+            <a:endCxn id="17" idx="3"/>
+          </p:cNvCxnSpPr>
+          <p:nvPr/>
+        </p:nvCxnSpPr>
+        <p:spPr>
+          <a:xfrm rot="16200000" flipH="1">
+            <a:off x="880650" y="2576009"/>
+            <a:ext cx="116832" cy="50958"/>
+          </a:xfrm>
+          <a:prstGeom prst="bentConnector4">
+            <a:avLst>
+              <a:gd name="adj1" fmla="val -101720"/>
+              <a:gd name="adj2" fmla="val 548605"/>
+            </a:avLst>
+          </a:prstGeom>
+          <a:ln w="12700" cmpd="sng">
+            <a:solidFill>
+              <a:schemeClr val="tx1">
+                <a:lumMod val="95000"/>
+              </a:schemeClr>
+            </a:solidFill>
+            <a:headEnd type="none"/>
+            <a:tailEnd type="triangle"/>
+          </a:ln>
+        </p:spPr>
+        <p:style>
+          <a:lnRef idx="2">
+            <a:schemeClr val="accent1"/>
+          </a:lnRef>
+          <a:fillRef idx="0">
+            <a:schemeClr val="accent1"/>
+          </a:fillRef>
+          <a:effectRef idx="1">
+            <a:schemeClr val="accent1"/>
+          </a:effectRef>
+          <a:fontRef idx="minor">
+            <a:schemeClr val="tx1"/>
+          </a:fontRef>
+        </p:style>
+      </p:cxnSp>
+      <p:sp>
+        <p:nvSpPr>
+          <p:cNvPr id="19" name="CuadroTexto 59"/>
+          <p:cNvSpPr txBox="1"/>
+          <p:nvPr/>
+        </p:nvSpPr>
+        <p:spPr>
+          <a:xfrm>
+            <a:off x="1148101" y="2462924"/>
+            <a:ext cx="654346" cy="215444"/>
+          </a:xfrm>
+          <a:prstGeom prst="rect">
+            <a:avLst/>
+          </a:prstGeom>
+          <a:noFill/>
+        </p:spPr>
+        <p:txBody>
+          <a:bodyPr wrap="none" rtlCol="0">
+            <a:spAutoFit/>
+          </a:bodyPr>
+          <a:lstStyle>
+            <a:defPPr>
+              <a:defRPr lang="en-US"/>
+            </a:defPPr>
+            <a:lvl1pPr>
+              <a:defRPr sz="800"/>
+            </a:lvl1pPr>
+          </a:lstStyle>
+          <a:p>
+            <a:r>
+              <a:rPr lang="es-ES" dirty="0" err="1"/>
+              <a:t>c</a:t>
+            </a:r>
+            <a:r>
+              <a:rPr lang="es-ES" dirty="0" err="1" smtClean="0"/>
+              <a:t>heck</a:t>
+            </a:r>
+            <a:r>
+              <a:rPr lang="es-ES" dirty="0" smtClean="0"/>
+              <a:t> rules</a:t>
+            </a:r>
+            <a:endParaRPr lang="es-ES" dirty="0"/>
+          </a:p>
+        </p:txBody>
+      </p:sp>
+      <p:sp>
+        <p:nvSpPr>
+          <p:cNvPr id="20" name="Rectángulo 58"/>
+          <p:cNvSpPr/>
+          <p:nvPr/>
+        </p:nvSpPr>
+        <p:spPr>
+          <a:xfrm>
+            <a:off x="862629" y="2962172"/>
+            <a:ext cx="101916" cy="233664"/>
+          </a:xfrm>
+          <a:prstGeom prst="rect">
+            <a:avLst/>
+          </a:prstGeom>
+        </p:spPr>
+        <p:style>
+          <a:lnRef idx="1">
+            <a:schemeClr val="accent1"/>
+          </a:lnRef>
+          <a:fillRef idx="2">
+            <a:schemeClr val="accent1"/>
+          </a:fillRef>
+          <a:effectRef idx="1">
+            <a:schemeClr val="accent1"/>
+          </a:effectRef>
+          <a:fontRef idx="minor">
+            <a:schemeClr val="dk1"/>
+          </a:fontRef>
+        </p:style>
+        <p:txBody>
+          <a:bodyPr rtlCol="0" anchor="ctr"/>
+          <a:lstStyle/>
+          <a:p>
+            <a:pPr algn="ctr"/>
+            <a:endParaRPr lang="es-ES"/>
+          </a:p>
+        </p:txBody>
+      </p:sp>
+      <p:cxnSp>
+        <p:nvCxnSpPr>
+          <p:cNvPr id="21" name="Conector angular 11"/>
+          <p:cNvCxnSpPr>
+            <a:stCxn id="20" idx="0"/>
+            <a:endCxn id="20" idx="3"/>
+          </p:cNvCxnSpPr>
+          <p:nvPr/>
+        </p:nvCxnSpPr>
+        <p:spPr>
+          <a:xfrm rot="16200000" flipH="1">
+            <a:off x="880650" y="2995109"/>
+            <a:ext cx="116832" cy="50958"/>
+          </a:xfrm>
+          <a:prstGeom prst="bentConnector4">
+            <a:avLst>
+              <a:gd name="adj1" fmla="val -101720"/>
+              <a:gd name="adj2" fmla="val 548605"/>
+            </a:avLst>
+          </a:prstGeom>
+          <a:ln w="12700" cmpd="sng">
+            <a:solidFill>
+              <a:schemeClr val="tx1">
+                <a:lumMod val="95000"/>
+              </a:schemeClr>
+            </a:solidFill>
+            <a:headEnd type="none"/>
+            <a:tailEnd type="triangle"/>
+          </a:ln>
+        </p:spPr>
+        <p:style>
+          <a:lnRef idx="2">
+            <a:schemeClr val="accent1"/>
+          </a:lnRef>
+          <a:fillRef idx="0">
+            <a:schemeClr val="accent1"/>
+          </a:fillRef>
+          <a:effectRef idx="1">
+            <a:schemeClr val="accent1"/>
+          </a:effectRef>
+          <a:fontRef idx="minor">
+            <a:schemeClr val="tx1"/>
+          </a:fontRef>
+        </p:style>
+      </p:cxnSp>
+      <p:sp>
+        <p:nvSpPr>
+          <p:cNvPr id="22" name="CuadroTexto 59"/>
+          <p:cNvSpPr txBox="1"/>
+          <p:nvPr/>
+        </p:nvSpPr>
+        <p:spPr>
+          <a:xfrm>
+            <a:off x="1148101" y="2882024"/>
+            <a:ext cx="562975" cy="215444"/>
+          </a:xfrm>
+          <a:prstGeom prst="rect">
+            <a:avLst/>
+          </a:prstGeom>
+          <a:noFill/>
+        </p:spPr>
+        <p:txBody>
+          <a:bodyPr wrap="none" rtlCol="0">
+            <a:spAutoFit/>
+          </a:bodyPr>
+          <a:lstStyle>
+            <a:defPPr>
+              <a:defRPr lang="en-US"/>
+            </a:defPPr>
+            <a:lvl1pPr>
+              <a:defRPr sz="800"/>
+            </a:lvl1pPr>
+          </a:lstStyle>
+          <a:p>
+            <a:r>
+              <a:rPr lang="es-ES" dirty="0"/>
+              <a:t>r</a:t>
+            </a:r>
+            <a:r>
+              <a:rPr lang="es-ES" dirty="0" smtClean="0"/>
+              <a:t>ule </a:t>
+            </a:r>
+            <a:r>
+              <a:rPr lang="es-ES" dirty="0" err="1" smtClean="0"/>
+              <a:t>fired</a:t>
+            </a:r>
+            <a:endParaRPr lang="es-ES" dirty="0"/>
+          </a:p>
+        </p:txBody>
+      </p:sp>
+      <p:grpSp>
+        <p:nvGrpSpPr>
+          <p:cNvPr id="26" name="Agrupar 12"/>
+          <p:cNvGrpSpPr/>
+          <p:nvPr/>
+        </p:nvGrpSpPr>
+        <p:grpSpPr>
+          <a:xfrm>
+            <a:off x="5688548" y="1787510"/>
+            <a:ext cx="923544" cy="4296295"/>
+            <a:chOff x="1168111" y="1348472"/>
+            <a:chExt cx="914400" cy="4296295"/>
+          </a:xfrm>
+        </p:grpSpPr>
+        <p:sp>
+          <p:nvSpPr>
+            <p:cNvPr id="27" name="Rectángulo 13"/>
+            <p:cNvSpPr/>
+            <p:nvPr/>
+          </p:nvSpPr>
+          <p:spPr>
+            <a:xfrm>
+              <a:off x="1168111" y="1348472"/>
+              <a:ext cx="914400" cy="439038"/>
+            </a:xfrm>
+            <a:prstGeom prst="rect">
+              <a:avLst/>
+            </a:prstGeom>
+          </p:spPr>
+          <p:style>
+            <a:lnRef idx="1">
+              <a:schemeClr val="accent1"/>
+            </a:lnRef>
+            <a:fillRef idx="3">
+              <a:schemeClr val="accent1"/>
+            </a:fillRef>
+            <a:effectRef idx="2">
+              <a:schemeClr val="accent1"/>
+            </a:effectRef>
+            <a:fontRef idx="minor">
+              <a:schemeClr val="lt1"/>
+            </a:fontRef>
+          </p:style>
+          <p:txBody>
+            <a:bodyPr rtlCol="0" anchor="ctr"/>
+            <a:lstStyle/>
+            <a:p>
+              <a:pPr algn="ctr"/>
+              <a:r>
+                <a:rPr lang="es-ES" sz="1000" b="1" dirty="0" err="1" smtClean="0"/>
+                <a:t>Docker</a:t>
+              </a:r>
+              <a:r>
+                <a:rPr lang="es-ES" sz="1000" b="1" dirty="0" smtClean="0"/>
+                <a:t> script</a:t>
+              </a:r>
+              <a:endParaRPr lang="es-ES" sz="1000" b="1" i="1" dirty="0"/>
+            </a:p>
+          </p:txBody>
+        </p:sp>
+        <p:cxnSp>
+          <p:nvCxnSpPr>
+            <p:cNvPr id="28" name="Conector recto 14"/>
+            <p:cNvCxnSpPr>
+              <a:stCxn id="27" idx="2"/>
+            </p:cNvCxnSpPr>
+            <p:nvPr/>
+          </p:nvCxnSpPr>
+          <p:spPr>
+            <a:xfrm flipH="1">
+              <a:off x="1614973" y="1787510"/>
+              <a:ext cx="10338" cy="3857257"/>
+            </a:xfrm>
+            <a:prstGeom prst="line">
+              <a:avLst/>
+            </a:prstGeom>
+            <a:ln>
+              <a:prstDash val="sysDash"/>
+            </a:ln>
+          </p:spPr>
+          <p:style>
+            <a:lnRef idx="2">
+              <a:schemeClr val="accent1"/>
+            </a:lnRef>
+            <a:fillRef idx="0">
+              <a:schemeClr val="accent1"/>
+            </a:fillRef>
+            <a:effectRef idx="1">
+              <a:schemeClr val="accent1"/>
+            </a:effectRef>
+            <a:fontRef idx="minor">
+              <a:schemeClr val="tx1"/>
+            </a:fontRef>
+          </p:style>
+        </p:cxnSp>
+      </p:grpSp>
+      <p:sp>
+        <p:nvSpPr>
+          <p:cNvPr id="30" name="Rectángulo 58"/>
+          <p:cNvSpPr/>
+          <p:nvPr/>
+        </p:nvSpPr>
+        <p:spPr>
+          <a:xfrm>
+            <a:off x="2709473" y="3609872"/>
+            <a:ext cx="101916" cy="233664"/>
+          </a:xfrm>
+          <a:prstGeom prst="rect">
+            <a:avLst/>
+          </a:prstGeom>
+        </p:spPr>
+        <p:style>
+          <a:lnRef idx="1">
+            <a:schemeClr val="accent1"/>
+          </a:lnRef>
+          <a:fillRef idx="2">
+            <a:schemeClr val="accent1"/>
+          </a:fillRef>
+          <a:effectRef idx="1">
+            <a:schemeClr val="accent1"/>
+          </a:effectRef>
+          <a:fontRef idx="minor">
+            <a:schemeClr val="dk1"/>
+          </a:fontRef>
+        </p:style>
+        <p:txBody>
+          <a:bodyPr rtlCol="0" anchor="ctr"/>
+          <a:lstStyle/>
+          <a:p>
+            <a:pPr algn="ctr"/>
+            <a:endParaRPr lang="es-ES"/>
+          </a:p>
+        </p:txBody>
+      </p:sp>
+      <p:cxnSp>
+        <p:nvCxnSpPr>
+          <p:cNvPr id="31" name="Conector angular 11"/>
+          <p:cNvCxnSpPr>
+            <a:stCxn id="30" idx="0"/>
+            <a:endCxn id="30" idx="3"/>
+          </p:cNvCxnSpPr>
+          <p:nvPr/>
+        </p:nvCxnSpPr>
+        <p:spPr>
+          <a:xfrm rot="16200000" flipH="1">
+            <a:off x="2727494" y="3642809"/>
+            <a:ext cx="116832" cy="50958"/>
+          </a:xfrm>
+          <a:prstGeom prst="bentConnector4">
+            <a:avLst>
+              <a:gd name="adj1" fmla="val -101720"/>
+              <a:gd name="adj2" fmla="val 548605"/>
+            </a:avLst>
+          </a:prstGeom>
+          <a:ln w="12700" cmpd="sng">
+            <a:solidFill>
+              <a:schemeClr val="tx1">
+                <a:lumMod val="95000"/>
+              </a:schemeClr>
+            </a:solidFill>
+            <a:headEnd type="none"/>
+            <a:tailEnd type="triangle"/>
+          </a:ln>
+        </p:spPr>
+        <p:style>
+          <a:lnRef idx="2">
+            <a:schemeClr val="accent1"/>
+          </a:lnRef>
+          <a:fillRef idx="0">
+            <a:schemeClr val="accent1"/>
+          </a:fillRef>
+          <a:effectRef idx="1">
+            <a:schemeClr val="accent1"/>
+          </a:effectRef>
+          <a:fontRef idx="minor">
+            <a:schemeClr val="tx1"/>
+          </a:fontRef>
+        </p:style>
+      </p:cxnSp>
+      <p:sp>
+        <p:nvSpPr>
+          <p:cNvPr id="32" name="CuadroTexto 59"/>
+          <p:cNvSpPr txBox="1"/>
+          <p:nvPr/>
+        </p:nvSpPr>
+        <p:spPr>
+          <a:xfrm>
+            <a:off x="2994945" y="3529724"/>
+            <a:ext cx="832279" cy="215444"/>
+          </a:xfrm>
+          <a:prstGeom prst="rect">
+            <a:avLst/>
+          </a:prstGeom>
+          <a:noFill/>
+        </p:spPr>
+        <p:txBody>
+          <a:bodyPr wrap="none" rtlCol="0">
+            <a:spAutoFit/>
+          </a:bodyPr>
+          <a:lstStyle>
+            <a:defPPr>
+              <a:defRPr lang="en-US"/>
+            </a:defPPr>
+            <a:lvl1pPr>
+              <a:defRPr sz="800"/>
+            </a:lvl1pPr>
+          </a:lstStyle>
+          <a:p>
+            <a:r>
+              <a:rPr lang="es-ES" dirty="0" err="1"/>
+              <a:t>a</a:t>
+            </a:r>
+            <a:r>
+              <a:rPr lang="es-ES" dirty="0" err="1" smtClean="0"/>
+              <a:t>gent</a:t>
+            </a:r>
+            <a:r>
+              <a:rPr lang="es-ES" dirty="0" smtClean="0"/>
+              <a:t> </a:t>
+            </a:r>
+            <a:r>
+              <a:rPr lang="es-ES" dirty="0" err="1" smtClean="0"/>
+              <a:t>selection</a:t>
+            </a:r>
+            <a:endParaRPr lang="es-ES" dirty="0"/>
+          </a:p>
+        </p:txBody>
+      </p:sp>
+      <p:sp>
+        <p:nvSpPr>
+          <p:cNvPr id="33" name="Rectángulo 58"/>
+          <p:cNvSpPr/>
+          <p:nvPr/>
+        </p:nvSpPr>
+        <p:spPr>
+          <a:xfrm>
+            <a:off x="4570797" y="4248047"/>
+            <a:ext cx="101916" cy="233664"/>
+          </a:xfrm>
+          <a:prstGeom prst="rect">
+            <a:avLst/>
+          </a:prstGeom>
+        </p:spPr>
+        <p:style>
+          <a:lnRef idx="1">
+            <a:schemeClr val="accent1"/>
+          </a:lnRef>
+          <a:fillRef idx="2">
+            <a:schemeClr val="accent1"/>
+          </a:fillRef>
+          <a:effectRef idx="1">
+            <a:schemeClr val="accent1"/>
+          </a:effectRef>
+          <a:fontRef idx="minor">
+            <a:schemeClr val="dk1"/>
+          </a:fontRef>
+        </p:style>
+        <p:txBody>
+          <a:bodyPr rtlCol="0" anchor="ctr"/>
+          <a:lstStyle/>
+          <a:p>
+            <a:pPr algn="ctr"/>
+            <a:endParaRPr lang="es-ES"/>
+          </a:p>
+        </p:txBody>
+      </p:sp>
+      <p:cxnSp>
+        <p:nvCxnSpPr>
+          <p:cNvPr id="34" name="Conector angular 11"/>
+          <p:cNvCxnSpPr>
+            <a:stCxn id="33" idx="0"/>
+            <a:endCxn id="33" idx="3"/>
+          </p:cNvCxnSpPr>
+          <p:nvPr/>
+        </p:nvCxnSpPr>
+        <p:spPr>
+          <a:xfrm rot="16200000" flipH="1">
+            <a:off x="4588818" y="4280984"/>
+            <a:ext cx="116832" cy="50958"/>
+          </a:xfrm>
+          <a:prstGeom prst="bentConnector4">
+            <a:avLst>
+              <a:gd name="adj1" fmla="val -101720"/>
+              <a:gd name="adj2" fmla="val 548605"/>
+            </a:avLst>
+          </a:prstGeom>
+          <a:ln w="12700" cmpd="sng">
+            <a:solidFill>
+              <a:schemeClr val="tx1">
+                <a:lumMod val="95000"/>
+              </a:schemeClr>
+            </a:solidFill>
+            <a:headEnd type="none"/>
+            <a:tailEnd type="triangle"/>
+          </a:ln>
+        </p:spPr>
+        <p:style>
+          <a:lnRef idx="2">
+            <a:schemeClr val="accent1"/>
+          </a:lnRef>
+          <a:fillRef idx="0">
+            <a:schemeClr val="accent1"/>
+          </a:fillRef>
+          <a:effectRef idx="1">
+            <a:schemeClr val="accent1"/>
+          </a:effectRef>
+          <a:fontRef idx="minor">
+            <a:schemeClr val="tx1"/>
+          </a:fontRef>
+        </p:style>
+      </p:cxnSp>
+      <p:sp>
+        <p:nvSpPr>
+          <p:cNvPr id="35" name="CuadroTexto 59"/>
+          <p:cNvSpPr txBox="1"/>
+          <p:nvPr/>
+        </p:nvSpPr>
+        <p:spPr>
+          <a:xfrm>
+            <a:off x="4856269" y="4167899"/>
+            <a:ext cx="926857" cy="215444"/>
+          </a:xfrm>
+          <a:prstGeom prst="rect">
+            <a:avLst/>
+          </a:prstGeom>
+          <a:noFill/>
+        </p:spPr>
+        <p:txBody>
+          <a:bodyPr wrap="none" rtlCol="0">
+            <a:spAutoFit/>
+          </a:bodyPr>
+          <a:lstStyle>
+            <a:defPPr>
+              <a:defRPr lang="en-US"/>
+            </a:defPPr>
+            <a:lvl1pPr>
+              <a:defRPr sz="800"/>
+            </a:lvl1pPr>
+          </a:lstStyle>
+          <a:p>
+            <a:r>
+              <a:rPr lang="es-ES" dirty="0" err="1"/>
+              <a:t>t</a:t>
+            </a:r>
+            <a:r>
+              <a:rPr lang="es-ES" dirty="0" err="1" smtClean="0"/>
+              <a:t>ask</a:t>
+            </a:r>
+            <a:r>
+              <a:rPr lang="es-ES" dirty="0" smtClean="0"/>
+              <a:t> </a:t>
+            </a:r>
+            <a:r>
+              <a:rPr lang="es-ES" dirty="0" err="1" smtClean="0"/>
+              <a:t>preaparation</a:t>
+            </a:r>
+            <a:endParaRPr lang="es-ES" dirty="0"/>
+          </a:p>
+        </p:txBody>
+      </p:sp>
+      <p:grpSp>
+        <p:nvGrpSpPr>
+          <p:cNvPr id="36" name="Agrupar 12"/>
+          <p:cNvGrpSpPr/>
+          <p:nvPr/>
+        </p:nvGrpSpPr>
+        <p:grpSpPr>
+          <a:xfrm>
+            <a:off x="7203023" y="1787510"/>
+            <a:ext cx="923544" cy="4296295"/>
+            <a:chOff x="1168111" y="1348472"/>
+            <a:chExt cx="914400" cy="4296295"/>
+          </a:xfrm>
+        </p:grpSpPr>
+        <p:sp>
+          <p:nvSpPr>
+            <p:cNvPr id="37" name="Rectángulo 13"/>
+            <p:cNvSpPr/>
+            <p:nvPr/>
+          </p:nvSpPr>
+          <p:spPr>
+            <a:xfrm>
+              <a:off x="1168111" y="1348472"/>
+              <a:ext cx="914400" cy="439038"/>
+            </a:xfrm>
+            <a:prstGeom prst="rect">
+              <a:avLst/>
+            </a:prstGeom>
+          </p:spPr>
+          <p:style>
+            <a:lnRef idx="1">
+              <a:schemeClr val="accent1"/>
+            </a:lnRef>
+            <a:fillRef idx="3">
+              <a:schemeClr val="accent1"/>
+            </a:fillRef>
+            <a:effectRef idx="2">
+              <a:schemeClr val="accent1"/>
+            </a:effectRef>
+            <a:fontRef idx="minor">
+              <a:schemeClr val="lt1"/>
+            </a:fontRef>
+          </p:style>
+          <p:txBody>
+            <a:bodyPr rtlCol="0" anchor="ctr"/>
+            <a:lstStyle/>
+            <a:p>
+              <a:pPr algn="ctr"/>
+              <a:r>
+                <a:rPr lang="es-ES" sz="1000" b="1" dirty="0" err="1" smtClean="0"/>
+                <a:t>Docker</a:t>
+              </a:r>
+              <a:r>
+                <a:rPr lang="es-ES" sz="1000" b="1" dirty="0" smtClean="0"/>
+                <a:t>  </a:t>
+              </a:r>
+              <a:r>
+                <a:rPr lang="es-ES" sz="1000" b="1" dirty="0" err="1" smtClean="0"/>
+                <a:t>container</a:t>
+              </a:r>
+              <a:endParaRPr lang="es-ES" sz="1000" b="1" i="1" dirty="0"/>
+            </a:p>
+          </p:txBody>
+        </p:sp>
+        <p:cxnSp>
+          <p:nvCxnSpPr>
+            <p:cNvPr id="38" name="Conector recto 14"/>
+            <p:cNvCxnSpPr>
+              <a:stCxn id="37" idx="2"/>
+            </p:cNvCxnSpPr>
+            <p:nvPr/>
+          </p:nvCxnSpPr>
+          <p:spPr>
+            <a:xfrm flipH="1">
+              <a:off x="1614973" y="1787510"/>
+              <a:ext cx="10338" cy="3857257"/>
+            </a:xfrm>
+            <a:prstGeom prst="line">
+              <a:avLst/>
+            </a:prstGeom>
+            <a:ln>
+              <a:prstDash val="sysDash"/>
+            </a:ln>
+          </p:spPr>
+          <p:style>
+            <a:lnRef idx="2">
+              <a:schemeClr val="accent1"/>
+            </a:lnRef>
+            <a:fillRef idx="0">
+              <a:schemeClr val="accent1"/>
+            </a:fillRef>
+            <a:effectRef idx="1">
+              <a:schemeClr val="accent1"/>
+            </a:effectRef>
+            <a:fontRef idx="minor">
+              <a:schemeClr val="tx1"/>
+            </a:fontRef>
+          </p:style>
+        </p:cxnSp>
+      </p:grpSp>
+      <p:cxnSp>
+        <p:nvCxnSpPr>
+          <p:cNvPr id="39" name="Conector recto de flecha 28"/>
+          <p:cNvCxnSpPr/>
+          <p:nvPr/>
+        </p:nvCxnSpPr>
+        <p:spPr>
+          <a:xfrm>
+            <a:off x="4611574" y="4700764"/>
+            <a:ext cx="1528305" cy="0"/>
+          </a:xfrm>
+          <a:prstGeom prst="straightConnector1">
+            <a:avLst/>
+          </a:prstGeom>
+          <a:ln w="12700" cmpd="sng">
+            <a:solidFill>
+              <a:schemeClr val="tx1">
+                <a:lumMod val="95000"/>
+              </a:schemeClr>
+            </a:solidFill>
+            <a:headEnd type="none"/>
+            <a:tailEnd type="triangle"/>
+          </a:ln>
+        </p:spPr>
+        <p:style>
+          <a:lnRef idx="2">
+            <a:schemeClr val="accent1"/>
+          </a:lnRef>
+          <a:fillRef idx="0">
+            <a:schemeClr val="accent1"/>
+          </a:fillRef>
+          <a:effectRef idx="1">
+            <a:schemeClr val="accent1"/>
+          </a:effectRef>
+          <a:fontRef idx="minor">
+            <a:schemeClr val="tx1"/>
+          </a:fontRef>
+        </p:style>
+      </p:cxnSp>
+      <p:sp>
+        <p:nvSpPr>
+          <p:cNvPr id="41" name="CuadroTexto 59"/>
+          <p:cNvSpPr txBox="1"/>
+          <p:nvPr/>
+        </p:nvSpPr>
+        <p:spPr>
+          <a:xfrm>
+            <a:off x="4837219" y="4509695"/>
+            <a:ext cx="1043876" cy="215444"/>
+          </a:xfrm>
+          <a:prstGeom prst="rect">
+            <a:avLst/>
+          </a:prstGeom>
+          <a:noFill/>
+        </p:spPr>
+        <p:txBody>
+          <a:bodyPr wrap="none" rtlCol="0">
+            <a:spAutoFit/>
+          </a:bodyPr>
+          <a:lstStyle>
+            <a:defPPr>
+              <a:defRPr lang="en-US"/>
+            </a:defPPr>
+            <a:lvl1pPr>
+              <a:defRPr sz="800"/>
+            </a:lvl1pPr>
+          </a:lstStyle>
+          <a:p>
+            <a:r>
+              <a:rPr lang="en-US" dirty="0" err="1" smtClean="0"/>
+              <a:t>Docker</a:t>
+            </a:r>
+            <a:r>
+              <a:rPr lang="en-US" dirty="0" smtClean="0"/>
+              <a:t> script launch</a:t>
+            </a:r>
+            <a:endParaRPr lang="es-ES" dirty="0"/>
+          </a:p>
+        </p:txBody>
+      </p:sp>
+      <p:cxnSp>
+        <p:nvCxnSpPr>
+          <p:cNvPr id="43" name="Conector recto de flecha 28"/>
+          <p:cNvCxnSpPr/>
+          <p:nvPr/>
+        </p:nvCxnSpPr>
+        <p:spPr>
+          <a:xfrm>
+            <a:off x="6150320" y="4837800"/>
+            <a:ext cx="1528305" cy="0"/>
+          </a:xfrm>
+          <a:prstGeom prst="straightConnector1">
+            <a:avLst/>
+          </a:prstGeom>
+          <a:ln w="12700" cmpd="sng">
+            <a:solidFill>
+              <a:schemeClr val="tx1">
+                <a:lumMod val="95000"/>
+              </a:schemeClr>
+            </a:solidFill>
+            <a:headEnd type="none"/>
+            <a:tailEnd type="triangle"/>
+          </a:ln>
+        </p:spPr>
+        <p:style>
+          <a:lnRef idx="2">
+            <a:schemeClr val="accent1"/>
+          </a:lnRef>
+          <a:fillRef idx="0">
+            <a:schemeClr val="accent1"/>
+          </a:fillRef>
+          <a:effectRef idx="1">
+            <a:schemeClr val="accent1"/>
+          </a:effectRef>
+          <a:fontRef idx="minor">
+            <a:schemeClr val="tx1"/>
+          </a:fontRef>
+        </p:style>
+      </p:cxnSp>
+      <p:sp>
+        <p:nvSpPr>
+          <p:cNvPr id="44" name="CuadroTexto 59"/>
+          <p:cNvSpPr txBox="1"/>
+          <p:nvPr/>
+        </p:nvSpPr>
+        <p:spPr>
+          <a:xfrm>
+            <a:off x="6252140" y="4646731"/>
+            <a:ext cx="1039067" cy="215444"/>
+          </a:xfrm>
+          <a:prstGeom prst="rect">
+            <a:avLst/>
+          </a:prstGeom>
+          <a:noFill/>
+        </p:spPr>
+        <p:txBody>
+          <a:bodyPr wrap="none" rtlCol="0">
+            <a:spAutoFit/>
+          </a:bodyPr>
+          <a:lstStyle>
+            <a:defPPr>
+              <a:defRPr lang="en-US"/>
+            </a:defPPr>
+            <a:lvl1pPr>
+              <a:defRPr sz="800"/>
+            </a:lvl1pPr>
+          </a:lstStyle>
+          <a:p>
+            <a:r>
+              <a:rPr lang="en-US" dirty="0" smtClean="0"/>
+              <a:t>Container execution</a:t>
+            </a:r>
+            <a:endParaRPr lang="es-ES" dirty="0"/>
+          </a:p>
+        </p:txBody>
+      </p:sp>
+      <p:sp>
+        <p:nvSpPr>
+          <p:cNvPr id="11" name="Rectangle 10"/>
+          <p:cNvSpPr/>
+          <p:nvPr/>
+        </p:nvSpPr>
+        <p:spPr>
+          <a:xfrm>
+            <a:off x="2242855" y="5172074"/>
+            <a:ext cx="5739095" cy="1066801"/>
+          </a:xfrm>
+          <a:prstGeom prst="rect">
+            <a:avLst/>
+          </a:prstGeom>
+          <a:noFill/>
+        </p:spPr>
+        <p:style>
+          <a:lnRef idx="1">
+            <a:schemeClr val="accent1"/>
+          </a:lnRef>
+          <a:fillRef idx="3">
+            <a:schemeClr val="accent1"/>
+          </a:fillRef>
+          <a:effectRef idx="2">
+            <a:schemeClr val="accent1"/>
+          </a:effectRef>
+          <a:fontRef idx="minor">
+            <a:schemeClr val="lt1"/>
+          </a:fontRef>
+        </p:style>
+        <p:txBody>
+          <a:bodyPr rtlCol="0" anchor="t" anchorCtr="0"/>
+          <a:lstStyle/>
+          <a:p>
+            <a:r>
+              <a:rPr lang="en-US" sz="800" dirty="0"/>
+              <a:t>l</a:t>
+            </a:r>
+            <a:r>
+              <a:rPr lang="en-US" sz="800" dirty="0" smtClean="0"/>
+              <a:t>oop: monitoring</a:t>
+            </a:r>
+            <a:endParaRPr lang="es-ES" sz="800" dirty="0"/>
+          </a:p>
+        </p:txBody>
+      </p:sp>
+      <p:cxnSp>
+        <p:nvCxnSpPr>
+          <p:cNvPr id="45" name="Conector recto de flecha 28"/>
+          <p:cNvCxnSpPr/>
+          <p:nvPr/>
+        </p:nvCxnSpPr>
+        <p:spPr>
+          <a:xfrm>
+            <a:off x="4606354" y="5532090"/>
+            <a:ext cx="3048000" cy="0"/>
+          </a:xfrm>
+          <a:prstGeom prst="straightConnector1">
+            <a:avLst/>
+          </a:prstGeom>
+          <a:ln w="12700" cmpd="sng">
+            <a:solidFill>
+              <a:schemeClr val="tx1">
+                <a:lumMod val="95000"/>
+              </a:schemeClr>
+            </a:solidFill>
+            <a:headEnd type="none"/>
+            <a:tailEnd type="triangle"/>
+          </a:ln>
+        </p:spPr>
+        <p:style>
+          <a:lnRef idx="2">
+            <a:schemeClr val="accent1"/>
+          </a:lnRef>
+          <a:fillRef idx="0">
+            <a:schemeClr val="accent1"/>
+          </a:fillRef>
+          <a:effectRef idx="1">
+            <a:schemeClr val="accent1"/>
+          </a:effectRef>
+          <a:fontRef idx="minor">
+            <a:schemeClr val="tx1"/>
+          </a:fontRef>
+        </p:style>
+      </p:cxnSp>
+      <p:sp>
+        <p:nvSpPr>
+          <p:cNvPr id="46" name="CuadroTexto 47"/>
+          <p:cNvSpPr txBox="1"/>
+          <p:nvPr/>
+        </p:nvSpPr>
+        <p:spPr>
+          <a:xfrm>
+            <a:off x="4606354" y="5327867"/>
+            <a:ext cx="1412566" cy="215444"/>
+          </a:xfrm>
+          <a:prstGeom prst="rect">
+            <a:avLst/>
+          </a:prstGeom>
+          <a:noFill/>
+        </p:spPr>
+        <p:txBody>
+          <a:bodyPr wrap="none" rtlCol="0">
+            <a:spAutoFit/>
+          </a:bodyPr>
+          <a:lstStyle/>
+          <a:p>
+            <a:r>
+              <a:rPr lang="es-ES" sz="800" dirty="0" err="1"/>
+              <a:t>r</a:t>
+            </a:r>
+            <a:r>
+              <a:rPr lang="es-ES" sz="800" dirty="0" err="1" smtClean="0"/>
+              <a:t>equest</a:t>
+            </a:r>
+            <a:r>
+              <a:rPr lang="es-ES" sz="800" dirty="0" smtClean="0"/>
+              <a:t>  </a:t>
+            </a:r>
+            <a:r>
+              <a:rPr lang="es-ES" sz="800" dirty="0" err="1" smtClean="0"/>
+              <a:t>c</a:t>
+            </a:r>
+            <a:r>
+              <a:rPr lang="es-ES" sz="800" dirty="0" err="1" smtClean="0"/>
+              <a:t>ontainer</a:t>
+            </a:r>
+            <a:r>
+              <a:rPr lang="es-ES" sz="800" dirty="0" smtClean="0"/>
+              <a:t> status </a:t>
+            </a:r>
+            <a:r>
+              <a:rPr lang="es-ES" sz="800" dirty="0" err="1" smtClean="0"/>
+              <a:t>info</a:t>
+            </a:r>
+            <a:endParaRPr lang="es-ES" sz="800" dirty="0"/>
+          </a:p>
+        </p:txBody>
+      </p:sp>
+      <p:cxnSp>
+        <p:nvCxnSpPr>
+          <p:cNvPr id="49" name="Conector recto de flecha 28"/>
+          <p:cNvCxnSpPr/>
+          <p:nvPr/>
+        </p:nvCxnSpPr>
+        <p:spPr>
+          <a:xfrm flipH="1" flipV="1">
+            <a:off x="4611574" y="5754112"/>
+            <a:ext cx="3042780" cy="16103"/>
+          </a:xfrm>
+          <a:prstGeom prst="straightConnector1">
+            <a:avLst/>
+          </a:prstGeom>
+          <a:ln w="12700" cmpd="sng">
+            <a:solidFill>
+              <a:schemeClr val="tx1">
+                <a:lumMod val="95000"/>
+              </a:schemeClr>
+            </a:solidFill>
+            <a:prstDash val="dash"/>
+            <a:headEnd type="none"/>
+            <a:tailEnd type="triangle"/>
+          </a:ln>
+        </p:spPr>
+        <p:style>
+          <a:lnRef idx="2">
+            <a:schemeClr val="accent1"/>
+          </a:lnRef>
+          <a:fillRef idx="0">
+            <a:schemeClr val="accent1"/>
+          </a:fillRef>
+          <a:effectRef idx="1">
+            <a:schemeClr val="accent1"/>
+          </a:effectRef>
+          <a:fontRef idx="minor">
+            <a:schemeClr val="tx1"/>
+          </a:fontRef>
+        </p:style>
+      </p:cxnSp>
+      <p:sp>
+        <p:nvSpPr>
+          <p:cNvPr id="50" name="CuadroTexto 47"/>
+          <p:cNvSpPr txBox="1"/>
+          <p:nvPr/>
+        </p:nvSpPr>
+        <p:spPr>
+          <a:xfrm>
+            <a:off x="6273810" y="5567243"/>
+            <a:ext cx="1050288" cy="215444"/>
+          </a:xfrm>
+          <a:prstGeom prst="rect">
+            <a:avLst/>
+          </a:prstGeom>
+          <a:noFill/>
+        </p:spPr>
+        <p:txBody>
+          <a:bodyPr wrap="none" rtlCol="0">
+            <a:spAutoFit/>
+          </a:bodyPr>
+          <a:lstStyle/>
+          <a:p>
+            <a:r>
+              <a:rPr lang="es-ES" sz="800" dirty="0" err="1" smtClean="0"/>
+              <a:t>container</a:t>
+            </a:r>
+            <a:r>
+              <a:rPr lang="es-ES" sz="800" dirty="0" smtClean="0"/>
+              <a:t> status </a:t>
+            </a:r>
+            <a:r>
+              <a:rPr lang="es-ES" sz="800" dirty="0" err="1" smtClean="0"/>
+              <a:t>info</a:t>
+            </a:r>
+            <a:endParaRPr lang="es-ES" sz="800" dirty="0"/>
+          </a:p>
+        </p:txBody>
+      </p:sp>
+      <p:cxnSp>
+        <p:nvCxnSpPr>
+          <p:cNvPr id="51" name="Conector recto de flecha 28"/>
+          <p:cNvCxnSpPr/>
+          <p:nvPr/>
+        </p:nvCxnSpPr>
+        <p:spPr>
+          <a:xfrm flipH="1">
+            <a:off x="4621755" y="4934358"/>
+            <a:ext cx="1528305" cy="0"/>
+          </a:xfrm>
+          <a:prstGeom prst="straightConnector1">
+            <a:avLst/>
+          </a:prstGeom>
+          <a:ln w="12700" cmpd="sng">
+            <a:solidFill>
+              <a:schemeClr val="tx1">
+                <a:lumMod val="95000"/>
+              </a:schemeClr>
+            </a:solidFill>
+            <a:prstDash val="dash"/>
+            <a:headEnd type="none"/>
+            <a:tailEnd type="triangle"/>
+          </a:ln>
+        </p:spPr>
+        <p:style>
+          <a:lnRef idx="2">
+            <a:schemeClr val="accent1"/>
+          </a:lnRef>
+          <a:fillRef idx="0">
+            <a:schemeClr val="accent1"/>
+          </a:fillRef>
+          <a:effectRef idx="1">
+            <a:schemeClr val="accent1"/>
+          </a:effectRef>
+          <a:fontRef idx="minor">
+            <a:schemeClr val="tx1"/>
+          </a:fontRef>
+        </p:style>
+      </p:cxnSp>
+      <p:sp>
+        <p:nvSpPr>
+          <p:cNvPr id="52" name="CuadroTexto 59"/>
+          <p:cNvSpPr txBox="1"/>
+          <p:nvPr/>
+        </p:nvSpPr>
+        <p:spPr>
+          <a:xfrm>
+            <a:off x="5352225" y="4743289"/>
+            <a:ext cx="686406" cy="215444"/>
+          </a:xfrm>
+          <a:prstGeom prst="rect">
+            <a:avLst/>
+          </a:prstGeom>
+          <a:noFill/>
+        </p:spPr>
+        <p:txBody>
+          <a:bodyPr wrap="none" rtlCol="0">
+            <a:spAutoFit/>
+          </a:bodyPr>
+          <a:lstStyle>
+            <a:defPPr>
+              <a:defRPr lang="en-US"/>
+            </a:defPPr>
+            <a:lvl1pPr>
+              <a:defRPr sz="800"/>
+            </a:lvl1pPr>
+          </a:lstStyle>
+          <a:p>
+            <a:r>
+              <a:rPr lang="en-US" dirty="0"/>
+              <a:t>c</a:t>
+            </a:r>
+            <a:r>
+              <a:rPr lang="en-US" dirty="0" smtClean="0"/>
+              <a:t>ontainer id</a:t>
+            </a:r>
+            <a:endParaRPr lang="es-ES" dirty="0"/>
+          </a:p>
+        </p:txBody>
+      </p:sp>
+      <p:cxnSp>
+        <p:nvCxnSpPr>
+          <p:cNvPr id="56" name="Conector recto de flecha 28"/>
+          <p:cNvCxnSpPr/>
+          <p:nvPr/>
+        </p:nvCxnSpPr>
+        <p:spPr>
+          <a:xfrm flipH="1">
+            <a:off x="2770872" y="5925857"/>
+            <a:ext cx="1818117" cy="0"/>
+          </a:xfrm>
+          <a:prstGeom prst="straightConnector1">
+            <a:avLst/>
+          </a:prstGeom>
+          <a:ln w="12700" cmpd="sng">
+            <a:solidFill>
+              <a:schemeClr val="tx1">
+                <a:lumMod val="95000"/>
+              </a:schemeClr>
+            </a:solidFill>
+            <a:headEnd type="none"/>
+            <a:tailEnd type="triangle"/>
+          </a:ln>
+        </p:spPr>
+        <p:style>
+          <a:lnRef idx="2">
+            <a:schemeClr val="accent1"/>
+          </a:lnRef>
+          <a:fillRef idx="0">
+            <a:schemeClr val="accent1"/>
+          </a:fillRef>
+          <a:effectRef idx="1">
+            <a:schemeClr val="accent1"/>
+          </a:effectRef>
+          <a:fontRef idx="minor">
+            <a:schemeClr val="tx1"/>
+          </a:fontRef>
+        </p:style>
+      </p:cxnSp>
+      <p:sp>
+        <p:nvSpPr>
+          <p:cNvPr id="58" name="CuadroTexto 47"/>
+          <p:cNvSpPr txBox="1"/>
+          <p:nvPr/>
+        </p:nvSpPr>
+        <p:spPr>
+          <a:xfrm>
+            <a:off x="3551006" y="5719938"/>
+            <a:ext cx="909223" cy="215444"/>
+          </a:xfrm>
+          <a:prstGeom prst="rect">
+            <a:avLst/>
+          </a:prstGeom>
+          <a:noFill/>
+        </p:spPr>
+        <p:txBody>
+          <a:bodyPr wrap="none" rtlCol="0">
+            <a:spAutoFit/>
+          </a:bodyPr>
+          <a:lstStyle/>
+          <a:p>
+            <a:r>
+              <a:rPr lang="es-ES" sz="800" dirty="0" smtClean="0"/>
+              <a:t>MSG_TASK_RES</a:t>
+            </a:r>
+            <a:endParaRPr lang="es-ES" sz="800" dirty="0"/>
           </a:p>
         </p:txBody>
       </p:sp>
@@ -9154,6 +11226,2185 @@
     <p:extLst>
       <p:ext uri="{BB962C8B-B14F-4D97-AF65-F5344CB8AC3E}">
         <p14:creationId xmlns:p14="http://schemas.microsoft.com/office/powerpoint/2010/main" val="427928736"/>
+      </p:ext>
+    </p:extLst>
+  </p:cSld>
+  <p:clrMapOvr>
+    <a:masterClrMapping/>
+  </p:clrMapOvr>
+</p:sld>
+</file>
+
+<file path=ppt/slides/slide8.xml><?xml version="1.0" encoding="utf-8"?>
+<p:sld xmlns:a="http://schemas.openxmlformats.org/drawingml/2006/main" xmlns:r="http://schemas.openxmlformats.org/officeDocument/2006/relationships" xmlns:p="http://schemas.openxmlformats.org/presentationml/2006/main">
+  <p:cSld>
+    <p:spTree>
+      <p:nvGrpSpPr>
+        <p:cNvPr id="1" name=""/>
+        <p:cNvGrpSpPr/>
+        <p:nvPr/>
+      </p:nvGrpSpPr>
+      <p:grpSpPr>
+        <a:xfrm>
+          <a:off x="0" y="0"/>
+          <a:ext cx="0" cy="0"/>
+          <a:chOff x="0" y="0"/>
+          <a:chExt cx="0" cy="0"/>
+        </a:xfrm>
+      </p:grpSpPr>
+      <p:sp>
+        <p:nvSpPr>
+          <p:cNvPr id="2" name="Título 1"/>
+          <p:cNvSpPr>
+            <a:spLocks noGrp="1"/>
+          </p:cNvSpPr>
+          <p:nvPr>
+            <p:ph type="title"/>
+          </p:nvPr>
+        </p:nvSpPr>
+        <p:spPr/>
+        <p:txBody>
+          <a:bodyPr>
+            <a:normAutofit/>
+          </a:bodyPr>
+          <a:lstStyle/>
+          <a:p>
+            <a:r>
+              <a:rPr lang="es-ES" sz="2800" dirty="0"/>
+              <a:t>Demo </a:t>
+            </a:r>
+            <a:r>
+              <a:rPr lang="es-ES" sz="2800" dirty="0" err="1"/>
+              <a:t>Sequence</a:t>
+            </a:r>
+            <a:r>
+              <a:rPr lang="es-ES" sz="2800" dirty="0"/>
+              <a:t> </a:t>
+            </a:r>
+            <a:r>
+              <a:rPr lang="es-ES" sz="2800" dirty="0" err="1"/>
+              <a:t>Diagrams</a:t>
+            </a:r>
+            <a:r>
+              <a:rPr lang="es-ES" sz="2800" dirty="0"/>
+              <a:t> </a:t>
+            </a:r>
+            <a:r>
+              <a:rPr lang="es-ES" sz="2800" dirty="0" smtClean="0"/>
+              <a:t>(V</a:t>
+            </a:r>
+            <a:r>
+              <a:rPr lang="es-ES" sz="2800" dirty="0"/>
+              <a:t>)</a:t>
+            </a:r>
+          </a:p>
+        </p:txBody>
+      </p:sp>
+      <p:grpSp>
+        <p:nvGrpSpPr>
+          <p:cNvPr id="6" name="Agrupar 5"/>
+          <p:cNvGrpSpPr/>
+          <p:nvPr/>
+        </p:nvGrpSpPr>
+        <p:grpSpPr>
+          <a:xfrm>
+            <a:off x="457200" y="1787510"/>
+            <a:ext cx="914400" cy="4296295"/>
+            <a:chOff x="1168111" y="1348472"/>
+            <a:chExt cx="914400" cy="4296295"/>
+          </a:xfrm>
+        </p:grpSpPr>
+        <p:sp>
+          <p:nvSpPr>
+            <p:cNvPr id="3" name="Rectángulo 2"/>
+            <p:cNvSpPr/>
+            <p:nvPr/>
+          </p:nvSpPr>
+          <p:spPr>
+            <a:xfrm>
+              <a:off x="1168111" y="1348472"/>
+              <a:ext cx="914400" cy="439038"/>
+            </a:xfrm>
+            <a:prstGeom prst="rect">
+              <a:avLst/>
+            </a:prstGeom>
+          </p:spPr>
+          <p:style>
+            <a:lnRef idx="1">
+              <a:schemeClr val="accent1"/>
+            </a:lnRef>
+            <a:fillRef idx="3">
+              <a:schemeClr val="accent1"/>
+            </a:fillRef>
+            <a:effectRef idx="2">
+              <a:schemeClr val="accent1"/>
+            </a:effectRef>
+            <a:fontRef idx="minor">
+              <a:schemeClr val="lt1"/>
+            </a:fontRef>
+          </p:style>
+          <p:txBody>
+            <a:bodyPr rtlCol="0" anchor="ctr"/>
+            <a:lstStyle/>
+            <a:p>
+              <a:pPr algn="ctr"/>
+              <a:r>
+                <a:rPr lang="es-ES" sz="1000" b="1"/>
+                <a:t>TaskOrc</a:t>
+              </a:r>
+            </a:p>
+          </p:txBody>
+        </p:sp>
+        <p:cxnSp>
+          <p:nvCxnSpPr>
+            <p:cNvPr id="5" name="Conector recto 4"/>
+            <p:cNvCxnSpPr>
+              <a:stCxn id="3" idx="2"/>
+            </p:cNvCxnSpPr>
+            <p:nvPr/>
+          </p:nvCxnSpPr>
+          <p:spPr>
+            <a:xfrm flipH="1">
+              <a:off x="1614973" y="1787510"/>
+              <a:ext cx="10338" cy="3857257"/>
+            </a:xfrm>
+            <a:prstGeom prst="line">
+              <a:avLst/>
+            </a:prstGeom>
+            <a:ln>
+              <a:prstDash val="sysDash"/>
+            </a:ln>
+          </p:spPr>
+          <p:style>
+            <a:lnRef idx="2">
+              <a:schemeClr val="accent1"/>
+            </a:lnRef>
+            <a:fillRef idx="0">
+              <a:schemeClr val="accent1"/>
+            </a:fillRef>
+            <a:effectRef idx="1">
+              <a:schemeClr val="accent1"/>
+            </a:effectRef>
+            <a:fontRef idx="minor">
+              <a:schemeClr val="tx1"/>
+            </a:fontRef>
+          </p:style>
+        </p:cxnSp>
+      </p:grpSp>
+      <p:grpSp>
+        <p:nvGrpSpPr>
+          <p:cNvPr id="7" name="Agrupar 6"/>
+          <p:cNvGrpSpPr/>
+          <p:nvPr/>
+        </p:nvGrpSpPr>
+        <p:grpSpPr>
+          <a:xfrm>
+            <a:off x="1953877" y="1787510"/>
+            <a:ext cx="923544" cy="4296295"/>
+            <a:chOff x="1168111" y="1348472"/>
+            <a:chExt cx="914400" cy="4296295"/>
+          </a:xfrm>
+        </p:grpSpPr>
+        <p:sp>
+          <p:nvSpPr>
+            <p:cNvPr id="8" name="Rectángulo 7"/>
+            <p:cNvSpPr/>
+            <p:nvPr/>
+          </p:nvSpPr>
+          <p:spPr>
+            <a:xfrm>
+              <a:off x="1168111" y="1348472"/>
+              <a:ext cx="914400" cy="439038"/>
+            </a:xfrm>
+            <a:prstGeom prst="rect">
+              <a:avLst/>
+            </a:prstGeom>
+          </p:spPr>
+          <p:style>
+            <a:lnRef idx="1">
+              <a:schemeClr val="accent1"/>
+            </a:lnRef>
+            <a:fillRef idx="3">
+              <a:schemeClr val="accent1"/>
+            </a:fillRef>
+            <a:effectRef idx="2">
+              <a:schemeClr val="accent1"/>
+            </a:effectRef>
+            <a:fontRef idx="minor">
+              <a:schemeClr val="lt1"/>
+            </a:fontRef>
+          </p:style>
+          <p:txBody>
+            <a:bodyPr rtlCol="0" anchor="ctr"/>
+            <a:lstStyle/>
+            <a:p>
+              <a:pPr algn="ctr"/>
+              <a:r>
+                <a:rPr lang="es-ES" sz="1000" b="1" dirty="0" err="1"/>
+                <a:t>TaskMng</a:t>
+              </a:r>
+              <a:endParaRPr lang="es-ES" sz="1000" b="1" dirty="0"/>
+            </a:p>
+          </p:txBody>
+        </p:sp>
+        <p:cxnSp>
+          <p:nvCxnSpPr>
+            <p:cNvPr id="9" name="Conector recto 8"/>
+            <p:cNvCxnSpPr>
+              <a:stCxn id="8" idx="2"/>
+            </p:cNvCxnSpPr>
+            <p:nvPr/>
+          </p:nvCxnSpPr>
+          <p:spPr>
+            <a:xfrm flipH="1">
+              <a:off x="1614973" y="1787510"/>
+              <a:ext cx="10338" cy="3857257"/>
+            </a:xfrm>
+            <a:prstGeom prst="line">
+              <a:avLst/>
+            </a:prstGeom>
+            <a:ln>
+              <a:prstDash val="sysDash"/>
+            </a:ln>
+          </p:spPr>
+          <p:style>
+            <a:lnRef idx="2">
+              <a:schemeClr val="accent1"/>
+            </a:lnRef>
+            <a:fillRef idx="0">
+              <a:schemeClr val="accent1"/>
+            </a:fillRef>
+            <a:effectRef idx="1">
+              <a:schemeClr val="accent1"/>
+            </a:effectRef>
+            <a:fontRef idx="minor">
+              <a:schemeClr val="tx1"/>
+            </a:fontRef>
+          </p:style>
+        </p:cxnSp>
+      </p:grpSp>
+      <p:grpSp>
+        <p:nvGrpSpPr>
+          <p:cNvPr id="13" name="Agrupar 12"/>
+          <p:cNvGrpSpPr/>
+          <p:nvPr/>
+        </p:nvGrpSpPr>
+        <p:grpSpPr>
+          <a:xfrm>
+            <a:off x="3497798" y="1787510"/>
+            <a:ext cx="923544" cy="4296295"/>
+            <a:chOff x="1168111" y="1348472"/>
+            <a:chExt cx="914400" cy="4296295"/>
+          </a:xfrm>
+        </p:grpSpPr>
+        <p:sp>
+          <p:nvSpPr>
+            <p:cNvPr id="14" name="Rectángulo 13"/>
+            <p:cNvSpPr/>
+            <p:nvPr/>
+          </p:nvSpPr>
+          <p:spPr>
+            <a:xfrm>
+              <a:off x="1168111" y="1348472"/>
+              <a:ext cx="914400" cy="439038"/>
+            </a:xfrm>
+            <a:prstGeom prst="rect">
+              <a:avLst/>
+            </a:prstGeom>
+          </p:spPr>
+          <p:style>
+            <a:lnRef idx="1">
+              <a:schemeClr val="accent1"/>
+            </a:lnRef>
+            <a:fillRef idx="3">
+              <a:schemeClr val="accent1"/>
+            </a:fillRef>
+            <a:effectRef idx="2">
+              <a:schemeClr val="accent1"/>
+            </a:effectRef>
+            <a:fontRef idx="minor">
+              <a:schemeClr val="lt1"/>
+            </a:fontRef>
+          </p:style>
+          <p:txBody>
+            <a:bodyPr rtlCol="0" anchor="ctr"/>
+            <a:lstStyle/>
+            <a:p>
+              <a:pPr algn="ctr"/>
+              <a:r>
+                <a:rPr lang="es-ES" sz="1000" b="1"/>
+                <a:t>TaskAg </a:t>
+              </a:r>
+              <a:r>
+                <a:rPr lang="es-ES" sz="1000" b="1" i="1"/>
+                <a:t>i</a:t>
+              </a:r>
+            </a:p>
+          </p:txBody>
+        </p:sp>
+        <p:cxnSp>
+          <p:nvCxnSpPr>
+            <p:cNvPr id="15" name="Conector recto 14"/>
+            <p:cNvCxnSpPr>
+              <a:stCxn id="14" idx="2"/>
+            </p:cNvCxnSpPr>
+            <p:nvPr/>
+          </p:nvCxnSpPr>
+          <p:spPr>
+            <a:xfrm flipH="1">
+              <a:off x="1614973" y="1787510"/>
+              <a:ext cx="10338" cy="3857257"/>
+            </a:xfrm>
+            <a:prstGeom prst="line">
+              <a:avLst/>
+            </a:prstGeom>
+            <a:ln>
+              <a:prstDash val="sysDash"/>
+            </a:ln>
+          </p:spPr>
+          <p:style>
+            <a:lnRef idx="2">
+              <a:schemeClr val="accent1"/>
+            </a:lnRef>
+            <a:fillRef idx="0">
+              <a:schemeClr val="accent1"/>
+            </a:fillRef>
+            <a:effectRef idx="1">
+              <a:schemeClr val="accent1"/>
+            </a:effectRef>
+            <a:fontRef idx="minor">
+              <a:schemeClr val="tx1"/>
+            </a:fontRef>
+          </p:style>
+        </p:cxnSp>
+      </p:grpSp>
+      <p:sp>
+        <p:nvSpPr>
+          <p:cNvPr id="57" name="CuadroTexto 56"/>
+          <p:cNvSpPr txBox="1"/>
+          <p:nvPr/>
+        </p:nvSpPr>
+        <p:spPr>
+          <a:xfrm>
+            <a:off x="298768" y="1280532"/>
+            <a:ext cx="2394438" cy="276999"/>
+          </a:xfrm>
+          <a:prstGeom prst="rect">
+            <a:avLst/>
+          </a:prstGeom>
+          <a:noFill/>
+        </p:spPr>
+        <p:txBody>
+          <a:bodyPr wrap="none" rtlCol="0">
+            <a:spAutoFit/>
+          </a:bodyPr>
+          <a:lstStyle/>
+          <a:p>
+            <a:r>
+              <a:rPr lang="es-ES" sz="1200" dirty="0"/>
+              <a:t>PROCESSING </a:t>
+            </a:r>
+            <a:r>
+              <a:rPr lang="es-ES" sz="1200" dirty="0" smtClean="0"/>
+              <a:t>TASK COMPLETION</a:t>
+            </a:r>
+            <a:endParaRPr lang="es-ES" sz="1200" dirty="0"/>
+          </a:p>
+        </p:txBody>
+      </p:sp>
+      <p:grpSp>
+        <p:nvGrpSpPr>
+          <p:cNvPr id="36" name="Agrupar 12"/>
+          <p:cNvGrpSpPr/>
+          <p:nvPr/>
+        </p:nvGrpSpPr>
+        <p:grpSpPr>
+          <a:xfrm>
+            <a:off x="5031323" y="1787510"/>
+            <a:ext cx="923544" cy="4296295"/>
+            <a:chOff x="1168111" y="1348472"/>
+            <a:chExt cx="914400" cy="4296295"/>
+          </a:xfrm>
+        </p:grpSpPr>
+        <p:sp>
+          <p:nvSpPr>
+            <p:cNvPr id="37" name="Rectángulo 13"/>
+            <p:cNvSpPr/>
+            <p:nvPr/>
+          </p:nvSpPr>
+          <p:spPr>
+            <a:xfrm>
+              <a:off x="1168111" y="1348472"/>
+              <a:ext cx="914400" cy="439038"/>
+            </a:xfrm>
+            <a:prstGeom prst="rect">
+              <a:avLst/>
+            </a:prstGeom>
+          </p:spPr>
+          <p:style>
+            <a:lnRef idx="1">
+              <a:schemeClr val="accent1"/>
+            </a:lnRef>
+            <a:fillRef idx="3">
+              <a:schemeClr val="accent1"/>
+            </a:fillRef>
+            <a:effectRef idx="2">
+              <a:schemeClr val="accent1"/>
+            </a:effectRef>
+            <a:fontRef idx="minor">
+              <a:schemeClr val="lt1"/>
+            </a:fontRef>
+          </p:style>
+          <p:txBody>
+            <a:bodyPr rtlCol="0" anchor="ctr"/>
+            <a:lstStyle/>
+            <a:p>
+              <a:pPr algn="ctr"/>
+              <a:r>
+                <a:rPr lang="es-ES" sz="1000" b="1" dirty="0" err="1" smtClean="0"/>
+                <a:t>Docker</a:t>
+              </a:r>
+              <a:r>
+                <a:rPr lang="es-ES" sz="1000" b="1" dirty="0" smtClean="0"/>
+                <a:t>  </a:t>
+              </a:r>
+              <a:r>
+                <a:rPr lang="es-ES" sz="1000" b="1" dirty="0" err="1" smtClean="0"/>
+                <a:t>container</a:t>
+              </a:r>
+              <a:endParaRPr lang="es-ES" sz="1000" b="1" i="1" dirty="0"/>
+            </a:p>
+          </p:txBody>
+        </p:sp>
+        <p:cxnSp>
+          <p:nvCxnSpPr>
+            <p:cNvPr id="38" name="Conector recto 14"/>
+            <p:cNvCxnSpPr>
+              <a:stCxn id="37" idx="2"/>
+            </p:cNvCxnSpPr>
+            <p:nvPr/>
+          </p:nvCxnSpPr>
+          <p:spPr>
+            <a:xfrm flipH="1">
+              <a:off x="1614973" y="1787510"/>
+              <a:ext cx="10338" cy="3857257"/>
+            </a:xfrm>
+            <a:prstGeom prst="line">
+              <a:avLst/>
+            </a:prstGeom>
+            <a:ln>
+              <a:prstDash val="sysDash"/>
+            </a:ln>
+          </p:spPr>
+          <p:style>
+            <a:lnRef idx="2">
+              <a:schemeClr val="accent1"/>
+            </a:lnRef>
+            <a:fillRef idx="0">
+              <a:schemeClr val="accent1"/>
+            </a:fillRef>
+            <a:effectRef idx="1">
+              <a:schemeClr val="accent1"/>
+            </a:effectRef>
+            <a:fontRef idx="minor">
+              <a:schemeClr val="tx1"/>
+            </a:fontRef>
+          </p:style>
+        </p:cxnSp>
+      </p:grpSp>
+      <p:sp>
+        <p:nvSpPr>
+          <p:cNvPr id="47" name="Rectangle 46"/>
+          <p:cNvSpPr/>
+          <p:nvPr/>
+        </p:nvSpPr>
+        <p:spPr>
+          <a:xfrm>
+            <a:off x="288925" y="2533649"/>
+            <a:ext cx="5665942" cy="1066801"/>
+          </a:xfrm>
+          <a:prstGeom prst="rect">
+            <a:avLst/>
+          </a:prstGeom>
+          <a:noFill/>
+        </p:spPr>
+        <p:style>
+          <a:lnRef idx="1">
+            <a:schemeClr val="accent1"/>
+          </a:lnRef>
+          <a:fillRef idx="3">
+            <a:schemeClr val="accent1"/>
+          </a:fillRef>
+          <a:effectRef idx="2">
+            <a:schemeClr val="accent1"/>
+          </a:effectRef>
+          <a:fontRef idx="minor">
+            <a:schemeClr val="lt1"/>
+          </a:fontRef>
+        </p:style>
+        <p:txBody>
+          <a:bodyPr rtlCol="0" anchor="t" anchorCtr="0"/>
+          <a:lstStyle/>
+          <a:p>
+            <a:r>
+              <a:rPr lang="en-US" sz="800" dirty="0"/>
+              <a:t>l</a:t>
+            </a:r>
+            <a:r>
+              <a:rPr lang="en-US" sz="800" dirty="0" smtClean="0"/>
+              <a:t>oop: monitoring</a:t>
+            </a:r>
+            <a:endParaRPr lang="es-ES" sz="800" dirty="0"/>
+          </a:p>
+        </p:txBody>
+      </p:sp>
+      <p:cxnSp>
+        <p:nvCxnSpPr>
+          <p:cNvPr id="53" name="Conector recto de flecha 28"/>
+          <p:cNvCxnSpPr/>
+          <p:nvPr/>
+        </p:nvCxnSpPr>
+        <p:spPr>
+          <a:xfrm>
+            <a:off x="3949129" y="2788890"/>
+            <a:ext cx="1524000" cy="0"/>
+          </a:xfrm>
+          <a:prstGeom prst="straightConnector1">
+            <a:avLst/>
+          </a:prstGeom>
+          <a:ln w="12700" cmpd="sng">
+            <a:solidFill>
+              <a:schemeClr val="tx1">
+                <a:lumMod val="95000"/>
+              </a:schemeClr>
+            </a:solidFill>
+            <a:headEnd type="none"/>
+            <a:tailEnd type="triangle"/>
+          </a:ln>
+        </p:spPr>
+        <p:style>
+          <a:lnRef idx="2">
+            <a:schemeClr val="accent1"/>
+          </a:lnRef>
+          <a:fillRef idx="0">
+            <a:schemeClr val="accent1"/>
+          </a:fillRef>
+          <a:effectRef idx="1">
+            <a:schemeClr val="accent1"/>
+          </a:effectRef>
+          <a:fontRef idx="minor">
+            <a:schemeClr val="tx1"/>
+          </a:fontRef>
+        </p:style>
+      </p:cxnSp>
+      <p:sp>
+        <p:nvSpPr>
+          <p:cNvPr id="55" name="CuadroTexto 47"/>
+          <p:cNvSpPr txBox="1"/>
+          <p:nvPr/>
+        </p:nvSpPr>
+        <p:spPr>
+          <a:xfrm>
+            <a:off x="3949129" y="2584667"/>
+            <a:ext cx="1412566" cy="215444"/>
+          </a:xfrm>
+          <a:prstGeom prst="rect">
+            <a:avLst/>
+          </a:prstGeom>
+          <a:noFill/>
+        </p:spPr>
+        <p:txBody>
+          <a:bodyPr wrap="none" rtlCol="0">
+            <a:spAutoFit/>
+          </a:bodyPr>
+          <a:lstStyle/>
+          <a:p>
+            <a:r>
+              <a:rPr lang="es-ES" sz="800" dirty="0" err="1"/>
+              <a:t>r</a:t>
+            </a:r>
+            <a:r>
+              <a:rPr lang="es-ES" sz="800" dirty="0" err="1" smtClean="0"/>
+              <a:t>equest</a:t>
+            </a:r>
+            <a:r>
+              <a:rPr lang="es-ES" sz="800" dirty="0" smtClean="0"/>
+              <a:t>  </a:t>
+            </a:r>
+            <a:r>
+              <a:rPr lang="es-ES" sz="800" dirty="0" err="1" smtClean="0"/>
+              <a:t>c</a:t>
+            </a:r>
+            <a:r>
+              <a:rPr lang="es-ES" sz="800" dirty="0" err="1" smtClean="0"/>
+              <a:t>ontainer</a:t>
+            </a:r>
+            <a:r>
+              <a:rPr lang="es-ES" sz="800" dirty="0" smtClean="0"/>
+              <a:t> status </a:t>
+            </a:r>
+            <a:r>
+              <a:rPr lang="es-ES" sz="800" dirty="0" err="1" smtClean="0"/>
+              <a:t>info</a:t>
+            </a:r>
+            <a:endParaRPr lang="es-ES" sz="800" dirty="0"/>
+          </a:p>
+        </p:txBody>
+      </p:sp>
+      <p:cxnSp>
+        <p:nvCxnSpPr>
+          <p:cNvPr id="56" name="Conector recto de flecha 28"/>
+          <p:cNvCxnSpPr/>
+          <p:nvPr/>
+        </p:nvCxnSpPr>
+        <p:spPr>
+          <a:xfrm flipH="1" flipV="1">
+            <a:off x="3954349" y="3010913"/>
+            <a:ext cx="1521296" cy="8050"/>
+          </a:xfrm>
+          <a:prstGeom prst="straightConnector1">
+            <a:avLst/>
+          </a:prstGeom>
+          <a:ln w="12700" cmpd="sng">
+            <a:solidFill>
+              <a:schemeClr val="tx1">
+                <a:lumMod val="95000"/>
+              </a:schemeClr>
+            </a:solidFill>
+            <a:prstDash val="dash"/>
+            <a:headEnd type="none"/>
+            <a:tailEnd type="triangle"/>
+          </a:ln>
+        </p:spPr>
+        <p:style>
+          <a:lnRef idx="2">
+            <a:schemeClr val="accent1"/>
+          </a:lnRef>
+          <a:fillRef idx="0">
+            <a:schemeClr val="accent1"/>
+          </a:fillRef>
+          <a:effectRef idx="1">
+            <a:schemeClr val="accent1"/>
+          </a:effectRef>
+          <a:fontRef idx="minor">
+            <a:schemeClr val="tx1"/>
+          </a:fontRef>
+        </p:style>
+      </p:cxnSp>
+      <p:sp>
+        <p:nvSpPr>
+          <p:cNvPr id="58" name="CuadroTexto 47"/>
+          <p:cNvSpPr txBox="1"/>
+          <p:nvPr/>
+        </p:nvSpPr>
+        <p:spPr>
+          <a:xfrm>
+            <a:off x="4442807" y="2825511"/>
+            <a:ext cx="1050288" cy="215444"/>
+          </a:xfrm>
+          <a:prstGeom prst="rect">
+            <a:avLst/>
+          </a:prstGeom>
+          <a:noFill/>
+        </p:spPr>
+        <p:txBody>
+          <a:bodyPr wrap="none" rtlCol="0">
+            <a:spAutoFit/>
+          </a:bodyPr>
+          <a:lstStyle/>
+          <a:p>
+            <a:r>
+              <a:rPr lang="es-ES" sz="800" dirty="0" err="1" smtClean="0"/>
+              <a:t>container</a:t>
+            </a:r>
+            <a:r>
+              <a:rPr lang="es-ES" sz="800" dirty="0" smtClean="0"/>
+              <a:t> status </a:t>
+            </a:r>
+            <a:r>
+              <a:rPr lang="es-ES" sz="800" dirty="0" err="1" smtClean="0"/>
+              <a:t>info</a:t>
+            </a:r>
+            <a:endParaRPr lang="es-ES" sz="800" dirty="0"/>
+          </a:p>
+        </p:txBody>
+      </p:sp>
+      <p:cxnSp>
+        <p:nvCxnSpPr>
+          <p:cNvPr id="59" name="Conector recto de flecha 28"/>
+          <p:cNvCxnSpPr/>
+          <p:nvPr/>
+        </p:nvCxnSpPr>
+        <p:spPr>
+          <a:xfrm flipH="1">
+            <a:off x="2405208" y="3182657"/>
+            <a:ext cx="1526557" cy="0"/>
+          </a:xfrm>
+          <a:prstGeom prst="straightConnector1">
+            <a:avLst/>
+          </a:prstGeom>
+          <a:ln w="12700" cmpd="sng">
+            <a:solidFill>
+              <a:schemeClr val="tx1">
+                <a:lumMod val="95000"/>
+              </a:schemeClr>
+            </a:solidFill>
+            <a:headEnd type="none"/>
+            <a:tailEnd type="triangle"/>
+          </a:ln>
+        </p:spPr>
+        <p:style>
+          <a:lnRef idx="2">
+            <a:schemeClr val="accent1"/>
+          </a:lnRef>
+          <a:fillRef idx="0">
+            <a:schemeClr val="accent1"/>
+          </a:fillRef>
+          <a:effectRef idx="1">
+            <a:schemeClr val="accent1"/>
+          </a:effectRef>
+          <a:fontRef idx="minor">
+            <a:schemeClr val="tx1"/>
+          </a:fontRef>
+        </p:style>
+      </p:cxnSp>
+      <p:sp>
+        <p:nvSpPr>
+          <p:cNvPr id="60" name="CuadroTexto 47"/>
+          <p:cNvSpPr txBox="1"/>
+          <p:nvPr/>
+        </p:nvSpPr>
+        <p:spPr>
+          <a:xfrm>
+            <a:off x="2893781" y="2976738"/>
+            <a:ext cx="909223" cy="215444"/>
+          </a:xfrm>
+          <a:prstGeom prst="rect">
+            <a:avLst/>
+          </a:prstGeom>
+          <a:noFill/>
+        </p:spPr>
+        <p:txBody>
+          <a:bodyPr wrap="none" rtlCol="0">
+            <a:spAutoFit/>
+          </a:bodyPr>
+          <a:lstStyle/>
+          <a:p>
+            <a:r>
+              <a:rPr lang="es-ES" sz="800" dirty="0" smtClean="0"/>
+              <a:t>MSG_TASK_RES</a:t>
+            </a:r>
+            <a:endParaRPr lang="es-ES" sz="800" dirty="0"/>
+          </a:p>
+        </p:txBody>
+      </p:sp>
+      <p:grpSp>
+        <p:nvGrpSpPr>
+          <p:cNvPr id="61" name="Agrupar 12"/>
+          <p:cNvGrpSpPr/>
+          <p:nvPr/>
+        </p:nvGrpSpPr>
+        <p:grpSpPr>
+          <a:xfrm>
+            <a:off x="6583898" y="1787510"/>
+            <a:ext cx="923544" cy="4296295"/>
+            <a:chOff x="1168111" y="1348472"/>
+            <a:chExt cx="914400" cy="4296295"/>
+          </a:xfrm>
+        </p:grpSpPr>
+        <p:sp>
+          <p:nvSpPr>
+            <p:cNvPr id="62" name="Rectángulo 13"/>
+            <p:cNvSpPr/>
+            <p:nvPr/>
+          </p:nvSpPr>
+          <p:spPr>
+            <a:xfrm>
+              <a:off x="1168111" y="1348472"/>
+              <a:ext cx="914400" cy="439038"/>
+            </a:xfrm>
+            <a:prstGeom prst="rect">
+              <a:avLst/>
+            </a:prstGeom>
+          </p:spPr>
+          <p:style>
+            <a:lnRef idx="1">
+              <a:schemeClr val="accent1"/>
+            </a:lnRef>
+            <a:fillRef idx="3">
+              <a:schemeClr val="accent1"/>
+            </a:fillRef>
+            <a:effectRef idx="2">
+              <a:schemeClr val="accent1"/>
+            </a:effectRef>
+            <a:fontRef idx="minor">
+              <a:schemeClr val="lt1"/>
+            </a:fontRef>
+          </p:style>
+          <p:txBody>
+            <a:bodyPr rtlCol="0" anchor="ctr"/>
+            <a:lstStyle/>
+            <a:p>
+              <a:pPr algn="ctr"/>
+              <a:r>
+                <a:rPr lang="es-ES" sz="1000" b="1" dirty="0" err="1" smtClean="0"/>
+                <a:t>DataMng</a:t>
+              </a:r>
+              <a:endParaRPr lang="es-ES" sz="1000" b="1" i="1" dirty="0"/>
+            </a:p>
+          </p:txBody>
+        </p:sp>
+        <p:cxnSp>
+          <p:nvCxnSpPr>
+            <p:cNvPr id="63" name="Conector recto 14"/>
+            <p:cNvCxnSpPr>
+              <a:stCxn id="62" idx="2"/>
+            </p:cNvCxnSpPr>
+            <p:nvPr/>
+          </p:nvCxnSpPr>
+          <p:spPr>
+            <a:xfrm flipH="1">
+              <a:off x="1614973" y="1787510"/>
+              <a:ext cx="10338" cy="3857257"/>
+            </a:xfrm>
+            <a:prstGeom prst="line">
+              <a:avLst/>
+            </a:prstGeom>
+            <a:ln>
+              <a:prstDash val="sysDash"/>
+            </a:ln>
+          </p:spPr>
+          <p:style>
+            <a:lnRef idx="2">
+              <a:schemeClr val="accent1"/>
+            </a:lnRef>
+            <a:fillRef idx="0">
+              <a:schemeClr val="accent1"/>
+            </a:fillRef>
+            <a:effectRef idx="1">
+              <a:schemeClr val="accent1"/>
+            </a:effectRef>
+            <a:fontRef idx="minor">
+              <a:schemeClr val="tx1"/>
+            </a:fontRef>
+          </p:style>
+        </p:cxnSp>
+      </p:grpSp>
+      <p:grpSp>
+        <p:nvGrpSpPr>
+          <p:cNvPr id="64" name="Agrupar 12"/>
+          <p:cNvGrpSpPr/>
+          <p:nvPr/>
+        </p:nvGrpSpPr>
+        <p:grpSpPr>
+          <a:xfrm>
+            <a:off x="8050748" y="1787510"/>
+            <a:ext cx="923544" cy="4296295"/>
+            <a:chOff x="1168111" y="1348472"/>
+            <a:chExt cx="914400" cy="4296295"/>
+          </a:xfrm>
+        </p:grpSpPr>
+        <p:sp>
+          <p:nvSpPr>
+            <p:cNvPr id="65" name="Rectángulo 13"/>
+            <p:cNvSpPr/>
+            <p:nvPr/>
+          </p:nvSpPr>
+          <p:spPr>
+            <a:xfrm>
+              <a:off x="1168111" y="1348472"/>
+              <a:ext cx="914400" cy="439038"/>
+            </a:xfrm>
+            <a:prstGeom prst="rect">
+              <a:avLst/>
+            </a:prstGeom>
+          </p:spPr>
+          <p:style>
+            <a:lnRef idx="1">
+              <a:schemeClr val="accent1"/>
+            </a:lnRef>
+            <a:fillRef idx="3">
+              <a:schemeClr val="accent1"/>
+            </a:fillRef>
+            <a:effectRef idx="2">
+              <a:schemeClr val="accent1"/>
+            </a:effectRef>
+            <a:fontRef idx="minor">
+              <a:schemeClr val="lt1"/>
+            </a:fontRef>
+          </p:style>
+          <p:txBody>
+            <a:bodyPr rtlCol="0" anchor="ctr"/>
+            <a:lstStyle/>
+            <a:p>
+              <a:pPr algn="ctr"/>
+              <a:r>
+                <a:rPr lang="es-ES" sz="1000" b="1" dirty="0" err="1" smtClean="0"/>
+                <a:t>EvtMng</a:t>
+              </a:r>
+              <a:endParaRPr lang="es-ES" sz="1000" b="1" i="1" dirty="0"/>
+            </a:p>
+          </p:txBody>
+        </p:sp>
+        <p:cxnSp>
+          <p:nvCxnSpPr>
+            <p:cNvPr id="66" name="Conector recto 14"/>
+            <p:cNvCxnSpPr>
+              <a:stCxn id="65" idx="2"/>
+            </p:cNvCxnSpPr>
+            <p:nvPr/>
+          </p:nvCxnSpPr>
+          <p:spPr>
+            <a:xfrm flipH="1">
+              <a:off x="1614973" y="1787510"/>
+              <a:ext cx="10338" cy="3857257"/>
+            </a:xfrm>
+            <a:prstGeom prst="line">
+              <a:avLst/>
+            </a:prstGeom>
+            <a:ln>
+              <a:prstDash val="sysDash"/>
+            </a:ln>
+          </p:spPr>
+          <p:style>
+            <a:lnRef idx="2">
+              <a:schemeClr val="accent1"/>
+            </a:lnRef>
+            <a:fillRef idx="0">
+              <a:schemeClr val="accent1"/>
+            </a:fillRef>
+            <a:effectRef idx="1">
+              <a:schemeClr val="accent1"/>
+            </a:effectRef>
+            <a:fontRef idx="minor">
+              <a:schemeClr val="tx1"/>
+            </a:fontRef>
+          </p:style>
+        </p:cxnSp>
+      </p:grpSp>
+      <p:cxnSp>
+        <p:nvCxnSpPr>
+          <p:cNvPr id="67" name="Conector recto de flecha 28"/>
+          <p:cNvCxnSpPr/>
+          <p:nvPr/>
+        </p:nvCxnSpPr>
+        <p:spPr>
+          <a:xfrm flipH="1">
+            <a:off x="914400" y="3399408"/>
+            <a:ext cx="1526557" cy="0"/>
+          </a:xfrm>
+          <a:prstGeom prst="straightConnector1">
+            <a:avLst/>
+          </a:prstGeom>
+          <a:ln w="12700" cmpd="sng">
+            <a:solidFill>
+              <a:schemeClr val="tx1">
+                <a:lumMod val="95000"/>
+              </a:schemeClr>
+            </a:solidFill>
+            <a:headEnd type="none"/>
+            <a:tailEnd type="triangle"/>
+          </a:ln>
+        </p:spPr>
+        <p:style>
+          <a:lnRef idx="2">
+            <a:schemeClr val="accent1"/>
+          </a:lnRef>
+          <a:fillRef idx="0">
+            <a:schemeClr val="accent1"/>
+          </a:fillRef>
+          <a:effectRef idx="1">
+            <a:schemeClr val="accent1"/>
+          </a:effectRef>
+          <a:fontRef idx="minor">
+            <a:schemeClr val="tx1"/>
+          </a:fontRef>
+        </p:style>
+      </p:cxnSp>
+      <p:sp>
+        <p:nvSpPr>
+          <p:cNvPr id="68" name="CuadroTexto 47"/>
+          <p:cNvSpPr txBox="1"/>
+          <p:nvPr/>
+        </p:nvSpPr>
+        <p:spPr>
+          <a:xfrm>
+            <a:off x="1402973" y="3193489"/>
+            <a:ext cx="909223" cy="215444"/>
+          </a:xfrm>
+          <a:prstGeom prst="rect">
+            <a:avLst/>
+          </a:prstGeom>
+          <a:noFill/>
+        </p:spPr>
+        <p:txBody>
+          <a:bodyPr wrap="none" rtlCol="0">
+            <a:spAutoFit/>
+          </a:bodyPr>
+          <a:lstStyle/>
+          <a:p>
+            <a:r>
+              <a:rPr lang="es-ES" sz="800" dirty="0" smtClean="0"/>
+              <a:t>MSG_TASK_RES</a:t>
+            </a:r>
+            <a:endParaRPr lang="es-ES" sz="800" dirty="0"/>
+          </a:p>
+        </p:txBody>
+      </p:sp>
+      <p:cxnSp>
+        <p:nvCxnSpPr>
+          <p:cNvPr id="25" name="Straight Connector 24"/>
+          <p:cNvCxnSpPr/>
+          <p:nvPr/>
+        </p:nvCxnSpPr>
+        <p:spPr>
+          <a:xfrm>
+            <a:off x="219075" y="3933825"/>
+            <a:ext cx="8755217" cy="0"/>
+          </a:xfrm>
+          <a:prstGeom prst="line">
+            <a:avLst/>
+          </a:prstGeom>
+          <a:ln w="57150"/>
+        </p:spPr>
+        <p:style>
+          <a:lnRef idx="1">
+            <a:schemeClr val="accent2"/>
+          </a:lnRef>
+          <a:fillRef idx="0">
+            <a:schemeClr val="accent2"/>
+          </a:fillRef>
+          <a:effectRef idx="0">
+            <a:schemeClr val="accent2"/>
+          </a:effectRef>
+          <a:fontRef idx="minor">
+            <a:schemeClr val="tx1"/>
+          </a:fontRef>
+        </p:style>
+      </p:cxnSp>
+      <p:sp>
+        <p:nvSpPr>
+          <p:cNvPr id="40" name="Rectangle 39"/>
+          <p:cNvSpPr/>
+          <p:nvPr/>
+        </p:nvSpPr>
+        <p:spPr>
+          <a:xfrm>
+            <a:off x="4210050" y="3810000"/>
+            <a:ext cx="1076325" cy="228600"/>
+          </a:xfrm>
+          <a:prstGeom prst="rect">
+            <a:avLst/>
+          </a:prstGeom>
+        </p:spPr>
+        <p:style>
+          <a:lnRef idx="2">
+            <a:schemeClr val="accent2">
+              <a:shade val="50000"/>
+            </a:schemeClr>
+          </a:lnRef>
+          <a:fillRef idx="1">
+            <a:schemeClr val="accent2"/>
+          </a:fillRef>
+          <a:effectRef idx="0">
+            <a:schemeClr val="accent2"/>
+          </a:effectRef>
+          <a:fontRef idx="minor">
+            <a:schemeClr val="lt1"/>
+          </a:fontRef>
+        </p:style>
+        <p:txBody>
+          <a:bodyPr rtlCol="0" anchor="ctr"/>
+          <a:lstStyle/>
+          <a:p>
+            <a:pPr algn="ctr"/>
+            <a:r>
+              <a:rPr lang="en-US" sz="900" i="1" dirty="0" smtClean="0"/>
+              <a:t>Task Completion</a:t>
+            </a:r>
+            <a:endParaRPr lang="es-ES" sz="900" i="1" dirty="0"/>
+          </a:p>
+        </p:txBody>
+      </p:sp>
+      <p:cxnSp>
+        <p:nvCxnSpPr>
+          <p:cNvPr id="69" name="Conector recto de flecha 28"/>
+          <p:cNvCxnSpPr/>
+          <p:nvPr/>
+        </p:nvCxnSpPr>
+        <p:spPr>
+          <a:xfrm>
+            <a:off x="914400" y="4369603"/>
+            <a:ext cx="6120829" cy="0"/>
+          </a:xfrm>
+          <a:prstGeom prst="straightConnector1">
+            <a:avLst/>
+          </a:prstGeom>
+          <a:ln w="12700" cmpd="sng">
+            <a:solidFill>
+              <a:schemeClr val="tx1">
+                <a:lumMod val="95000"/>
+              </a:schemeClr>
+            </a:solidFill>
+            <a:headEnd type="none"/>
+            <a:tailEnd type="triangle"/>
+          </a:ln>
+        </p:spPr>
+        <p:style>
+          <a:lnRef idx="2">
+            <a:schemeClr val="accent1"/>
+          </a:lnRef>
+          <a:fillRef idx="0">
+            <a:schemeClr val="accent1"/>
+          </a:fillRef>
+          <a:effectRef idx="1">
+            <a:schemeClr val="accent1"/>
+          </a:effectRef>
+          <a:fontRef idx="minor">
+            <a:schemeClr val="tx1"/>
+          </a:fontRef>
+        </p:style>
+      </p:cxnSp>
+      <p:sp>
+        <p:nvSpPr>
+          <p:cNvPr id="70" name="CuadroTexto 47"/>
+          <p:cNvSpPr txBox="1"/>
+          <p:nvPr/>
+        </p:nvSpPr>
+        <p:spPr>
+          <a:xfrm>
+            <a:off x="974348" y="4163684"/>
+            <a:ext cx="909223" cy="215444"/>
+          </a:xfrm>
+          <a:prstGeom prst="rect">
+            <a:avLst/>
+          </a:prstGeom>
+          <a:noFill/>
+        </p:spPr>
+        <p:txBody>
+          <a:bodyPr wrap="none" rtlCol="0">
+            <a:spAutoFit/>
+          </a:bodyPr>
+          <a:lstStyle/>
+          <a:p>
+            <a:r>
+              <a:rPr lang="es-ES" sz="800" dirty="0" smtClean="0"/>
+              <a:t>MSG_TASK_RES</a:t>
+            </a:r>
+            <a:endParaRPr lang="es-ES" sz="800" dirty="0"/>
+          </a:p>
+        </p:txBody>
+      </p:sp>
+      <p:cxnSp>
+        <p:nvCxnSpPr>
+          <p:cNvPr id="72" name="Conector recto de flecha 28"/>
+          <p:cNvCxnSpPr/>
+          <p:nvPr/>
+        </p:nvCxnSpPr>
+        <p:spPr>
+          <a:xfrm>
+            <a:off x="914400" y="4754125"/>
+            <a:ext cx="7592899" cy="0"/>
+          </a:xfrm>
+          <a:prstGeom prst="straightConnector1">
+            <a:avLst/>
+          </a:prstGeom>
+          <a:ln w="12700" cmpd="sng">
+            <a:solidFill>
+              <a:schemeClr val="tx1">
+                <a:lumMod val="95000"/>
+              </a:schemeClr>
+            </a:solidFill>
+            <a:headEnd type="none"/>
+            <a:tailEnd type="triangle"/>
+          </a:ln>
+        </p:spPr>
+        <p:style>
+          <a:lnRef idx="2">
+            <a:schemeClr val="accent1"/>
+          </a:lnRef>
+          <a:fillRef idx="0">
+            <a:schemeClr val="accent1"/>
+          </a:fillRef>
+          <a:effectRef idx="1">
+            <a:schemeClr val="accent1"/>
+          </a:effectRef>
+          <a:fontRef idx="minor">
+            <a:schemeClr val="tx1"/>
+          </a:fontRef>
+        </p:style>
+      </p:cxnSp>
+      <p:sp>
+        <p:nvSpPr>
+          <p:cNvPr id="73" name="CuadroTexto 47"/>
+          <p:cNvSpPr txBox="1"/>
+          <p:nvPr/>
+        </p:nvSpPr>
+        <p:spPr>
+          <a:xfrm>
+            <a:off x="974348" y="4548206"/>
+            <a:ext cx="909223" cy="215444"/>
+          </a:xfrm>
+          <a:prstGeom prst="rect">
+            <a:avLst/>
+          </a:prstGeom>
+          <a:noFill/>
+        </p:spPr>
+        <p:txBody>
+          <a:bodyPr wrap="none" rtlCol="0">
+            <a:spAutoFit/>
+          </a:bodyPr>
+          <a:lstStyle/>
+          <a:p>
+            <a:r>
+              <a:rPr lang="es-ES" sz="800" dirty="0" smtClean="0"/>
+              <a:t>MSG_TASK_RES</a:t>
+            </a:r>
+            <a:endParaRPr lang="es-ES" sz="800" dirty="0"/>
+          </a:p>
+        </p:txBody>
+      </p:sp>
+    </p:spTree>
+    <p:extLst>
+      <p:ext uri="{BB962C8B-B14F-4D97-AF65-F5344CB8AC3E}">
+        <p14:creationId xmlns:p14="http://schemas.microsoft.com/office/powerpoint/2010/main" val="1286566138"/>
+      </p:ext>
+    </p:extLst>
+  </p:cSld>
+  <p:clrMapOvr>
+    <a:masterClrMapping/>
+  </p:clrMapOvr>
+</p:sld>
+</file>
+
+<file path=ppt/slides/slide9.xml><?xml version="1.0" encoding="utf-8"?>
+<p:sld xmlns:a="http://schemas.openxmlformats.org/drawingml/2006/main" xmlns:r="http://schemas.openxmlformats.org/officeDocument/2006/relationships" xmlns:p="http://schemas.openxmlformats.org/presentationml/2006/main">
+  <p:cSld>
+    <p:spTree>
+      <p:nvGrpSpPr>
+        <p:cNvPr id="1" name=""/>
+        <p:cNvGrpSpPr/>
+        <p:nvPr/>
+      </p:nvGrpSpPr>
+      <p:grpSpPr>
+        <a:xfrm>
+          <a:off x="0" y="0"/>
+          <a:ext cx="0" cy="0"/>
+          <a:chOff x="0" y="0"/>
+          <a:chExt cx="0" cy="0"/>
+        </a:xfrm>
+      </p:grpSpPr>
+      <p:sp>
+        <p:nvSpPr>
+          <p:cNvPr id="2" name="Título 1"/>
+          <p:cNvSpPr>
+            <a:spLocks noGrp="1"/>
+          </p:cNvSpPr>
+          <p:nvPr>
+            <p:ph type="title"/>
+          </p:nvPr>
+        </p:nvSpPr>
+        <p:spPr/>
+        <p:txBody>
+          <a:bodyPr>
+            <a:normAutofit/>
+          </a:bodyPr>
+          <a:lstStyle/>
+          <a:p>
+            <a:r>
+              <a:rPr lang="es-ES" sz="2800" dirty="0" err="1" smtClean="0"/>
+              <a:t>Message</a:t>
+            </a:r>
+            <a:r>
+              <a:rPr lang="es-ES" sz="2800" dirty="0" smtClean="0"/>
+              <a:t> </a:t>
+            </a:r>
+            <a:r>
+              <a:rPr lang="es-ES" sz="2800" dirty="0" err="1" smtClean="0"/>
+              <a:t>Structure</a:t>
+            </a:r>
+            <a:endParaRPr lang="es-ES" sz="2800" dirty="0"/>
+          </a:p>
+        </p:txBody>
+      </p:sp>
+      <p:sp>
+        <p:nvSpPr>
+          <p:cNvPr id="5" name="Rectangle 4"/>
+          <p:cNvSpPr/>
+          <p:nvPr/>
+        </p:nvSpPr>
+        <p:spPr>
+          <a:xfrm>
+            <a:off x="1304925" y="1743075"/>
+            <a:ext cx="1228725" cy="619125"/>
+          </a:xfrm>
+          <a:prstGeom prst="rect">
+            <a:avLst/>
+          </a:prstGeom>
+        </p:spPr>
+        <p:style>
+          <a:lnRef idx="1">
+            <a:schemeClr val="accent1"/>
+          </a:lnRef>
+          <a:fillRef idx="2">
+            <a:schemeClr val="accent1"/>
+          </a:fillRef>
+          <a:effectRef idx="1">
+            <a:schemeClr val="accent1"/>
+          </a:effectRef>
+          <a:fontRef idx="minor">
+            <a:schemeClr val="dk1"/>
+          </a:fontRef>
+        </p:style>
+        <p:txBody>
+          <a:bodyPr rtlCol="0" anchor="ctr"/>
+          <a:lstStyle/>
+          <a:p>
+            <a:pPr algn="ctr"/>
+            <a:r>
+              <a:rPr lang="en-US" sz="1200" b="1" dirty="0" smtClean="0"/>
+              <a:t>Target Id</a:t>
+            </a:r>
+            <a:endParaRPr lang="es-ES" sz="1200" b="1" dirty="0"/>
+          </a:p>
+        </p:txBody>
+      </p:sp>
+      <p:sp>
+        <p:nvSpPr>
+          <p:cNvPr id="6" name="Rectangle 5"/>
+          <p:cNvSpPr/>
+          <p:nvPr/>
+        </p:nvSpPr>
+        <p:spPr>
+          <a:xfrm>
+            <a:off x="1304924" y="2362200"/>
+            <a:ext cx="1228725" cy="619125"/>
+          </a:xfrm>
+          <a:prstGeom prst="rect">
+            <a:avLst/>
+          </a:prstGeom>
+        </p:spPr>
+        <p:style>
+          <a:lnRef idx="1">
+            <a:schemeClr val="accent1"/>
+          </a:lnRef>
+          <a:fillRef idx="2">
+            <a:schemeClr val="accent1"/>
+          </a:fillRef>
+          <a:effectRef idx="1">
+            <a:schemeClr val="accent1"/>
+          </a:effectRef>
+          <a:fontRef idx="minor">
+            <a:schemeClr val="dk1"/>
+          </a:fontRef>
+        </p:style>
+        <p:txBody>
+          <a:bodyPr rtlCol="0" anchor="ctr"/>
+          <a:lstStyle/>
+          <a:p>
+            <a:pPr algn="ctr"/>
+            <a:r>
+              <a:rPr lang="en-US" sz="1200" b="1" dirty="0" err="1" smtClean="0"/>
+              <a:t>Msg</a:t>
+            </a:r>
+            <a:r>
+              <a:rPr lang="en-US" sz="1200" b="1" dirty="0" smtClean="0"/>
+              <a:t> Type</a:t>
+            </a:r>
+            <a:endParaRPr lang="es-ES" sz="1200" b="1" dirty="0"/>
+          </a:p>
+        </p:txBody>
+      </p:sp>
+      <p:sp>
+        <p:nvSpPr>
+          <p:cNvPr id="7" name="Rectangle 6"/>
+          <p:cNvSpPr/>
+          <p:nvPr/>
+        </p:nvSpPr>
+        <p:spPr>
+          <a:xfrm>
+            <a:off x="1304923" y="2981325"/>
+            <a:ext cx="1228725" cy="1809750"/>
+          </a:xfrm>
+          <a:prstGeom prst="rect">
+            <a:avLst/>
+          </a:prstGeom>
+        </p:spPr>
+        <p:style>
+          <a:lnRef idx="1">
+            <a:schemeClr val="accent1"/>
+          </a:lnRef>
+          <a:fillRef idx="2">
+            <a:schemeClr val="accent1"/>
+          </a:fillRef>
+          <a:effectRef idx="1">
+            <a:schemeClr val="accent1"/>
+          </a:effectRef>
+          <a:fontRef idx="minor">
+            <a:schemeClr val="dk1"/>
+          </a:fontRef>
+        </p:style>
+        <p:txBody>
+          <a:bodyPr rtlCol="0" anchor="ctr"/>
+          <a:lstStyle/>
+          <a:p>
+            <a:pPr algn="ctr"/>
+            <a:r>
+              <a:rPr lang="en-US" sz="1200" b="1" dirty="0" err="1" smtClean="0"/>
+              <a:t>Msg</a:t>
+            </a:r>
+            <a:r>
+              <a:rPr lang="en-US" sz="1200" b="1" dirty="0" smtClean="0"/>
+              <a:t> Content</a:t>
+            </a:r>
+            <a:endParaRPr lang="es-ES" sz="1200" b="1" dirty="0"/>
+          </a:p>
+        </p:txBody>
+      </p:sp>
+      <p:sp>
+        <p:nvSpPr>
+          <p:cNvPr id="8" name="TextBox 7"/>
+          <p:cNvSpPr txBox="1"/>
+          <p:nvPr/>
+        </p:nvSpPr>
+        <p:spPr>
+          <a:xfrm>
+            <a:off x="1155296" y="1371600"/>
+            <a:ext cx="1527982" cy="246221"/>
+          </a:xfrm>
+          <a:prstGeom prst="rect">
+            <a:avLst/>
+          </a:prstGeom>
+          <a:noFill/>
+        </p:spPr>
+        <p:txBody>
+          <a:bodyPr wrap="none" rtlCol="0">
+            <a:spAutoFit/>
+          </a:bodyPr>
+          <a:lstStyle/>
+          <a:p>
+            <a:r>
+              <a:rPr lang="en-US" sz="1000" dirty="0" smtClean="0"/>
+              <a:t>Physical Message Frames</a:t>
+            </a:r>
+            <a:endParaRPr lang="es-ES" sz="1000" dirty="0"/>
+          </a:p>
+        </p:txBody>
+      </p:sp>
+      <p:sp>
+        <p:nvSpPr>
+          <p:cNvPr id="9" name="TextBox 8"/>
+          <p:cNvSpPr txBox="1"/>
+          <p:nvPr/>
+        </p:nvSpPr>
+        <p:spPr>
+          <a:xfrm>
+            <a:off x="391303" y="1929526"/>
+            <a:ext cx="607859" cy="246221"/>
+          </a:xfrm>
+          <a:prstGeom prst="rect">
+            <a:avLst/>
+          </a:prstGeom>
+          <a:noFill/>
+        </p:spPr>
+        <p:txBody>
+          <a:bodyPr wrap="none" rtlCol="0">
+            <a:spAutoFit/>
+          </a:bodyPr>
+          <a:lstStyle/>
+          <a:p>
+            <a:r>
+              <a:rPr lang="en-US" sz="1000" dirty="0" smtClean="0"/>
+              <a:t>Frame 1</a:t>
+            </a:r>
+            <a:endParaRPr lang="es-ES" sz="1000" dirty="0"/>
+          </a:p>
+        </p:txBody>
+      </p:sp>
+      <p:sp>
+        <p:nvSpPr>
+          <p:cNvPr id="10" name="TextBox 9"/>
+          <p:cNvSpPr txBox="1"/>
+          <p:nvPr/>
+        </p:nvSpPr>
+        <p:spPr>
+          <a:xfrm>
+            <a:off x="391303" y="2548651"/>
+            <a:ext cx="615874" cy="246221"/>
+          </a:xfrm>
+          <a:prstGeom prst="rect">
+            <a:avLst/>
+          </a:prstGeom>
+          <a:noFill/>
+        </p:spPr>
+        <p:txBody>
+          <a:bodyPr wrap="none" rtlCol="0">
+            <a:spAutoFit/>
+          </a:bodyPr>
+          <a:lstStyle/>
+          <a:p>
+            <a:r>
+              <a:rPr lang="en-US" sz="1000" dirty="0" smtClean="0"/>
+              <a:t>Frame 2</a:t>
+            </a:r>
+            <a:endParaRPr lang="es-ES" sz="1000" dirty="0"/>
+          </a:p>
+        </p:txBody>
+      </p:sp>
+      <p:sp>
+        <p:nvSpPr>
+          <p:cNvPr id="11" name="TextBox 10"/>
+          <p:cNvSpPr txBox="1"/>
+          <p:nvPr/>
+        </p:nvSpPr>
+        <p:spPr>
+          <a:xfrm>
+            <a:off x="391303" y="3763089"/>
+            <a:ext cx="607859" cy="246221"/>
+          </a:xfrm>
+          <a:prstGeom prst="rect">
+            <a:avLst/>
+          </a:prstGeom>
+          <a:noFill/>
+        </p:spPr>
+        <p:txBody>
+          <a:bodyPr wrap="none" rtlCol="0">
+            <a:spAutoFit/>
+          </a:bodyPr>
+          <a:lstStyle/>
+          <a:p>
+            <a:r>
+              <a:rPr lang="en-US" sz="1000" dirty="0" smtClean="0"/>
+              <a:t>Frame 3</a:t>
+            </a:r>
+            <a:endParaRPr lang="es-ES" sz="1000" dirty="0"/>
+          </a:p>
+        </p:txBody>
+      </p:sp>
+      <p:sp>
+        <p:nvSpPr>
+          <p:cNvPr id="12" name="Rectangle 11"/>
+          <p:cNvSpPr/>
+          <p:nvPr/>
+        </p:nvSpPr>
+        <p:spPr>
+          <a:xfrm>
+            <a:off x="4114798" y="2052636"/>
+            <a:ext cx="1228725" cy="1319214"/>
+          </a:xfrm>
+          <a:prstGeom prst="rect">
+            <a:avLst/>
+          </a:prstGeom>
+        </p:spPr>
+        <p:style>
+          <a:lnRef idx="1">
+            <a:schemeClr val="accent3"/>
+          </a:lnRef>
+          <a:fillRef idx="2">
+            <a:schemeClr val="accent3"/>
+          </a:fillRef>
+          <a:effectRef idx="1">
+            <a:schemeClr val="accent3"/>
+          </a:effectRef>
+          <a:fontRef idx="minor">
+            <a:schemeClr val="dk1"/>
+          </a:fontRef>
+        </p:style>
+        <p:txBody>
+          <a:bodyPr rtlCol="0" anchor="ctr"/>
+          <a:lstStyle/>
+          <a:p>
+            <a:pPr algn="ctr"/>
+            <a:r>
+              <a:rPr lang="en-US" sz="1200" b="1" dirty="0" smtClean="0"/>
+              <a:t>Header</a:t>
+            </a:r>
+            <a:endParaRPr lang="es-ES" sz="1200" b="1" dirty="0"/>
+          </a:p>
+        </p:txBody>
+      </p:sp>
+      <p:sp>
+        <p:nvSpPr>
+          <p:cNvPr id="13" name="Rectangle 12"/>
+          <p:cNvSpPr/>
+          <p:nvPr/>
+        </p:nvSpPr>
+        <p:spPr>
+          <a:xfrm>
+            <a:off x="4114797" y="3371849"/>
+            <a:ext cx="1228725" cy="3267075"/>
+          </a:xfrm>
+          <a:prstGeom prst="rect">
+            <a:avLst/>
+          </a:prstGeom>
+        </p:spPr>
+        <p:style>
+          <a:lnRef idx="1">
+            <a:schemeClr val="accent3"/>
+          </a:lnRef>
+          <a:fillRef idx="2">
+            <a:schemeClr val="accent3"/>
+          </a:fillRef>
+          <a:effectRef idx="1">
+            <a:schemeClr val="accent3"/>
+          </a:effectRef>
+          <a:fontRef idx="minor">
+            <a:schemeClr val="dk1"/>
+          </a:fontRef>
+        </p:style>
+        <p:txBody>
+          <a:bodyPr rtlCol="0" anchor="ctr"/>
+          <a:lstStyle/>
+          <a:p>
+            <a:pPr algn="ctr"/>
+            <a:r>
+              <a:rPr lang="en-US" sz="1200" b="1" dirty="0" smtClean="0"/>
+              <a:t>Body</a:t>
+            </a:r>
+            <a:endParaRPr lang="es-ES" sz="1200" b="1" dirty="0"/>
+          </a:p>
+        </p:txBody>
+      </p:sp>
+      <p:sp>
+        <p:nvSpPr>
+          <p:cNvPr id="14" name="Rectangle 13"/>
+          <p:cNvSpPr/>
+          <p:nvPr/>
+        </p:nvSpPr>
+        <p:spPr>
+          <a:xfrm>
+            <a:off x="6657973" y="1743075"/>
+            <a:ext cx="1228725" cy="309561"/>
+          </a:xfrm>
+          <a:prstGeom prst="rect">
+            <a:avLst/>
+          </a:prstGeom>
+        </p:spPr>
+        <p:style>
+          <a:lnRef idx="1">
+            <a:schemeClr val="accent6"/>
+          </a:lnRef>
+          <a:fillRef idx="2">
+            <a:schemeClr val="accent6"/>
+          </a:fillRef>
+          <a:effectRef idx="1">
+            <a:schemeClr val="accent6"/>
+          </a:effectRef>
+          <a:fontRef idx="minor">
+            <a:schemeClr val="dk1"/>
+          </a:fontRef>
+        </p:style>
+        <p:txBody>
+          <a:bodyPr rtlCol="0" anchor="ctr"/>
+          <a:lstStyle/>
+          <a:p>
+            <a:pPr algn="ctr"/>
+            <a:r>
+              <a:rPr lang="en-US" sz="1000" b="1" dirty="0" err="1" smtClean="0"/>
+              <a:t>Msg</a:t>
+            </a:r>
+            <a:r>
+              <a:rPr lang="en-US" sz="1000" b="1" dirty="0" smtClean="0"/>
+              <a:t> Id</a:t>
+            </a:r>
+            <a:endParaRPr lang="es-ES" sz="1000" b="1" dirty="0"/>
+          </a:p>
+        </p:txBody>
+      </p:sp>
+      <p:sp>
+        <p:nvSpPr>
+          <p:cNvPr id="15" name="Rectangle 14"/>
+          <p:cNvSpPr/>
+          <p:nvPr/>
+        </p:nvSpPr>
+        <p:spPr>
+          <a:xfrm>
+            <a:off x="6657973" y="2056354"/>
+            <a:ext cx="1228725" cy="309561"/>
+          </a:xfrm>
+          <a:prstGeom prst="rect">
+            <a:avLst/>
+          </a:prstGeom>
+        </p:spPr>
+        <p:style>
+          <a:lnRef idx="1">
+            <a:schemeClr val="accent6"/>
+          </a:lnRef>
+          <a:fillRef idx="2">
+            <a:schemeClr val="accent6"/>
+          </a:fillRef>
+          <a:effectRef idx="1">
+            <a:schemeClr val="accent6"/>
+          </a:effectRef>
+          <a:fontRef idx="minor">
+            <a:schemeClr val="dk1"/>
+          </a:fontRef>
+        </p:style>
+        <p:txBody>
+          <a:bodyPr rtlCol="0" anchor="ctr"/>
+          <a:lstStyle/>
+          <a:p>
+            <a:pPr algn="ctr"/>
+            <a:r>
+              <a:rPr lang="en-US" sz="1000" b="1" dirty="0" err="1" smtClean="0"/>
+              <a:t>Msg</a:t>
+            </a:r>
+            <a:r>
+              <a:rPr lang="en-US" sz="1000" b="1" dirty="0" smtClean="0"/>
+              <a:t> Version</a:t>
+            </a:r>
+            <a:endParaRPr lang="es-ES" sz="1000" b="1" dirty="0"/>
+          </a:p>
+        </p:txBody>
+      </p:sp>
+      <p:sp>
+        <p:nvSpPr>
+          <p:cNvPr id="16" name="Rectangle 15"/>
+          <p:cNvSpPr/>
+          <p:nvPr/>
+        </p:nvSpPr>
+        <p:spPr>
+          <a:xfrm>
+            <a:off x="6657973" y="2369633"/>
+            <a:ext cx="1228725" cy="309561"/>
+          </a:xfrm>
+          <a:prstGeom prst="rect">
+            <a:avLst/>
+          </a:prstGeom>
+        </p:spPr>
+        <p:style>
+          <a:lnRef idx="1">
+            <a:schemeClr val="accent6"/>
+          </a:lnRef>
+          <a:fillRef idx="2">
+            <a:schemeClr val="accent6"/>
+          </a:fillRef>
+          <a:effectRef idx="1">
+            <a:schemeClr val="accent6"/>
+          </a:effectRef>
+          <a:fontRef idx="minor">
+            <a:schemeClr val="dk1"/>
+          </a:fontRef>
+        </p:style>
+        <p:txBody>
+          <a:bodyPr rtlCol="0" anchor="ctr"/>
+          <a:lstStyle/>
+          <a:p>
+            <a:pPr algn="ctr"/>
+            <a:r>
+              <a:rPr lang="en-US" sz="1000" b="1" dirty="0" smtClean="0"/>
+              <a:t>Source</a:t>
+            </a:r>
+            <a:endParaRPr lang="es-ES" sz="1000" b="1" dirty="0"/>
+          </a:p>
+        </p:txBody>
+      </p:sp>
+      <p:sp>
+        <p:nvSpPr>
+          <p:cNvPr id="17" name="Rectangle 16"/>
+          <p:cNvSpPr/>
+          <p:nvPr/>
+        </p:nvSpPr>
+        <p:spPr>
+          <a:xfrm>
+            <a:off x="6657973" y="2682912"/>
+            <a:ext cx="1228725" cy="309561"/>
+          </a:xfrm>
+          <a:prstGeom prst="rect">
+            <a:avLst/>
+          </a:prstGeom>
+        </p:spPr>
+        <p:style>
+          <a:lnRef idx="1">
+            <a:schemeClr val="accent6"/>
+          </a:lnRef>
+          <a:fillRef idx="2">
+            <a:schemeClr val="accent6"/>
+          </a:fillRef>
+          <a:effectRef idx="1">
+            <a:schemeClr val="accent6"/>
+          </a:effectRef>
+          <a:fontRef idx="minor">
+            <a:schemeClr val="dk1"/>
+          </a:fontRef>
+        </p:style>
+        <p:txBody>
+          <a:bodyPr rtlCol="0" anchor="ctr"/>
+          <a:lstStyle/>
+          <a:p>
+            <a:pPr algn="ctr"/>
+            <a:r>
+              <a:rPr lang="en-US" sz="1000" b="1" dirty="0" smtClean="0"/>
+              <a:t>Destination</a:t>
+            </a:r>
+            <a:endParaRPr lang="es-ES" sz="1000" b="1" dirty="0"/>
+          </a:p>
+        </p:txBody>
+      </p:sp>
+      <p:sp>
+        <p:nvSpPr>
+          <p:cNvPr id="18" name="Rectangle 17"/>
+          <p:cNvSpPr/>
+          <p:nvPr/>
+        </p:nvSpPr>
+        <p:spPr>
+          <a:xfrm>
+            <a:off x="6657969" y="3309470"/>
+            <a:ext cx="1228725" cy="309561"/>
+          </a:xfrm>
+          <a:prstGeom prst="rect">
+            <a:avLst/>
+          </a:prstGeom>
+        </p:spPr>
+        <p:style>
+          <a:lnRef idx="1">
+            <a:schemeClr val="accent6"/>
+          </a:lnRef>
+          <a:fillRef idx="2">
+            <a:schemeClr val="accent6"/>
+          </a:fillRef>
+          <a:effectRef idx="1">
+            <a:schemeClr val="accent6"/>
+          </a:effectRef>
+          <a:fontRef idx="minor">
+            <a:schemeClr val="dk1"/>
+          </a:fontRef>
+        </p:style>
+        <p:txBody>
+          <a:bodyPr rtlCol="0" anchor="ctr"/>
+          <a:lstStyle/>
+          <a:p>
+            <a:pPr algn="ctr"/>
+            <a:r>
+              <a:rPr lang="en-US" sz="1000" b="1" dirty="0" smtClean="0"/>
+              <a:t>Date Creation</a:t>
+            </a:r>
+            <a:endParaRPr lang="es-ES" sz="1000" b="1" dirty="0"/>
+          </a:p>
+        </p:txBody>
+      </p:sp>
+      <p:sp>
+        <p:nvSpPr>
+          <p:cNvPr id="19" name="Rectangle 18"/>
+          <p:cNvSpPr/>
+          <p:nvPr/>
+        </p:nvSpPr>
+        <p:spPr>
+          <a:xfrm>
+            <a:off x="6657968" y="3622749"/>
+            <a:ext cx="1228725" cy="309561"/>
+          </a:xfrm>
+          <a:prstGeom prst="rect">
+            <a:avLst/>
+          </a:prstGeom>
+        </p:spPr>
+        <p:style>
+          <a:lnRef idx="1">
+            <a:schemeClr val="accent6"/>
+          </a:lnRef>
+          <a:fillRef idx="2">
+            <a:schemeClr val="accent6"/>
+          </a:fillRef>
+          <a:effectRef idx="1">
+            <a:schemeClr val="accent6"/>
+          </a:effectRef>
+          <a:fontRef idx="minor">
+            <a:schemeClr val="dk1"/>
+          </a:fontRef>
+        </p:style>
+        <p:txBody>
+          <a:bodyPr rtlCol="0" anchor="ctr"/>
+          <a:lstStyle/>
+          <a:p>
+            <a:pPr algn="ctr"/>
+            <a:r>
+              <a:rPr lang="en-US" sz="1000" b="1" dirty="0" smtClean="0"/>
+              <a:t>Date Transmission</a:t>
+            </a:r>
+            <a:endParaRPr lang="es-ES" sz="1000" b="1" dirty="0"/>
+          </a:p>
+        </p:txBody>
+      </p:sp>
+      <p:sp>
+        <p:nvSpPr>
+          <p:cNvPr id="20" name="Rectangle 19"/>
+          <p:cNvSpPr/>
+          <p:nvPr/>
+        </p:nvSpPr>
+        <p:spPr>
+          <a:xfrm>
+            <a:off x="6657970" y="3936028"/>
+            <a:ext cx="1228725" cy="309561"/>
+          </a:xfrm>
+          <a:prstGeom prst="rect">
+            <a:avLst/>
+          </a:prstGeom>
+        </p:spPr>
+        <p:style>
+          <a:lnRef idx="1">
+            <a:schemeClr val="accent6"/>
+          </a:lnRef>
+          <a:fillRef idx="2">
+            <a:schemeClr val="accent6"/>
+          </a:fillRef>
+          <a:effectRef idx="1">
+            <a:schemeClr val="accent6"/>
+          </a:effectRef>
+          <a:fontRef idx="minor">
+            <a:schemeClr val="dk1"/>
+          </a:fontRef>
+        </p:style>
+        <p:txBody>
+          <a:bodyPr rtlCol="0" anchor="ctr"/>
+          <a:lstStyle/>
+          <a:p>
+            <a:pPr algn="ctr"/>
+            <a:r>
+              <a:rPr lang="en-US" sz="1000" b="1" dirty="0" smtClean="0"/>
+              <a:t>Date Reception</a:t>
+            </a:r>
+            <a:endParaRPr lang="es-ES" sz="1000" b="1" dirty="0"/>
+          </a:p>
+        </p:txBody>
+      </p:sp>
+      <p:sp>
+        <p:nvSpPr>
+          <p:cNvPr id="21" name="Rectangle 20"/>
+          <p:cNvSpPr/>
+          <p:nvPr/>
+        </p:nvSpPr>
+        <p:spPr>
+          <a:xfrm>
+            <a:off x="6657967" y="4249305"/>
+            <a:ext cx="1228725" cy="309561"/>
+          </a:xfrm>
+          <a:prstGeom prst="rect">
+            <a:avLst/>
+          </a:prstGeom>
+        </p:spPr>
+        <p:style>
+          <a:lnRef idx="1">
+            <a:schemeClr val="accent6"/>
+          </a:lnRef>
+          <a:fillRef idx="2">
+            <a:schemeClr val="accent6"/>
+          </a:fillRef>
+          <a:effectRef idx="1">
+            <a:schemeClr val="accent6"/>
+          </a:effectRef>
+          <a:fontRef idx="minor">
+            <a:schemeClr val="dk1"/>
+          </a:fontRef>
+        </p:style>
+        <p:txBody>
+          <a:bodyPr rtlCol="0" anchor="ctr"/>
+          <a:lstStyle/>
+          <a:p>
+            <a:pPr algn="ctr"/>
+            <a:r>
+              <a:rPr lang="en-US" sz="1000" b="1" dirty="0" smtClean="0"/>
+              <a:t>CRC</a:t>
+            </a:r>
+            <a:endParaRPr lang="es-ES" sz="1000" b="1" dirty="0"/>
+          </a:p>
+        </p:txBody>
+      </p:sp>
+      <p:sp>
+        <p:nvSpPr>
+          <p:cNvPr id="22" name="Rectangle 21"/>
+          <p:cNvSpPr/>
+          <p:nvPr/>
+        </p:nvSpPr>
+        <p:spPr>
+          <a:xfrm>
+            <a:off x="6657973" y="2996191"/>
+            <a:ext cx="1228725" cy="309561"/>
+          </a:xfrm>
+          <a:prstGeom prst="rect">
+            <a:avLst/>
+          </a:prstGeom>
+        </p:spPr>
+        <p:style>
+          <a:lnRef idx="1">
+            <a:schemeClr val="accent6"/>
+          </a:lnRef>
+          <a:fillRef idx="2">
+            <a:schemeClr val="accent6"/>
+          </a:fillRef>
+          <a:effectRef idx="1">
+            <a:schemeClr val="accent6"/>
+          </a:effectRef>
+          <a:fontRef idx="minor">
+            <a:schemeClr val="dk1"/>
+          </a:fontRef>
+        </p:style>
+        <p:txBody>
+          <a:bodyPr rtlCol="0" anchor="ctr"/>
+          <a:lstStyle/>
+          <a:p>
+            <a:pPr algn="ctr"/>
+            <a:r>
+              <a:rPr lang="en-US" sz="1000" b="1" dirty="0" smtClean="0"/>
+              <a:t>Path</a:t>
+            </a:r>
+            <a:endParaRPr lang="es-ES" sz="1000" b="1" dirty="0"/>
+          </a:p>
+        </p:txBody>
+      </p:sp>
+      <p:sp>
+        <p:nvSpPr>
+          <p:cNvPr id="23" name="TextBox 22"/>
+          <p:cNvSpPr txBox="1"/>
+          <p:nvPr/>
+        </p:nvSpPr>
+        <p:spPr>
+          <a:xfrm>
+            <a:off x="4879571" y="1371600"/>
+            <a:ext cx="2008883" cy="246221"/>
+          </a:xfrm>
+          <a:prstGeom prst="rect">
+            <a:avLst/>
+          </a:prstGeom>
+          <a:noFill/>
+        </p:spPr>
+        <p:txBody>
+          <a:bodyPr wrap="none" rtlCol="0">
+            <a:spAutoFit/>
+          </a:bodyPr>
+          <a:lstStyle/>
+          <a:p>
+            <a:r>
+              <a:rPr lang="en-US" sz="1000" dirty="0" smtClean="0"/>
+              <a:t>Message Content – JSON encoded</a:t>
+            </a:r>
+            <a:endParaRPr lang="es-ES" sz="1000" dirty="0"/>
+          </a:p>
+        </p:txBody>
+      </p:sp>
+      <p:cxnSp>
+        <p:nvCxnSpPr>
+          <p:cNvPr id="25" name="Straight Connector 24"/>
+          <p:cNvCxnSpPr/>
+          <p:nvPr/>
+        </p:nvCxnSpPr>
+        <p:spPr>
+          <a:xfrm flipV="1">
+            <a:off x="2533650" y="2052636"/>
+            <a:ext cx="1581147" cy="939837"/>
+          </a:xfrm>
+          <a:prstGeom prst="line">
+            <a:avLst/>
+          </a:prstGeom>
+        </p:spPr>
+        <p:style>
+          <a:lnRef idx="1">
+            <a:schemeClr val="accent1"/>
+          </a:lnRef>
+          <a:fillRef idx="0">
+            <a:schemeClr val="accent1"/>
+          </a:fillRef>
+          <a:effectRef idx="0">
+            <a:schemeClr val="accent1"/>
+          </a:effectRef>
+          <a:fontRef idx="minor">
+            <a:schemeClr val="tx1"/>
+          </a:fontRef>
+        </p:style>
+      </p:cxnSp>
+      <p:cxnSp>
+        <p:nvCxnSpPr>
+          <p:cNvPr id="28" name="Straight Connector 27"/>
+          <p:cNvCxnSpPr/>
+          <p:nvPr/>
+        </p:nvCxnSpPr>
+        <p:spPr>
+          <a:xfrm>
+            <a:off x="2533651" y="4791075"/>
+            <a:ext cx="1581147" cy="1847849"/>
+          </a:xfrm>
+          <a:prstGeom prst="line">
+            <a:avLst/>
+          </a:prstGeom>
+        </p:spPr>
+        <p:style>
+          <a:lnRef idx="1">
+            <a:schemeClr val="accent1"/>
+          </a:lnRef>
+          <a:fillRef idx="0">
+            <a:schemeClr val="accent1"/>
+          </a:fillRef>
+          <a:effectRef idx="0">
+            <a:schemeClr val="accent1"/>
+          </a:effectRef>
+          <a:fontRef idx="minor">
+            <a:schemeClr val="tx1"/>
+          </a:fontRef>
+        </p:style>
+      </p:cxnSp>
+      <p:cxnSp>
+        <p:nvCxnSpPr>
+          <p:cNvPr id="31" name="Straight Connector 30"/>
+          <p:cNvCxnSpPr/>
+          <p:nvPr/>
+        </p:nvCxnSpPr>
+        <p:spPr>
+          <a:xfrm flipV="1">
+            <a:off x="5343523" y="1743076"/>
+            <a:ext cx="1314444" cy="309560"/>
+          </a:xfrm>
+          <a:prstGeom prst="line">
+            <a:avLst/>
+          </a:prstGeom>
+        </p:spPr>
+        <p:style>
+          <a:lnRef idx="1">
+            <a:schemeClr val="accent1"/>
+          </a:lnRef>
+          <a:fillRef idx="0">
+            <a:schemeClr val="accent1"/>
+          </a:fillRef>
+          <a:effectRef idx="0">
+            <a:schemeClr val="accent1"/>
+          </a:effectRef>
+          <a:fontRef idx="minor">
+            <a:schemeClr val="tx1"/>
+          </a:fontRef>
+        </p:style>
+      </p:cxnSp>
+      <p:cxnSp>
+        <p:nvCxnSpPr>
+          <p:cNvPr id="32" name="Straight Connector 31"/>
+          <p:cNvCxnSpPr/>
+          <p:nvPr/>
+        </p:nvCxnSpPr>
+        <p:spPr>
+          <a:xfrm>
+            <a:off x="5343523" y="3371849"/>
+            <a:ext cx="1314450" cy="1187017"/>
+          </a:xfrm>
+          <a:prstGeom prst="line">
+            <a:avLst/>
+          </a:prstGeom>
+        </p:spPr>
+        <p:style>
+          <a:lnRef idx="1">
+            <a:schemeClr val="accent1"/>
+          </a:lnRef>
+          <a:fillRef idx="0">
+            <a:schemeClr val="accent1"/>
+          </a:fillRef>
+          <a:effectRef idx="0">
+            <a:schemeClr val="accent1"/>
+          </a:effectRef>
+          <a:fontRef idx="minor">
+            <a:schemeClr val="tx1"/>
+          </a:fontRef>
+        </p:style>
+      </p:cxnSp>
+    </p:spTree>
+    <p:extLst>
+      <p:ext uri="{BB962C8B-B14F-4D97-AF65-F5344CB8AC3E}">
+        <p14:creationId xmlns:p14="http://schemas.microsoft.com/office/powerpoint/2010/main" val="9347298"/>
       </p:ext>
     </p:extLst>
   </p:cSld>
@@ -9456,4 +13707,289 @@
   <a:objectDefaults/>
   <a:extraClrSchemeLst/>
 </a:theme>
+</file>
+
+<file path=ppt/theme/theme2.xml><?xml version="1.0" encoding="utf-8"?>
+<a:theme xmlns:a="http://schemas.openxmlformats.org/drawingml/2006/main" name="Office Theme">
+  <a:themeElements>
+    <a:clrScheme name="Office">
+      <a:dk1>
+        <a:sysClr val="windowText" lastClr="000000"/>
+      </a:dk1>
+      <a:lt1>
+        <a:sysClr val="window" lastClr="FFFFFF"/>
+      </a:lt1>
+      <a:dk2>
+        <a:srgbClr val="1F497D"/>
+      </a:dk2>
+      <a:lt2>
+        <a:srgbClr val="EEECE1"/>
+      </a:lt2>
+      <a:accent1>
+        <a:srgbClr val="4F81BD"/>
+      </a:accent1>
+      <a:accent2>
+        <a:srgbClr val="C0504D"/>
+      </a:accent2>
+      <a:accent3>
+        <a:srgbClr val="9BBB59"/>
+      </a:accent3>
+      <a:accent4>
+        <a:srgbClr val="8064A2"/>
+      </a:accent4>
+      <a:accent5>
+        <a:srgbClr val="4BACC6"/>
+      </a:accent5>
+      <a:accent6>
+        <a:srgbClr val="F79646"/>
+      </a:accent6>
+      <a:hlink>
+        <a:srgbClr val="0000FF"/>
+      </a:hlink>
+      <a:folHlink>
+        <a:srgbClr val="800080"/>
+      </a:folHlink>
+    </a:clrScheme>
+    <a:fontScheme name="Office">
+      <a:majorFont>
+        <a:latin typeface="Calibri"/>
+        <a:ea typeface=""/>
+        <a:cs typeface=""/>
+        <a:font script="Jpan" typeface="ＭＳ Ｐゴシック"/>
+        <a:font script="Hang" typeface="맑은 고딕"/>
+        <a:font script="Hans" typeface="宋体"/>
+        <a:font script="Hant" typeface="新細明體"/>
+        <a:font script="Arab" typeface="Times New Roman"/>
+        <a:font script="Hebr" typeface="Times New Roman"/>
+        <a:font script="Thai" typeface="Angsana New"/>
+        <a:font script="Ethi" typeface="Nyala"/>
+        <a:font script="Beng" typeface="Vrinda"/>
+        <a:font script="Gujr" typeface="Shruti"/>
+        <a:font script="Khmr" typeface="MoolBoran"/>
+        <a:font script="Knda" typeface="Tunga"/>
+        <a:font script="Guru" typeface="Raavi"/>
+        <a:font script="Cans" typeface="Euphemia"/>
+        <a:font script="Cher" typeface="Plantagenet Cherokee"/>
+        <a:font script="Yiii" typeface="Microsoft Yi Baiti"/>
+        <a:font script="Tibt" typeface="Microsoft Himalaya"/>
+        <a:font script="Thaa" typeface="MV Boli"/>
+        <a:font script="Deva" typeface="Mangal"/>
+        <a:font script="Telu" typeface="Gautami"/>
+        <a:font script="Taml" typeface="Latha"/>
+        <a:font script="Syrc" typeface="Estrangelo Edessa"/>
+        <a:font script="Orya" typeface="Kalinga"/>
+        <a:font script="Mlym" typeface="Kartika"/>
+        <a:font script="Laoo" typeface="DokChampa"/>
+        <a:font script="Sinh" typeface="Iskoola Pota"/>
+        <a:font script="Mong" typeface="Mongolian Baiti"/>
+        <a:font script="Viet" typeface="Times New Roman"/>
+        <a:font script="Uigh" typeface="Microsoft Uighur"/>
+        <a:font script="Geor" typeface="Sylfaen"/>
+      </a:majorFont>
+      <a:minorFont>
+        <a:latin typeface="Calibri"/>
+        <a:ea typeface=""/>
+        <a:cs typeface=""/>
+        <a:font script="Jpan" typeface="ＭＳ Ｐゴシック"/>
+        <a:font script="Hang" typeface="맑은 고딕"/>
+        <a:font script="Hans" typeface="宋体"/>
+        <a:font script="Hant" typeface="新細明體"/>
+        <a:font script="Arab" typeface="Arial"/>
+        <a:font script="Hebr" typeface="Arial"/>
+        <a:font script="Thai" typeface="Cordia New"/>
+        <a:font script="Ethi" typeface="Nyala"/>
+        <a:font script="Beng" typeface="Vrinda"/>
+        <a:font script="Gujr" typeface="Shruti"/>
+        <a:font script="Khmr" typeface="DaunPenh"/>
+        <a:font script="Knda" typeface="Tunga"/>
+        <a:font script="Guru" typeface="Raavi"/>
+        <a:font script="Cans" typeface="Euphemia"/>
+        <a:font script="Cher" typeface="Plantagenet Cherokee"/>
+        <a:font script="Yiii" typeface="Microsoft Yi Baiti"/>
+        <a:font script="Tibt" typeface="Microsoft Himalaya"/>
+        <a:font script="Thaa" typeface="MV Boli"/>
+        <a:font script="Deva" typeface="Mangal"/>
+        <a:font script="Telu" typeface="Gautami"/>
+        <a:font script="Taml" typeface="Latha"/>
+        <a:font script="Syrc" typeface="Estrangelo Edessa"/>
+        <a:font script="Orya" typeface="Kalinga"/>
+        <a:font script="Mlym" typeface="Kartika"/>
+        <a:font script="Laoo" typeface="DokChampa"/>
+        <a:font script="Sinh" typeface="Iskoola Pota"/>
+        <a:font script="Mong" typeface="Mongolian Baiti"/>
+        <a:font script="Viet" typeface="Arial"/>
+        <a:font script="Uigh" typeface="Microsoft Uighur"/>
+        <a:font script="Geor" typeface="Sylfaen"/>
+      </a:minorFont>
+    </a:fontScheme>
+    <a:fmtScheme name="Office">
+      <a:fillStyleLst>
+        <a:solidFill>
+          <a:schemeClr val="phClr"/>
+        </a:solidFill>
+        <a:gradFill rotWithShape="1">
+          <a:gsLst>
+            <a:gs pos="0">
+              <a:schemeClr val="phClr">
+                <a:tint val="50000"/>
+                <a:satMod val="300000"/>
+              </a:schemeClr>
+            </a:gs>
+            <a:gs pos="35000">
+              <a:schemeClr val="phClr">
+                <a:tint val="37000"/>
+                <a:satMod val="300000"/>
+              </a:schemeClr>
+            </a:gs>
+            <a:gs pos="100000">
+              <a:schemeClr val="phClr">
+                <a:tint val="15000"/>
+                <a:satMod val="350000"/>
+              </a:schemeClr>
+            </a:gs>
+          </a:gsLst>
+          <a:lin ang="16200000" scaled="1"/>
+        </a:gradFill>
+        <a:gradFill rotWithShape="1">
+          <a:gsLst>
+            <a:gs pos="0">
+              <a:schemeClr val="phClr">
+                <a:shade val="51000"/>
+                <a:satMod val="130000"/>
+              </a:schemeClr>
+            </a:gs>
+            <a:gs pos="80000">
+              <a:schemeClr val="phClr">
+                <a:shade val="93000"/>
+                <a:satMod val="130000"/>
+              </a:schemeClr>
+            </a:gs>
+            <a:gs pos="100000">
+              <a:schemeClr val="phClr">
+                <a:shade val="94000"/>
+                <a:satMod val="135000"/>
+              </a:schemeClr>
+            </a:gs>
+          </a:gsLst>
+          <a:lin ang="16200000" scaled="0"/>
+        </a:gradFill>
+      </a:fillStyleLst>
+      <a:lnStyleLst>
+        <a:ln w="9525" cap="flat" cmpd="sng" algn="ctr">
+          <a:solidFill>
+            <a:schemeClr val="phClr">
+              <a:shade val="95000"/>
+              <a:satMod val="105000"/>
+            </a:schemeClr>
+          </a:solidFill>
+          <a:prstDash val="solid"/>
+        </a:ln>
+        <a:ln w="25400" cap="flat" cmpd="sng" algn="ctr">
+          <a:solidFill>
+            <a:schemeClr val="phClr"/>
+          </a:solidFill>
+          <a:prstDash val="solid"/>
+        </a:ln>
+        <a:ln w="38100" cap="flat" cmpd="sng" algn="ctr">
+          <a:solidFill>
+            <a:schemeClr val="phClr"/>
+          </a:solidFill>
+          <a:prstDash val="solid"/>
+        </a:ln>
+      </a:lnStyleLst>
+      <a:effectStyleLst>
+        <a:effectStyle>
+          <a:effectLst>
+            <a:outerShdw blurRad="40000" dist="20000" dir="5400000" rotWithShape="0">
+              <a:srgbClr val="000000">
+                <a:alpha val="38000"/>
+              </a:srgbClr>
+            </a:outerShdw>
+          </a:effectLst>
+        </a:effectStyle>
+        <a:effectStyle>
+          <a:effectLst>
+            <a:outerShdw blurRad="40000" dist="23000" dir="5400000" rotWithShape="0">
+              <a:srgbClr val="000000">
+                <a:alpha val="35000"/>
+              </a:srgbClr>
+            </a:outerShdw>
+          </a:effectLst>
+        </a:effectStyle>
+        <a:effectStyle>
+          <a:effectLst>
+            <a:outerShdw blurRad="40000" dist="23000" dir="5400000" rotWithShape="0">
+              <a:srgbClr val="000000">
+                <a:alpha val="35000"/>
+              </a:srgbClr>
+            </a:outerShdw>
+          </a:effectLst>
+          <a:scene3d>
+            <a:camera prst="orthographicFront">
+              <a:rot lat="0" lon="0" rev="0"/>
+            </a:camera>
+            <a:lightRig rig="threePt" dir="t">
+              <a:rot lat="0" lon="0" rev="1200000"/>
+            </a:lightRig>
+          </a:scene3d>
+          <a:sp3d>
+            <a:bevelT w="63500" h="25400"/>
+          </a:sp3d>
+        </a:effectStyle>
+      </a:effectStyleLst>
+      <a:bgFillStyleLst>
+        <a:solidFill>
+          <a:schemeClr val="phClr"/>
+        </a:solidFill>
+        <a:gradFill rotWithShape="1">
+          <a:gsLst>
+            <a:gs pos="0">
+              <a:schemeClr val="phClr">
+                <a:tint val="40000"/>
+                <a:satMod val="350000"/>
+              </a:schemeClr>
+            </a:gs>
+            <a:gs pos="40000">
+              <a:schemeClr val="phClr">
+                <a:tint val="45000"/>
+                <a:shade val="99000"/>
+                <a:satMod val="350000"/>
+              </a:schemeClr>
+            </a:gs>
+            <a:gs pos="100000">
+              <a:schemeClr val="phClr">
+                <a:shade val="20000"/>
+                <a:satMod val="255000"/>
+              </a:schemeClr>
+            </a:gs>
+          </a:gsLst>
+          <a:path path="circle">
+            <a:fillToRect l="50000" t="-80000" r="50000" b="180000"/>
+          </a:path>
+        </a:gradFill>
+        <a:gradFill rotWithShape="1">
+          <a:gsLst>
+            <a:gs pos="0">
+              <a:schemeClr val="phClr">
+                <a:tint val="80000"/>
+                <a:satMod val="300000"/>
+              </a:schemeClr>
+            </a:gs>
+            <a:gs pos="100000">
+              <a:schemeClr val="phClr">
+                <a:shade val="30000"/>
+                <a:satMod val="200000"/>
+              </a:schemeClr>
+            </a:gs>
+          </a:gsLst>
+          <a:path path="circle">
+            <a:fillToRect l="50000" t="50000" r="50000" b="50000"/>
+          </a:path>
+        </a:gradFill>
+      </a:bgFillStyleLst>
+    </a:fmtScheme>
+  </a:themeElements>
+  <a:objectDefaults/>
+  <a:extraClrSchemeLst/>
+</a:theme>
 </file>
--- a/doc/QPF_Prototype.pptx
+++ b/doc/QPF_Prototype.pptx
@@ -9,7 +9,7 @@
   </p:notesMasterIdLst>
   <p:sldIdLst>
     <p:sldId id="256" r:id="rId2"/>
-    <p:sldId id="257" r:id="rId3"/>
+    <p:sldId id="265" r:id="rId3"/>
     <p:sldId id="258" r:id="rId4"/>
     <p:sldId id="259" r:id="rId5"/>
     <p:sldId id="262" r:id="rId6"/>
@@ -200,7 +200,7 @@
           <a:p>
             <a:fld id="{47B75761-7C48-4337-85E8-87D4C483F3E9}" type="datetimeFigureOut">
               <a:rPr lang="es-ES" smtClean="0"/>
-              <a:t>06/07/2015</a:t>
+              <a:t>07/04/2016</a:t>
             </a:fld>
             <a:endParaRPr lang="es-ES"/>
           </a:p>
@@ -822,7 +822,7 @@
             <a:fld id="{8E36636D-D922-432D-A958-524484B5923D}" type="datetimeFigureOut">
               <a:rPr lang="en-US" smtClean="0"/>
               <a:pPr/>
-              <a:t>7/6/2015</a:t>
+              <a:t>4/7/2016</a:t>
             </a:fld>
             <a:endParaRPr lang="en-US"/>
           </a:p>
@@ -989,7 +989,7 @@
             <a:fld id="{8E36636D-D922-432D-A958-524484B5923D}" type="datetimeFigureOut">
               <a:rPr lang="en-US" smtClean="0"/>
               <a:pPr/>
-              <a:t>7/6/2015</a:t>
+              <a:t>4/7/2016</a:t>
             </a:fld>
             <a:endParaRPr lang="en-US"/>
           </a:p>
@@ -1166,7 +1166,7 @@
             <a:fld id="{8E36636D-D922-432D-A958-524484B5923D}" type="datetimeFigureOut">
               <a:rPr lang="en-US" smtClean="0"/>
               <a:pPr/>
-              <a:t>7/6/2015</a:t>
+              <a:t>4/7/2016</a:t>
             </a:fld>
             <a:endParaRPr lang="en-US"/>
           </a:p>
@@ -1333,7 +1333,7 @@
             <a:fld id="{8E36636D-D922-432D-A958-524484B5923D}" type="datetimeFigureOut">
               <a:rPr lang="en-US" smtClean="0"/>
               <a:pPr/>
-              <a:t>7/6/2015</a:t>
+              <a:t>4/7/2016</a:t>
             </a:fld>
             <a:endParaRPr lang="en-US"/>
           </a:p>
@@ -1574,7 +1574,7 @@
             <a:fld id="{8E36636D-D922-432D-A958-524484B5923D}" type="datetimeFigureOut">
               <a:rPr lang="en-US" smtClean="0"/>
               <a:pPr/>
-              <a:t>7/6/2015</a:t>
+              <a:t>4/7/2016</a:t>
             </a:fld>
             <a:endParaRPr lang="en-US"/>
           </a:p>
@@ -1859,7 +1859,7 @@
             <a:fld id="{8E36636D-D922-432D-A958-524484B5923D}" type="datetimeFigureOut">
               <a:rPr lang="en-US" smtClean="0"/>
               <a:pPr/>
-              <a:t>7/6/2015</a:t>
+              <a:t>4/7/2016</a:t>
             </a:fld>
             <a:endParaRPr lang="en-US"/>
           </a:p>
@@ -2278,7 +2278,7 @@
             <a:fld id="{8E36636D-D922-432D-A958-524484B5923D}" type="datetimeFigureOut">
               <a:rPr lang="en-US" smtClean="0"/>
               <a:pPr/>
-              <a:t>7/6/2015</a:t>
+              <a:t>4/7/2016</a:t>
             </a:fld>
             <a:endParaRPr lang="en-US"/>
           </a:p>
@@ -2393,7 +2393,7 @@
             <a:fld id="{8E36636D-D922-432D-A958-524484B5923D}" type="datetimeFigureOut">
               <a:rPr lang="en-US" smtClean="0"/>
               <a:pPr/>
-              <a:t>7/6/2015</a:t>
+              <a:t>4/7/2016</a:t>
             </a:fld>
             <a:endParaRPr lang="en-US"/>
           </a:p>
@@ -2485,7 +2485,7 @@
             <a:fld id="{8E36636D-D922-432D-A958-524484B5923D}" type="datetimeFigureOut">
               <a:rPr lang="en-US" smtClean="0"/>
               <a:pPr/>
-              <a:t>7/6/2015</a:t>
+              <a:t>4/7/2016</a:t>
             </a:fld>
             <a:endParaRPr lang="en-US"/>
           </a:p>
@@ -2766,7 +2766,7 @@
             <a:fld id="{8E36636D-D922-432D-A958-524484B5923D}" type="datetimeFigureOut">
               <a:rPr lang="en-US" smtClean="0"/>
               <a:pPr/>
-              <a:t>7/6/2015</a:t>
+              <a:t>4/7/2016</a:t>
             </a:fld>
             <a:endParaRPr lang="en-US"/>
           </a:p>
@@ -3027,7 +3027,7 @@
             <a:fld id="{8E36636D-D922-432D-A958-524484B5923D}" type="datetimeFigureOut">
               <a:rPr lang="en-US" smtClean="0"/>
               <a:pPr/>
-              <a:t>7/6/2015</a:t>
+              <a:t>4/7/2016</a:t>
             </a:fld>
             <a:endParaRPr lang="en-US"/>
           </a:p>
@@ -3237,7 +3237,7 @@
             <a:fld id="{8E36636D-D922-432D-A958-524484B5923D}" type="datetimeFigureOut">
               <a:rPr lang="en-US" smtClean="0"/>
               <a:pPr/>
-              <a:t>7/6/2015</a:t>
+              <a:t>4/7/2016</a:t>
             </a:fld>
             <a:endParaRPr lang="en-US"/>
           </a:p>
@@ -3771,6 +3771,529 @@
       </p:grpSpPr>
       <p:sp>
         <p:nvSpPr>
+          <p:cNvPr id="225" name="Rectangle 224"/>
+          <p:cNvSpPr/>
+          <p:nvPr/>
+        </p:nvSpPr>
+        <p:spPr>
+          <a:xfrm>
+            <a:off x="5965190" y="4718381"/>
+            <a:ext cx="2964973" cy="1860219"/>
+          </a:xfrm>
+          <a:prstGeom prst="rect">
+            <a:avLst/>
+          </a:prstGeom>
+          <a:gradFill>
+            <a:gsLst>
+              <a:gs pos="1000">
+                <a:schemeClr val="bg2">
+                  <a:lumMod val="90000"/>
+                  <a:lumOff val="10000"/>
+                </a:schemeClr>
+              </a:gs>
+              <a:gs pos="100000">
+                <a:schemeClr val="bg1"/>
+              </a:gs>
+            </a:gsLst>
+            <a:lin ang="7200000" scaled="0"/>
+          </a:gradFill>
+          <a:ln>
+            <a:prstDash val="sysDash"/>
+          </a:ln>
+        </p:spPr>
+        <p:style>
+          <a:lnRef idx="2">
+            <a:schemeClr val="accent2">
+              <a:shade val="50000"/>
+            </a:schemeClr>
+          </a:lnRef>
+          <a:fillRef idx="1">
+            <a:schemeClr val="accent2"/>
+          </a:fillRef>
+          <a:effectRef idx="0">
+            <a:schemeClr val="accent2"/>
+          </a:effectRef>
+          <a:fontRef idx="minor">
+            <a:schemeClr val="lt1"/>
+          </a:fontRef>
+        </p:style>
+        <p:txBody>
+          <a:bodyPr rtlCol="0" anchor="b" anchorCtr="0"/>
+          <a:lstStyle/>
+          <a:p>
+            <a:pPr algn="ctr"/>
+            <a:r>
+              <a:rPr lang="en-US" sz="800" b="1" dirty="0" smtClean="0"/>
+              <a:t>Processing Node(s)</a:t>
+            </a:r>
+            <a:endParaRPr lang="es-ES" sz="800" b="1" dirty="0"/>
+          </a:p>
+        </p:txBody>
+      </p:sp>
+      <p:sp>
+        <p:nvSpPr>
+          <p:cNvPr id="224" name="Rectangle 223"/>
+          <p:cNvSpPr/>
+          <p:nvPr/>
+        </p:nvSpPr>
+        <p:spPr>
+          <a:xfrm>
+            <a:off x="5888990" y="4667581"/>
+            <a:ext cx="2964973" cy="1860219"/>
+          </a:xfrm>
+          <a:prstGeom prst="rect">
+            <a:avLst/>
+          </a:prstGeom>
+          <a:gradFill>
+            <a:gsLst>
+              <a:gs pos="1000">
+                <a:schemeClr val="bg2">
+                  <a:lumMod val="90000"/>
+                  <a:lumOff val="10000"/>
+                </a:schemeClr>
+              </a:gs>
+              <a:gs pos="100000">
+                <a:schemeClr val="bg1"/>
+              </a:gs>
+            </a:gsLst>
+            <a:lin ang="7200000" scaled="0"/>
+          </a:gradFill>
+          <a:ln>
+            <a:prstDash val="sysDash"/>
+          </a:ln>
+        </p:spPr>
+        <p:style>
+          <a:lnRef idx="2">
+            <a:schemeClr val="accent2">
+              <a:shade val="50000"/>
+            </a:schemeClr>
+          </a:lnRef>
+          <a:fillRef idx="1">
+            <a:schemeClr val="accent2"/>
+          </a:fillRef>
+          <a:effectRef idx="0">
+            <a:schemeClr val="accent2"/>
+          </a:effectRef>
+          <a:fontRef idx="minor">
+            <a:schemeClr val="lt1"/>
+          </a:fontRef>
+        </p:style>
+        <p:txBody>
+          <a:bodyPr rtlCol="0" anchor="b" anchorCtr="0"/>
+          <a:lstStyle/>
+          <a:p>
+            <a:pPr algn="ctr"/>
+            <a:r>
+              <a:rPr lang="en-US" sz="800" b="1" dirty="0" smtClean="0"/>
+              <a:t>Processing Node(s)</a:t>
+            </a:r>
+            <a:endParaRPr lang="es-ES" sz="800" b="1" dirty="0"/>
+          </a:p>
+        </p:txBody>
+      </p:sp>
+      <p:sp>
+        <p:nvSpPr>
+          <p:cNvPr id="344" name="Rectangle 343"/>
+          <p:cNvSpPr/>
+          <p:nvPr/>
+        </p:nvSpPr>
+        <p:spPr>
+          <a:xfrm>
+            <a:off x="309348" y="1164649"/>
+            <a:ext cx="5435705" cy="4522847"/>
+          </a:xfrm>
+          <a:prstGeom prst="rect">
+            <a:avLst/>
+          </a:prstGeom>
+          <a:gradFill>
+            <a:gsLst>
+              <a:gs pos="1000">
+                <a:schemeClr val="bg2">
+                  <a:lumMod val="90000"/>
+                  <a:lumOff val="10000"/>
+                </a:schemeClr>
+              </a:gs>
+              <a:gs pos="100000">
+                <a:schemeClr val="bg1"/>
+              </a:gs>
+            </a:gsLst>
+            <a:lin ang="1800000" scaled="0"/>
+          </a:gradFill>
+          <a:ln>
+            <a:prstDash val="sysDash"/>
+          </a:ln>
+        </p:spPr>
+        <p:style>
+          <a:lnRef idx="2">
+            <a:schemeClr val="accent2">
+              <a:shade val="50000"/>
+            </a:schemeClr>
+          </a:lnRef>
+          <a:fillRef idx="1">
+            <a:schemeClr val="accent2"/>
+          </a:fillRef>
+          <a:effectRef idx="0">
+            <a:schemeClr val="accent2"/>
+          </a:effectRef>
+          <a:fontRef idx="minor">
+            <a:schemeClr val="lt1"/>
+          </a:fontRef>
+        </p:style>
+        <p:txBody>
+          <a:bodyPr rtlCol="0" anchor="b" anchorCtr="0"/>
+          <a:lstStyle/>
+          <a:p>
+            <a:pPr algn="ctr"/>
+            <a:r>
+              <a:rPr lang="en-US" sz="800" b="1" dirty="0" smtClean="0"/>
+              <a:t>Main Host</a:t>
+            </a:r>
+            <a:endParaRPr lang="es-ES" sz="800" b="1" dirty="0"/>
+          </a:p>
+        </p:txBody>
+      </p:sp>
+      <p:sp>
+        <p:nvSpPr>
+          <p:cNvPr id="299" name="Rectangle 298"/>
+          <p:cNvSpPr/>
+          <p:nvPr/>
+        </p:nvSpPr>
+        <p:spPr>
+          <a:xfrm>
+            <a:off x="5825490" y="4616781"/>
+            <a:ext cx="2964973" cy="1860219"/>
+          </a:xfrm>
+          <a:prstGeom prst="rect">
+            <a:avLst/>
+          </a:prstGeom>
+          <a:gradFill>
+            <a:gsLst>
+              <a:gs pos="1000">
+                <a:schemeClr val="bg2">
+                  <a:lumMod val="90000"/>
+                  <a:lumOff val="10000"/>
+                </a:schemeClr>
+              </a:gs>
+              <a:gs pos="100000">
+                <a:schemeClr val="bg1"/>
+              </a:gs>
+            </a:gsLst>
+            <a:lin ang="7200000" scaled="0"/>
+          </a:gradFill>
+          <a:ln>
+            <a:prstDash val="sysDash"/>
+          </a:ln>
+        </p:spPr>
+        <p:style>
+          <a:lnRef idx="2">
+            <a:schemeClr val="accent2">
+              <a:shade val="50000"/>
+            </a:schemeClr>
+          </a:lnRef>
+          <a:fillRef idx="1">
+            <a:schemeClr val="accent2"/>
+          </a:fillRef>
+          <a:effectRef idx="0">
+            <a:schemeClr val="accent2"/>
+          </a:effectRef>
+          <a:fontRef idx="minor">
+            <a:schemeClr val="lt1"/>
+          </a:fontRef>
+        </p:style>
+        <p:txBody>
+          <a:bodyPr rtlCol="0" anchor="b" anchorCtr="0"/>
+          <a:lstStyle/>
+          <a:p>
+            <a:pPr algn="ctr"/>
+            <a:r>
+              <a:rPr lang="en-US" sz="800" b="1" dirty="0" smtClean="0"/>
+              <a:t>Processing Node(s)</a:t>
+            </a:r>
+            <a:endParaRPr lang="es-ES" sz="800" b="1" dirty="0"/>
+          </a:p>
+        </p:txBody>
+      </p:sp>
+      <p:sp>
+        <p:nvSpPr>
+          <p:cNvPr id="27" name="Rectangle 26"/>
+          <p:cNvSpPr/>
+          <p:nvPr/>
+        </p:nvSpPr>
+        <p:spPr>
+          <a:xfrm>
+            <a:off x="6999715" y="4703279"/>
+            <a:ext cx="456934" cy="1576872"/>
+          </a:xfrm>
+          <a:prstGeom prst="rect">
+            <a:avLst/>
+          </a:prstGeom>
+        </p:spPr>
+        <p:style>
+          <a:lnRef idx="1">
+            <a:schemeClr val="accent2"/>
+          </a:lnRef>
+          <a:fillRef idx="3">
+            <a:schemeClr val="accent2"/>
+          </a:fillRef>
+          <a:effectRef idx="2">
+            <a:schemeClr val="accent2"/>
+          </a:effectRef>
+          <a:fontRef idx="minor">
+            <a:schemeClr val="lt1"/>
+          </a:fontRef>
+        </p:style>
+        <p:txBody>
+          <a:bodyPr rtlCol="0" anchor="ctr"/>
+          <a:lstStyle/>
+          <a:p>
+            <a:pPr algn="ctr"/>
+            <a:endParaRPr lang="es-ES"/>
+          </a:p>
+        </p:txBody>
+      </p:sp>
+      <p:sp>
+        <p:nvSpPr>
+          <p:cNvPr id="13" name="Recortar rectángulo de esquina diagonal 12"/>
+          <p:cNvSpPr/>
+          <p:nvPr/>
+        </p:nvSpPr>
+        <p:spPr>
+          <a:xfrm>
+            <a:off x="7357421" y="4792146"/>
+            <a:ext cx="1287257" cy="297918"/>
+          </a:xfrm>
+          <a:prstGeom prst="snip2DiagRect">
+            <a:avLst/>
+          </a:prstGeom>
+        </p:spPr>
+        <p:style>
+          <a:lnRef idx="0">
+            <a:schemeClr val="accent2"/>
+          </a:lnRef>
+          <a:fillRef idx="3">
+            <a:schemeClr val="accent2"/>
+          </a:fillRef>
+          <a:effectRef idx="3">
+            <a:schemeClr val="accent2"/>
+          </a:effectRef>
+          <a:fontRef idx="minor">
+            <a:schemeClr val="lt1"/>
+          </a:fontRef>
+        </p:style>
+        <p:txBody>
+          <a:bodyPr rtlCol="0" anchor="ctr"/>
+          <a:lstStyle/>
+          <a:p>
+            <a:pPr algn="ctr"/>
+            <a:r>
+              <a:rPr lang="es-ES" sz="800" dirty="0" err="1"/>
+              <a:t>Docker</a:t>
+            </a:r>
+            <a:r>
+              <a:rPr lang="es-ES" sz="800" dirty="0"/>
+              <a:t> </a:t>
+            </a:r>
+            <a:r>
+              <a:rPr lang="es-ES" sz="800" dirty="0" err="1"/>
+              <a:t>Processing</a:t>
+            </a:r>
+            <a:r>
+              <a:rPr lang="es-ES" sz="800" dirty="0"/>
+              <a:t> </a:t>
+            </a:r>
+            <a:r>
+              <a:rPr lang="es-ES" sz="800" dirty="0" err="1"/>
+              <a:t>Element</a:t>
+            </a:r>
+            <a:r>
+              <a:rPr lang="es-ES" sz="800" dirty="0"/>
+              <a:t> 1</a:t>
+            </a:r>
+          </a:p>
+        </p:txBody>
+      </p:sp>
+      <p:sp>
+        <p:nvSpPr>
+          <p:cNvPr id="14" name="Recortar rectángulo de esquina diagonal 13"/>
+          <p:cNvSpPr/>
+          <p:nvPr/>
+        </p:nvSpPr>
+        <p:spPr>
+          <a:xfrm>
+            <a:off x="7357421" y="5210205"/>
+            <a:ext cx="1287257" cy="297918"/>
+          </a:xfrm>
+          <a:prstGeom prst="snip2DiagRect">
+            <a:avLst/>
+          </a:prstGeom>
+        </p:spPr>
+        <p:style>
+          <a:lnRef idx="0">
+            <a:schemeClr val="accent2"/>
+          </a:lnRef>
+          <a:fillRef idx="3">
+            <a:schemeClr val="accent2"/>
+          </a:fillRef>
+          <a:effectRef idx="3">
+            <a:schemeClr val="accent2"/>
+          </a:effectRef>
+          <a:fontRef idx="minor">
+            <a:schemeClr val="lt1"/>
+          </a:fontRef>
+        </p:style>
+        <p:txBody>
+          <a:bodyPr rtlCol="0" anchor="ctr"/>
+          <a:lstStyle/>
+          <a:p>
+            <a:pPr algn="ctr"/>
+            <a:r>
+              <a:rPr lang="es-ES" sz="800" dirty="0" err="1"/>
+              <a:t>Docker</a:t>
+            </a:r>
+            <a:r>
+              <a:rPr lang="es-ES" sz="800" dirty="0"/>
+              <a:t> </a:t>
+            </a:r>
+            <a:r>
+              <a:rPr lang="es-ES" sz="800" dirty="0" err="1"/>
+              <a:t>Processing</a:t>
+            </a:r>
+            <a:r>
+              <a:rPr lang="es-ES" sz="800" dirty="0"/>
+              <a:t> </a:t>
+            </a:r>
+            <a:r>
+              <a:rPr lang="es-ES" sz="800" dirty="0" err="1"/>
+              <a:t>Element</a:t>
+            </a:r>
+            <a:r>
+              <a:rPr lang="es-ES" sz="800" dirty="0"/>
+              <a:t> 2</a:t>
+            </a:r>
+          </a:p>
+        </p:txBody>
+      </p:sp>
+      <p:sp>
+        <p:nvSpPr>
+          <p:cNvPr id="15" name="Recortar rectángulo de esquina diagonal 14"/>
+          <p:cNvSpPr/>
+          <p:nvPr/>
+        </p:nvSpPr>
+        <p:spPr>
+          <a:xfrm>
+            <a:off x="7357421" y="5906510"/>
+            <a:ext cx="1287257" cy="297918"/>
+          </a:xfrm>
+          <a:prstGeom prst="snip2DiagRect">
+            <a:avLst/>
+          </a:prstGeom>
+        </p:spPr>
+        <p:style>
+          <a:lnRef idx="0">
+            <a:schemeClr val="accent2"/>
+          </a:lnRef>
+          <a:fillRef idx="3">
+            <a:schemeClr val="accent2"/>
+          </a:fillRef>
+          <a:effectRef idx="3">
+            <a:schemeClr val="accent2"/>
+          </a:effectRef>
+          <a:fontRef idx="minor">
+            <a:schemeClr val="lt1"/>
+          </a:fontRef>
+        </p:style>
+        <p:txBody>
+          <a:bodyPr rtlCol="0" anchor="ctr"/>
+          <a:lstStyle/>
+          <a:p>
+            <a:pPr algn="ctr"/>
+            <a:r>
+              <a:rPr lang="es-ES" sz="800" dirty="0" err="1"/>
+              <a:t>Docker</a:t>
+            </a:r>
+            <a:r>
+              <a:rPr lang="es-ES" sz="800" dirty="0"/>
+              <a:t> </a:t>
+            </a:r>
+            <a:r>
+              <a:rPr lang="es-ES" sz="800" dirty="0" err="1"/>
+              <a:t>Processing</a:t>
+            </a:r>
+            <a:r>
+              <a:rPr lang="es-ES" sz="800" dirty="0"/>
+              <a:t> </a:t>
+            </a:r>
+            <a:r>
+              <a:rPr lang="es-ES" sz="800" dirty="0" err="1"/>
+              <a:t>Element</a:t>
+            </a:r>
+            <a:r>
+              <a:rPr lang="es-ES" sz="800" dirty="0"/>
+              <a:t> M</a:t>
+            </a:r>
+          </a:p>
+        </p:txBody>
+      </p:sp>
+      <p:sp>
+        <p:nvSpPr>
+          <p:cNvPr id="17" name="CuadroTexto 16"/>
+          <p:cNvSpPr txBox="1"/>
+          <p:nvPr/>
+        </p:nvSpPr>
+        <p:spPr>
+          <a:xfrm>
+            <a:off x="6376300" y="5205208"/>
+            <a:ext cx="367596" cy="369332"/>
+          </a:xfrm>
+          <a:prstGeom prst="rect">
+            <a:avLst/>
+          </a:prstGeom>
+          <a:noFill/>
+        </p:spPr>
+        <p:txBody>
+          <a:bodyPr wrap="none" rtlCol="0">
+            <a:spAutoFit/>
+          </a:bodyPr>
+          <a:lstStyle/>
+          <a:p>
+            <a:r>
+              <a:rPr lang="es-ES" dirty="0"/>
+              <a:t>…</a:t>
+            </a:r>
+          </a:p>
+        </p:txBody>
+      </p:sp>
+      <p:sp>
+        <p:nvSpPr>
+          <p:cNvPr id="18" name="CuadroTexto 17"/>
+          <p:cNvSpPr txBox="1"/>
+          <p:nvPr/>
+        </p:nvSpPr>
+        <p:spPr>
+          <a:xfrm>
+            <a:off x="7817251" y="5502830"/>
+            <a:ext cx="367596" cy="369332"/>
+          </a:xfrm>
+          <a:prstGeom prst="rect">
+            <a:avLst/>
+          </a:prstGeom>
+          <a:noFill/>
+        </p:spPr>
+        <p:txBody>
+          <a:bodyPr wrap="none" rtlCol="0">
+            <a:spAutoFit/>
+          </a:bodyPr>
+          <a:lstStyle/>
+          <a:p>
+            <a:r>
+              <a:rPr lang="es-ES" dirty="0"/>
+              <a:t>…</a:t>
+            </a:r>
+          </a:p>
+        </p:txBody>
+      </p:sp>
+      <p:sp>
+        <p:nvSpPr>
           <p:cNvPr id="2" name="Título 1"/>
           <p:cNvSpPr>
             <a:spLocks noGrp="1"/>
@@ -3786,30 +4309,3558 @@
           </a:bodyPr>
           <a:lstStyle/>
           <a:p>
-            <a:r>
-              <a:rPr lang="es-ES" sz="2800"/>
-              <a:t>Prototype Architecture</a:t>
-            </a:r>
-          </a:p>
-        </p:txBody>
-      </p:sp>
-      <p:sp>
-        <p:nvSpPr>
-          <p:cNvPr id="3" name="Rectángulo 2"/>
-          <p:cNvSpPr/>
-          <p:nvPr/>
-        </p:nvSpPr>
-        <p:spPr>
-          <a:xfrm>
-            <a:off x="3503097" y="2304947"/>
-            <a:ext cx="1230828" cy="530634"/>
+            <a:pPr algn="l"/>
+            <a:r>
+              <a:rPr lang="es-ES" sz="2800" dirty="0" err="1"/>
+              <a:t>Prototype</a:t>
+            </a:r>
+            <a:r>
+              <a:rPr lang="es-ES" sz="2800" dirty="0"/>
+              <a:t> </a:t>
+            </a:r>
+            <a:r>
+              <a:rPr lang="es-ES" sz="2800" dirty="0" err="1"/>
+              <a:t>Architecture</a:t>
+            </a:r>
+            <a:endParaRPr lang="es-ES" sz="2800" dirty="0"/>
+          </a:p>
+        </p:txBody>
+      </p:sp>
+      <p:grpSp>
+        <p:nvGrpSpPr>
+          <p:cNvPr id="77" name="Group 76"/>
+          <p:cNvGrpSpPr/>
+          <p:nvPr/>
+        </p:nvGrpSpPr>
+        <p:grpSpPr>
+          <a:xfrm>
+            <a:off x="1105347" y="3152188"/>
+            <a:ext cx="1235038" cy="530634"/>
+            <a:chOff x="3163288" y="3152188"/>
+            <a:chExt cx="1235038" cy="530634"/>
+          </a:xfrm>
+        </p:grpSpPr>
+        <p:grpSp>
+          <p:nvGrpSpPr>
+            <p:cNvPr id="164" name="Group 163"/>
+            <p:cNvGrpSpPr/>
+            <p:nvPr/>
+          </p:nvGrpSpPr>
+          <p:grpSpPr>
+            <a:xfrm>
+              <a:off x="3163288" y="3152188"/>
+              <a:ext cx="1231518" cy="530634"/>
+              <a:chOff x="4906456" y="1214806"/>
+              <a:chExt cx="1231518" cy="530634"/>
+            </a:xfrm>
+          </p:grpSpPr>
+          <p:grpSp>
+            <p:nvGrpSpPr>
+              <p:cNvPr id="165" name="Group 164"/>
+              <p:cNvGrpSpPr/>
+              <p:nvPr/>
+            </p:nvGrpSpPr>
+            <p:grpSpPr>
+              <a:xfrm>
+                <a:off x="4944656" y="1214806"/>
+                <a:ext cx="1155118" cy="530634"/>
+                <a:chOff x="4932574" y="1214806"/>
+                <a:chExt cx="1155118" cy="530634"/>
+              </a:xfrm>
+            </p:grpSpPr>
+            <p:sp>
+              <p:nvSpPr>
+                <p:cNvPr id="175" name="Rectangle 174"/>
+                <p:cNvSpPr/>
+                <p:nvPr/>
+              </p:nvSpPr>
+              <p:spPr>
+                <a:xfrm>
+                  <a:off x="5132409" y="1214806"/>
+                  <a:ext cx="155944" cy="530634"/>
+                </a:xfrm>
+                <a:prstGeom prst="rect">
+                  <a:avLst/>
+                </a:prstGeom>
+                <a:solidFill>
+                  <a:schemeClr val="bg2"/>
+                </a:solidFill>
+                <a:ln w="3175">
+                  <a:noFill/>
+                </a:ln>
+              </p:spPr>
+              <p:style>
+                <a:lnRef idx="2">
+                  <a:schemeClr val="dk1"/>
+                </a:lnRef>
+                <a:fillRef idx="1">
+                  <a:schemeClr val="lt1"/>
+                </a:fillRef>
+                <a:effectRef idx="0">
+                  <a:schemeClr val="dk1"/>
+                </a:effectRef>
+                <a:fontRef idx="minor">
+                  <a:schemeClr val="dk1"/>
+                </a:fontRef>
+              </p:style>
+              <p:txBody>
+                <a:bodyPr rtlCol="0" anchor="ctr"/>
+                <a:lstStyle/>
+                <a:p>
+                  <a:pPr algn="ctr"/>
+                  <a:endParaRPr lang="es-ES"/>
+                </a:p>
+              </p:txBody>
+            </p:sp>
+            <p:sp>
+              <p:nvSpPr>
+                <p:cNvPr id="176" name="Rectangle 175"/>
+                <p:cNvSpPr/>
+                <p:nvPr/>
+              </p:nvSpPr>
+              <p:spPr>
+                <a:xfrm>
+                  <a:off x="5731914" y="1214806"/>
+                  <a:ext cx="155944" cy="530634"/>
+                </a:xfrm>
+                <a:prstGeom prst="rect">
+                  <a:avLst/>
+                </a:prstGeom>
+                <a:solidFill>
+                  <a:schemeClr val="bg2"/>
+                </a:solidFill>
+                <a:ln w="3175">
+                  <a:noFill/>
+                </a:ln>
+              </p:spPr>
+              <p:style>
+                <a:lnRef idx="2">
+                  <a:schemeClr val="dk1"/>
+                </a:lnRef>
+                <a:fillRef idx="1">
+                  <a:schemeClr val="lt1"/>
+                </a:fillRef>
+                <a:effectRef idx="0">
+                  <a:schemeClr val="dk1"/>
+                </a:effectRef>
+                <a:fontRef idx="minor">
+                  <a:schemeClr val="dk1"/>
+                </a:fontRef>
+              </p:style>
+              <p:txBody>
+                <a:bodyPr rtlCol="0" anchor="ctr"/>
+                <a:lstStyle/>
+                <a:p>
+                  <a:pPr algn="ctr"/>
+                  <a:endParaRPr lang="es-ES"/>
+                </a:p>
+              </p:txBody>
+            </p:sp>
+            <p:sp>
+              <p:nvSpPr>
+                <p:cNvPr id="183" name="Rectangle 182"/>
+                <p:cNvSpPr/>
+                <p:nvPr/>
+              </p:nvSpPr>
+              <p:spPr>
+                <a:xfrm>
+                  <a:off x="5332244" y="1214806"/>
+                  <a:ext cx="155944" cy="530634"/>
+                </a:xfrm>
+                <a:prstGeom prst="rect">
+                  <a:avLst/>
+                </a:prstGeom>
+                <a:solidFill>
+                  <a:schemeClr val="bg2"/>
+                </a:solidFill>
+                <a:ln w="3175">
+                  <a:noFill/>
+                </a:ln>
+              </p:spPr>
+              <p:style>
+                <a:lnRef idx="2">
+                  <a:schemeClr val="dk1"/>
+                </a:lnRef>
+                <a:fillRef idx="1">
+                  <a:schemeClr val="lt1"/>
+                </a:fillRef>
+                <a:effectRef idx="0">
+                  <a:schemeClr val="dk1"/>
+                </a:effectRef>
+                <a:fontRef idx="minor">
+                  <a:schemeClr val="dk1"/>
+                </a:fontRef>
+              </p:style>
+              <p:txBody>
+                <a:bodyPr rtlCol="0" anchor="ctr"/>
+                <a:lstStyle/>
+                <a:p>
+                  <a:pPr algn="ctr"/>
+                  <a:endParaRPr lang="es-ES"/>
+                </a:p>
+              </p:txBody>
+            </p:sp>
+            <p:sp>
+              <p:nvSpPr>
+                <p:cNvPr id="184" name="Rectangle 183"/>
+                <p:cNvSpPr/>
+                <p:nvPr/>
+              </p:nvSpPr>
+              <p:spPr>
+                <a:xfrm>
+                  <a:off x="5931748" y="1214806"/>
+                  <a:ext cx="155944" cy="530634"/>
+                </a:xfrm>
+                <a:prstGeom prst="rect">
+                  <a:avLst/>
+                </a:prstGeom>
+                <a:solidFill>
+                  <a:schemeClr val="bg2"/>
+                </a:solidFill>
+                <a:ln w="3175">
+                  <a:noFill/>
+                </a:ln>
+              </p:spPr>
+              <p:style>
+                <a:lnRef idx="2">
+                  <a:schemeClr val="dk1"/>
+                </a:lnRef>
+                <a:fillRef idx="1">
+                  <a:schemeClr val="lt1"/>
+                </a:fillRef>
+                <a:effectRef idx="0">
+                  <a:schemeClr val="dk1"/>
+                </a:effectRef>
+                <a:fontRef idx="minor">
+                  <a:schemeClr val="dk1"/>
+                </a:fontRef>
+              </p:style>
+              <p:txBody>
+                <a:bodyPr rtlCol="0" anchor="ctr"/>
+                <a:lstStyle/>
+                <a:p>
+                  <a:pPr algn="ctr"/>
+                  <a:endParaRPr lang="es-ES"/>
+                </a:p>
+              </p:txBody>
+            </p:sp>
+            <p:sp>
+              <p:nvSpPr>
+                <p:cNvPr id="185" name="Rectangle 184"/>
+                <p:cNvSpPr/>
+                <p:nvPr/>
+              </p:nvSpPr>
+              <p:spPr>
+                <a:xfrm>
+                  <a:off x="4932574" y="1214806"/>
+                  <a:ext cx="155944" cy="530634"/>
+                </a:xfrm>
+                <a:prstGeom prst="rect">
+                  <a:avLst/>
+                </a:prstGeom>
+                <a:solidFill>
+                  <a:schemeClr val="bg2"/>
+                </a:solidFill>
+                <a:ln w="3175">
+                  <a:noFill/>
+                </a:ln>
+              </p:spPr>
+              <p:style>
+                <a:lnRef idx="2">
+                  <a:schemeClr val="dk1"/>
+                </a:lnRef>
+                <a:fillRef idx="1">
+                  <a:schemeClr val="lt1"/>
+                </a:fillRef>
+                <a:effectRef idx="0">
+                  <a:schemeClr val="dk1"/>
+                </a:effectRef>
+                <a:fontRef idx="minor">
+                  <a:schemeClr val="dk1"/>
+                </a:fontRef>
+              </p:style>
+              <p:txBody>
+                <a:bodyPr rtlCol="0" anchor="ctr"/>
+                <a:lstStyle/>
+                <a:p>
+                  <a:pPr algn="ctr"/>
+                  <a:endParaRPr lang="es-ES"/>
+                </a:p>
+              </p:txBody>
+            </p:sp>
+            <p:sp>
+              <p:nvSpPr>
+                <p:cNvPr id="187" name="Rectangle 186"/>
+                <p:cNvSpPr/>
+                <p:nvPr/>
+              </p:nvSpPr>
+              <p:spPr>
+                <a:xfrm>
+                  <a:off x="5532079" y="1214806"/>
+                  <a:ext cx="155944" cy="530634"/>
+                </a:xfrm>
+                <a:prstGeom prst="rect">
+                  <a:avLst/>
+                </a:prstGeom>
+                <a:solidFill>
+                  <a:schemeClr val="bg2"/>
+                </a:solidFill>
+                <a:ln w="3175">
+                  <a:noFill/>
+                </a:ln>
+              </p:spPr>
+              <p:style>
+                <a:lnRef idx="2">
+                  <a:schemeClr val="dk1"/>
+                </a:lnRef>
+                <a:fillRef idx="1">
+                  <a:schemeClr val="lt1"/>
+                </a:fillRef>
+                <a:effectRef idx="0">
+                  <a:schemeClr val="dk1"/>
+                </a:effectRef>
+                <a:fontRef idx="minor">
+                  <a:schemeClr val="dk1"/>
+                </a:fontRef>
+              </p:style>
+              <p:txBody>
+                <a:bodyPr rtlCol="0" anchor="ctr"/>
+                <a:lstStyle/>
+                <a:p>
+                  <a:pPr algn="ctr"/>
+                  <a:endParaRPr lang="es-ES"/>
+                </a:p>
+              </p:txBody>
+            </p:sp>
+          </p:grpSp>
+          <p:grpSp>
+            <p:nvGrpSpPr>
+              <p:cNvPr id="170" name="Group 169"/>
+              <p:cNvGrpSpPr/>
+              <p:nvPr/>
+            </p:nvGrpSpPr>
+            <p:grpSpPr>
+              <a:xfrm>
+                <a:off x="4906456" y="1279287"/>
+                <a:ext cx="1231518" cy="401672"/>
+                <a:chOff x="4906456" y="1283690"/>
+                <a:chExt cx="1231518" cy="401672"/>
+              </a:xfrm>
+            </p:grpSpPr>
+            <p:sp>
+              <p:nvSpPr>
+                <p:cNvPr id="171" name="Rectangle 170"/>
+                <p:cNvSpPr/>
+                <p:nvPr/>
+              </p:nvSpPr>
+              <p:spPr>
+                <a:xfrm>
+                  <a:off x="4906456" y="1283690"/>
+                  <a:ext cx="1231518" cy="71977"/>
+                </a:xfrm>
+                <a:prstGeom prst="rect">
+                  <a:avLst/>
+                </a:prstGeom>
+                <a:solidFill>
+                  <a:schemeClr val="bg2"/>
+                </a:solidFill>
+                <a:ln w="3175">
+                  <a:noFill/>
+                </a:ln>
+              </p:spPr>
+              <p:style>
+                <a:lnRef idx="2">
+                  <a:schemeClr val="dk1"/>
+                </a:lnRef>
+                <a:fillRef idx="1">
+                  <a:schemeClr val="lt1"/>
+                </a:fillRef>
+                <a:effectRef idx="0">
+                  <a:schemeClr val="dk1"/>
+                </a:effectRef>
+                <a:fontRef idx="minor">
+                  <a:schemeClr val="dk1"/>
+                </a:fontRef>
+              </p:style>
+              <p:txBody>
+                <a:bodyPr rtlCol="0" anchor="ctr"/>
+                <a:lstStyle/>
+                <a:p>
+                  <a:pPr algn="ctr"/>
+                  <a:endParaRPr lang="es-ES"/>
+                </a:p>
+              </p:txBody>
+            </p:sp>
+            <p:sp>
+              <p:nvSpPr>
+                <p:cNvPr id="172" name="Rectangle 171"/>
+                <p:cNvSpPr/>
+                <p:nvPr/>
+              </p:nvSpPr>
+              <p:spPr>
+                <a:xfrm>
+                  <a:off x="4906456" y="1532962"/>
+                  <a:ext cx="1231518" cy="71977"/>
+                </a:xfrm>
+                <a:prstGeom prst="rect">
+                  <a:avLst/>
+                </a:prstGeom>
+                <a:solidFill>
+                  <a:schemeClr val="bg2"/>
+                </a:solidFill>
+                <a:ln w="3175">
+                  <a:noFill/>
+                </a:ln>
+              </p:spPr>
+              <p:style>
+                <a:lnRef idx="2">
+                  <a:schemeClr val="dk1"/>
+                </a:lnRef>
+                <a:fillRef idx="1">
+                  <a:schemeClr val="lt1"/>
+                </a:fillRef>
+                <a:effectRef idx="0">
+                  <a:schemeClr val="dk1"/>
+                </a:effectRef>
+                <a:fontRef idx="minor">
+                  <a:schemeClr val="dk1"/>
+                </a:fontRef>
+              </p:style>
+              <p:txBody>
+                <a:bodyPr rtlCol="0" anchor="ctr"/>
+                <a:lstStyle/>
+                <a:p>
+                  <a:pPr algn="ctr"/>
+                  <a:endParaRPr lang="es-ES"/>
+                </a:p>
+              </p:txBody>
+            </p:sp>
+            <p:sp>
+              <p:nvSpPr>
+                <p:cNvPr id="173" name="Rectangle 172"/>
+                <p:cNvSpPr/>
+                <p:nvPr/>
+              </p:nvSpPr>
+              <p:spPr>
+                <a:xfrm>
+                  <a:off x="4906456" y="1364113"/>
+                  <a:ext cx="1231518" cy="71977"/>
+                </a:xfrm>
+                <a:prstGeom prst="rect">
+                  <a:avLst/>
+                </a:prstGeom>
+                <a:solidFill>
+                  <a:schemeClr val="bg2"/>
+                </a:solidFill>
+                <a:ln w="3175">
+                  <a:noFill/>
+                </a:ln>
+              </p:spPr>
+              <p:style>
+                <a:lnRef idx="2">
+                  <a:schemeClr val="dk1"/>
+                </a:lnRef>
+                <a:fillRef idx="1">
+                  <a:schemeClr val="lt1"/>
+                </a:fillRef>
+                <a:effectRef idx="0">
+                  <a:schemeClr val="dk1"/>
+                </a:effectRef>
+                <a:fontRef idx="minor">
+                  <a:schemeClr val="dk1"/>
+                </a:fontRef>
+              </p:style>
+              <p:txBody>
+                <a:bodyPr rtlCol="0" anchor="ctr"/>
+                <a:lstStyle/>
+                <a:p>
+                  <a:pPr algn="ctr"/>
+                  <a:endParaRPr lang="es-ES"/>
+                </a:p>
+              </p:txBody>
+            </p:sp>
+            <p:sp>
+              <p:nvSpPr>
+                <p:cNvPr id="174" name="Rectangle 173"/>
+                <p:cNvSpPr/>
+                <p:nvPr/>
+              </p:nvSpPr>
+              <p:spPr>
+                <a:xfrm>
+                  <a:off x="4906456" y="1613385"/>
+                  <a:ext cx="1231518" cy="71977"/>
+                </a:xfrm>
+                <a:prstGeom prst="rect">
+                  <a:avLst/>
+                </a:prstGeom>
+                <a:solidFill>
+                  <a:schemeClr val="bg2"/>
+                </a:solidFill>
+                <a:ln w="3175">
+                  <a:noFill/>
+                </a:ln>
+              </p:spPr>
+              <p:style>
+                <a:lnRef idx="2">
+                  <a:schemeClr val="dk1"/>
+                </a:lnRef>
+                <a:fillRef idx="1">
+                  <a:schemeClr val="lt1"/>
+                </a:fillRef>
+                <a:effectRef idx="0">
+                  <a:schemeClr val="dk1"/>
+                </a:effectRef>
+                <a:fontRef idx="minor">
+                  <a:schemeClr val="dk1"/>
+                </a:fontRef>
+              </p:style>
+              <p:txBody>
+                <a:bodyPr rtlCol="0" anchor="ctr"/>
+                <a:lstStyle/>
+                <a:p>
+                  <a:pPr algn="ctr"/>
+                  <a:endParaRPr lang="es-ES"/>
+                </a:p>
+              </p:txBody>
+            </p:sp>
+          </p:grpSp>
+        </p:grpSp>
+        <p:sp>
+          <p:nvSpPr>
+            <p:cNvPr id="3" name="Rectángulo 2"/>
+            <p:cNvSpPr/>
+            <p:nvPr/>
+          </p:nvSpPr>
+          <p:spPr>
+            <a:xfrm>
+              <a:off x="3167498" y="3152188"/>
+              <a:ext cx="1230828" cy="530634"/>
+            </a:xfrm>
+            <a:prstGeom prst="rect">
+              <a:avLst/>
+            </a:prstGeom>
+            <a:solidFill>
+              <a:srgbClr val="3366FF"/>
+            </a:solidFill>
+          </p:spPr>
+          <p:style>
+            <a:lnRef idx="0">
+              <a:schemeClr val="accent5"/>
+            </a:lnRef>
+            <a:fillRef idx="3">
+              <a:schemeClr val="accent5"/>
+            </a:fillRef>
+            <a:effectRef idx="3">
+              <a:schemeClr val="accent5"/>
+            </a:effectRef>
+            <a:fontRef idx="minor">
+              <a:schemeClr val="lt1"/>
+            </a:fontRef>
+          </p:style>
+          <p:txBody>
+            <a:bodyPr rtlCol="0" anchor="ctr"/>
+            <a:lstStyle/>
+            <a:p>
+              <a:pPr algn="ctr"/>
+              <a:r>
+                <a:rPr lang="es-ES" sz="1000" b="1" dirty="0" err="1"/>
+                <a:t>Event</a:t>
+              </a:r>
+              <a:r>
+                <a:rPr lang="es-ES" sz="1000" b="1" dirty="0"/>
+                <a:t> Manager</a:t>
+              </a:r>
+            </a:p>
+            <a:p>
+              <a:pPr algn="ctr"/>
+              <a:endParaRPr lang="es-ES" sz="1000" dirty="0"/>
+            </a:p>
+            <a:p>
+              <a:pPr algn="ctr"/>
+              <a:r>
+                <a:rPr lang="es-ES" sz="800" dirty="0" err="1"/>
+                <a:t>EvtMng</a:t>
+              </a:r>
+              <a:endParaRPr lang="es-ES" sz="800" dirty="0"/>
+            </a:p>
+          </p:txBody>
+        </p:sp>
+      </p:grpSp>
+      <p:grpSp>
+        <p:nvGrpSpPr>
+          <p:cNvPr id="109" name="Group 108"/>
+          <p:cNvGrpSpPr/>
+          <p:nvPr/>
+        </p:nvGrpSpPr>
+        <p:grpSpPr>
+          <a:xfrm>
+            <a:off x="3440104" y="2815638"/>
+            <a:ext cx="1238575" cy="530636"/>
+            <a:chOff x="5497949" y="3152188"/>
+            <a:chExt cx="1238575" cy="530636"/>
+          </a:xfrm>
+        </p:grpSpPr>
+        <p:grpSp>
+          <p:nvGrpSpPr>
+            <p:cNvPr id="188" name="Group 187"/>
+            <p:cNvGrpSpPr/>
+            <p:nvPr/>
+          </p:nvGrpSpPr>
+          <p:grpSpPr>
+            <a:xfrm>
+              <a:off x="5497949" y="3152190"/>
+              <a:ext cx="1231518" cy="530634"/>
+              <a:chOff x="4906456" y="1214806"/>
+              <a:chExt cx="1231518" cy="530634"/>
+            </a:xfrm>
+          </p:grpSpPr>
+          <p:grpSp>
+            <p:nvGrpSpPr>
+              <p:cNvPr id="189" name="Group 188"/>
+              <p:cNvGrpSpPr/>
+              <p:nvPr/>
+            </p:nvGrpSpPr>
+            <p:grpSpPr>
+              <a:xfrm>
+                <a:off x="4944656" y="1214806"/>
+                <a:ext cx="1155118" cy="530634"/>
+                <a:chOff x="4932574" y="1214806"/>
+                <a:chExt cx="1155118" cy="530634"/>
+              </a:xfrm>
+            </p:grpSpPr>
+            <p:sp>
+              <p:nvSpPr>
+                <p:cNvPr id="195" name="Rectangle 194"/>
+                <p:cNvSpPr/>
+                <p:nvPr/>
+              </p:nvSpPr>
+              <p:spPr>
+                <a:xfrm>
+                  <a:off x="5132409" y="1214806"/>
+                  <a:ext cx="155944" cy="530634"/>
+                </a:xfrm>
+                <a:prstGeom prst="rect">
+                  <a:avLst/>
+                </a:prstGeom>
+                <a:solidFill>
+                  <a:schemeClr val="bg2"/>
+                </a:solidFill>
+                <a:ln w="3175">
+                  <a:noFill/>
+                </a:ln>
+              </p:spPr>
+              <p:style>
+                <a:lnRef idx="2">
+                  <a:schemeClr val="dk1"/>
+                </a:lnRef>
+                <a:fillRef idx="1">
+                  <a:schemeClr val="lt1"/>
+                </a:fillRef>
+                <a:effectRef idx="0">
+                  <a:schemeClr val="dk1"/>
+                </a:effectRef>
+                <a:fontRef idx="minor">
+                  <a:schemeClr val="dk1"/>
+                </a:fontRef>
+              </p:style>
+              <p:txBody>
+                <a:bodyPr rtlCol="0" anchor="ctr"/>
+                <a:lstStyle/>
+                <a:p>
+                  <a:pPr algn="ctr"/>
+                  <a:endParaRPr lang="es-ES"/>
+                </a:p>
+              </p:txBody>
+            </p:sp>
+            <p:sp>
+              <p:nvSpPr>
+                <p:cNvPr id="196" name="Rectangle 195"/>
+                <p:cNvSpPr/>
+                <p:nvPr/>
+              </p:nvSpPr>
+              <p:spPr>
+                <a:xfrm>
+                  <a:off x="5731914" y="1214806"/>
+                  <a:ext cx="155944" cy="530634"/>
+                </a:xfrm>
+                <a:prstGeom prst="rect">
+                  <a:avLst/>
+                </a:prstGeom>
+                <a:solidFill>
+                  <a:schemeClr val="bg2"/>
+                </a:solidFill>
+                <a:ln w="3175">
+                  <a:noFill/>
+                </a:ln>
+              </p:spPr>
+              <p:style>
+                <a:lnRef idx="2">
+                  <a:schemeClr val="dk1"/>
+                </a:lnRef>
+                <a:fillRef idx="1">
+                  <a:schemeClr val="lt1"/>
+                </a:fillRef>
+                <a:effectRef idx="0">
+                  <a:schemeClr val="dk1"/>
+                </a:effectRef>
+                <a:fontRef idx="minor">
+                  <a:schemeClr val="dk1"/>
+                </a:fontRef>
+              </p:style>
+              <p:txBody>
+                <a:bodyPr rtlCol="0" anchor="ctr"/>
+                <a:lstStyle/>
+                <a:p>
+                  <a:pPr algn="ctr"/>
+                  <a:endParaRPr lang="es-ES"/>
+                </a:p>
+              </p:txBody>
+            </p:sp>
+            <p:sp>
+              <p:nvSpPr>
+                <p:cNvPr id="197" name="Rectangle 196"/>
+                <p:cNvSpPr/>
+                <p:nvPr/>
+              </p:nvSpPr>
+              <p:spPr>
+                <a:xfrm>
+                  <a:off x="5332244" y="1214806"/>
+                  <a:ext cx="155944" cy="530634"/>
+                </a:xfrm>
+                <a:prstGeom prst="rect">
+                  <a:avLst/>
+                </a:prstGeom>
+                <a:solidFill>
+                  <a:schemeClr val="bg2"/>
+                </a:solidFill>
+                <a:ln w="3175">
+                  <a:noFill/>
+                </a:ln>
+              </p:spPr>
+              <p:style>
+                <a:lnRef idx="2">
+                  <a:schemeClr val="dk1"/>
+                </a:lnRef>
+                <a:fillRef idx="1">
+                  <a:schemeClr val="lt1"/>
+                </a:fillRef>
+                <a:effectRef idx="0">
+                  <a:schemeClr val="dk1"/>
+                </a:effectRef>
+                <a:fontRef idx="minor">
+                  <a:schemeClr val="dk1"/>
+                </a:fontRef>
+              </p:style>
+              <p:txBody>
+                <a:bodyPr rtlCol="0" anchor="ctr"/>
+                <a:lstStyle/>
+                <a:p>
+                  <a:pPr algn="ctr"/>
+                  <a:endParaRPr lang="es-ES"/>
+                </a:p>
+              </p:txBody>
+            </p:sp>
+            <p:sp>
+              <p:nvSpPr>
+                <p:cNvPr id="198" name="Rectangle 197"/>
+                <p:cNvSpPr/>
+                <p:nvPr/>
+              </p:nvSpPr>
+              <p:spPr>
+                <a:xfrm>
+                  <a:off x="5931748" y="1214806"/>
+                  <a:ext cx="155944" cy="530634"/>
+                </a:xfrm>
+                <a:prstGeom prst="rect">
+                  <a:avLst/>
+                </a:prstGeom>
+                <a:solidFill>
+                  <a:schemeClr val="bg2"/>
+                </a:solidFill>
+                <a:ln w="3175">
+                  <a:noFill/>
+                </a:ln>
+              </p:spPr>
+              <p:style>
+                <a:lnRef idx="2">
+                  <a:schemeClr val="dk1"/>
+                </a:lnRef>
+                <a:fillRef idx="1">
+                  <a:schemeClr val="lt1"/>
+                </a:fillRef>
+                <a:effectRef idx="0">
+                  <a:schemeClr val="dk1"/>
+                </a:effectRef>
+                <a:fontRef idx="minor">
+                  <a:schemeClr val="dk1"/>
+                </a:fontRef>
+              </p:style>
+              <p:txBody>
+                <a:bodyPr rtlCol="0" anchor="ctr"/>
+                <a:lstStyle/>
+                <a:p>
+                  <a:pPr algn="ctr"/>
+                  <a:endParaRPr lang="es-ES"/>
+                </a:p>
+              </p:txBody>
+            </p:sp>
+            <p:sp>
+              <p:nvSpPr>
+                <p:cNvPr id="199" name="Rectangle 198"/>
+                <p:cNvSpPr/>
+                <p:nvPr/>
+              </p:nvSpPr>
+              <p:spPr>
+                <a:xfrm>
+                  <a:off x="4932574" y="1214806"/>
+                  <a:ext cx="155944" cy="530634"/>
+                </a:xfrm>
+                <a:prstGeom prst="rect">
+                  <a:avLst/>
+                </a:prstGeom>
+                <a:solidFill>
+                  <a:schemeClr val="bg2"/>
+                </a:solidFill>
+                <a:ln w="3175">
+                  <a:noFill/>
+                </a:ln>
+              </p:spPr>
+              <p:style>
+                <a:lnRef idx="2">
+                  <a:schemeClr val="dk1"/>
+                </a:lnRef>
+                <a:fillRef idx="1">
+                  <a:schemeClr val="lt1"/>
+                </a:fillRef>
+                <a:effectRef idx="0">
+                  <a:schemeClr val="dk1"/>
+                </a:effectRef>
+                <a:fontRef idx="minor">
+                  <a:schemeClr val="dk1"/>
+                </a:fontRef>
+              </p:style>
+              <p:txBody>
+                <a:bodyPr rtlCol="0" anchor="ctr"/>
+                <a:lstStyle/>
+                <a:p>
+                  <a:pPr algn="ctr"/>
+                  <a:endParaRPr lang="es-ES"/>
+                </a:p>
+              </p:txBody>
+            </p:sp>
+            <p:sp>
+              <p:nvSpPr>
+                <p:cNvPr id="200" name="Rectangle 199"/>
+                <p:cNvSpPr/>
+                <p:nvPr/>
+              </p:nvSpPr>
+              <p:spPr>
+                <a:xfrm>
+                  <a:off x="5532079" y="1214806"/>
+                  <a:ext cx="155944" cy="530634"/>
+                </a:xfrm>
+                <a:prstGeom prst="rect">
+                  <a:avLst/>
+                </a:prstGeom>
+                <a:solidFill>
+                  <a:schemeClr val="bg2"/>
+                </a:solidFill>
+                <a:ln w="3175">
+                  <a:noFill/>
+                </a:ln>
+              </p:spPr>
+              <p:style>
+                <a:lnRef idx="2">
+                  <a:schemeClr val="dk1"/>
+                </a:lnRef>
+                <a:fillRef idx="1">
+                  <a:schemeClr val="lt1"/>
+                </a:fillRef>
+                <a:effectRef idx="0">
+                  <a:schemeClr val="dk1"/>
+                </a:effectRef>
+                <a:fontRef idx="minor">
+                  <a:schemeClr val="dk1"/>
+                </a:fontRef>
+              </p:style>
+              <p:txBody>
+                <a:bodyPr rtlCol="0" anchor="ctr"/>
+                <a:lstStyle/>
+                <a:p>
+                  <a:pPr algn="ctr"/>
+                  <a:endParaRPr lang="es-ES"/>
+                </a:p>
+              </p:txBody>
+            </p:sp>
+          </p:grpSp>
+          <p:grpSp>
+            <p:nvGrpSpPr>
+              <p:cNvPr id="190" name="Group 189"/>
+              <p:cNvGrpSpPr/>
+              <p:nvPr/>
+            </p:nvGrpSpPr>
+            <p:grpSpPr>
+              <a:xfrm>
+                <a:off x="4906456" y="1279287"/>
+                <a:ext cx="1231518" cy="401672"/>
+                <a:chOff x="4906456" y="1283690"/>
+                <a:chExt cx="1231518" cy="401672"/>
+              </a:xfrm>
+            </p:grpSpPr>
+            <p:sp>
+              <p:nvSpPr>
+                <p:cNvPr id="191" name="Rectangle 190"/>
+                <p:cNvSpPr/>
+                <p:nvPr/>
+              </p:nvSpPr>
+              <p:spPr>
+                <a:xfrm>
+                  <a:off x="4906456" y="1283690"/>
+                  <a:ext cx="1231518" cy="71977"/>
+                </a:xfrm>
+                <a:prstGeom prst="rect">
+                  <a:avLst/>
+                </a:prstGeom>
+                <a:solidFill>
+                  <a:schemeClr val="bg2"/>
+                </a:solidFill>
+                <a:ln w="3175">
+                  <a:noFill/>
+                </a:ln>
+              </p:spPr>
+              <p:style>
+                <a:lnRef idx="2">
+                  <a:schemeClr val="dk1"/>
+                </a:lnRef>
+                <a:fillRef idx="1">
+                  <a:schemeClr val="lt1"/>
+                </a:fillRef>
+                <a:effectRef idx="0">
+                  <a:schemeClr val="dk1"/>
+                </a:effectRef>
+                <a:fontRef idx="minor">
+                  <a:schemeClr val="dk1"/>
+                </a:fontRef>
+              </p:style>
+              <p:txBody>
+                <a:bodyPr rtlCol="0" anchor="ctr"/>
+                <a:lstStyle/>
+                <a:p>
+                  <a:pPr algn="ctr"/>
+                  <a:endParaRPr lang="es-ES"/>
+                </a:p>
+              </p:txBody>
+            </p:sp>
+            <p:sp>
+              <p:nvSpPr>
+                <p:cNvPr id="192" name="Rectangle 191"/>
+                <p:cNvSpPr/>
+                <p:nvPr/>
+              </p:nvSpPr>
+              <p:spPr>
+                <a:xfrm>
+                  <a:off x="4906456" y="1532962"/>
+                  <a:ext cx="1231518" cy="71977"/>
+                </a:xfrm>
+                <a:prstGeom prst="rect">
+                  <a:avLst/>
+                </a:prstGeom>
+                <a:solidFill>
+                  <a:schemeClr val="bg2"/>
+                </a:solidFill>
+                <a:ln w="3175">
+                  <a:noFill/>
+                </a:ln>
+              </p:spPr>
+              <p:style>
+                <a:lnRef idx="2">
+                  <a:schemeClr val="dk1"/>
+                </a:lnRef>
+                <a:fillRef idx="1">
+                  <a:schemeClr val="lt1"/>
+                </a:fillRef>
+                <a:effectRef idx="0">
+                  <a:schemeClr val="dk1"/>
+                </a:effectRef>
+                <a:fontRef idx="minor">
+                  <a:schemeClr val="dk1"/>
+                </a:fontRef>
+              </p:style>
+              <p:txBody>
+                <a:bodyPr rtlCol="0" anchor="ctr"/>
+                <a:lstStyle/>
+                <a:p>
+                  <a:pPr algn="ctr"/>
+                  <a:endParaRPr lang="es-ES"/>
+                </a:p>
+              </p:txBody>
+            </p:sp>
+            <p:sp>
+              <p:nvSpPr>
+                <p:cNvPr id="193" name="Rectangle 192"/>
+                <p:cNvSpPr/>
+                <p:nvPr/>
+              </p:nvSpPr>
+              <p:spPr>
+                <a:xfrm>
+                  <a:off x="4906456" y="1364113"/>
+                  <a:ext cx="1231518" cy="71977"/>
+                </a:xfrm>
+                <a:prstGeom prst="rect">
+                  <a:avLst/>
+                </a:prstGeom>
+                <a:solidFill>
+                  <a:schemeClr val="bg2"/>
+                </a:solidFill>
+                <a:ln w="3175">
+                  <a:noFill/>
+                </a:ln>
+              </p:spPr>
+              <p:style>
+                <a:lnRef idx="2">
+                  <a:schemeClr val="dk1"/>
+                </a:lnRef>
+                <a:fillRef idx="1">
+                  <a:schemeClr val="lt1"/>
+                </a:fillRef>
+                <a:effectRef idx="0">
+                  <a:schemeClr val="dk1"/>
+                </a:effectRef>
+                <a:fontRef idx="minor">
+                  <a:schemeClr val="dk1"/>
+                </a:fontRef>
+              </p:style>
+              <p:txBody>
+                <a:bodyPr rtlCol="0" anchor="ctr"/>
+                <a:lstStyle/>
+                <a:p>
+                  <a:pPr algn="ctr"/>
+                  <a:endParaRPr lang="es-ES"/>
+                </a:p>
+              </p:txBody>
+            </p:sp>
+            <p:sp>
+              <p:nvSpPr>
+                <p:cNvPr id="194" name="Rectangle 193"/>
+                <p:cNvSpPr/>
+                <p:nvPr/>
+              </p:nvSpPr>
+              <p:spPr>
+                <a:xfrm>
+                  <a:off x="4906456" y="1613385"/>
+                  <a:ext cx="1231518" cy="71977"/>
+                </a:xfrm>
+                <a:prstGeom prst="rect">
+                  <a:avLst/>
+                </a:prstGeom>
+                <a:solidFill>
+                  <a:schemeClr val="bg2"/>
+                </a:solidFill>
+                <a:ln w="3175">
+                  <a:noFill/>
+                </a:ln>
+              </p:spPr>
+              <p:style>
+                <a:lnRef idx="2">
+                  <a:schemeClr val="dk1"/>
+                </a:lnRef>
+                <a:fillRef idx="1">
+                  <a:schemeClr val="lt1"/>
+                </a:fillRef>
+                <a:effectRef idx="0">
+                  <a:schemeClr val="dk1"/>
+                </a:effectRef>
+                <a:fontRef idx="minor">
+                  <a:schemeClr val="dk1"/>
+                </a:fontRef>
+              </p:style>
+              <p:txBody>
+                <a:bodyPr rtlCol="0" anchor="ctr"/>
+                <a:lstStyle/>
+                <a:p>
+                  <a:pPr algn="ctr"/>
+                  <a:endParaRPr lang="es-ES"/>
+                </a:p>
+              </p:txBody>
+            </p:sp>
+          </p:grpSp>
+        </p:grpSp>
+        <p:sp>
+          <p:nvSpPr>
+            <p:cNvPr id="4" name="Rectángulo 3"/>
+            <p:cNvSpPr/>
+            <p:nvPr/>
+          </p:nvSpPr>
+          <p:spPr>
+            <a:xfrm>
+              <a:off x="5505696" y="3152188"/>
+              <a:ext cx="1230828" cy="530634"/>
+            </a:xfrm>
+            <a:prstGeom prst="rect">
+              <a:avLst/>
+            </a:prstGeom>
+            <a:solidFill>
+              <a:srgbClr val="800000"/>
+            </a:solidFill>
+          </p:spPr>
+          <p:style>
+            <a:lnRef idx="0">
+              <a:schemeClr val="accent2"/>
+            </a:lnRef>
+            <a:fillRef idx="3">
+              <a:schemeClr val="accent2"/>
+            </a:fillRef>
+            <a:effectRef idx="3">
+              <a:schemeClr val="accent2"/>
+            </a:effectRef>
+            <a:fontRef idx="minor">
+              <a:schemeClr val="lt1"/>
+            </a:fontRef>
+          </p:style>
+          <p:txBody>
+            <a:bodyPr rtlCol="0" anchor="ctr"/>
+            <a:lstStyle/>
+            <a:p>
+              <a:pPr algn="ctr"/>
+              <a:r>
+                <a:rPr lang="es-ES" sz="1000" b="1" dirty="0"/>
+                <a:t>Log Manager</a:t>
+              </a:r>
+            </a:p>
+            <a:p>
+              <a:pPr algn="ctr"/>
+              <a:endParaRPr lang="es-ES" sz="1000" dirty="0"/>
+            </a:p>
+            <a:p>
+              <a:pPr algn="ctr"/>
+              <a:r>
+                <a:rPr lang="es-ES" sz="800" dirty="0" err="1"/>
+                <a:t>LogMng</a:t>
+              </a:r>
+              <a:endParaRPr lang="es-ES" sz="800" dirty="0"/>
+            </a:p>
+          </p:txBody>
+        </p:sp>
+      </p:grpSp>
+      <p:grpSp>
+        <p:nvGrpSpPr>
+          <p:cNvPr id="66" name="Group 65"/>
+          <p:cNvGrpSpPr/>
+          <p:nvPr/>
+        </p:nvGrpSpPr>
+        <p:grpSpPr>
+          <a:xfrm>
+            <a:off x="1106695" y="1310397"/>
+            <a:ext cx="1232343" cy="533015"/>
+            <a:chOff x="3166674" y="1310397"/>
+            <a:chExt cx="1232343" cy="533015"/>
+          </a:xfrm>
+        </p:grpSpPr>
+        <p:grpSp>
+          <p:nvGrpSpPr>
+            <p:cNvPr id="62" name="Group 61"/>
+            <p:cNvGrpSpPr/>
+            <p:nvPr/>
+          </p:nvGrpSpPr>
+          <p:grpSpPr>
+            <a:xfrm>
+              <a:off x="3166674" y="1312778"/>
+              <a:ext cx="1232343" cy="530634"/>
+              <a:chOff x="3166674" y="1312778"/>
+              <a:chExt cx="1232343" cy="530634"/>
+            </a:xfrm>
+          </p:grpSpPr>
+          <p:sp>
+            <p:nvSpPr>
+              <p:cNvPr id="61" name="Rectangle 60"/>
+              <p:cNvSpPr/>
+              <p:nvPr/>
+            </p:nvSpPr>
+            <p:spPr>
+              <a:xfrm>
+                <a:off x="3334654" y="1312778"/>
+                <a:ext cx="311888" cy="530634"/>
+              </a:xfrm>
+              <a:prstGeom prst="rect">
+                <a:avLst/>
+              </a:prstGeom>
+              <a:solidFill>
+                <a:schemeClr val="bg2"/>
+              </a:solidFill>
+              <a:ln w="3175">
+                <a:noFill/>
+              </a:ln>
+            </p:spPr>
+            <p:style>
+              <a:lnRef idx="2">
+                <a:schemeClr val="dk1"/>
+              </a:lnRef>
+              <a:fillRef idx="1">
+                <a:schemeClr val="lt1"/>
+              </a:fillRef>
+              <a:effectRef idx="0">
+                <a:schemeClr val="dk1"/>
+              </a:effectRef>
+              <a:fontRef idx="minor">
+                <a:schemeClr val="dk1"/>
+              </a:fontRef>
+            </p:style>
+            <p:txBody>
+              <a:bodyPr rtlCol="0" anchor="ctr"/>
+              <a:lstStyle/>
+              <a:p>
+                <a:pPr algn="ctr"/>
+                <a:endParaRPr lang="es-ES"/>
+              </a:p>
+            </p:txBody>
+          </p:sp>
+          <p:sp>
+            <p:nvSpPr>
+              <p:cNvPr id="116" name="Rectangle 115"/>
+              <p:cNvSpPr/>
+              <p:nvPr/>
+            </p:nvSpPr>
+            <p:spPr>
+              <a:xfrm>
+                <a:off x="3934729" y="1312778"/>
+                <a:ext cx="311888" cy="530634"/>
+              </a:xfrm>
+              <a:prstGeom prst="rect">
+                <a:avLst/>
+              </a:prstGeom>
+              <a:solidFill>
+                <a:schemeClr val="bg2"/>
+              </a:solidFill>
+              <a:ln w="3175">
+                <a:noFill/>
+              </a:ln>
+            </p:spPr>
+            <p:style>
+              <a:lnRef idx="2">
+                <a:schemeClr val="dk1"/>
+              </a:lnRef>
+              <a:fillRef idx="1">
+                <a:schemeClr val="lt1"/>
+              </a:fillRef>
+              <a:effectRef idx="0">
+                <a:schemeClr val="dk1"/>
+              </a:effectRef>
+              <a:fontRef idx="minor">
+                <a:schemeClr val="dk1"/>
+              </a:fontRef>
+            </p:style>
+            <p:txBody>
+              <a:bodyPr rtlCol="0" anchor="ctr"/>
+              <a:lstStyle/>
+              <a:p>
+                <a:pPr algn="ctr"/>
+                <a:endParaRPr lang="es-ES"/>
+              </a:p>
+            </p:txBody>
+          </p:sp>
+          <p:sp>
+            <p:nvSpPr>
+              <p:cNvPr id="117" name="Rectangle 116"/>
+              <p:cNvSpPr/>
+              <p:nvPr/>
+            </p:nvSpPr>
+            <p:spPr>
+              <a:xfrm>
+                <a:off x="3167499" y="1383506"/>
+                <a:ext cx="1231518" cy="143955"/>
+              </a:xfrm>
+              <a:prstGeom prst="rect">
+                <a:avLst/>
+              </a:prstGeom>
+              <a:solidFill>
+                <a:schemeClr val="bg2"/>
+              </a:solidFill>
+              <a:ln w="3175">
+                <a:noFill/>
+              </a:ln>
+            </p:spPr>
+            <p:style>
+              <a:lnRef idx="2">
+                <a:schemeClr val="dk1"/>
+              </a:lnRef>
+              <a:fillRef idx="1">
+                <a:schemeClr val="lt1"/>
+              </a:fillRef>
+              <a:effectRef idx="0">
+                <a:schemeClr val="dk1"/>
+              </a:effectRef>
+              <a:fontRef idx="minor">
+                <a:schemeClr val="dk1"/>
+              </a:fontRef>
+            </p:style>
+            <p:txBody>
+              <a:bodyPr rtlCol="0" anchor="ctr"/>
+              <a:lstStyle/>
+              <a:p>
+                <a:pPr algn="ctr"/>
+                <a:endParaRPr lang="es-ES"/>
+              </a:p>
+            </p:txBody>
+          </p:sp>
+          <p:sp>
+            <p:nvSpPr>
+              <p:cNvPr id="118" name="Rectangle 117"/>
+              <p:cNvSpPr/>
+              <p:nvPr/>
+            </p:nvSpPr>
+            <p:spPr>
+              <a:xfrm>
+                <a:off x="3166674" y="1632778"/>
+                <a:ext cx="1231518" cy="143955"/>
+              </a:xfrm>
+              <a:prstGeom prst="rect">
+                <a:avLst/>
+              </a:prstGeom>
+              <a:solidFill>
+                <a:schemeClr val="bg2"/>
+              </a:solidFill>
+              <a:ln w="3175">
+                <a:noFill/>
+              </a:ln>
+            </p:spPr>
+            <p:style>
+              <a:lnRef idx="2">
+                <a:schemeClr val="dk1"/>
+              </a:lnRef>
+              <a:fillRef idx="1">
+                <a:schemeClr val="lt1"/>
+              </a:fillRef>
+              <a:effectRef idx="0">
+                <a:schemeClr val="dk1"/>
+              </a:effectRef>
+              <a:fontRef idx="minor">
+                <a:schemeClr val="dk1"/>
+              </a:fontRef>
+            </p:style>
+            <p:txBody>
+              <a:bodyPr rtlCol="0" anchor="ctr"/>
+              <a:lstStyle/>
+              <a:p>
+                <a:pPr algn="ctr"/>
+                <a:endParaRPr lang="es-ES"/>
+              </a:p>
+            </p:txBody>
+          </p:sp>
+        </p:grpSp>
+        <p:sp>
+          <p:nvSpPr>
+            <p:cNvPr id="6" name="Rectángulo 5"/>
+            <p:cNvSpPr/>
+            <p:nvPr/>
+          </p:nvSpPr>
+          <p:spPr>
+            <a:xfrm>
+              <a:off x="3167364" y="1310397"/>
+              <a:ext cx="1230828" cy="530634"/>
+            </a:xfrm>
+            <a:prstGeom prst="rect">
+              <a:avLst/>
+            </a:prstGeom>
+            <a:solidFill>
+              <a:srgbClr val="00B050"/>
+            </a:solidFill>
+          </p:spPr>
+          <p:style>
+            <a:lnRef idx="0">
+              <a:schemeClr val="accent5"/>
+            </a:lnRef>
+            <a:fillRef idx="3">
+              <a:schemeClr val="accent5"/>
+            </a:fillRef>
+            <a:effectRef idx="3">
+              <a:schemeClr val="accent5"/>
+            </a:effectRef>
+            <a:fontRef idx="minor">
+              <a:schemeClr val="lt1"/>
+            </a:fontRef>
+          </p:style>
+          <p:txBody>
+            <a:bodyPr rtlCol="0" anchor="ctr"/>
+            <a:lstStyle/>
+            <a:p>
+              <a:pPr algn="ctr"/>
+              <a:r>
+                <a:rPr lang="es-ES" sz="1000" b="1" dirty="0"/>
+                <a:t>HMI</a:t>
+              </a:r>
+              <a:endParaRPr lang="es-ES" sz="1000" dirty="0"/>
+            </a:p>
+          </p:txBody>
+        </p:sp>
+      </p:grpSp>
+      <p:grpSp>
+        <p:nvGrpSpPr>
+          <p:cNvPr id="120" name="Group 119"/>
+          <p:cNvGrpSpPr/>
+          <p:nvPr/>
+        </p:nvGrpSpPr>
+        <p:grpSpPr>
+          <a:xfrm>
+            <a:off x="3443632" y="3928564"/>
+            <a:ext cx="1231518" cy="534434"/>
+            <a:chOff x="843846" y="4337201"/>
+            <a:chExt cx="1231518" cy="534434"/>
+          </a:xfrm>
+        </p:grpSpPr>
+        <p:grpSp>
+          <p:nvGrpSpPr>
+            <p:cNvPr id="255" name="Group 254"/>
+            <p:cNvGrpSpPr/>
+            <p:nvPr/>
+          </p:nvGrpSpPr>
+          <p:grpSpPr>
+            <a:xfrm>
+              <a:off x="843846" y="4341001"/>
+              <a:ext cx="1231518" cy="530634"/>
+              <a:chOff x="4906456" y="1214806"/>
+              <a:chExt cx="1231518" cy="530634"/>
+            </a:xfrm>
+          </p:grpSpPr>
+          <p:grpSp>
+            <p:nvGrpSpPr>
+              <p:cNvPr id="256" name="Group 255"/>
+              <p:cNvGrpSpPr/>
+              <p:nvPr/>
+            </p:nvGrpSpPr>
+            <p:grpSpPr>
+              <a:xfrm>
+                <a:off x="4944656" y="1214806"/>
+                <a:ext cx="1155118" cy="530634"/>
+                <a:chOff x="4932574" y="1214806"/>
+                <a:chExt cx="1155118" cy="530634"/>
+              </a:xfrm>
+            </p:grpSpPr>
+            <p:sp>
+              <p:nvSpPr>
+                <p:cNvPr id="262" name="Rectangle 261"/>
+                <p:cNvSpPr/>
+                <p:nvPr/>
+              </p:nvSpPr>
+              <p:spPr>
+                <a:xfrm>
+                  <a:off x="5132409" y="1214806"/>
+                  <a:ext cx="155944" cy="530634"/>
+                </a:xfrm>
+                <a:prstGeom prst="rect">
+                  <a:avLst/>
+                </a:prstGeom>
+                <a:solidFill>
+                  <a:schemeClr val="bg2"/>
+                </a:solidFill>
+                <a:ln w="3175">
+                  <a:noFill/>
+                </a:ln>
+              </p:spPr>
+              <p:style>
+                <a:lnRef idx="2">
+                  <a:schemeClr val="dk1"/>
+                </a:lnRef>
+                <a:fillRef idx="1">
+                  <a:schemeClr val="lt1"/>
+                </a:fillRef>
+                <a:effectRef idx="0">
+                  <a:schemeClr val="dk1"/>
+                </a:effectRef>
+                <a:fontRef idx="minor">
+                  <a:schemeClr val="dk1"/>
+                </a:fontRef>
+              </p:style>
+              <p:txBody>
+                <a:bodyPr rtlCol="0" anchor="ctr"/>
+                <a:lstStyle/>
+                <a:p>
+                  <a:pPr algn="ctr"/>
+                  <a:endParaRPr lang="es-ES"/>
+                </a:p>
+              </p:txBody>
+            </p:sp>
+            <p:sp>
+              <p:nvSpPr>
+                <p:cNvPr id="263" name="Rectangle 262"/>
+                <p:cNvSpPr/>
+                <p:nvPr/>
+              </p:nvSpPr>
+              <p:spPr>
+                <a:xfrm>
+                  <a:off x="5731914" y="1214806"/>
+                  <a:ext cx="155944" cy="530634"/>
+                </a:xfrm>
+                <a:prstGeom prst="rect">
+                  <a:avLst/>
+                </a:prstGeom>
+                <a:solidFill>
+                  <a:schemeClr val="bg2"/>
+                </a:solidFill>
+                <a:ln w="3175">
+                  <a:noFill/>
+                </a:ln>
+              </p:spPr>
+              <p:style>
+                <a:lnRef idx="2">
+                  <a:schemeClr val="dk1"/>
+                </a:lnRef>
+                <a:fillRef idx="1">
+                  <a:schemeClr val="lt1"/>
+                </a:fillRef>
+                <a:effectRef idx="0">
+                  <a:schemeClr val="dk1"/>
+                </a:effectRef>
+                <a:fontRef idx="minor">
+                  <a:schemeClr val="dk1"/>
+                </a:fontRef>
+              </p:style>
+              <p:txBody>
+                <a:bodyPr rtlCol="0" anchor="ctr"/>
+                <a:lstStyle/>
+                <a:p>
+                  <a:pPr algn="ctr"/>
+                  <a:endParaRPr lang="es-ES"/>
+                </a:p>
+              </p:txBody>
+            </p:sp>
+            <p:sp>
+              <p:nvSpPr>
+                <p:cNvPr id="264" name="Rectangle 263"/>
+                <p:cNvSpPr/>
+                <p:nvPr/>
+              </p:nvSpPr>
+              <p:spPr>
+                <a:xfrm>
+                  <a:off x="5332244" y="1214806"/>
+                  <a:ext cx="155944" cy="530634"/>
+                </a:xfrm>
+                <a:prstGeom prst="rect">
+                  <a:avLst/>
+                </a:prstGeom>
+                <a:solidFill>
+                  <a:schemeClr val="bg2"/>
+                </a:solidFill>
+                <a:ln w="3175">
+                  <a:noFill/>
+                </a:ln>
+              </p:spPr>
+              <p:style>
+                <a:lnRef idx="2">
+                  <a:schemeClr val="dk1"/>
+                </a:lnRef>
+                <a:fillRef idx="1">
+                  <a:schemeClr val="lt1"/>
+                </a:fillRef>
+                <a:effectRef idx="0">
+                  <a:schemeClr val="dk1"/>
+                </a:effectRef>
+                <a:fontRef idx="minor">
+                  <a:schemeClr val="dk1"/>
+                </a:fontRef>
+              </p:style>
+              <p:txBody>
+                <a:bodyPr rtlCol="0" anchor="ctr"/>
+                <a:lstStyle/>
+                <a:p>
+                  <a:pPr algn="ctr"/>
+                  <a:endParaRPr lang="es-ES"/>
+                </a:p>
+              </p:txBody>
+            </p:sp>
+            <p:sp>
+              <p:nvSpPr>
+                <p:cNvPr id="265" name="Rectangle 264"/>
+                <p:cNvSpPr/>
+                <p:nvPr/>
+              </p:nvSpPr>
+              <p:spPr>
+                <a:xfrm>
+                  <a:off x="5931748" y="1214806"/>
+                  <a:ext cx="155944" cy="530634"/>
+                </a:xfrm>
+                <a:prstGeom prst="rect">
+                  <a:avLst/>
+                </a:prstGeom>
+                <a:solidFill>
+                  <a:schemeClr val="bg2"/>
+                </a:solidFill>
+                <a:ln w="3175">
+                  <a:noFill/>
+                </a:ln>
+              </p:spPr>
+              <p:style>
+                <a:lnRef idx="2">
+                  <a:schemeClr val="dk1"/>
+                </a:lnRef>
+                <a:fillRef idx="1">
+                  <a:schemeClr val="lt1"/>
+                </a:fillRef>
+                <a:effectRef idx="0">
+                  <a:schemeClr val="dk1"/>
+                </a:effectRef>
+                <a:fontRef idx="minor">
+                  <a:schemeClr val="dk1"/>
+                </a:fontRef>
+              </p:style>
+              <p:txBody>
+                <a:bodyPr rtlCol="0" anchor="ctr"/>
+                <a:lstStyle/>
+                <a:p>
+                  <a:pPr algn="ctr"/>
+                  <a:endParaRPr lang="es-ES"/>
+                </a:p>
+              </p:txBody>
+            </p:sp>
+            <p:sp>
+              <p:nvSpPr>
+                <p:cNvPr id="266" name="Rectangle 265"/>
+                <p:cNvSpPr/>
+                <p:nvPr/>
+              </p:nvSpPr>
+              <p:spPr>
+                <a:xfrm>
+                  <a:off x="4932574" y="1214806"/>
+                  <a:ext cx="155944" cy="530634"/>
+                </a:xfrm>
+                <a:prstGeom prst="rect">
+                  <a:avLst/>
+                </a:prstGeom>
+                <a:solidFill>
+                  <a:schemeClr val="bg2"/>
+                </a:solidFill>
+                <a:ln w="3175">
+                  <a:noFill/>
+                </a:ln>
+              </p:spPr>
+              <p:style>
+                <a:lnRef idx="2">
+                  <a:schemeClr val="dk1"/>
+                </a:lnRef>
+                <a:fillRef idx="1">
+                  <a:schemeClr val="lt1"/>
+                </a:fillRef>
+                <a:effectRef idx="0">
+                  <a:schemeClr val="dk1"/>
+                </a:effectRef>
+                <a:fontRef idx="minor">
+                  <a:schemeClr val="dk1"/>
+                </a:fontRef>
+              </p:style>
+              <p:txBody>
+                <a:bodyPr rtlCol="0" anchor="ctr"/>
+                <a:lstStyle/>
+                <a:p>
+                  <a:pPr algn="ctr"/>
+                  <a:endParaRPr lang="es-ES"/>
+                </a:p>
+              </p:txBody>
+            </p:sp>
+            <p:sp>
+              <p:nvSpPr>
+                <p:cNvPr id="267" name="Rectangle 266"/>
+                <p:cNvSpPr/>
+                <p:nvPr/>
+              </p:nvSpPr>
+              <p:spPr>
+                <a:xfrm>
+                  <a:off x="5532079" y="1214806"/>
+                  <a:ext cx="155944" cy="530634"/>
+                </a:xfrm>
+                <a:prstGeom prst="rect">
+                  <a:avLst/>
+                </a:prstGeom>
+                <a:solidFill>
+                  <a:schemeClr val="bg2"/>
+                </a:solidFill>
+                <a:ln w="3175">
+                  <a:noFill/>
+                </a:ln>
+              </p:spPr>
+              <p:style>
+                <a:lnRef idx="2">
+                  <a:schemeClr val="dk1"/>
+                </a:lnRef>
+                <a:fillRef idx="1">
+                  <a:schemeClr val="lt1"/>
+                </a:fillRef>
+                <a:effectRef idx="0">
+                  <a:schemeClr val="dk1"/>
+                </a:effectRef>
+                <a:fontRef idx="minor">
+                  <a:schemeClr val="dk1"/>
+                </a:fontRef>
+              </p:style>
+              <p:txBody>
+                <a:bodyPr rtlCol="0" anchor="ctr"/>
+                <a:lstStyle/>
+                <a:p>
+                  <a:pPr algn="ctr"/>
+                  <a:endParaRPr lang="es-ES"/>
+                </a:p>
+              </p:txBody>
+            </p:sp>
+          </p:grpSp>
+          <p:grpSp>
+            <p:nvGrpSpPr>
+              <p:cNvPr id="257" name="Group 256"/>
+              <p:cNvGrpSpPr/>
+              <p:nvPr/>
+            </p:nvGrpSpPr>
+            <p:grpSpPr>
+              <a:xfrm>
+                <a:off x="4906456" y="1279287"/>
+                <a:ext cx="1231518" cy="401672"/>
+                <a:chOff x="4906456" y="1283690"/>
+                <a:chExt cx="1231518" cy="401672"/>
+              </a:xfrm>
+            </p:grpSpPr>
+            <p:sp>
+              <p:nvSpPr>
+                <p:cNvPr id="258" name="Rectangle 257"/>
+                <p:cNvSpPr/>
+                <p:nvPr/>
+              </p:nvSpPr>
+              <p:spPr>
+                <a:xfrm>
+                  <a:off x="4906456" y="1283690"/>
+                  <a:ext cx="1231518" cy="71977"/>
+                </a:xfrm>
+                <a:prstGeom prst="rect">
+                  <a:avLst/>
+                </a:prstGeom>
+                <a:solidFill>
+                  <a:schemeClr val="bg2"/>
+                </a:solidFill>
+                <a:ln w="3175">
+                  <a:noFill/>
+                </a:ln>
+              </p:spPr>
+              <p:style>
+                <a:lnRef idx="2">
+                  <a:schemeClr val="dk1"/>
+                </a:lnRef>
+                <a:fillRef idx="1">
+                  <a:schemeClr val="lt1"/>
+                </a:fillRef>
+                <a:effectRef idx="0">
+                  <a:schemeClr val="dk1"/>
+                </a:effectRef>
+                <a:fontRef idx="minor">
+                  <a:schemeClr val="dk1"/>
+                </a:fontRef>
+              </p:style>
+              <p:txBody>
+                <a:bodyPr rtlCol="0" anchor="ctr"/>
+                <a:lstStyle/>
+                <a:p>
+                  <a:pPr algn="ctr"/>
+                  <a:endParaRPr lang="es-ES"/>
+                </a:p>
+              </p:txBody>
+            </p:sp>
+            <p:sp>
+              <p:nvSpPr>
+                <p:cNvPr id="259" name="Rectangle 258"/>
+                <p:cNvSpPr/>
+                <p:nvPr/>
+              </p:nvSpPr>
+              <p:spPr>
+                <a:xfrm>
+                  <a:off x="4906456" y="1532962"/>
+                  <a:ext cx="1231518" cy="71977"/>
+                </a:xfrm>
+                <a:prstGeom prst="rect">
+                  <a:avLst/>
+                </a:prstGeom>
+                <a:solidFill>
+                  <a:schemeClr val="bg2"/>
+                </a:solidFill>
+                <a:ln w="3175">
+                  <a:noFill/>
+                </a:ln>
+              </p:spPr>
+              <p:style>
+                <a:lnRef idx="2">
+                  <a:schemeClr val="dk1"/>
+                </a:lnRef>
+                <a:fillRef idx="1">
+                  <a:schemeClr val="lt1"/>
+                </a:fillRef>
+                <a:effectRef idx="0">
+                  <a:schemeClr val="dk1"/>
+                </a:effectRef>
+                <a:fontRef idx="minor">
+                  <a:schemeClr val="dk1"/>
+                </a:fontRef>
+              </p:style>
+              <p:txBody>
+                <a:bodyPr rtlCol="0" anchor="ctr"/>
+                <a:lstStyle/>
+                <a:p>
+                  <a:pPr algn="ctr"/>
+                  <a:endParaRPr lang="es-ES"/>
+                </a:p>
+              </p:txBody>
+            </p:sp>
+            <p:sp>
+              <p:nvSpPr>
+                <p:cNvPr id="260" name="Rectangle 259"/>
+                <p:cNvSpPr/>
+                <p:nvPr/>
+              </p:nvSpPr>
+              <p:spPr>
+                <a:xfrm>
+                  <a:off x="4906456" y="1364113"/>
+                  <a:ext cx="1231518" cy="71977"/>
+                </a:xfrm>
+                <a:prstGeom prst="rect">
+                  <a:avLst/>
+                </a:prstGeom>
+                <a:solidFill>
+                  <a:schemeClr val="bg2"/>
+                </a:solidFill>
+                <a:ln w="3175">
+                  <a:noFill/>
+                </a:ln>
+              </p:spPr>
+              <p:style>
+                <a:lnRef idx="2">
+                  <a:schemeClr val="dk1"/>
+                </a:lnRef>
+                <a:fillRef idx="1">
+                  <a:schemeClr val="lt1"/>
+                </a:fillRef>
+                <a:effectRef idx="0">
+                  <a:schemeClr val="dk1"/>
+                </a:effectRef>
+                <a:fontRef idx="minor">
+                  <a:schemeClr val="dk1"/>
+                </a:fontRef>
+              </p:style>
+              <p:txBody>
+                <a:bodyPr rtlCol="0" anchor="ctr"/>
+                <a:lstStyle/>
+                <a:p>
+                  <a:pPr algn="ctr"/>
+                  <a:endParaRPr lang="es-ES"/>
+                </a:p>
+              </p:txBody>
+            </p:sp>
+            <p:sp>
+              <p:nvSpPr>
+                <p:cNvPr id="261" name="Rectangle 260"/>
+                <p:cNvSpPr/>
+                <p:nvPr/>
+              </p:nvSpPr>
+              <p:spPr>
+                <a:xfrm>
+                  <a:off x="4906456" y="1613385"/>
+                  <a:ext cx="1231518" cy="71977"/>
+                </a:xfrm>
+                <a:prstGeom prst="rect">
+                  <a:avLst/>
+                </a:prstGeom>
+                <a:solidFill>
+                  <a:schemeClr val="bg2"/>
+                </a:solidFill>
+                <a:ln w="3175">
+                  <a:noFill/>
+                </a:ln>
+              </p:spPr>
+              <p:style>
+                <a:lnRef idx="2">
+                  <a:schemeClr val="dk1"/>
+                </a:lnRef>
+                <a:fillRef idx="1">
+                  <a:schemeClr val="lt1"/>
+                </a:fillRef>
+                <a:effectRef idx="0">
+                  <a:schemeClr val="dk1"/>
+                </a:effectRef>
+                <a:fontRef idx="minor">
+                  <a:schemeClr val="dk1"/>
+                </a:fontRef>
+              </p:style>
+              <p:txBody>
+                <a:bodyPr rtlCol="0" anchor="ctr"/>
+                <a:lstStyle/>
+                <a:p>
+                  <a:pPr algn="ctr"/>
+                  <a:endParaRPr lang="es-ES"/>
+                </a:p>
+              </p:txBody>
+            </p:sp>
+          </p:grpSp>
+        </p:grpSp>
+        <p:sp>
+          <p:nvSpPr>
+            <p:cNvPr id="7" name="Rectángulo 6"/>
+            <p:cNvSpPr/>
+            <p:nvPr/>
+          </p:nvSpPr>
+          <p:spPr>
+            <a:xfrm>
+              <a:off x="844536" y="4337201"/>
+              <a:ext cx="1230828" cy="530634"/>
+            </a:xfrm>
+            <a:prstGeom prst="rect">
+              <a:avLst/>
+            </a:prstGeom>
+          </p:spPr>
+          <p:style>
+            <a:lnRef idx="0">
+              <a:schemeClr val="accent1"/>
+            </a:lnRef>
+            <a:fillRef idx="3">
+              <a:schemeClr val="accent1"/>
+            </a:fillRef>
+            <a:effectRef idx="3">
+              <a:schemeClr val="accent1"/>
+            </a:effectRef>
+            <a:fontRef idx="minor">
+              <a:schemeClr val="lt1"/>
+            </a:fontRef>
+          </p:style>
+          <p:txBody>
+            <a:bodyPr rtlCol="0" anchor="ctr"/>
+            <a:lstStyle/>
+            <a:p>
+              <a:pPr algn="ctr"/>
+              <a:r>
+                <a:rPr lang="es-ES" sz="1000" b="1" dirty="0"/>
+                <a:t>Data Manager</a:t>
+              </a:r>
+            </a:p>
+            <a:p>
+              <a:pPr algn="ctr"/>
+              <a:endParaRPr lang="es-ES" sz="1000" dirty="0"/>
+            </a:p>
+            <a:p>
+              <a:pPr algn="ctr"/>
+              <a:r>
+                <a:rPr lang="es-ES" sz="800" dirty="0" err="1"/>
+                <a:t>DataMng</a:t>
+              </a:r>
+              <a:endParaRPr lang="es-ES" sz="800" dirty="0"/>
+            </a:p>
+          </p:txBody>
+        </p:sp>
+      </p:grpSp>
+      <p:grpSp>
+        <p:nvGrpSpPr>
+          <p:cNvPr id="115" name="Group 114"/>
+          <p:cNvGrpSpPr/>
+          <p:nvPr/>
+        </p:nvGrpSpPr>
+        <p:grpSpPr>
+          <a:xfrm>
+            <a:off x="3443187" y="4916279"/>
+            <a:ext cx="1232409" cy="533850"/>
+            <a:chOff x="5498639" y="4337201"/>
+            <a:chExt cx="1232409" cy="533850"/>
+          </a:xfrm>
+        </p:grpSpPr>
+        <p:grpSp>
+          <p:nvGrpSpPr>
+            <p:cNvPr id="201" name="Group 200"/>
+            <p:cNvGrpSpPr/>
+            <p:nvPr/>
+          </p:nvGrpSpPr>
+          <p:grpSpPr>
+            <a:xfrm>
+              <a:off x="5499530" y="4340417"/>
+              <a:ext cx="1231518" cy="530634"/>
+              <a:chOff x="4906456" y="1214806"/>
+              <a:chExt cx="1231518" cy="530634"/>
+            </a:xfrm>
+          </p:grpSpPr>
+          <p:grpSp>
+            <p:nvGrpSpPr>
+              <p:cNvPr id="202" name="Group 201"/>
+              <p:cNvGrpSpPr/>
+              <p:nvPr/>
+            </p:nvGrpSpPr>
+            <p:grpSpPr>
+              <a:xfrm>
+                <a:off x="4944656" y="1214806"/>
+                <a:ext cx="1155118" cy="530634"/>
+                <a:chOff x="4932574" y="1214806"/>
+                <a:chExt cx="1155118" cy="530634"/>
+              </a:xfrm>
+            </p:grpSpPr>
+            <p:sp>
+              <p:nvSpPr>
+                <p:cNvPr id="208" name="Rectangle 207"/>
+                <p:cNvSpPr/>
+                <p:nvPr/>
+              </p:nvSpPr>
+              <p:spPr>
+                <a:xfrm>
+                  <a:off x="5132409" y="1214806"/>
+                  <a:ext cx="155944" cy="530634"/>
+                </a:xfrm>
+                <a:prstGeom prst="rect">
+                  <a:avLst/>
+                </a:prstGeom>
+                <a:solidFill>
+                  <a:schemeClr val="bg2"/>
+                </a:solidFill>
+                <a:ln w="3175">
+                  <a:noFill/>
+                </a:ln>
+              </p:spPr>
+              <p:style>
+                <a:lnRef idx="2">
+                  <a:schemeClr val="dk1"/>
+                </a:lnRef>
+                <a:fillRef idx="1">
+                  <a:schemeClr val="lt1"/>
+                </a:fillRef>
+                <a:effectRef idx="0">
+                  <a:schemeClr val="dk1"/>
+                </a:effectRef>
+                <a:fontRef idx="minor">
+                  <a:schemeClr val="dk1"/>
+                </a:fontRef>
+              </p:style>
+              <p:txBody>
+                <a:bodyPr rtlCol="0" anchor="ctr"/>
+                <a:lstStyle/>
+                <a:p>
+                  <a:pPr algn="ctr"/>
+                  <a:endParaRPr lang="es-ES"/>
+                </a:p>
+              </p:txBody>
+            </p:sp>
+            <p:sp>
+              <p:nvSpPr>
+                <p:cNvPr id="209" name="Rectangle 208"/>
+                <p:cNvSpPr/>
+                <p:nvPr/>
+              </p:nvSpPr>
+              <p:spPr>
+                <a:xfrm>
+                  <a:off x="5731914" y="1214806"/>
+                  <a:ext cx="155944" cy="530634"/>
+                </a:xfrm>
+                <a:prstGeom prst="rect">
+                  <a:avLst/>
+                </a:prstGeom>
+                <a:solidFill>
+                  <a:schemeClr val="bg2"/>
+                </a:solidFill>
+                <a:ln w="3175">
+                  <a:noFill/>
+                </a:ln>
+              </p:spPr>
+              <p:style>
+                <a:lnRef idx="2">
+                  <a:schemeClr val="dk1"/>
+                </a:lnRef>
+                <a:fillRef idx="1">
+                  <a:schemeClr val="lt1"/>
+                </a:fillRef>
+                <a:effectRef idx="0">
+                  <a:schemeClr val="dk1"/>
+                </a:effectRef>
+                <a:fontRef idx="minor">
+                  <a:schemeClr val="dk1"/>
+                </a:fontRef>
+              </p:style>
+              <p:txBody>
+                <a:bodyPr rtlCol="0" anchor="ctr"/>
+                <a:lstStyle/>
+                <a:p>
+                  <a:pPr algn="ctr"/>
+                  <a:endParaRPr lang="es-ES"/>
+                </a:p>
+              </p:txBody>
+            </p:sp>
+            <p:sp>
+              <p:nvSpPr>
+                <p:cNvPr id="210" name="Rectangle 209"/>
+                <p:cNvSpPr/>
+                <p:nvPr/>
+              </p:nvSpPr>
+              <p:spPr>
+                <a:xfrm>
+                  <a:off x="5332244" y="1214806"/>
+                  <a:ext cx="155944" cy="530634"/>
+                </a:xfrm>
+                <a:prstGeom prst="rect">
+                  <a:avLst/>
+                </a:prstGeom>
+                <a:solidFill>
+                  <a:schemeClr val="bg2"/>
+                </a:solidFill>
+                <a:ln w="3175">
+                  <a:noFill/>
+                </a:ln>
+              </p:spPr>
+              <p:style>
+                <a:lnRef idx="2">
+                  <a:schemeClr val="dk1"/>
+                </a:lnRef>
+                <a:fillRef idx="1">
+                  <a:schemeClr val="lt1"/>
+                </a:fillRef>
+                <a:effectRef idx="0">
+                  <a:schemeClr val="dk1"/>
+                </a:effectRef>
+                <a:fontRef idx="minor">
+                  <a:schemeClr val="dk1"/>
+                </a:fontRef>
+              </p:style>
+              <p:txBody>
+                <a:bodyPr rtlCol="0" anchor="ctr"/>
+                <a:lstStyle/>
+                <a:p>
+                  <a:pPr algn="ctr"/>
+                  <a:endParaRPr lang="es-ES"/>
+                </a:p>
+              </p:txBody>
+            </p:sp>
+            <p:sp>
+              <p:nvSpPr>
+                <p:cNvPr id="211" name="Rectangle 210"/>
+                <p:cNvSpPr/>
+                <p:nvPr/>
+              </p:nvSpPr>
+              <p:spPr>
+                <a:xfrm>
+                  <a:off x="5931748" y="1214806"/>
+                  <a:ext cx="155944" cy="530634"/>
+                </a:xfrm>
+                <a:prstGeom prst="rect">
+                  <a:avLst/>
+                </a:prstGeom>
+                <a:solidFill>
+                  <a:schemeClr val="bg2"/>
+                </a:solidFill>
+                <a:ln w="3175">
+                  <a:noFill/>
+                </a:ln>
+              </p:spPr>
+              <p:style>
+                <a:lnRef idx="2">
+                  <a:schemeClr val="dk1"/>
+                </a:lnRef>
+                <a:fillRef idx="1">
+                  <a:schemeClr val="lt1"/>
+                </a:fillRef>
+                <a:effectRef idx="0">
+                  <a:schemeClr val="dk1"/>
+                </a:effectRef>
+                <a:fontRef idx="minor">
+                  <a:schemeClr val="dk1"/>
+                </a:fontRef>
+              </p:style>
+              <p:txBody>
+                <a:bodyPr rtlCol="0" anchor="ctr"/>
+                <a:lstStyle/>
+                <a:p>
+                  <a:pPr algn="ctr"/>
+                  <a:endParaRPr lang="es-ES"/>
+                </a:p>
+              </p:txBody>
+            </p:sp>
+            <p:sp>
+              <p:nvSpPr>
+                <p:cNvPr id="212" name="Rectangle 211"/>
+                <p:cNvSpPr/>
+                <p:nvPr/>
+              </p:nvSpPr>
+              <p:spPr>
+                <a:xfrm>
+                  <a:off x="4932574" y="1214806"/>
+                  <a:ext cx="155944" cy="530634"/>
+                </a:xfrm>
+                <a:prstGeom prst="rect">
+                  <a:avLst/>
+                </a:prstGeom>
+                <a:solidFill>
+                  <a:schemeClr val="bg2"/>
+                </a:solidFill>
+                <a:ln w="3175">
+                  <a:noFill/>
+                </a:ln>
+              </p:spPr>
+              <p:style>
+                <a:lnRef idx="2">
+                  <a:schemeClr val="dk1"/>
+                </a:lnRef>
+                <a:fillRef idx="1">
+                  <a:schemeClr val="lt1"/>
+                </a:fillRef>
+                <a:effectRef idx="0">
+                  <a:schemeClr val="dk1"/>
+                </a:effectRef>
+                <a:fontRef idx="minor">
+                  <a:schemeClr val="dk1"/>
+                </a:fontRef>
+              </p:style>
+              <p:txBody>
+                <a:bodyPr rtlCol="0" anchor="ctr"/>
+                <a:lstStyle/>
+                <a:p>
+                  <a:pPr algn="ctr"/>
+                  <a:endParaRPr lang="es-ES"/>
+                </a:p>
+              </p:txBody>
+            </p:sp>
+            <p:sp>
+              <p:nvSpPr>
+                <p:cNvPr id="213" name="Rectangle 212"/>
+                <p:cNvSpPr/>
+                <p:nvPr/>
+              </p:nvSpPr>
+              <p:spPr>
+                <a:xfrm>
+                  <a:off x="5532079" y="1214806"/>
+                  <a:ext cx="155944" cy="530634"/>
+                </a:xfrm>
+                <a:prstGeom prst="rect">
+                  <a:avLst/>
+                </a:prstGeom>
+                <a:solidFill>
+                  <a:schemeClr val="bg2"/>
+                </a:solidFill>
+                <a:ln w="3175">
+                  <a:noFill/>
+                </a:ln>
+              </p:spPr>
+              <p:style>
+                <a:lnRef idx="2">
+                  <a:schemeClr val="dk1"/>
+                </a:lnRef>
+                <a:fillRef idx="1">
+                  <a:schemeClr val="lt1"/>
+                </a:fillRef>
+                <a:effectRef idx="0">
+                  <a:schemeClr val="dk1"/>
+                </a:effectRef>
+                <a:fontRef idx="minor">
+                  <a:schemeClr val="dk1"/>
+                </a:fontRef>
+              </p:style>
+              <p:txBody>
+                <a:bodyPr rtlCol="0" anchor="ctr"/>
+                <a:lstStyle/>
+                <a:p>
+                  <a:pPr algn="ctr"/>
+                  <a:endParaRPr lang="es-ES"/>
+                </a:p>
+              </p:txBody>
+            </p:sp>
+          </p:grpSp>
+          <p:grpSp>
+            <p:nvGrpSpPr>
+              <p:cNvPr id="203" name="Group 202"/>
+              <p:cNvGrpSpPr/>
+              <p:nvPr/>
+            </p:nvGrpSpPr>
+            <p:grpSpPr>
+              <a:xfrm>
+                <a:off x="4906456" y="1279287"/>
+                <a:ext cx="1231518" cy="401672"/>
+                <a:chOff x="4906456" y="1283690"/>
+                <a:chExt cx="1231518" cy="401672"/>
+              </a:xfrm>
+            </p:grpSpPr>
+            <p:sp>
+              <p:nvSpPr>
+                <p:cNvPr id="204" name="Rectangle 203"/>
+                <p:cNvSpPr/>
+                <p:nvPr/>
+              </p:nvSpPr>
+              <p:spPr>
+                <a:xfrm>
+                  <a:off x="4906456" y="1283690"/>
+                  <a:ext cx="1231518" cy="71977"/>
+                </a:xfrm>
+                <a:prstGeom prst="rect">
+                  <a:avLst/>
+                </a:prstGeom>
+                <a:solidFill>
+                  <a:schemeClr val="bg2"/>
+                </a:solidFill>
+                <a:ln w="3175">
+                  <a:noFill/>
+                </a:ln>
+              </p:spPr>
+              <p:style>
+                <a:lnRef idx="2">
+                  <a:schemeClr val="dk1"/>
+                </a:lnRef>
+                <a:fillRef idx="1">
+                  <a:schemeClr val="lt1"/>
+                </a:fillRef>
+                <a:effectRef idx="0">
+                  <a:schemeClr val="dk1"/>
+                </a:effectRef>
+                <a:fontRef idx="minor">
+                  <a:schemeClr val="dk1"/>
+                </a:fontRef>
+              </p:style>
+              <p:txBody>
+                <a:bodyPr rtlCol="0" anchor="ctr"/>
+                <a:lstStyle/>
+                <a:p>
+                  <a:pPr algn="ctr"/>
+                  <a:endParaRPr lang="es-ES"/>
+                </a:p>
+              </p:txBody>
+            </p:sp>
+            <p:sp>
+              <p:nvSpPr>
+                <p:cNvPr id="205" name="Rectangle 204"/>
+                <p:cNvSpPr/>
+                <p:nvPr/>
+              </p:nvSpPr>
+              <p:spPr>
+                <a:xfrm>
+                  <a:off x="4906456" y="1532962"/>
+                  <a:ext cx="1231518" cy="71977"/>
+                </a:xfrm>
+                <a:prstGeom prst="rect">
+                  <a:avLst/>
+                </a:prstGeom>
+                <a:solidFill>
+                  <a:schemeClr val="bg2"/>
+                </a:solidFill>
+                <a:ln w="3175">
+                  <a:noFill/>
+                </a:ln>
+              </p:spPr>
+              <p:style>
+                <a:lnRef idx="2">
+                  <a:schemeClr val="dk1"/>
+                </a:lnRef>
+                <a:fillRef idx="1">
+                  <a:schemeClr val="lt1"/>
+                </a:fillRef>
+                <a:effectRef idx="0">
+                  <a:schemeClr val="dk1"/>
+                </a:effectRef>
+                <a:fontRef idx="minor">
+                  <a:schemeClr val="dk1"/>
+                </a:fontRef>
+              </p:style>
+              <p:txBody>
+                <a:bodyPr rtlCol="0" anchor="ctr"/>
+                <a:lstStyle/>
+                <a:p>
+                  <a:pPr algn="ctr"/>
+                  <a:endParaRPr lang="es-ES"/>
+                </a:p>
+              </p:txBody>
+            </p:sp>
+            <p:sp>
+              <p:nvSpPr>
+                <p:cNvPr id="206" name="Rectangle 205"/>
+                <p:cNvSpPr/>
+                <p:nvPr/>
+              </p:nvSpPr>
+              <p:spPr>
+                <a:xfrm>
+                  <a:off x="4906456" y="1364113"/>
+                  <a:ext cx="1231518" cy="71977"/>
+                </a:xfrm>
+                <a:prstGeom prst="rect">
+                  <a:avLst/>
+                </a:prstGeom>
+                <a:solidFill>
+                  <a:schemeClr val="bg2"/>
+                </a:solidFill>
+                <a:ln w="3175">
+                  <a:noFill/>
+                </a:ln>
+              </p:spPr>
+              <p:style>
+                <a:lnRef idx="2">
+                  <a:schemeClr val="dk1"/>
+                </a:lnRef>
+                <a:fillRef idx="1">
+                  <a:schemeClr val="lt1"/>
+                </a:fillRef>
+                <a:effectRef idx="0">
+                  <a:schemeClr val="dk1"/>
+                </a:effectRef>
+                <a:fontRef idx="minor">
+                  <a:schemeClr val="dk1"/>
+                </a:fontRef>
+              </p:style>
+              <p:txBody>
+                <a:bodyPr rtlCol="0" anchor="ctr"/>
+                <a:lstStyle/>
+                <a:p>
+                  <a:pPr algn="ctr"/>
+                  <a:endParaRPr lang="es-ES"/>
+                </a:p>
+              </p:txBody>
+            </p:sp>
+            <p:sp>
+              <p:nvSpPr>
+                <p:cNvPr id="207" name="Rectangle 206"/>
+                <p:cNvSpPr/>
+                <p:nvPr/>
+              </p:nvSpPr>
+              <p:spPr>
+                <a:xfrm>
+                  <a:off x="4906456" y="1613385"/>
+                  <a:ext cx="1231518" cy="71977"/>
+                </a:xfrm>
+                <a:prstGeom prst="rect">
+                  <a:avLst/>
+                </a:prstGeom>
+                <a:solidFill>
+                  <a:schemeClr val="bg2"/>
+                </a:solidFill>
+                <a:ln w="3175">
+                  <a:noFill/>
+                </a:ln>
+              </p:spPr>
+              <p:style>
+                <a:lnRef idx="2">
+                  <a:schemeClr val="dk1"/>
+                </a:lnRef>
+                <a:fillRef idx="1">
+                  <a:schemeClr val="lt1"/>
+                </a:fillRef>
+                <a:effectRef idx="0">
+                  <a:schemeClr val="dk1"/>
+                </a:effectRef>
+                <a:fontRef idx="minor">
+                  <a:schemeClr val="dk1"/>
+                </a:fontRef>
+              </p:style>
+              <p:txBody>
+                <a:bodyPr rtlCol="0" anchor="ctr"/>
+                <a:lstStyle/>
+                <a:p>
+                  <a:pPr algn="ctr"/>
+                  <a:endParaRPr lang="es-ES"/>
+                </a:p>
+              </p:txBody>
+            </p:sp>
+          </p:grpSp>
+        </p:grpSp>
+        <p:sp>
+          <p:nvSpPr>
+            <p:cNvPr id="9" name="Rectángulo 8"/>
+            <p:cNvSpPr/>
+            <p:nvPr/>
+          </p:nvSpPr>
+          <p:spPr>
+            <a:xfrm>
+              <a:off x="5498639" y="4337201"/>
+              <a:ext cx="1230828" cy="530634"/>
+            </a:xfrm>
+            <a:prstGeom prst="rect">
+              <a:avLst/>
+            </a:prstGeom>
+            <a:solidFill>
+              <a:schemeClr val="accent5">
+                <a:lumMod val="75000"/>
+              </a:schemeClr>
+            </a:solidFill>
+          </p:spPr>
+          <p:style>
+            <a:lnRef idx="0">
+              <a:schemeClr val="accent1"/>
+            </a:lnRef>
+            <a:fillRef idx="3">
+              <a:schemeClr val="accent1"/>
+            </a:fillRef>
+            <a:effectRef idx="3">
+              <a:schemeClr val="accent1"/>
+            </a:effectRef>
+            <a:fontRef idx="minor">
+              <a:schemeClr val="lt1"/>
+            </a:fontRef>
+          </p:style>
+          <p:txBody>
+            <a:bodyPr rtlCol="0" anchor="ctr"/>
+            <a:lstStyle/>
+            <a:p>
+              <a:pPr algn="ctr"/>
+              <a:r>
+                <a:rPr lang="es-ES" sz="1000" b="1"/>
+                <a:t>Task Manager</a:t>
+              </a:r>
+            </a:p>
+            <a:p>
+              <a:pPr algn="ctr"/>
+              <a:endParaRPr lang="es-ES" sz="1000"/>
+            </a:p>
+            <a:p>
+              <a:pPr algn="ctr"/>
+              <a:r>
+                <a:rPr lang="es-ES" sz="800"/>
+                <a:t>TaskMng</a:t>
+              </a:r>
+            </a:p>
+          </p:txBody>
+        </p:sp>
+      </p:grpSp>
+      <p:cxnSp>
+        <p:nvCxnSpPr>
+          <p:cNvPr id="42" name="Conector angular 41"/>
+          <p:cNvCxnSpPr>
+            <a:stCxn id="118" idx="1"/>
+            <a:endCxn id="171" idx="1"/>
+          </p:cNvCxnSpPr>
+          <p:nvPr/>
+        </p:nvCxnSpPr>
+        <p:spPr>
+          <a:xfrm rot="10800000" flipV="1">
+            <a:off x="1105347" y="1704756"/>
+            <a:ext cx="1348" cy="1547902"/>
+          </a:xfrm>
+          <a:prstGeom prst="bentConnector3">
+            <a:avLst>
+              <a:gd name="adj1" fmla="val 17058457"/>
+            </a:avLst>
+          </a:prstGeom>
+          <a:ln w="6350">
+            <a:solidFill>
+              <a:schemeClr val="accent6">
+                <a:lumMod val="40000"/>
+                <a:lumOff val="60000"/>
+              </a:schemeClr>
+            </a:solidFill>
+            <a:tailEnd type="stealth"/>
+          </a:ln>
+        </p:spPr>
+        <p:style>
+          <a:lnRef idx="1">
+            <a:schemeClr val="accent4"/>
+          </a:lnRef>
+          <a:fillRef idx="0">
+            <a:schemeClr val="accent4"/>
+          </a:fillRef>
+          <a:effectRef idx="0">
+            <a:schemeClr val="accent4"/>
+          </a:effectRef>
+          <a:fontRef idx="minor">
+            <a:schemeClr val="tx1"/>
+          </a:fontRef>
+        </p:style>
+      </p:cxnSp>
+      <p:cxnSp>
+        <p:nvCxnSpPr>
+          <p:cNvPr id="49" name="Conector recto de flecha 48"/>
+          <p:cNvCxnSpPr>
+            <a:stCxn id="245" idx="3"/>
+            <a:endCxn id="260" idx="1"/>
+          </p:cNvCxnSpPr>
+          <p:nvPr/>
+        </p:nvCxnSpPr>
+        <p:spPr>
+          <a:xfrm>
+            <a:off x="2340412" y="4113219"/>
+            <a:ext cx="1103220" cy="38"/>
+          </a:xfrm>
+          <a:prstGeom prst="bentConnector3">
+            <a:avLst>
+              <a:gd name="adj1" fmla="val 50000"/>
+            </a:avLst>
+          </a:prstGeom>
+          <a:ln w="6350">
+            <a:solidFill>
+              <a:schemeClr val="tx1">
+                <a:lumMod val="95000"/>
+              </a:schemeClr>
+            </a:solidFill>
+            <a:headEnd type="stealth"/>
+            <a:tailEnd type="none"/>
+          </a:ln>
+        </p:spPr>
+        <p:style>
+          <a:lnRef idx="1">
+            <a:schemeClr val="accent4"/>
+          </a:lnRef>
+          <a:fillRef idx="0">
+            <a:schemeClr val="accent4"/>
+          </a:fillRef>
+          <a:effectRef idx="0">
+            <a:schemeClr val="accent4"/>
+          </a:effectRef>
+          <a:fontRef idx="minor">
+            <a:schemeClr val="tx1"/>
+          </a:fontRef>
+        </p:style>
+      </p:cxnSp>
+      <p:cxnSp>
+        <p:nvCxnSpPr>
+          <p:cNvPr id="50" name="Conector recto de flecha 49"/>
+          <p:cNvCxnSpPr>
+            <a:stCxn id="261" idx="1"/>
+            <a:endCxn id="246" idx="3"/>
+          </p:cNvCxnSpPr>
+          <p:nvPr/>
+        </p:nvCxnSpPr>
+        <p:spPr>
+          <a:xfrm rot="10800000">
+            <a:off x="2340412" y="4362491"/>
+            <a:ext cx="1103220" cy="38"/>
+          </a:xfrm>
+          <a:prstGeom prst="bentConnector3">
+            <a:avLst>
+              <a:gd name="adj1" fmla="val 50000"/>
+            </a:avLst>
+          </a:prstGeom>
+          <a:ln w="6350">
+            <a:solidFill>
+              <a:srgbClr val="00B050"/>
+            </a:solidFill>
+            <a:headEnd type="stealth"/>
+            <a:tailEnd type="none"/>
+          </a:ln>
+        </p:spPr>
+        <p:style>
+          <a:lnRef idx="1">
+            <a:schemeClr val="accent4"/>
+          </a:lnRef>
+          <a:fillRef idx="0">
+            <a:schemeClr val="accent4"/>
+          </a:fillRef>
+          <a:effectRef idx="0">
+            <a:schemeClr val="accent4"/>
+          </a:effectRef>
+          <a:fontRef idx="minor">
+            <a:schemeClr val="tx1"/>
+          </a:fontRef>
+        </p:style>
+      </p:cxnSp>
+      <p:cxnSp>
+        <p:nvCxnSpPr>
+          <p:cNvPr id="57" name="Conector angular 56"/>
+          <p:cNvCxnSpPr>
+            <a:stCxn id="204" idx="3"/>
+            <a:endCxn id="218" idx="1"/>
+          </p:cNvCxnSpPr>
+          <p:nvPr/>
+        </p:nvCxnSpPr>
+        <p:spPr>
+          <a:xfrm flipV="1">
+            <a:off x="4675596" y="4991307"/>
+            <a:ext cx="1249057" cy="28658"/>
+          </a:xfrm>
+          <a:prstGeom prst="bentConnector3">
+            <a:avLst>
+              <a:gd name="adj1" fmla="val 39515"/>
+            </a:avLst>
+          </a:prstGeom>
+          <a:ln w="6350">
+            <a:solidFill>
+              <a:srgbClr val="00B050"/>
+            </a:solidFill>
+            <a:headEnd type="none"/>
+            <a:tailEnd type="stealth"/>
+          </a:ln>
+        </p:spPr>
+        <p:style>
+          <a:lnRef idx="1">
+            <a:schemeClr val="accent4"/>
+          </a:lnRef>
+          <a:fillRef idx="0">
+            <a:schemeClr val="accent4"/>
+          </a:fillRef>
+          <a:effectRef idx="0">
+            <a:schemeClr val="accent4"/>
+          </a:effectRef>
+          <a:fontRef idx="minor">
+            <a:schemeClr val="tx1"/>
+          </a:fontRef>
+        </p:style>
+      </p:cxnSp>
+      <p:cxnSp>
+        <p:nvCxnSpPr>
+          <p:cNvPr id="60" name="Conector angular 59"/>
+          <p:cNvCxnSpPr>
+            <a:stCxn id="205" idx="3"/>
+            <a:endCxn id="222" idx="1"/>
+          </p:cNvCxnSpPr>
+          <p:nvPr/>
+        </p:nvCxnSpPr>
+        <p:spPr>
+          <a:xfrm>
+            <a:off x="4675596" y="5269237"/>
+            <a:ext cx="1249057" cy="660080"/>
+          </a:xfrm>
+          <a:prstGeom prst="bentConnector3">
+            <a:avLst>
+              <a:gd name="adj1" fmla="val 50000"/>
+            </a:avLst>
+          </a:prstGeom>
+          <a:ln w="6350">
+            <a:solidFill>
+              <a:srgbClr val="00B050"/>
+            </a:solidFill>
+            <a:headEnd type="none"/>
+            <a:tailEnd type="stealth"/>
+          </a:ln>
+        </p:spPr>
+        <p:style>
+          <a:lnRef idx="1">
+            <a:schemeClr val="accent4"/>
+          </a:lnRef>
+          <a:fillRef idx="0">
+            <a:schemeClr val="accent4"/>
+          </a:fillRef>
+          <a:effectRef idx="0">
+            <a:schemeClr val="accent4"/>
+          </a:effectRef>
+          <a:fontRef idx="minor">
+            <a:schemeClr val="tx1"/>
+          </a:fontRef>
+        </p:style>
+      </p:cxnSp>
+      <p:cxnSp>
+        <p:nvCxnSpPr>
+          <p:cNvPr id="78" name="Conector recto de flecha 77"/>
+          <p:cNvCxnSpPr>
+            <a:stCxn id="3" idx="2"/>
+            <a:endCxn id="8" idx="0"/>
+          </p:cNvCxnSpPr>
+          <p:nvPr/>
+        </p:nvCxnSpPr>
+        <p:spPr>
+          <a:xfrm flipH="1">
+            <a:off x="1720735" y="3682822"/>
+            <a:ext cx="4236" cy="326719"/>
+          </a:xfrm>
+          <a:prstGeom prst="straightConnector1">
+            <a:avLst/>
+          </a:prstGeom>
+          <a:ln w="6350">
+            <a:solidFill>
+              <a:srgbClr val="FF0000"/>
+            </a:solidFill>
+            <a:tailEnd type="stealth"/>
+          </a:ln>
+        </p:spPr>
+        <p:style>
+          <a:lnRef idx="1">
+            <a:schemeClr val="accent4"/>
+          </a:lnRef>
+          <a:fillRef idx="0">
+            <a:schemeClr val="accent4"/>
+          </a:fillRef>
+          <a:effectRef idx="0">
+            <a:schemeClr val="accent4"/>
+          </a:effectRef>
+          <a:fontRef idx="minor">
+            <a:schemeClr val="tx1"/>
+          </a:fontRef>
+        </p:style>
+      </p:cxnSp>
+      <p:sp>
+        <p:nvSpPr>
+          <p:cNvPr id="80" name="CuadroTexto 79"/>
+          <p:cNvSpPr txBox="1"/>
+          <p:nvPr/>
+        </p:nvSpPr>
+        <p:spPr>
+          <a:xfrm>
+            <a:off x="1407732" y="2911513"/>
+            <a:ext cx="447558" cy="184666"/>
           </a:xfrm>
           <a:prstGeom prst="rect">
             <a:avLst/>
           </a:prstGeom>
-          <a:solidFill>
-            <a:srgbClr val="3366FF"/>
-          </a:solidFill>
+          <a:noFill/>
+        </p:spPr>
+        <p:txBody>
+          <a:bodyPr wrap="none" rtlCol="0">
+            <a:spAutoFit/>
+          </a:bodyPr>
+          <a:lstStyle/>
+          <a:p>
+            <a:r>
+              <a:rPr lang="es-ES" sz="600" dirty="0" smtClean="0"/>
+              <a:t>INDATA</a:t>
+            </a:r>
+            <a:endParaRPr lang="es-ES" sz="600" dirty="0"/>
+          </a:p>
+        </p:txBody>
+      </p:sp>
+      <p:sp>
+        <p:nvSpPr>
+          <p:cNvPr id="81" name="CuadroTexto 80"/>
+          <p:cNvSpPr txBox="1"/>
+          <p:nvPr/>
+        </p:nvSpPr>
+        <p:spPr>
+          <a:xfrm>
+            <a:off x="2818369" y="2908733"/>
+            <a:ext cx="643125" cy="184666"/>
+          </a:xfrm>
+          <a:prstGeom prst="rect">
+            <a:avLst/>
+          </a:prstGeom>
+          <a:noFill/>
+          <a:ln>
+            <a:noFill/>
+          </a:ln>
+        </p:spPr>
+        <p:txBody>
+          <a:bodyPr wrap="none" rtlCol="0">
+            <a:spAutoFit/>
+          </a:bodyPr>
+          <a:lstStyle/>
+          <a:p>
+            <a:r>
+              <a:rPr lang="es-ES" sz="600" dirty="0"/>
+              <a:t>START / </a:t>
+            </a:r>
+            <a:r>
+              <a:rPr lang="es-ES" sz="600" dirty="0" smtClean="0"/>
+              <a:t>STOP</a:t>
+            </a:r>
+            <a:endParaRPr lang="es-ES" sz="600" dirty="0"/>
+          </a:p>
+        </p:txBody>
+      </p:sp>
+      <p:sp>
+        <p:nvSpPr>
+          <p:cNvPr id="82" name="CuadroTexto 81"/>
+          <p:cNvSpPr txBox="1"/>
+          <p:nvPr/>
+        </p:nvSpPr>
+        <p:spPr>
+          <a:xfrm>
+            <a:off x="1678619" y="1914302"/>
+            <a:ext cx="643125" cy="184666"/>
+          </a:xfrm>
+          <a:prstGeom prst="rect">
+            <a:avLst/>
+          </a:prstGeom>
+          <a:noFill/>
+        </p:spPr>
+        <p:txBody>
+          <a:bodyPr wrap="none" rtlCol="0">
+            <a:spAutoFit/>
+          </a:bodyPr>
+          <a:lstStyle/>
+          <a:p>
+            <a:pPr algn="ctr"/>
+            <a:r>
+              <a:rPr lang="es-ES" sz="600" dirty="0"/>
+              <a:t>START / </a:t>
+            </a:r>
+            <a:r>
+              <a:rPr lang="es-ES" sz="600" dirty="0" smtClean="0"/>
+              <a:t>STOP</a:t>
+            </a:r>
+            <a:endParaRPr lang="es-ES" sz="600" dirty="0"/>
+          </a:p>
+        </p:txBody>
+      </p:sp>
+      <p:sp>
+        <p:nvSpPr>
+          <p:cNvPr id="84" name="CuadroTexto 83"/>
+          <p:cNvSpPr txBox="1"/>
+          <p:nvPr/>
+        </p:nvSpPr>
+        <p:spPr>
+          <a:xfrm>
+            <a:off x="1743346" y="3737477"/>
+            <a:ext cx="643125" cy="184666"/>
+          </a:xfrm>
+          <a:prstGeom prst="rect">
+            <a:avLst/>
+          </a:prstGeom>
+          <a:noFill/>
+        </p:spPr>
+        <p:txBody>
+          <a:bodyPr wrap="none" rtlCol="0">
+            <a:spAutoFit/>
+          </a:bodyPr>
+          <a:lstStyle/>
+          <a:p>
+            <a:pPr algn="r"/>
+            <a:r>
+              <a:rPr lang="es-ES" sz="600" dirty="0"/>
+              <a:t>START / </a:t>
+            </a:r>
+            <a:r>
+              <a:rPr lang="es-ES" sz="600" dirty="0" smtClean="0"/>
+              <a:t>STOP</a:t>
+            </a:r>
+            <a:endParaRPr lang="es-ES" sz="600" dirty="0"/>
+          </a:p>
+        </p:txBody>
+      </p:sp>
+      <p:sp>
+        <p:nvSpPr>
+          <p:cNvPr id="86" name="CuadroTexto 85"/>
+          <p:cNvSpPr txBox="1"/>
+          <p:nvPr/>
+        </p:nvSpPr>
+        <p:spPr>
+          <a:xfrm>
+            <a:off x="336137" y="3287282"/>
+            <a:ext cx="643125" cy="184666"/>
+          </a:xfrm>
+          <a:prstGeom prst="rect">
+            <a:avLst/>
+          </a:prstGeom>
+          <a:noFill/>
+        </p:spPr>
+        <p:txBody>
+          <a:bodyPr wrap="none" rtlCol="0">
+            <a:spAutoFit/>
+          </a:bodyPr>
+          <a:lstStyle/>
+          <a:p>
+            <a:r>
+              <a:rPr lang="es-ES" sz="600" dirty="0" smtClean="0"/>
+              <a:t>START </a:t>
+            </a:r>
+            <a:r>
+              <a:rPr lang="es-ES" sz="600" dirty="0"/>
+              <a:t>/ </a:t>
+            </a:r>
+            <a:r>
+              <a:rPr lang="es-ES" sz="600" dirty="0" smtClean="0"/>
+              <a:t>STOP</a:t>
+            </a:r>
+            <a:endParaRPr lang="es-ES" sz="600" dirty="0"/>
+          </a:p>
+        </p:txBody>
+      </p:sp>
+      <p:sp>
+        <p:nvSpPr>
+          <p:cNvPr id="87" name="CuadroTexto 86"/>
+          <p:cNvSpPr txBox="1"/>
+          <p:nvPr/>
+        </p:nvSpPr>
+        <p:spPr>
+          <a:xfrm>
+            <a:off x="2335412" y="4072872"/>
+            <a:ext cx="447558" cy="184666"/>
+          </a:xfrm>
+          <a:prstGeom prst="rect">
+            <a:avLst/>
+          </a:prstGeom>
+          <a:noFill/>
+        </p:spPr>
+        <p:txBody>
+          <a:bodyPr wrap="none" rtlCol="0">
+            <a:spAutoFit/>
+          </a:bodyPr>
+          <a:lstStyle/>
+          <a:p>
+            <a:r>
+              <a:rPr lang="es-ES" sz="600" dirty="0" smtClean="0"/>
+              <a:t>INDATA</a:t>
+            </a:r>
+            <a:endParaRPr lang="es-ES" sz="600" dirty="0"/>
+          </a:p>
+        </p:txBody>
+      </p:sp>
+      <p:sp>
+        <p:nvSpPr>
+          <p:cNvPr id="89" name="CuadroTexto 88"/>
+          <p:cNvSpPr txBox="1"/>
+          <p:nvPr/>
+        </p:nvSpPr>
+        <p:spPr>
+          <a:xfrm>
+            <a:off x="4780016" y="5312368"/>
+            <a:ext cx="484365" cy="184666"/>
+          </a:xfrm>
+          <a:prstGeom prst="rect">
+            <a:avLst/>
+          </a:prstGeom>
+          <a:noFill/>
+        </p:spPr>
+        <p:txBody>
+          <a:bodyPr wrap="none" rtlCol="0">
+            <a:spAutoFit/>
+          </a:bodyPr>
+          <a:lstStyle/>
+          <a:p>
+            <a:r>
+              <a:rPr lang="es-ES" sz="600" dirty="0"/>
+              <a:t>TSK_RES</a:t>
+            </a:r>
+          </a:p>
+        </p:txBody>
+      </p:sp>
+      <p:sp>
+        <p:nvSpPr>
+          <p:cNvPr id="90" name="CuadroTexto 89"/>
+          <p:cNvSpPr txBox="1"/>
+          <p:nvPr/>
+        </p:nvSpPr>
+        <p:spPr>
+          <a:xfrm>
+            <a:off x="5298360" y="4845466"/>
+            <a:ext cx="556563" cy="184666"/>
+          </a:xfrm>
+          <a:prstGeom prst="rect">
+            <a:avLst/>
+          </a:prstGeom>
+          <a:noFill/>
+        </p:spPr>
+        <p:txBody>
+          <a:bodyPr wrap="none" rtlCol="0">
+            <a:spAutoFit/>
+          </a:bodyPr>
+          <a:lstStyle/>
+          <a:p>
+            <a:r>
+              <a:rPr lang="es-ES" sz="600" dirty="0"/>
+              <a:t>TSK_PROC</a:t>
+            </a:r>
+          </a:p>
+        </p:txBody>
+      </p:sp>
+      <p:sp>
+        <p:nvSpPr>
+          <p:cNvPr id="91" name="CuadroTexto 90"/>
+          <p:cNvSpPr txBox="1"/>
+          <p:nvPr/>
+        </p:nvSpPr>
+        <p:spPr>
+          <a:xfrm>
+            <a:off x="590523" y="1555813"/>
+            <a:ext cx="535724" cy="184666"/>
+          </a:xfrm>
+          <a:prstGeom prst="rect">
+            <a:avLst/>
+          </a:prstGeom>
+          <a:noFill/>
+        </p:spPr>
+        <p:txBody>
+          <a:bodyPr wrap="none" rtlCol="0">
+            <a:spAutoFit/>
+          </a:bodyPr>
+          <a:lstStyle/>
+          <a:p>
+            <a:r>
+              <a:rPr lang="es-ES" sz="600" dirty="0" smtClean="0">
+                <a:solidFill>
+                  <a:schemeClr val="bg2">
+                    <a:lumMod val="50000"/>
+                    <a:lumOff val="50000"/>
+                  </a:schemeClr>
+                </a:solidFill>
+              </a:rPr>
+              <a:t>SYSSTART</a:t>
+            </a:r>
+            <a:endParaRPr lang="es-ES" sz="600" dirty="0">
+              <a:solidFill>
+                <a:schemeClr val="bg2">
+                  <a:lumMod val="50000"/>
+                  <a:lumOff val="50000"/>
+                </a:schemeClr>
+              </a:solidFill>
+            </a:endParaRPr>
+          </a:p>
+        </p:txBody>
+      </p:sp>
+      <p:sp>
+        <p:nvSpPr>
+          <p:cNvPr id="92" name="CuadroTexto 91"/>
+          <p:cNvSpPr txBox="1"/>
+          <p:nvPr/>
+        </p:nvSpPr>
+        <p:spPr>
+          <a:xfrm>
+            <a:off x="986719" y="2793526"/>
+            <a:ext cx="498855" cy="184666"/>
+          </a:xfrm>
+          <a:prstGeom prst="rect">
+            <a:avLst/>
+          </a:prstGeom>
+          <a:noFill/>
+        </p:spPr>
+        <p:txBody>
+          <a:bodyPr wrap="none" rtlCol="0">
+            <a:spAutoFit/>
+          </a:bodyPr>
+          <a:lstStyle/>
+          <a:p>
+            <a:r>
+              <a:rPr lang="es-ES" sz="600" dirty="0" smtClean="0">
+                <a:solidFill>
+                  <a:schemeClr val="bg2">
+                    <a:lumMod val="50000"/>
+                    <a:lumOff val="50000"/>
+                  </a:schemeClr>
+                </a:solidFill>
+              </a:rPr>
+              <a:t>SYSSTOP</a:t>
+            </a:r>
+            <a:endParaRPr lang="es-ES" sz="600" dirty="0">
+              <a:solidFill>
+                <a:schemeClr val="bg2">
+                  <a:lumMod val="50000"/>
+                  <a:lumOff val="50000"/>
+                </a:schemeClr>
+              </a:solidFill>
+            </a:endParaRPr>
+          </a:p>
+        </p:txBody>
+      </p:sp>
+      <p:sp>
+        <p:nvSpPr>
+          <p:cNvPr id="93" name="CuadroTexto 92"/>
+          <p:cNvSpPr txBox="1"/>
+          <p:nvPr/>
+        </p:nvSpPr>
+        <p:spPr>
+          <a:xfrm>
+            <a:off x="4034363" y="4675083"/>
+            <a:ext cx="484365" cy="184666"/>
+          </a:xfrm>
+          <a:prstGeom prst="rect">
+            <a:avLst/>
+          </a:prstGeom>
+          <a:noFill/>
+        </p:spPr>
+        <p:txBody>
+          <a:bodyPr wrap="none" rtlCol="0">
+            <a:spAutoFit/>
+          </a:bodyPr>
+          <a:lstStyle/>
+          <a:p>
+            <a:r>
+              <a:rPr lang="es-ES" sz="600" dirty="0"/>
+              <a:t>TSK_RES</a:t>
+            </a:r>
+          </a:p>
+        </p:txBody>
+      </p:sp>
+      <p:sp>
+        <p:nvSpPr>
+          <p:cNvPr id="94" name="CuadroTexto 93"/>
+          <p:cNvSpPr txBox="1"/>
+          <p:nvPr/>
+        </p:nvSpPr>
+        <p:spPr>
+          <a:xfrm>
+            <a:off x="2748920" y="4859749"/>
+            <a:ext cx="556563" cy="184666"/>
+          </a:xfrm>
+          <a:prstGeom prst="rect">
+            <a:avLst/>
+          </a:prstGeom>
+          <a:noFill/>
+        </p:spPr>
+        <p:txBody>
+          <a:bodyPr wrap="none" rtlCol="0">
+            <a:spAutoFit/>
+          </a:bodyPr>
+          <a:lstStyle/>
+          <a:p>
+            <a:r>
+              <a:rPr lang="es-ES" sz="600" dirty="0"/>
+              <a:t>TSK_PROC</a:t>
+            </a:r>
+          </a:p>
+        </p:txBody>
+      </p:sp>
+      <p:sp>
+        <p:nvSpPr>
+          <p:cNvPr id="99" name="CuadroTexto 98"/>
+          <p:cNvSpPr txBox="1"/>
+          <p:nvPr/>
+        </p:nvSpPr>
+        <p:spPr>
+          <a:xfrm>
+            <a:off x="2843406" y="3261561"/>
+            <a:ext cx="646331" cy="184666"/>
+          </a:xfrm>
+          <a:prstGeom prst="rect">
+            <a:avLst/>
+          </a:prstGeom>
+          <a:noFill/>
+        </p:spPr>
+        <p:txBody>
+          <a:bodyPr wrap="none" rtlCol="0">
+            <a:spAutoFit/>
+          </a:bodyPr>
+          <a:lstStyle/>
+          <a:p>
+            <a:r>
+              <a:rPr lang="es-ES" sz="600" dirty="0"/>
+              <a:t>START / STOP</a:t>
+            </a:r>
+          </a:p>
+        </p:txBody>
+      </p:sp>
+      <p:sp>
+        <p:nvSpPr>
+          <p:cNvPr id="12" name="TextBox 11"/>
+          <p:cNvSpPr txBox="1"/>
+          <p:nvPr/>
+        </p:nvSpPr>
+        <p:spPr>
+          <a:xfrm>
+            <a:off x="8136155" y="214726"/>
+            <a:ext cx="732893" cy="261610"/>
+          </a:xfrm>
+          <a:prstGeom prst="rect">
+            <a:avLst/>
+          </a:prstGeom>
+          <a:noFill/>
+        </p:spPr>
+        <p:txBody>
+          <a:bodyPr wrap="none" rtlCol="0">
+            <a:spAutoFit/>
+          </a:bodyPr>
+          <a:lstStyle/>
+          <a:p>
+            <a:r>
+              <a:rPr lang="en-US" sz="1100" dirty="0" smtClean="0"/>
+              <a:t>20151005</a:t>
+            </a:r>
+            <a:endParaRPr lang="es-ES" sz="1100" dirty="0"/>
+          </a:p>
+        </p:txBody>
+      </p:sp>
+      <p:cxnSp>
+        <p:nvCxnSpPr>
+          <p:cNvPr id="65" name="Conector angular 41"/>
+          <p:cNvCxnSpPr>
+            <a:stCxn id="5" idx="2"/>
+            <a:endCxn id="3" idx="0"/>
+          </p:cNvCxnSpPr>
+          <p:nvPr/>
+        </p:nvCxnSpPr>
+        <p:spPr>
+          <a:xfrm rot="16200000" flipH="1">
+            <a:off x="1509147" y="2936363"/>
+            <a:ext cx="428857" cy="2792"/>
+          </a:xfrm>
+          <a:prstGeom prst="bentConnector3">
+            <a:avLst>
+              <a:gd name="adj1" fmla="val 50000"/>
+            </a:avLst>
+          </a:prstGeom>
+          <a:ln w="6350">
+            <a:solidFill>
+              <a:schemeClr val="tx1">
+                <a:lumMod val="95000"/>
+              </a:schemeClr>
+            </a:solidFill>
+            <a:tailEnd type="stealth"/>
+          </a:ln>
+        </p:spPr>
+        <p:style>
+          <a:lnRef idx="1">
+            <a:schemeClr val="accent4"/>
+          </a:lnRef>
+          <a:fillRef idx="0">
+            <a:schemeClr val="accent4"/>
+          </a:fillRef>
+          <a:effectRef idx="0">
+            <a:schemeClr val="accent4"/>
+          </a:effectRef>
+          <a:fontRef idx="minor">
+            <a:schemeClr val="tx1"/>
+          </a:fontRef>
+        </p:style>
+      </p:cxnSp>
+      <p:cxnSp>
+        <p:nvCxnSpPr>
+          <p:cNvPr id="67" name="Conector angular 41"/>
+          <p:cNvCxnSpPr>
+            <a:stCxn id="4" idx="0"/>
+            <a:endCxn id="282" idx="2"/>
+          </p:cNvCxnSpPr>
+          <p:nvPr/>
+        </p:nvCxnSpPr>
+        <p:spPr>
+          <a:xfrm rot="16200000" flipV="1">
+            <a:off x="3883352" y="2635724"/>
+            <a:ext cx="355954" cy="3873"/>
+          </a:xfrm>
+          <a:prstGeom prst="bentConnector3">
+            <a:avLst>
+              <a:gd name="adj1" fmla="val 50000"/>
+            </a:avLst>
+          </a:prstGeom>
+          <a:ln w="9525" cmpd="dbl">
+            <a:solidFill>
+              <a:srgbClr val="00B0F0"/>
+            </a:solidFill>
+            <a:headEnd type="stealth"/>
+            <a:tailEnd type="stealth"/>
+          </a:ln>
+        </p:spPr>
+        <p:style>
+          <a:lnRef idx="1">
+            <a:schemeClr val="accent4"/>
+          </a:lnRef>
+          <a:fillRef idx="0">
+            <a:schemeClr val="accent4"/>
+          </a:fillRef>
+          <a:effectRef idx="0">
+            <a:schemeClr val="accent4"/>
+          </a:effectRef>
+          <a:fontRef idx="minor">
+            <a:schemeClr val="tx1"/>
+          </a:fontRef>
+        </p:style>
+      </p:cxnSp>
+      <p:cxnSp>
+        <p:nvCxnSpPr>
+          <p:cNvPr id="96" name="Conector recto de flecha 48"/>
+          <p:cNvCxnSpPr>
+            <a:stCxn id="9" idx="0"/>
+            <a:endCxn id="7" idx="2"/>
+          </p:cNvCxnSpPr>
+          <p:nvPr/>
+        </p:nvCxnSpPr>
+        <p:spPr>
+          <a:xfrm flipV="1">
+            <a:off x="4058601" y="4459198"/>
+            <a:ext cx="1135" cy="457081"/>
+          </a:xfrm>
+          <a:prstGeom prst="straightConnector1">
+            <a:avLst/>
+          </a:prstGeom>
+          <a:ln w="6350">
+            <a:solidFill>
+              <a:srgbClr val="00B050"/>
+            </a:solidFill>
+            <a:tailEnd type="stealth"/>
+          </a:ln>
+        </p:spPr>
+        <p:style>
+          <a:lnRef idx="1">
+            <a:schemeClr val="accent4"/>
+          </a:lnRef>
+          <a:fillRef idx="0">
+            <a:schemeClr val="accent4"/>
+          </a:fillRef>
+          <a:effectRef idx="0">
+            <a:schemeClr val="accent4"/>
+          </a:effectRef>
+          <a:fontRef idx="minor">
+            <a:schemeClr val="tx1"/>
+          </a:fontRef>
+        </p:style>
+      </p:cxnSp>
+      <p:cxnSp>
+        <p:nvCxnSpPr>
+          <p:cNvPr id="98" name="Conector recto de flecha 49"/>
+          <p:cNvCxnSpPr>
+            <a:stCxn id="8" idx="2"/>
+            <a:endCxn id="204" idx="1"/>
+          </p:cNvCxnSpPr>
+          <p:nvPr/>
+        </p:nvCxnSpPr>
+        <p:spPr>
+          <a:xfrm rot="16200000" flipH="1">
+            <a:off x="2342511" y="3918398"/>
+            <a:ext cx="479790" cy="1723343"/>
+          </a:xfrm>
+          <a:prstGeom prst="bentConnector2">
+            <a:avLst/>
+          </a:prstGeom>
+          <a:ln w="6350">
+            <a:solidFill>
+              <a:srgbClr val="00B050"/>
+            </a:solidFill>
+            <a:tailEnd type="stealth"/>
+          </a:ln>
+        </p:spPr>
+        <p:style>
+          <a:lnRef idx="1">
+            <a:schemeClr val="accent4"/>
+          </a:lnRef>
+          <a:fillRef idx="0">
+            <a:schemeClr val="accent4"/>
+          </a:fillRef>
+          <a:effectRef idx="0">
+            <a:schemeClr val="accent4"/>
+          </a:effectRef>
+          <a:fontRef idx="minor">
+            <a:schemeClr val="tx1"/>
+          </a:fontRef>
+        </p:style>
+      </p:cxnSp>
+      <p:cxnSp>
+        <p:nvCxnSpPr>
+          <p:cNvPr id="106" name="Conector recto de flecha 96"/>
+          <p:cNvCxnSpPr>
+            <a:stCxn id="172" idx="3"/>
+            <a:endCxn id="262" idx="0"/>
+          </p:cNvCxnSpPr>
+          <p:nvPr/>
+        </p:nvCxnSpPr>
+        <p:spPr>
+          <a:xfrm>
+            <a:off x="2336865" y="3501930"/>
+            <a:ext cx="1422774" cy="430434"/>
+          </a:xfrm>
+          <a:prstGeom prst="bentConnector2">
+            <a:avLst/>
+          </a:prstGeom>
+          <a:ln w="6350">
+            <a:solidFill>
+              <a:schemeClr val="tx1">
+                <a:lumMod val="95000"/>
+              </a:schemeClr>
+            </a:solidFill>
+            <a:tailEnd type="stealth"/>
+          </a:ln>
+        </p:spPr>
+        <p:style>
+          <a:lnRef idx="1">
+            <a:schemeClr val="accent4"/>
+          </a:lnRef>
+          <a:fillRef idx="0">
+            <a:schemeClr val="accent4"/>
+          </a:fillRef>
+          <a:effectRef idx="0">
+            <a:schemeClr val="accent4"/>
+          </a:effectRef>
+          <a:fontRef idx="minor">
+            <a:schemeClr val="tx1"/>
+          </a:fontRef>
+        </p:style>
+      </p:cxnSp>
+      <p:cxnSp>
+        <p:nvCxnSpPr>
+          <p:cNvPr id="136" name="Conector recto de flecha 47"/>
+          <p:cNvCxnSpPr>
+            <a:stCxn id="6" idx="2"/>
+            <a:endCxn id="5" idx="0"/>
+          </p:cNvCxnSpPr>
+          <p:nvPr/>
+        </p:nvCxnSpPr>
+        <p:spPr>
+          <a:xfrm flipH="1">
+            <a:off x="1722179" y="1841031"/>
+            <a:ext cx="620" cy="351666"/>
+          </a:xfrm>
+          <a:prstGeom prst="straightConnector1">
+            <a:avLst/>
+          </a:prstGeom>
+          <a:ln w="6350">
+            <a:prstDash val="dash"/>
+            <a:tailEnd type="stealth"/>
+          </a:ln>
+        </p:spPr>
+        <p:style>
+          <a:lnRef idx="1">
+            <a:schemeClr val="accent4"/>
+          </a:lnRef>
+          <a:fillRef idx="0">
+            <a:schemeClr val="accent4"/>
+          </a:fillRef>
+          <a:effectRef idx="0">
+            <a:schemeClr val="accent4"/>
+          </a:effectRef>
+          <a:fontRef idx="minor">
+            <a:schemeClr val="tx1"/>
+          </a:fontRef>
+        </p:style>
+      </p:cxnSp>
+      <p:sp>
+        <p:nvSpPr>
+          <p:cNvPr id="137" name="Flowchart: Magnetic Disk 136"/>
+          <p:cNvSpPr/>
+          <p:nvPr/>
+        </p:nvSpPr>
+        <p:spPr>
+          <a:xfrm>
+            <a:off x="4947547" y="1786089"/>
+            <a:ext cx="671512" cy="1160698"/>
+          </a:xfrm>
+          <a:prstGeom prst="flowChartMagneticDisk">
+            <a:avLst/>
+          </a:prstGeom>
+        </p:spPr>
+        <p:style>
+          <a:lnRef idx="1">
+            <a:schemeClr val="accent6"/>
+          </a:lnRef>
+          <a:fillRef idx="2">
+            <a:schemeClr val="accent6"/>
+          </a:fillRef>
+          <a:effectRef idx="1">
+            <a:schemeClr val="accent6"/>
+          </a:effectRef>
+          <a:fontRef idx="minor">
+            <a:schemeClr val="dk1"/>
+          </a:fontRef>
+        </p:style>
+        <p:txBody>
+          <a:bodyPr rtlCol="0" anchor="ctr"/>
+          <a:lstStyle/>
+          <a:p>
+            <a:pPr algn="ctr"/>
+            <a:r>
+              <a:rPr lang="en-US" sz="1000" b="1" dirty="0" smtClean="0"/>
+              <a:t>DB</a:t>
+            </a:r>
+            <a:endParaRPr lang="es-ES" b="1" dirty="0"/>
+          </a:p>
+        </p:txBody>
+      </p:sp>
+      <p:cxnSp>
+        <p:nvCxnSpPr>
+          <p:cNvPr id="140" name="Conector recto de flecha 77"/>
+          <p:cNvCxnSpPr>
+            <a:stCxn id="260" idx="3"/>
+            <a:endCxn id="137" idx="3"/>
+          </p:cNvCxnSpPr>
+          <p:nvPr/>
+        </p:nvCxnSpPr>
+        <p:spPr>
+          <a:xfrm flipV="1">
+            <a:off x="4675150" y="2946787"/>
+            <a:ext cx="608153" cy="1166470"/>
+          </a:xfrm>
+          <a:prstGeom prst="bentConnector2">
+            <a:avLst/>
+          </a:prstGeom>
+          <a:ln w="9525" cmpd="dbl">
+            <a:solidFill>
+              <a:srgbClr val="00B0F0"/>
+            </a:solidFill>
+            <a:headEnd type="stealth"/>
+            <a:tailEnd type="stealth"/>
+          </a:ln>
+        </p:spPr>
+        <p:style>
+          <a:lnRef idx="1">
+            <a:schemeClr val="accent4"/>
+          </a:lnRef>
+          <a:fillRef idx="0">
+            <a:schemeClr val="accent4"/>
+          </a:fillRef>
+          <a:effectRef idx="0">
+            <a:schemeClr val="accent4"/>
+          </a:effectRef>
+          <a:fontRef idx="minor">
+            <a:schemeClr val="tx1"/>
+          </a:fontRef>
+        </p:style>
+      </p:cxnSp>
+      <p:sp>
+        <p:nvSpPr>
+          <p:cNvPr id="166" name="Hexagon 165"/>
+          <p:cNvSpPr/>
+          <p:nvPr/>
+        </p:nvSpPr>
+        <p:spPr>
+          <a:xfrm>
+            <a:off x="6603031" y="2501633"/>
+            <a:ext cx="1104900" cy="892900"/>
+          </a:xfrm>
+          <a:prstGeom prst="hexagon">
+            <a:avLst/>
+          </a:prstGeom>
         </p:spPr>
         <p:style>
           <a:lnRef idx="0">
@@ -3831,198 +7882,728 @@
           <a:p>
             <a:pPr algn="ctr"/>
             <a:r>
-              <a:rPr lang="es-ES" sz="1000" b="1"/>
-              <a:t>Event Manager</a:t>
-            </a:r>
-          </a:p>
-          <a:p>
-            <a:pPr algn="ctr"/>
-            <a:endParaRPr lang="es-ES" sz="1000"/>
-          </a:p>
-          <a:p>
-            <a:pPr algn="ctr"/>
-            <a:r>
-              <a:rPr lang="es-ES" sz="800"/>
-              <a:t>EvtMng</a:t>
-            </a:r>
-          </a:p>
-        </p:txBody>
-      </p:sp>
-      <p:sp>
-        <p:nvSpPr>
-          <p:cNvPr id="4" name="Rectángulo 3"/>
-          <p:cNvSpPr/>
-          <p:nvPr/>
-        </p:nvSpPr>
-        <p:spPr>
-          <a:xfrm>
-            <a:off x="5841295" y="2304947"/>
-            <a:ext cx="1230828" cy="530634"/>
+              <a:rPr lang="en-US" sz="1000" b="1" dirty="0" smtClean="0"/>
+              <a:t>Central (External) Archive</a:t>
+            </a:r>
+            <a:endParaRPr lang="es-ES" sz="1000" b="1" dirty="0"/>
+          </a:p>
+        </p:txBody>
+      </p:sp>
+      <p:sp>
+        <p:nvSpPr>
+          <p:cNvPr id="181" name="CuadroTexto 92"/>
+          <p:cNvSpPr txBox="1"/>
+          <p:nvPr/>
+        </p:nvSpPr>
+        <p:spPr>
+          <a:xfrm>
+            <a:off x="1088340" y="5019965"/>
+            <a:ext cx="484365" cy="184666"/>
           </a:xfrm>
           <a:prstGeom prst="rect">
             <a:avLst/>
           </a:prstGeom>
-          <a:solidFill>
-            <a:srgbClr val="800000"/>
-          </a:solidFill>
+          <a:noFill/>
+        </p:spPr>
+        <p:txBody>
+          <a:bodyPr wrap="none" rtlCol="0">
+            <a:spAutoFit/>
+          </a:bodyPr>
+          <a:lstStyle/>
+          <a:p>
+            <a:r>
+              <a:rPr lang="es-ES" sz="600" dirty="0"/>
+              <a:t>TSK_RES</a:t>
+            </a:r>
+          </a:p>
+        </p:txBody>
+      </p:sp>
+      <p:cxnSp>
+        <p:nvCxnSpPr>
+          <p:cNvPr id="182" name="Conector recto de flecha 96"/>
+          <p:cNvCxnSpPr>
+            <a:stCxn id="187" idx="0"/>
+            <a:endCxn id="163" idx="2"/>
+          </p:cNvCxnSpPr>
+          <p:nvPr/>
+        </p:nvCxnSpPr>
+        <p:spPr>
+          <a:xfrm flipV="1">
+            <a:off x="1821024" y="2723331"/>
+            <a:ext cx="2102" cy="428857"/>
+          </a:xfrm>
+          <a:prstGeom prst="straightConnector1">
+            <a:avLst/>
+          </a:prstGeom>
+          <a:ln w="6350">
+            <a:solidFill>
+              <a:srgbClr val="00B050"/>
+            </a:solidFill>
+            <a:prstDash val="dashDot"/>
+            <a:tailEnd type="stealth"/>
+          </a:ln>
         </p:spPr>
         <p:style>
-          <a:lnRef idx="0">
-            <a:schemeClr val="accent2"/>
-          </a:lnRef>
-          <a:fillRef idx="3">
-            <a:schemeClr val="accent2"/>
-          </a:fillRef>
-          <a:effectRef idx="3">
-            <a:schemeClr val="accent2"/>
-          </a:effectRef>
-          <a:fontRef idx="minor">
-            <a:schemeClr val="lt1"/>
-          </a:fontRef>
-        </p:style>
-        <p:txBody>
-          <a:bodyPr rtlCol="0" anchor="ctr"/>
-          <a:lstStyle/>
-          <a:p>
-            <a:pPr algn="ctr"/>
-            <a:r>
-              <a:rPr lang="es-ES" sz="1000" b="1"/>
-              <a:t>Log Manager</a:t>
-            </a:r>
-          </a:p>
-          <a:p>
-            <a:pPr algn="ctr"/>
-            <a:endParaRPr lang="es-ES" sz="1000"/>
-          </a:p>
-          <a:p>
-            <a:pPr algn="ctr"/>
-            <a:r>
-              <a:rPr lang="es-ES" sz="800"/>
-              <a:t>LogMng</a:t>
-            </a:r>
-          </a:p>
-        </p:txBody>
-      </p:sp>
-      <p:sp>
-        <p:nvSpPr>
-          <p:cNvPr id="5" name="Rectángulo 4"/>
-          <p:cNvSpPr/>
-          <p:nvPr/>
-        </p:nvSpPr>
-        <p:spPr>
-          <a:xfrm>
-            <a:off x="1180135" y="2304947"/>
-            <a:ext cx="1230828" cy="530634"/>
-          </a:xfrm>
-          <a:prstGeom prst="rect">
-            <a:avLst/>
-          </a:prstGeom>
-        </p:spPr>
-        <p:style>
-          <a:lnRef idx="0">
-            <a:schemeClr val="accent3"/>
-          </a:lnRef>
-          <a:fillRef idx="3">
-            <a:schemeClr val="accent3"/>
-          </a:fillRef>
-          <a:effectRef idx="3">
-            <a:schemeClr val="accent3"/>
-          </a:effectRef>
-          <a:fontRef idx="minor">
-            <a:schemeClr val="lt1"/>
-          </a:fontRef>
-        </p:style>
-        <p:txBody>
-          <a:bodyPr rtlCol="0" anchor="ctr"/>
-          <a:lstStyle/>
-          <a:p>
-            <a:pPr algn="ctr"/>
-            <a:r>
-              <a:rPr lang="es-ES" sz="1000" b="1"/>
-              <a:t>HMI Proxy</a:t>
-            </a:r>
-          </a:p>
-          <a:p>
-            <a:pPr algn="ctr"/>
-            <a:endParaRPr lang="es-ES" sz="1000"/>
-          </a:p>
-          <a:p>
-            <a:pPr algn="ctr"/>
-            <a:r>
-              <a:rPr lang="es-ES" sz="800"/>
-              <a:t>HMIProxy</a:t>
-            </a:r>
-          </a:p>
-        </p:txBody>
-      </p:sp>
-      <p:sp>
-        <p:nvSpPr>
-          <p:cNvPr id="6" name="Rectángulo 5"/>
-          <p:cNvSpPr/>
-          <p:nvPr/>
-        </p:nvSpPr>
-        <p:spPr>
-          <a:xfrm>
-            <a:off x="1180135" y="1154956"/>
-            <a:ext cx="1230828" cy="530634"/>
-          </a:xfrm>
-          <a:prstGeom prst="rect">
-            <a:avLst/>
-          </a:prstGeom>
-          <a:solidFill>
-            <a:srgbClr val="008000"/>
-          </a:solidFill>
-        </p:spPr>
-        <p:style>
-          <a:lnRef idx="0">
+          <a:lnRef idx="1">
             <a:schemeClr val="accent4"/>
           </a:lnRef>
-          <a:fillRef idx="3">
+          <a:fillRef idx="0">
             <a:schemeClr val="accent4"/>
           </a:fillRef>
-          <a:effectRef idx="3">
+          <a:effectRef idx="0">
             <a:schemeClr val="accent4"/>
           </a:effectRef>
           <a:fontRef idx="minor">
-            <a:schemeClr val="lt1"/>
+            <a:schemeClr val="tx1"/>
           </a:fontRef>
         </p:style>
-        <p:txBody>
-          <a:bodyPr rtlCol="0" anchor="ctr"/>
-          <a:lstStyle/>
-          <a:p>
-            <a:pPr algn="ctr"/>
-            <a:r>
-              <a:rPr lang="es-ES" sz="1000" b="1"/>
-              <a:t>HMI</a:t>
-            </a:r>
-            <a:endParaRPr lang="es-ES" sz="1000"/>
-          </a:p>
-        </p:txBody>
-      </p:sp>
-      <p:sp>
-        <p:nvSpPr>
-          <p:cNvPr id="7" name="Rectángulo 6"/>
-          <p:cNvSpPr/>
-          <p:nvPr/>
-        </p:nvSpPr>
-        <p:spPr>
-          <a:xfrm>
-            <a:off x="1297730" y="3429000"/>
-            <a:ext cx="1230828" cy="530634"/>
+      </p:cxnSp>
+      <p:sp>
+        <p:nvSpPr>
+          <p:cNvPr id="186" name="CuadroTexto 92"/>
+          <p:cNvSpPr txBox="1"/>
+          <p:nvPr/>
+        </p:nvSpPr>
+        <p:spPr>
+          <a:xfrm>
+            <a:off x="1763160" y="2914587"/>
+            <a:ext cx="484365" cy="184666"/>
           </a:xfrm>
           <a:prstGeom prst="rect">
             <a:avLst/>
           </a:prstGeom>
+          <a:noFill/>
+        </p:spPr>
+        <p:txBody>
+          <a:bodyPr wrap="none" rtlCol="0">
+            <a:spAutoFit/>
+          </a:bodyPr>
+          <a:lstStyle/>
+          <a:p>
+            <a:r>
+              <a:rPr lang="es-ES" sz="600" dirty="0"/>
+              <a:t>TSK_RES</a:t>
+            </a:r>
+          </a:p>
+        </p:txBody>
+      </p:sp>
+      <p:cxnSp>
+        <p:nvCxnSpPr>
+          <p:cNvPr id="103" name="Conector angular 41"/>
+          <p:cNvCxnSpPr>
+            <a:stCxn id="282" idx="0"/>
+            <a:endCxn id="118" idx="3"/>
+          </p:cNvCxnSpPr>
+          <p:nvPr/>
+        </p:nvCxnSpPr>
+        <p:spPr>
+          <a:xfrm rot="16200000" flipV="1">
+            <a:off x="3088315" y="954655"/>
+            <a:ext cx="220977" cy="1721179"/>
+          </a:xfrm>
+          <a:prstGeom prst="bentConnector2">
+            <a:avLst/>
+          </a:prstGeom>
+          <a:ln w="9525" cmpd="dbl">
+            <a:solidFill>
+              <a:srgbClr val="00B0F0"/>
+            </a:solidFill>
+            <a:headEnd type="stealth"/>
+            <a:tailEnd type="stealth"/>
+          </a:ln>
         </p:spPr>
         <p:style>
-          <a:lnRef idx="0">
-            <a:schemeClr val="accent1"/>
+          <a:lnRef idx="1">
+            <a:schemeClr val="accent4"/>
           </a:lnRef>
-          <a:fillRef idx="3">
+          <a:fillRef idx="0">
+            <a:schemeClr val="accent4"/>
+          </a:fillRef>
+          <a:effectRef idx="0">
+            <a:schemeClr val="accent4"/>
+          </a:effectRef>
+          <a:fontRef idx="minor">
+            <a:schemeClr val="tx1"/>
+          </a:fontRef>
+        </p:style>
+      </p:cxnSp>
+      <p:grpSp>
+        <p:nvGrpSpPr>
+          <p:cNvPr id="76" name="Group 75"/>
+          <p:cNvGrpSpPr/>
+          <p:nvPr/>
+        </p:nvGrpSpPr>
+        <p:grpSpPr>
+          <a:xfrm>
+            <a:off x="1106765" y="2192697"/>
+            <a:ext cx="1232202" cy="530634"/>
+            <a:chOff x="3167364" y="2192697"/>
+            <a:chExt cx="1232202" cy="530634"/>
+          </a:xfrm>
+        </p:grpSpPr>
+        <p:grpSp>
+          <p:nvGrpSpPr>
+            <p:cNvPr id="139" name="Group 138"/>
+            <p:cNvGrpSpPr/>
+            <p:nvPr/>
+          </p:nvGrpSpPr>
+          <p:grpSpPr>
+            <a:xfrm>
+              <a:off x="3168048" y="2192697"/>
+              <a:ext cx="1231518" cy="530634"/>
+              <a:chOff x="4906456" y="1214806"/>
+              <a:chExt cx="1231518" cy="530634"/>
+            </a:xfrm>
+          </p:grpSpPr>
+          <p:grpSp>
+            <p:nvGrpSpPr>
+              <p:cNvPr id="141" name="Group 140"/>
+              <p:cNvGrpSpPr/>
+              <p:nvPr/>
+            </p:nvGrpSpPr>
+            <p:grpSpPr>
+              <a:xfrm>
+                <a:off x="4944656" y="1214806"/>
+                <a:ext cx="1155118" cy="530634"/>
+                <a:chOff x="4932574" y="1214806"/>
+                <a:chExt cx="1155118" cy="530634"/>
+              </a:xfrm>
+            </p:grpSpPr>
+            <p:sp>
+              <p:nvSpPr>
+                <p:cNvPr id="148" name="Rectangle 147"/>
+                <p:cNvSpPr/>
+                <p:nvPr/>
+              </p:nvSpPr>
+              <p:spPr>
+                <a:xfrm>
+                  <a:off x="5132409" y="1214806"/>
+                  <a:ext cx="155944" cy="530634"/>
+                </a:xfrm>
+                <a:prstGeom prst="rect">
+                  <a:avLst/>
+                </a:prstGeom>
+                <a:solidFill>
+                  <a:schemeClr val="bg2"/>
+                </a:solidFill>
+                <a:ln w="3175">
+                  <a:noFill/>
+                </a:ln>
+              </p:spPr>
+              <p:style>
+                <a:lnRef idx="2">
+                  <a:schemeClr val="dk1"/>
+                </a:lnRef>
+                <a:fillRef idx="1">
+                  <a:schemeClr val="lt1"/>
+                </a:fillRef>
+                <a:effectRef idx="0">
+                  <a:schemeClr val="dk1"/>
+                </a:effectRef>
+                <a:fontRef idx="minor">
+                  <a:schemeClr val="dk1"/>
+                </a:fontRef>
+              </p:style>
+              <p:txBody>
+                <a:bodyPr rtlCol="0" anchor="ctr"/>
+                <a:lstStyle/>
+                <a:p>
+                  <a:pPr algn="ctr"/>
+                  <a:endParaRPr lang="es-ES"/>
+                </a:p>
+              </p:txBody>
+            </p:sp>
+            <p:sp>
+              <p:nvSpPr>
+                <p:cNvPr id="150" name="Rectangle 149"/>
+                <p:cNvSpPr/>
+                <p:nvPr/>
+              </p:nvSpPr>
+              <p:spPr>
+                <a:xfrm>
+                  <a:off x="5731914" y="1214806"/>
+                  <a:ext cx="155944" cy="530634"/>
+                </a:xfrm>
+                <a:prstGeom prst="rect">
+                  <a:avLst/>
+                </a:prstGeom>
+                <a:solidFill>
+                  <a:schemeClr val="bg2"/>
+                </a:solidFill>
+                <a:ln w="3175">
+                  <a:noFill/>
+                </a:ln>
+              </p:spPr>
+              <p:style>
+                <a:lnRef idx="2">
+                  <a:schemeClr val="dk1"/>
+                </a:lnRef>
+                <a:fillRef idx="1">
+                  <a:schemeClr val="lt1"/>
+                </a:fillRef>
+                <a:effectRef idx="0">
+                  <a:schemeClr val="dk1"/>
+                </a:effectRef>
+                <a:fontRef idx="minor">
+                  <a:schemeClr val="dk1"/>
+                </a:fontRef>
+              </p:style>
+              <p:txBody>
+                <a:bodyPr rtlCol="0" anchor="ctr"/>
+                <a:lstStyle/>
+                <a:p>
+                  <a:pPr algn="ctr"/>
+                  <a:endParaRPr lang="es-ES"/>
+                </a:p>
+              </p:txBody>
+            </p:sp>
+            <p:sp>
+              <p:nvSpPr>
+                <p:cNvPr id="160" name="Rectangle 159"/>
+                <p:cNvSpPr/>
+                <p:nvPr/>
+              </p:nvSpPr>
+              <p:spPr>
+                <a:xfrm>
+                  <a:off x="5332244" y="1214806"/>
+                  <a:ext cx="155944" cy="530634"/>
+                </a:xfrm>
+                <a:prstGeom prst="rect">
+                  <a:avLst/>
+                </a:prstGeom>
+                <a:solidFill>
+                  <a:schemeClr val="bg2"/>
+                </a:solidFill>
+                <a:ln w="3175">
+                  <a:noFill/>
+                </a:ln>
+              </p:spPr>
+              <p:style>
+                <a:lnRef idx="2">
+                  <a:schemeClr val="dk1"/>
+                </a:lnRef>
+                <a:fillRef idx="1">
+                  <a:schemeClr val="lt1"/>
+                </a:fillRef>
+                <a:effectRef idx="0">
+                  <a:schemeClr val="dk1"/>
+                </a:effectRef>
+                <a:fontRef idx="minor">
+                  <a:schemeClr val="dk1"/>
+                </a:fontRef>
+              </p:style>
+              <p:txBody>
+                <a:bodyPr rtlCol="0" anchor="ctr"/>
+                <a:lstStyle/>
+                <a:p>
+                  <a:pPr algn="ctr"/>
+                  <a:endParaRPr lang="es-ES"/>
+                </a:p>
+              </p:txBody>
+            </p:sp>
+            <p:sp>
+              <p:nvSpPr>
+                <p:cNvPr id="161" name="Rectangle 160"/>
+                <p:cNvSpPr/>
+                <p:nvPr/>
+              </p:nvSpPr>
+              <p:spPr>
+                <a:xfrm>
+                  <a:off x="5931748" y="1214806"/>
+                  <a:ext cx="155944" cy="530634"/>
+                </a:xfrm>
+                <a:prstGeom prst="rect">
+                  <a:avLst/>
+                </a:prstGeom>
+                <a:solidFill>
+                  <a:schemeClr val="bg2"/>
+                </a:solidFill>
+                <a:ln w="3175">
+                  <a:noFill/>
+                </a:ln>
+              </p:spPr>
+              <p:style>
+                <a:lnRef idx="2">
+                  <a:schemeClr val="dk1"/>
+                </a:lnRef>
+                <a:fillRef idx="1">
+                  <a:schemeClr val="lt1"/>
+                </a:fillRef>
+                <a:effectRef idx="0">
+                  <a:schemeClr val="dk1"/>
+                </a:effectRef>
+                <a:fontRef idx="minor">
+                  <a:schemeClr val="dk1"/>
+                </a:fontRef>
+              </p:style>
+              <p:txBody>
+                <a:bodyPr rtlCol="0" anchor="ctr"/>
+                <a:lstStyle/>
+                <a:p>
+                  <a:pPr algn="ctr"/>
+                  <a:endParaRPr lang="es-ES"/>
+                </a:p>
+              </p:txBody>
+            </p:sp>
+            <p:sp>
+              <p:nvSpPr>
+                <p:cNvPr id="162" name="Rectangle 161"/>
+                <p:cNvSpPr/>
+                <p:nvPr/>
+              </p:nvSpPr>
+              <p:spPr>
+                <a:xfrm>
+                  <a:off x="4932574" y="1214806"/>
+                  <a:ext cx="155944" cy="530634"/>
+                </a:xfrm>
+                <a:prstGeom prst="rect">
+                  <a:avLst/>
+                </a:prstGeom>
+                <a:solidFill>
+                  <a:schemeClr val="bg2"/>
+                </a:solidFill>
+                <a:ln w="3175">
+                  <a:noFill/>
+                </a:ln>
+              </p:spPr>
+              <p:style>
+                <a:lnRef idx="2">
+                  <a:schemeClr val="dk1"/>
+                </a:lnRef>
+                <a:fillRef idx="1">
+                  <a:schemeClr val="lt1"/>
+                </a:fillRef>
+                <a:effectRef idx="0">
+                  <a:schemeClr val="dk1"/>
+                </a:effectRef>
+                <a:fontRef idx="minor">
+                  <a:schemeClr val="dk1"/>
+                </a:fontRef>
+              </p:style>
+              <p:txBody>
+                <a:bodyPr rtlCol="0" anchor="ctr"/>
+                <a:lstStyle/>
+                <a:p>
+                  <a:pPr algn="ctr"/>
+                  <a:endParaRPr lang="es-ES"/>
+                </a:p>
+              </p:txBody>
+            </p:sp>
+            <p:sp>
+              <p:nvSpPr>
+                <p:cNvPr id="163" name="Rectangle 162"/>
+                <p:cNvSpPr/>
+                <p:nvPr/>
+              </p:nvSpPr>
+              <p:spPr>
+                <a:xfrm>
+                  <a:off x="5532079" y="1214806"/>
+                  <a:ext cx="155944" cy="530634"/>
+                </a:xfrm>
+                <a:prstGeom prst="rect">
+                  <a:avLst/>
+                </a:prstGeom>
+                <a:solidFill>
+                  <a:schemeClr val="bg2"/>
+                </a:solidFill>
+                <a:ln w="3175">
+                  <a:noFill/>
+                </a:ln>
+              </p:spPr>
+              <p:style>
+                <a:lnRef idx="2">
+                  <a:schemeClr val="dk1"/>
+                </a:lnRef>
+                <a:fillRef idx="1">
+                  <a:schemeClr val="lt1"/>
+                </a:fillRef>
+                <a:effectRef idx="0">
+                  <a:schemeClr val="dk1"/>
+                </a:effectRef>
+                <a:fontRef idx="minor">
+                  <a:schemeClr val="dk1"/>
+                </a:fontRef>
+              </p:style>
+              <p:txBody>
+                <a:bodyPr rtlCol="0" anchor="ctr"/>
+                <a:lstStyle/>
+                <a:p>
+                  <a:pPr algn="ctr"/>
+                  <a:endParaRPr lang="es-ES"/>
+                </a:p>
+              </p:txBody>
+            </p:sp>
+          </p:grpSp>
+          <p:grpSp>
+            <p:nvGrpSpPr>
+              <p:cNvPr id="142" name="Group 141"/>
+              <p:cNvGrpSpPr/>
+              <p:nvPr/>
+            </p:nvGrpSpPr>
+            <p:grpSpPr>
+              <a:xfrm>
+                <a:off x="4906456" y="1279287"/>
+                <a:ext cx="1231518" cy="401672"/>
+                <a:chOff x="4906456" y="1283690"/>
+                <a:chExt cx="1231518" cy="401672"/>
+              </a:xfrm>
+            </p:grpSpPr>
+            <p:sp>
+              <p:nvSpPr>
+                <p:cNvPr id="144" name="Rectangle 143"/>
+                <p:cNvSpPr/>
+                <p:nvPr/>
+              </p:nvSpPr>
+              <p:spPr>
+                <a:xfrm>
+                  <a:off x="4906456" y="1283690"/>
+                  <a:ext cx="1231518" cy="71977"/>
+                </a:xfrm>
+                <a:prstGeom prst="rect">
+                  <a:avLst/>
+                </a:prstGeom>
+                <a:solidFill>
+                  <a:schemeClr val="bg2"/>
+                </a:solidFill>
+                <a:ln w="3175">
+                  <a:noFill/>
+                </a:ln>
+              </p:spPr>
+              <p:style>
+                <a:lnRef idx="2">
+                  <a:schemeClr val="dk1"/>
+                </a:lnRef>
+                <a:fillRef idx="1">
+                  <a:schemeClr val="lt1"/>
+                </a:fillRef>
+                <a:effectRef idx="0">
+                  <a:schemeClr val="dk1"/>
+                </a:effectRef>
+                <a:fontRef idx="minor">
+                  <a:schemeClr val="dk1"/>
+                </a:fontRef>
+              </p:style>
+              <p:txBody>
+                <a:bodyPr rtlCol="0" anchor="ctr"/>
+                <a:lstStyle/>
+                <a:p>
+                  <a:pPr algn="ctr"/>
+                  <a:endParaRPr lang="es-ES"/>
+                </a:p>
+              </p:txBody>
+            </p:sp>
+            <p:sp>
+              <p:nvSpPr>
+                <p:cNvPr id="145" name="Rectangle 144"/>
+                <p:cNvSpPr/>
+                <p:nvPr/>
+              </p:nvSpPr>
+              <p:spPr>
+                <a:xfrm>
+                  <a:off x="4906456" y="1532962"/>
+                  <a:ext cx="1231518" cy="71977"/>
+                </a:xfrm>
+                <a:prstGeom prst="rect">
+                  <a:avLst/>
+                </a:prstGeom>
+                <a:solidFill>
+                  <a:schemeClr val="bg2"/>
+                </a:solidFill>
+                <a:ln w="3175">
+                  <a:noFill/>
+                </a:ln>
+              </p:spPr>
+              <p:style>
+                <a:lnRef idx="2">
+                  <a:schemeClr val="dk1"/>
+                </a:lnRef>
+                <a:fillRef idx="1">
+                  <a:schemeClr val="lt1"/>
+                </a:fillRef>
+                <a:effectRef idx="0">
+                  <a:schemeClr val="dk1"/>
+                </a:effectRef>
+                <a:fontRef idx="minor">
+                  <a:schemeClr val="dk1"/>
+                </a:fontRef>
+              </p:style>
+              <p:txBody>
+                <a:bodyPr rtlCol="0" anchor="ctr"/>
+                <a:lstStyle/>
+                <a:p>
+                  <a:pPr algn="ctr"/>
+                  <a:endParaRPr lang="es-ES"/>
+                </a:p>
+              </p:txBody>
+            </p:sp>
+            <p:sp>
+              <p:nvSpPr>
+                <p:cNvPr id="146" name="Rectangle 145"/>
+                <p:cNvSpPr/>
+                <p:nvPr/>
+              </p:nvSpPr>
+              <p:spPr>
+                <a:xfrm>
+                  <a:off x="4906456" y="1364113"/>
+                  <a:ext cx="1231518" cy="71977"/>
+                </a:xfrm>
+                <a:prstGeom prst="rect">
+                  <a:avLst/>
+                </a:prstGeom>
+                <a:solidFill>
+                  <a:schemeClr val="bg2"/>
+                </a:solidFill>
+                <a:ln w="3175">
+                  <a:noFill/>
+                </a:ln>
+              </p:spPr>
+              <p:style>
+                <a:lnRef idx="2">
+                  <a:schemeClr val="dk1"/>
+                </a:lnRef>
+                <a:fillRef idx="1">
+                  <a:schemeClr val="lt1"/>
+                </a:fillRef>
+                <a:effectRef idx="0">
+                  <a:schemeClr val="dk1"/>
+                </a:effectRef>
+                <a:fontRef idx="minor">
+                  <a:schemeClr val="dk1"/>
+                </a:fontRef>
+              </p:style>
+              <p:txBody>
+                <a:bodyPr rtlCol="0" anchor="ctr"/>
+                <a:lstStyle/>
+                <a:p>
+                  <a:pPr algn="ctr"/>
+                  <a:endParaRPr lang="es-ES"/>
+                </a:p>
+              </p:txBody>
+            </p:sp>
+            <p:sp>
+              <p:nvSpPr>
+                <p:cNvPr id="147" name="Rectangle 146"/>
+                <p:cNvSpPr/>
+                <p:nvPr/>
+              </p:nvSpPr>
+              <p:spPr>
+                <a:xfrm>
+                  <a:off x="4906456" y="1613385"/>
+                  <a:ext cx="1231518" cy="71977"/>
+                </a:xfrm>
+                <a:prstGeom prst="rect">
+                  <a:avLst/>
+                </a:prstGeom>
+                <a:solidFill>
+                  <a:schemeClr val="bg2"/>
+                </a:solidFill>
+                <a:ln w="3175">
+                  <a:noFill/>
+                </a:ln>
+              </p:spPr>
+              <p:style>
+                <a:lnRef idx="2">
+                  <a:schemeClr val="dk1"/>
+                </a:lnRef>
+                <a:fillRef idx="1">
+                  <a:schemeClr val="lt1"/>
+                </a:fillRef>
+                <a:effectRef idx="0">
+                  <a:schemeClr val="dk1"/>
+                </a:effectRef>
+                <a:fontRef idx="minor">
+                  <a:schemeClr val="dk1"/>
+                </a:fontRef>
+              </p:style>
+              <p:txBody>
+                <a:bodyPr rtlCol="0" anchor="ctr"/>
+                <a:lstStyle/>
+                <a:p>
+                  <a:pPr algn="ctr"/>
+                  <a:endParaRPr lang="es-ES"/>
+                </a:p>
+              </p:txBody>
+            </p:sp>
+          </p:grpSp>
+        </p:grpSp>
+        <p:sp>
+          <p:nvSpPr>
+            <p:cNvPr id="5" name="Rectángulo 4"/>
+            <p:cNvSpPr/>
+            <p:nvPr/>
+          </p:nvSpPr>
+          <p:spPr>
+            <a:xfrm>
+              <a:off x="3167364" y="2192697"/>
+              <a:ext cx="1230828" cy="530634"/>
+            </a:xfrm>
+            <a:prstGeom prst="rect">
+              <a:avLst/>
+            </a:prstGeom>
+          </p:spPr>
+          <p:style>
+            <a:lnRef idx="0">
+              <a:schemeClr val="accent3"/>
+            </a:lnRef>
+            <a:fillRef idx="3">
+              <a:schemeClr val="accent3"/>
+            </a:fillRef>
+            <a:effectRef idx="3">
+              <a:schemeClr val="accent3"/>
+            </a:effectRef>
+            <a:fontRef idx="minor">
+              <a:schemeClr val="lt1"/>
+            </a:fontRef>
+          </p:style>
+          <p:txBody>
+            <a:bodyPr rtlCol="0" anchor="ctr"/>
+            <a:lstStyle/>
+            <a:p>
+              <a:pPr algn="ctr"/>
+              <a:r>
+                <a:rPr lang="es-ES" sz="1000" b="1"/>
+                <a:t>HMI Proxy</a:t>
+              </a:r>
+            </a:p>
+            <a:p>
+              <a:pPr algn="ctr"/>
+              <a:endParaRPr lang="es-ES" sz="1000"/>
+            </a:p>
+            <a:p>
+              <a:pPr algn="ctr"/>
+              <a:r>
+                <a:rPr lang="es-ES" sz="800"/>
+                <a:t>HMIProxy</a:t>
+              </a:r>
+            </a:p>
+          </p:txBody>
+        </p:sp>
+      </p:grpSp>
+      <p:sp>
+        <p:nvSpPr>
+          <p:cNvPr id="282" name="Flowchart: Direct Access Storage 281"/>
+          <p:cNvSpPr/>
+          <p:nvPr/>
+        </p:nvSpPr>
+        <p:spPr>
+          <a:xfrm>
+            <a:off x="3555292" y="1925733"/>
+            <a:ext cx="1008199" cy="533951"/>
+          </a:xfrm>
+          <a:prstGeom prst="flowChartMagneticDrum">
+            <a:avLst/>
+          </a:prstGeom>
+        </p:spPr>
+        <p:style>
+          <a:lnRef idx="2">
+            <a:schemeClr val="accent1">
+              <a:shade val="50000"/>
+            </a:schemeClr>
+          </a:lnRef>
+          <a:fillRef idx="1">
             <a:schemeClr val="accent1"/>
           </a:fillRef>
-          <a:effectRef idx="3">
+          <a:effectRef idx="0">
             <a:schemeClr val="accent1"/>
           </a:effectRef>
           <a:fontRef idx="minor">
@@ -4035,458 +8616,48 @@
           <a:p>
             <a:pPr algn="ctr"/>
             <a:r>
-              <a:rPr lang="es-ES" sz="1000" b="1"/>
-              <a:t>Data Manager</a:t>
-            </a:r>
-          </a:p>
-          <a:p>
-            <a:pPr algn="ctr"/>
-            <a:endParaRPr lang="es-ES" sz="1000"/>
-          </a:p>
-          <a:p>
-            <a:pPr algn="ctr"/>
-            <a:r>
-              <a:rPr lang="es-ES" sz="800"/>
-              <a:t>DataMng</a:t>
-            </a:r>
-          </a:p>
-        </p:txBody>
-      </p:sp>
-      <p:sp>
-        <p:nvSpPr>
-          <p:cNvPr id="8" name="Rectángulo 7"/>
-          <p:cNvSpPr/>
-          <p:nvPr/>
-        </p:nvSpPr>
-        <p:spPr>
-          <a:xfrm>
-            <a:off x="3503097" y="3429000"/>
-            <a:ext cx="1230828" cy="530634"/>
-          </a:xfrm>
-          <a:prstGeom prst="rect">
-            <a:avLst/>
-          </a:prstGeom>
-        </p:spPr>
-        <p:style>
-          <a:lnRef idx="0">
-            <a:schemeClr val="accent6"/>
-          </a:lnRef>
-          <a:fillRef idx="3">
-            <a:schemeClr val="accent6"/>
-          </a:fillRef>
-          <a:effectRef idx="3">
-            <a:schemeClr val="accent6"/>
-          </a:effectRef>
-          <a:fontRef idx="minor">
-            <a:schemeClr val="lt1"/>
-          </a:fontRef>
-        </p:style>
-        <p:txBody>
-          <a:bodyPr rtlCol="0" anchor="ctr"/>
-          <a:lstStyle/>
-          <a:p>
-            <a:pPr algn="ctr"/>
-            <a:r>
-              <a:rPr lang="es-ES" sz="1000" b="1"/>
-              <a:t>Task Orchestrator</a:t>
-            </a:r>
-          </a:p>
-          <a:p>
-            <a:pPr algn="ctr"/>
-            <a:endParaRPr lang="es-ES" sz="1000"/>
-          </a:p>
-          <a:p>
-            <a:pPr algn="ctr"/>
-            <a:r>
-              <a:rPr lang="es-ES" sz="800"/>
-              <a:t>TaskOrc</a:t>
-            </a:r>
-          </a:p>
-        </p:txBody>
-      </p:sp>
-      <p:sp>
-        <p:nvSpPr>
-          <p:cNvPr id="9" name="Rectángulo 8"/>
-          <p:cNvSpPr/>
-          <p:nvPr/>
-        </p:nvSpPr>
-        <p:spPr>
-          <a:xfrm>
-            <a:off x="5722331" y="3429000"/>
-            <a:ext cx="1230828" cy="530634"/>
-          </a:xfrm>
-          <a:prstGeom prst="rect">
-            <a:avLst/>
-          </a:prstGeom>
-          <a:solidFill>
-            <a:schemeClr val="accent5">
-              <a:lumMod val="75000"/>
-            </a:schemeClr>
-          </a:solidFill>
-        </p:spPr>
-        <p:style>
-          <a:lnRef idx="0">
-            <a:schemeClr val="accent1"/>
-          </a:lnRef>
-          <a:fillRef idx="3">
-            <a:schemeClr val="accent1"/>
-          </a:fillRef>
-          <a:effectRef idx="3">
-            <a:schemeClr val="accent1"/>
-          </a:effectRef>
-          <a:fontRef idx="minor">
-            <a:schemeClr val="lt1"/>
-          </a:fontRef>
-        </p:style>
-        <p:txBody>
-          <a:bodyPr rtlCol="0" anchor="ctr"/>
-          <a:lstStyle/>
-          <a:p>
-            <a:pPr algn="ctr"/>
-            <a:r>
-              <a:rPr lang="es-ES" sz="1000" b="1"/>
-              <a:t>Task Manager</a:t>
-            </a:r>
-          </a:p>
-          <a:p>
-            <a:pPr algn="ctr"/>
-            <a:endParaRPr lang="es-ES" sz="1000"/>
-          </a:p>
-          <a:p>
-            <a:pPr algn="ctr"/>
-            <a:r>
-              <a:rPr lang="es-ES" sz="800"/>
-              <a:t>TaskMng</a:t>
-            </a:r>
-          </a:p>
-        </p:txBody>
-      </p:sp>
-      <p:sp>
-        <p:nvSpPr>
-          <p:cNvPr id="10" name="Rectángulo 9"/>
-          <p:cNvSpPr/>
-          <p:nvPr/>
-        </p:nvSpPr>
-        <p:spPr>
-          <a:xfrm>
-            <a:off x="7339752" y="4026753"/>
-            <a:ext cx="1230828" cy="530634"/>
-          </a:xfrm>
-          <a:prstGeom prst="rect">
-            <a:avLst/>
-          </a:prstGeom>
-          <a:solidFill>
-            <a:srgbClr val="660066"/>
-          </a:solidFill>
-        </p:spPr>
-        <p:style>
-          <a:lnRef idx="0">
-            <a:schemeClr val="accent1"/>
-          </a:lnRef>
-          <a:fillRef idx="3">
-            <a:schemeClr val="accent1"/>
-          </a:fillRef>
-          <a:effectRef idx="3">
-            <a:schemeClr val="accent1"/>
-          </a:effectRef>
-          <a:fontRef idx="minor">
-            <a:schemeClr val="lt1"/>
-          </a:fontRef>
-        </p:style>
-        <p:txBody>
-          <a:bodyPr rtlCol="0" anchor="ctr"/>
-          <a:lstStyle/>
-          <a:p>
-            <a:pPr algn="ctr"/>
-            <a:r>
-              <a:rPr lang="es-ES" sz="1000" b="1"/>
-              <a:t>Task Agent 1</a:t>
-            </a:r>
-          </a:p>
-          <a:p>
-            <a:pPr algn="ctr"/>
-            <a:endParaRPr lang="es-ES" sz="1000"/>
-          </a:p>
-          <a:p>
-            <a:pPr algn="ctr"/>
-            <a:r>
-              <a:rPr lang="es-ES" sz="800"/>
-              <a:t>TaskAg</a:t>
-            </a:r>
-          </a:p>
-        </p:txBody>
-      </p:sp>
-      <p:sp>
-        <p:nvSpPr>
-          <p:cNvPr id="11" name="Rectángulo 10"/>
-          <p:cNvSpPr/>
-          <p:nvPr/>
-        </p:nvSpPr>
-        <p:spPr>
-          <a:xfrm>
-            <a:off x="7339752" y="4837708"/>
-            <a:ext cx="1230828" cy="530634"/>
-          </a:xfrm>
-          <a:prstGeom prst="rect">
-            <a:avLst/>
-          </a:prstGeom>
-          <a:solidFill>
-            <a:srgbClr val="660066"/>
-          </a:solidFill>
-        </p:spPr>
-        <p:style>
-          <a:lnRef idx="0">
-            <a:schemeClr val="accent1"/>
-          </a:lnRef>
-          <a:fillRef idx="3">
-            <a:schemeClr val="accent1"/>
-          </a:fillRef>
-          <a:effectRef idx="3">
-            <a:schemeClr val="accent1"/>
-          </a:effectRef>
-          <a:fontRef idx="minor">
-            <a:schemeClr val="lt1"/>
-          </a:fontRef>
-        </p:style>
-        <p:txBody>
-          <a:bodyPr rtlCol="0" anchor="ctr"/>
-          <a:lstStyle/>
-          <a:p>
-            <a:pPr algn="ctr"/>
-            <a:r>
-              <a:rPr lang="es-ES" sz="1000" b="1"/>
-              <a:t>Task Agent N</a:t>
-            </a:r>
-          </a:p>
-          <a:p>
-            <a:pPr algn="ctr"/>
-            <a:endParaRPr lang="es-ES" sz="1000"/>
-          </a:p>
-          <a:p>
-            <a:pPr algn="ctr"/>
-            <a:r>
-              <a:rPr lang="es-ES" sz="800"/>
-              <a:t>TaskAg</a:t>
-            </a:r>
-          </a:p>
-        </p:txBody>
-      </p:sp>
-      <p:sp>
-        <p:nvSpPr>
-          <p:cNvPr id="13" name="Recortar rectángulo de esquina diagonal 12"/>
-          <p:cNvSpPr/>
-          <p:nvPr/>
-        </p:nvSpPr>
-        <p:spPr>
-          <a:xfrm>
-            <a:off x="1439791" y="5525709"/>
-            <a:ext cx="1287257" cy="297918"/>
-          </a:xfrm>
-          <a:prstGeom prst="snip2DiagRect">
-            <a:avLst/>
-          </a:prstGeom>
-        </p:spPr>
-        <p:style>
-          <a:lnRef idx="0">
-            <a:schemeClr val="accent2"/>
-          </a:lnRef>
-          <a:fillRef idx="3">
-            <a:schemeClr val="accent2"/>
-          </a:fillRef>
-          <a:effectRef idx="3">
-            <a:schemeClr val="accent2"/>
-          </a:effectRef>
-          <a:fontRef idx="minor">
-            <a:schemeClr val="lt1"/>
-          </a:fontRef>
-        </p:style>
-        <p:txBody>
-          <a:bodyPr rtlCol="0" anchor="ctr"/>
-          <a:lstStyle/>
-          <a:p>
-            <a:pPr algn="ctr"/>
-            <a:r>
-              <a:rPr lang="es-ES" sz="800"/>
-              <a:t>Docker Processing Element 1</a:t>
-            </a:r>
-          </a:p>
-        </p:txBody>
-      </p:sp>
-      <p:sp>
-        <p:nvSpPr>
-          <p:cNvPr id="14" name="Recortar rectángulo de esquina diagonal 13"/>
-          <p:cNvSpPr/>
-          <p:nvPr/>
-        </p:nvSpPr>
-        <p:spPr>
-          <a:xfrm>
-            <a:off x="2893572" y="5529150"/>
-            <a:ext cx="1287257" cy="297918"/>
-          </a:xfrm>
-          <a:prstGeom prst="snip2DiagRect">
-            <a:avLst/>
-          </a:prstGeom>
-        </p:spPr>
-        <p:style>
-          <a:lnRef idx="0">
-            <a:schemeClr val="accent2"/>
-          </a:lnRef>
-          <a:fillRef idx="3">
-            <a:schemeClr val="accent2"/>
-          </a:fillRef>
-          <a:effectRef idx="3">
-            <a:schemeClr val="accent2"/>
-          </a:effectRef>
-          <a:fontRef idx="minor">
-            <a:schemeClr val="lt1"/>
-          </a:fontRef>
-        </p:style>
-        <p:txBody>
-          <a:bodyPr rtlCol="0" anchor="ctr"/>
-          <a:lstStyle/>
-          <a:p>
-            <a:pPr algn="ctr"/>
-            <a:r>
-              <a:rPr lang="es-ES" sz="800"/>
-              <a:t>Docker Processing Element 2</a:t>
-            </a:r>
-          </a:p>
-        </p:txBody>
-      </p:sp>
-      <p:sp>
-        <p:nvSpPr>
-          <p:cNvPr id="15" name="Recortar rectángulo de esquina diagonal 14"/>
-          <p:cNvSpPr/>
-          <p:nvPr/>
-        </p:nvSpPr>
-        <p:spPr>
-          <a:xfrm>
-            <a:off x="4829971" y="5529150"/>
-            <a:ext cx="1287257" cy="297918"/>
-          </a:xfrm>
-          <a:prstGeom prst="snip2DiagRect">
-            <a:avLst/>
-          </a:prstGeom>
-        </p:spPr>
-        <p:style>
-          <a:lnRef idx="0">
-            <a:schemeClr val="accent2"/>
-          </a:lnRef>
-          <a:fillRef idx="3">
-            <a:schemeClr val="accent2"/>
-          </a:fillRef>
-          <a:effectRef idx="3">
-            <a:schemeClr val="accent2"/>
-          </a:effectRef>
-          <a:fontRef idx="minor">
-            <a:schemeClr val="lt1"/>
-          </a:fontRef>
-        </p:style>
-        <p:txBody>
-          <a:bodyPr rtlCol="0" anchor="ctr"/>
-          <a:lstStyle/>
-          <a:p>
-            <a:pPr algn="ctr"/>
-            <a:r>
-              <a:rPr lang="es-ES" sz="800"/>
-              <a:t>Docker Processing Element M</a:t>
-            </a:r>
-          </a:p>
-        </p:txBody>
-      </p:sp>
-      <p:sp>
-        <p:nvSpPr>
-          <p:cNvPr id="17" name="CuadroTexto 16"/>
-          <p:cNvSpPr txBox="1"/>
-          <p:nvPr/>
-        </p:nvSpPr>
-        <p:spPr>
-          <a:xfrm>
-            <a:off x="7791399" y="4472267"/>
-            <a:ext cx="367596" cy="369332"/>
-          </a:xfrm>
-          <a:prstGeom prst="rect">
-            <a:avLst/>
-          </a:prstGeom>
-          <a:noFill/>
-        </p:spPr>
-        <p:txBody>
-          <a:bodyPr wrap="none" rtlCol="0">
-            <a:spAutoFit/>
-          </a:bodyPr>
-          <a:lstStyle/>
-          <a:p>
-            <a:r>
-              <a:rPr lang="es-ES"/>
-              <a:t>…</a:t>
-            </a:r>
-          </a:p>
-        </p:txBody>
-      </p:sp>
-      <p:sp>
-        <p:nvSpPr>
-          <p:cNvPr id="18" name="CuadroTexto 17"/>
-          <p:cNvSpPr txBox="1"/>
-          <p:nvPr/>
-        </p:nvSpPr>
-        <p:spPr>
-          <a:xfrm>
-            <a:off x="4337543" y="5469356"/>
-            <a:ext cx="367596" cy="369332"/>
-          </a:xfrm>
-          <a:prstGeom prst="rect">
-            <a:avLst/>
-          </a:prstGeom>
-          <a:noFill/>
-        </p:spPr>
-        <p:txBody>
-          <a:bodyPr wrap="none" rtlCol="0">
-            <a:spAutoFit/>
-          </a:bodyPr>
-          <a:lstStyle/>
-          <a:p>
-            <a:r>
-              <a:rPr lang="es-ES"/>
-              <a:t>…</a:t>
-            </a:r>
+              <a:rPr lang="es-ES" sz="700" b="1" dirty="0" smtClean="0"/>
+              <a:t>Local Storage</a:t>
+            </a:r>
+            <a:endParaRPr lang="es-ES" sz="700" b="1" dirty="0"/>
           </a:p>
         </p:txBody>
       </p:sp>
       <p:cxnSp>
         <p:nvCxnSpPr>
-          <p:cNvPr id="21" name="Conector recto de flecha 20"/>
+          <p:cNvPr id="214" name="Conector angular 41"/>
           <p:cNvCxnSpPr>
-            <a:stCxn id="10" idx="1"/>
+            <a:stCxn id="171" idx="3"/>
+            <a:endCxn id="4" idx="1"/>
           </p:cNvCxnSpPr>
           <p:nvPr/>
         </p:nvCxnSpPr>
         <p:spPr>
-          <a:xfrm flipH="1">
-            <a:off x="2302156" y="4292070"/>
-            <a:ext cx="5037596" cy="0"/>
-          </a:xfrm>
-          <a:prstGeom prst="straightConnector1">
-            <a:avLst/>
-          </a:prstGeom>
-          <a:ln>
+          <a:xfrm flipV="1">
+            <a:off x="2336865" y="3080955"/>
+            <a:ext cx="1110986" cy="171703"/>
+          </a:xfrm>
+          <a:prstGeom prst="bentConnector3">
+            <a:avLst>
+              <a:gd name="adj1" fmla="val 50000"/>
+            </a:avLst>
+          </a:prstGeom>
+          <a:ln w="6350">
             <a:solidFill>
-              <a:schemeClr val="tx1">
-                <a:lumMod val="65000"/>
-              </a:schemeClr>
+              <a:srgbClr val="FF0000"/>
             </a:solidFill>
-            <a:headEnd type="none"/>
-            <a:tailEnd type="none"/>
+            <a:tailEnd type="stealth"/>
           </a:ln>
         </p:spPr>
         <p:style>
-          <a:lnRef idx="2">
-            <a:schemeClr val="accent1"/>
+          <a:lnRef idx="1">
+            <a:schemeClr val="accent4"/>
           </a:lnRef>
           <a:fillRef idx="0">
-            <a:schemeClr val="accent1"/>
+            <a:schemeClr val="accent4"/>
           </a:fillRef>
-          <a:effectRef idx="1">
-            <a:schemeClr val="accent1"/>
+          <a:effectRef idx="0">
+            <a:schemeClr val="accent4"/>
           </a:effectRef>
           <a:fontRef idx="minor">
             <a:schemeClr val="tx1"/>
@@ -4495,39 +8666,37 @@
       </p:cxnSp>
       <p:cxnSp>
         <p:nvCxnSpPr>
-          <p:cNvPr id="24" name="Conector recto de flecha 23"/>
+          <p:cNvPr id="215" name="Conector angular 41"/>
           <p:cNvCxnSpPr>
-            <a:stCxn id="11" idx="1"/>
+            <a:stCxn id="3" idx="3"/>
+            <a:endCxn id="7" idx="0"/>
           </p:cNvCxnSpPr>
           <p:nvPr/>
         </p:nvCxnSpPr>
         <p:spPr>
-          <a:xfrm flipH="1">
-            <a:off x="5281232" y="5103025"/>
-            <a:ext cx="2058520" cy="0"/>
-          </a:xfrm>
-          <a:prstGeom prst="straightConnector1">
+          <a:xfrm>
+            <a:off x="2340385" y="3417505"/>
+            <a:ext cx="1719351" cy="511059"/>
+          </a:xfrm>
+          <a:prstGeom prst="bentConnector2">
             <a:avLst/>
           </a:prstGeom>
-          <a:ln>
+          <a:ln w="6350">
             <a:solidFill>
-              <a:schemeClr val="tx1">
-                <a:lumMod val="65000"/>
-              </a:schemeClr>
+              <a:srgbClr val="FF0000"/>
             </a:solidFill>
-            <a:headEnd type="none"/>
-            <a:tailEnd type="none"/>
+            <a:tailEnd type="stealth"/>
           </a:ln>
         </p:spPr>
         <p:style>
-          <a:lnRef idx="2">
-            <a:schemeClr val="accent1"/>
+          <a:lnRef idx="1">
+            <a:schemeClr val="accent4"/>
           </a:lnRef>
           <a:fillRef idx="0">
-            <a:schemeClr val="accent1"/>
+            <a:schemeClr val="accent4"/>
           </a:fillRef>
-          <a:effectRef idx="1">
-            <a:schemeClr val="accent1"/>
+          <a:effectRef idx="0">
+            <a:schemeClr val="accent4"/>
           </a:effectRef>
           <a:fontRef idx="minor">
             <a:schemeClr val="tx1"/>
@@ -4536,39 +8705,40 @@
       </p:cxnSp>
       <p:cxnSp>
         <p:nvCxnSpPr>
-          <p:cNvPr id="32" name="Conector recto de flecha 31"/>
+          <p:cNvPr id="216" name="Conector angular 41"/>
           <p:cNvCxnSpPr>
-            <a:stCxn id="13" idx="3"/>
+            <a:stCxn id="9" idx="1"/>
+            <a:endCxn id="174" idx="1"/>
           </p:cNvCxnSpPr>
           <p:nvPr/>
         </p:nvCxnSpPr>
         <p:spPr>
-          <a:xfrm flipV="1">
-            <a:off x="2083420" y="4292070"/>
-            <a:ext cx="0" cy="1233639"/>
-          </a:xfrm>
-          <a:prstGeom prst="straightConnector1">
-            <a:avLst/>
-          </a:prstGeom>
-          <a:ln>
+          <a:xfrm rot="10800000">
+            <a:off x="1105347" y="3582354"/>
+            <a:ext cx="2337840" cy="1599243"/>
+          </a:xfrm>
+          <a:prstGeom prst="bentConnector3">
+            <a:avLst>
+              <a:gd name="adj1" fmla="val 109778"/>
+            </a:avLst>
+          </a:prstGeom>
+          <a:ln w="6350">
             <a:solidFill>
-              <a:schemeClr val="tx1">
-                <a:lumMod val="65000"/>
-              </a:schemeClr>
+              <a:srgbClr val="00B050"/>
             </a:solidFill>
-            <a:headEnd type="none"/>
-            <a:tailEnd type="none"/>
+            <a:prstDash val="dashDot"/>
+            <a:tailEnd type="stealth"/>
           </a:ln>
         </p:spPr>
         <p:style>
-          <a:lnRef idx="2">
-            <a:schemeClr val="accent1"/>
+          <a:lnRef idx="1">
+            <a:schemeClr val="accent4"/>
           </a:lnRef>
           <a:fillRef idx="0">
-            <a:schemeClr val="accent1"/>
+            <a:schemeClr val="accent4"/>
           </a:fillRef>
-          <a:effectRef idx="1">
-            <a:schemeClr val="accent1"/>
+          <a:effectRef idx="0">
+            <a:schemeClr val="accent4"/>
           </a:effectRef>
           <a:fontRef idx="minor">
             <a:schemeClr val="tx1"/>
@@ -4577,39 +8747,42 @@
       </p:cxnSp>
       <p:cxnSp>
         <p:nvCxnSpPr>
-          <p:cNvPr id="35" name="Conector recto de flecha 34"/>
+          <p:cNvPr id="217" name="Conector recto de flecha 77"/>
           <p:cNvCxnSpPr>
-            <a:stCxn id="14" idx="3"/>
+            <a:stCxn id="7" idx="3"/>
+            <a:endCxn id="166" idx="3"/>
           </p:cNvCxnSpPr>
           <p:nvPr/>
         </p:nvCxnSpPr>
         <p:spPr>
           <a:xfrm flipV="1">
-            <a:off x="3537201" y="4664773"/>
-            <a:ext cx="0" cy="864377"/>
-          </a:xfrm>
-          <a:prstGeom prst="straightConnector1">
-            <a:avLst/>
-          </a:prstGeom>
-          <a:ln>
+            <a:off x="4675150" y="2948083"/>
+            <a:ext cx="1927881" cy="1245798"/>
+          </a:xfrm>
+          <a:prstGeom prst="bentConnector3">
+            <a:avLst>
+              <a:gd name="adj1" fmla="val 65810"/>
+            </a:avLst>
+          </a:prstGeom>
+          <a:ln w="28575" cmpd="dbl">
             <a:solidFill>
               <a:schemeClr val="tx1">
                 <a:lumMod val="65000"/>
               </a:schemeClr>
             </a:solidFill>
-            <a:headEnd type="none"/>
-            <a:tailEnd type="none"/>
+            <a:headEnd type="stealth"/>
+            <a:tailEnd type="stealth"/>
           </a:ln>
         </p:spPr>
         <p:style>
-          <a:lnRef idx="2">
-            <a:schemeClr val="accent1"/>
+          <a:lnRef idx="1">
+            <a:schemeClr val="accent4"/>
           </a:lnRef>
           <a:fillRef idx="0">
-            <a:schemeClr val="accent1"/>
+            <a:schemeClr val="accent4"/>
           </a:fillRef>
-          <a:effectRef idx="1">
-            <a:schemeClr val="accent1"/>
+          <a:effectRef idx="0">
+            <a:schemeClr val="accent4"/>
           </a:effectRef>
           <a:fontRef idx="minor">
             <a:schemeClr val="tx1"/>
@@ -4618,39 +8791,40 @@
       </p:cxnSp>
       <p:cxnSp>
         <p:nvCxnSpPr>
-          <p:cNvPr id="38" name="Conector recto de flecha 37"/>
+          <p:cNvPr id="272" name="Conector recto de flecha 77"/>
           <p:cNvCxnSpPr>
-            <a:stCxn id="15" idx="3"/>
+            <a:stCxn id="258" idx="3"/>
+            <a:endCxn id="282" idx="4"/>
           </p:cNvCxnSpPr>
           <p:nvPr/>
         </p:nvCxnSpPr>
         <p:spPr>
-          <a:xfrm flipV="1">
-            <a:off x="5473600" y="5190050"/>
-            <a:ext cx="0" cy="339100"/>
-          </a:xfrm>
-          <a:prstGeom prst="straightConnector1">
-            <a:avLst/>
-          </a:prstGeom>
-          <a:ln>
+          <a:xfrm flipH="1" flipV="1">
+            <a:off x="4563491" y="2192709"/>
+            <a:ext cx="111659" cy="1840125"/>
+          </a:xfrm>
+          <a:prstGeom prst="bentConnector3">
+            <a:avLst>
+              <a:gd name="adj1" fmla="val -163783"/>
+            </a:avLst>
+          </a:prstGeom>
+          <a:ln w="9525" cmpd="dbl">
             <a:solidFill>
-              <a:schemeClr val="tx1">
-                <a:lumMod val="65000"/>
-              </a:schemeClr>
+              <a:srgbClr val="00B0F0"/>
             </a:solidFill>
-            <a:headEnd type="none"/>
-            <a:tailEnd type="none"/>
+            <a:headEnd type="stealth"/>
+            <a:tailEnd type="stealth"/>
           </a:ln>
         </p:spPr>
         <p:style>
-          <a:lnRef idx="2">
-            <a:schemeClr val="accent1"/>
+          <a:lnRef idx="1">
+            <a:schemeClr val="accent4"/>
           </a:lnRef>
           <a:fillRef idx="0">
-            <a:schemeClr val="accent1"/>
+            <a:schemeClr val="accent4"/>
           </a:fillRef>
-          <a:effectRef idx="1">
-            <a:schemeClr val="accent1"/>
+          <a:effectRef idx="0">
+            <a:schemeClr val="accent4"/>
           </a:effectRef>
           <a:fontRef idx="minor">
             <a:schemeClr val="tx1"/>
@@ -4659,27 +8833,29 @@
       </p:cxnSp>
       <p:sp>
         <p:nvSpPr>
-          <p:cNvPr id="19" name="Rectángulo 18"/>
+          <p:cNvPr id="324" name="Flowchart: Direct Access Storage 323"/>
           <p:cNvSpPr/>
           <p:nvPr/>
         </p:nvSpPr>
         <p:spPr>
-          <a:xfrm rot="900402">
-            <a:off x="1878175" y="4683728"/>
-            <a:ext cx="3898225" cy="95822"/>
-          </a:xfrm>
-          <a:prstGeom prst="rect">
+          <a:xfrm>
+            <a:off x="6769335" y="3829810"/>
+            <a:ext cx="917694" cy="494916"/>
+          </a:xfrm>
+          <a:prstGeom prst="flowChartMagneticDrum">
             <a:avLst/>
           </a:prstGeom>
         </p:spPr>
         <p:style>
-          <a:lnRef idx="1">
-            <a:schemeClr val="accent1"/>
+          <a:lnRef idx="2">
+            <a:schemeClr val="accent1">
+              <a:shade val="50000"/>
+            </a:schemeClr>
           </a:lnRef>
-          <a:fillRef idx="3">
+          <a:fillRef idx="1">
             <a:schemeClr val="accent1"/>
           </a:fillRef>
-          <a:effectRef idx="2">
+          <a:effectRef idx="0">
             <a:schemeClr val="accent1"/>
           </a:effectRef>
           <a:fontRef idx="minor">
@@ -4691,43 +8867,49 @@
           <a:lstStyle/>
           <a:p>
             <a:pPr algn="ctr"/>
-            <a:endParaRPr lang="es-ES"/>
+            <a:r>
+              <a:rPr lang="en-US" sz="700" b="1" dirty="0" smtClean="0"/>
+              <a:t>Shared area</a:t>
+            </a:r>
+            <a:endParaRPr lang="es-ES" sz="700" b="1" dirty="0"/>
           </a:p>
         </p:txBody>
       </p:sp>
       <p:cxnSp>
         <p:nvCxnSpPr>
-          <p:cNvPr id="42" name="Conector angular 41"/>
+          <p:cNvPr id="325" name="Conector recto de flecha 77"/>
           <p:cNvCxnSpPr>
-            <a:stCxn id="6" idx="3"/>
-            <a:endCxn id="3" idx="0"/>
+            <a:stCxn id="259" idx="3"/>
           </p:cNvCxnSpPr>
           <p:nvPr/>
         </p:nvCxnSpPr>
         <p:spPr>
-          <a:xfrm>
-            <a:off x="2410963" y="1420273"/>
-            <a:ext cx="1707548" cy="884674"/>
-          </a:xfrm>
-          <a:prstGeom prst="bentConnector2">
-            <a:avLst/>
-          </a:prstGeom>
-          <a:ln>
+          <a:xfrm flipV="1">
+            <a:off x="4675150" y="4077268"/>
+            <a:ext cx="2094185" cy="204838"/>
+          </a:xfrm>
+          <a:prstGeom prst="bentConnector3">
+            <a:avLst>
+              <a:gd name="adj1" fmla="val 72560"/>
+            </a:avLst>
+          </a:prstGeom>
+          <a:ln w="9525" cmpd="dbl">
             <a:solidFill>
-              <a:schemeClr val="tx1"/>
+              <a:srgbClr val="00B0F0"/>
             </a:solidFill>
+            <a:headEnd type="stealth"/>
             <a:tailEnd type="stealth"/>
           </a:ln>
         </p:spPr>
         <p:style>
-          <a:lnRef idx="2">
-            <a:schemeClr val="accent1"/>
+          <a:lnRef idx="1">
+            <a:schemeClr val="accent4"/>
           </a:lnRef>
           <a:fillRef idx="0">
-            <a:schemeClr val="accent1"/>
+            <a:schemeClr val="accent4"/>
           </a:fillRef>
-          <a:effectRef idx="1">
-            <a:schemeClr val="accent1"/>
+          <a:effectRef idx="0">
+            <a:schemeClr val="accent4"/>
           </a:effectRef>
           <a:fontRef idx="minor">
             <a:schemeClr val="tx1"/>
@@ -4736,1391 +8918,21 @@
       </p:cxnSp>
       <p:cxnSp>
         <p:nvCxnSpPr>
-          <p:cNvPr id="44" name="Conector recto de flecha 43"/>
-          <p:cNvCxnSpPr/>
+          <p:cNvPr id="330" name="Straight Connector 329"/>
+          <p:cNvCxnSpPr>
+            <a:endCxn id="27" idx="0"/>
+          </p:cNvCxnSpPr>
           <p:nvPr/>
         </p:nvCxnSpPr>
         <p:spPr>
-          <a:xfrm flipH="1">
-            <a:off x="2410963" y="2493105"/>
-            <a:ext cx="1092134" cy="0"/>
-          </a:xfrm>
-          <a:prstGeom prst="straightConnector1">
+          <a:xfrm>
+            <a:off x="7228182" y="4324726"/>
+            <a:ext cx="0" cy="378553"/>
+          </a:xfrm>
+          <a:prstGeom prst="line">
             <a:avLst/>
           </a:prstGeom>
-          <a:ln>
-            <a:solidFill>
-              <a:schemeClr val="tx1"/>
-            </a:solidFill>
-            <a:tailEnd type="stealth"/>
-          </a:ln>
-        </p:spPr>
-        <p:style>
-          <a:lnRef idx="2">
-            <a:schemeClr val="accent1"/>
-          </a:lnRef>
-          <a:fillRef idx="0">
-            <a:schemeClr val="accent1"/>
-          </a:fillRef>
-          <a:effectRef idx="1">
-            <a:schemeClr val="accent1"/>
-          </a:effectRef>
-          <a:fontRef idx="minor">
-            <a:schemeClr val="tx1"/>
-          </a:fontRef>
-        </p:style>
-      </p:cxnSp>
-      <p:cxnSp>
-        <p:nvCxnSpPr>
-          <p:cNvPr id="46" name="Conector recto de flecha 45"/>
-          <p:cNvCxnSpPr/>
-          <p:nvPr/>
-        </p:nvCxnSpPr>
-        <p:spPr>
-          <a:xfrm>
-            <a:off x="2410963" y="2676865"/>
-            <a:ext cx="1092134" cy="0"/>
-          </a:xfrm>
-          <a:prstGeom prst="straightConnector1">
-            <a:avLst/>
-          </a:prstGeom>
-          <a:ln>
-            <a:solidFill>
-              <a:schemeClr val="tx1"/>
-            </a:solidFill>
-            <a:tailEnd type="stealth"/>
-          </a:ln>
-        </p:spPr>
-        <p:style>
-          <a:lnRef idx="2">
-            <a:schemeClr val="accent1"/>
-          </a:lnRef>
-          <a:fillRef idx="0">
-            <a:schemeClr val="accent1"/>
-          </a:fillRef>
-          <a:effectRef idx="1">
-            <a:schemeClr val="accent1"/>
-          </a:effectRef>
-          <a:fontRef idx="minor">
-            <a:schemeClr val="tx1"/>
-          </a:fontRef>
-        </p:style>
-      </p:cxnSp>
-      <p:cxnSp>
-        <p:nvCxnSpPr>
-          <p:cNvPr id="47" name="Conector recto de flecha 46"/>
-          <p:cNvCxnSpPr/>
-          <p:nvPr/>
-        </p:nvCxnSpPr>
-        <p:spPr>
-          <a:xfrm flipH="1">
-            <a:off x="4735165" y="2496545"/>
-            <a:ext cx="1092134" cy="0"/>
-          </a:xfrm>
-          <a:prstGeom prst="straightConnector1">
-            <a:avLst/>
-          </a:prstGeom>
-          <a:ln>
-            <a:solidFill>
-              <a:schemeClr val="tx1"/>
-            </a:solidFill>
-            <a:tailEnd type="stealth"/>
-          </a:ln>
-        </p:spPr>
-        <p:style>
-          <a:lnRef idx="2">
-            <a:schemeClr val="accent1"/>
-          </a:lnRef>
-          <a:fillRef idx="0">
-            <a:schemeClr val="accent1"/>
-          </a:fillRef>
-          <a:effectRef idx="1">
-            <a:schemeClr val="accent1"/>
-          </a:effectRef>
-          <a:fontRef idx="minor">
-            <a:schemeClr val="tx1"/>
-          </a:fontRef>
-        </p:style>
-      </p:cxnSp>
-      <p:cxnSp>
-        <p:nvCxnSpPr>
-          <p:cNvPr id="48" name="Conector recto de flecha 47"/>
-          <p:cNvCxnSpPr/>
-          <p:nvPr/>
-        </p:nvCxnSpPr>
-        <p:spPr>
-          <a:xfrm>
-            <a:off x="4735165" y="2680305"/>
-            <a:ext cx="1092134" cy="0"/>
-          </a:xfrm>
-          <a:prstGeom prst="straightConnector1">
-            <a:avLst/>
-          </a:prstGeom>
-          <a:ln>
-            <a:solidFill>
-              <a:schemeClr val="tx1"/>
-            </a:solidFill>
-            <a:tailEnd type="stealth"/>
-          </a:ln>
-        </p:spPr>
-        <p:style>
-          <a:lnRef idx="2">
-            <a:schemeClr val="accent1"/>
-          </a:lnRef>
-          <a:fillRef idx="0">
-            <a:schemeClr val="accent1"/>
-          </a:fillRef>
-          <a:effectRef idx="1">
-            <a:schemeClr val="accent1"/>
-          </a:effectRef>
-          <a:fontRef idx="minor">
-            <a:schemeClr val="tx1"/>
-          </a:fontRef>
-        </p:style>
-      </p:cxnSp>
-      <p:cxnSp>
-        <p:nvCxnSpPr>
-          <p:cNvPr id="49" name="Conector recto de flecha 48"/>
-          <p:cNvCxnSpPr/>
-          <p:nvPr/>
-        </p:nvCxnSpPr>
-        <p:spPr>
-          <a:xfrm flipH="1">
-            <a:off x="2528558" y="3605419"/>
-            <a:ext cx="974540" cy="0"/>
-          </a:xfrm>
-          <a:prstGeom prst="straightConnector1">
-            <a:avLst/>
-          </a:prstGeom>
-          <a:ln>
-            <a:solidFill>
-              <a:schemeClr val="tx1"/>
-            </a:solidFill>
-            <a:tailEnd type="stealth"/>
-          </a:ln>
-        </p:spPr>
-        <p:style>
-          <a:lnRef idx="2">
-            <a:schemeClr val="accent1"/>
-          </a:lnRef>
-          <a:fillRef idx="0">
-            <a:schemeClr val="accent1"/>
-          </a:fillRef>
-          <a:effectRef idx="1">
-            <a:schemeClr val="accent1"/>
-          </a:effectRef>
-          <a:fontRef idx="minor">
-            <a:schemeClr val="tx1"/>
-          </a:fontRef>
-        </p:style>
-      </p:cxnSp>
-      <p:cxnSp>
-        <p:nvCxnSpPr>
-          <p:cNvPr id="50" name="Conector recto de flecha 49"/>
-          <p:cNvCxnSpPr/>
-          <p:nvPr/>
-        </p:nvCxnSpPr>
-        <p:spPr>
-          <a:xfrm>
-            <a:off x="2528558" y="3789179"/>
-            <a:ext cx="974539" cy="0"/>
-          </a:xfrm>
-          <a:prstGeom prst="straightConnector1">
-            <a:avLst/>
-          </a:prstGeom>
-          <a:ln>
-            <a:solidFill>
-              <a:schemeClr val="tx1"/>
-            </a:solidFill>
-            <a:tailEnd type="stealth"/>
-          </a:ln>
-        </p:spPr>
-        <p:style>
-          <a:lnRef idx="2">
-            <a:schemeClr val="accent1"/>
-          </a:lnRef>
-          <a:fillRef idx="0">
-            <a:schemeClr val="accent1"/>
-          </a:fillRef>
-          <a:effectRef idx="1">
-            <a:schemeClr val="accent1"/>
-          </a:effectRef>
-          <a:fontRef idx="minor">
-            <a:schemeClr val="tx1"/>
-          </a:fontRef>
-        </p:style>
-      </p:cxnSp>
-      <p:cxnSp>
-        <p:nvCxnSpPr>
-          <p:cNvPr id="55" name="Conector recto de flecha 54"/>
-          <p:cNvCxnSpPr/>
-          <p:nvPr/>
-        </p:nvCxnSpPr>
-        <p:spPr>
-          <a:xfrm flipH="1">
-            <a:off x="4747794" y="3605419"/>
-            <a:ext cx="974540" cy="0"/>
-          </a:xfrm>
-          <a:prstGeom prst="straightConnector1">
-            <a:avLst/>
-          </a:prstGeom>
-          <a:ln>
-            <a:solidFill>
-              <a:schemeClr val="tx1"/>
-            </a:solidFill>
-            <a:tailEnd type="stealth"/>
-          </a:ln>
-        </p:spPr>
-        <p:style>
-          <a:lnRef idx="2">
-            <a:schemeClr val="accent1"/>
-          </a:lnRef>
-          <a:fillRef idx="0">
-            <a:schemeClr val="accent1"/>
-          </a:fillRef>
-          <a:effectRef idx="1">
-            <a:schemeClr val="accent1"/>
-          </a:effectRef>
-          <a:fontRef idx="minor">
-            <a:schemeClr val="tx1"/>
-          </a:fontRef>
-        </p:style>
-      </p:cxnSp>
-      <p:cxnSp>
-        <p:nvCxnSpPr>
-          <p:cNvPr id="56" name="Conector recto de flecha 55"/>
-          <p:cNvCxnSpPr/>
-          <p:nvPr/>
-        </p:nvCxnSpPr>
-        <p:spPr>
-          <a:xfrm>
-            <a:off x="4747794" y="3789179"/>
-            <a:ext cx="974539" cy="0"/>
-          </a:xfrm>
-          <a:prstGeom prst="straightConnector1">
-            <a:avLst/>
-          </a:prstGeom>
-          <a:ln>
-            <a:solidFill>
-              <a:schemeClr val="tx1"/>
-            </a:solidFill>
-            <a:tailEnd type="stealth"/>
-          </a:ln>
-        </p:spPr>
-        <p:style>
-          <a:lnRef idx="2">
-            <a:schemeClr val="accent1"/>
-          </a:lnRef>
-          <a:fillRef idx="0">
-            <a:schemeClr val="accent1"/>
-          </a:fillRef>
-          <a:effectRef idx="1">
-            <a:schemeClr val="accent1"/>
-          </a:effectRef>
-          <a:fontRef idx="minor">
-            <a:schemeClr val="tx1"/>
-          </a:fontRef>
-        </p:style>
-      </p:cxnSp>
-      <p:cxnSp>
-        <p:nvCxnSpPr>
-          <p:cNvPr id="57" name="Conector angular 56"/>
-          <p:cNvCxnSpPr>
-            <a:stCxn id="9" idx="3"/>
-            <a:endCxn id="10" idx="3"/>
-          </p:cNvCxnSpPr>
-          <p:nvPr/>
-        </p:nvCxnSpPr>
-        <p:spPr>
-          <a:xfrm>
-            <a:off x="6953159" y="3694317"/>
-            <a:ext cx="1617421" cy="597753"/>
-          </a:xfrm>
-          <a:prstGeom prst="bentConnector3">
-            <a:avLst>
-              <a:gd name="adj1" fmla="val 114134"/>
-            </a:avLst>
-          </a:prstGeom>
-          <a:ln>
-            <a:solidFill>
-              <a:schemeClr val="tx1"/>
-            </a:solidFill>
-            <a:tailEnd type="stealth"/>
-          </a:ln>
-        </p:spPr>
-        <p:style>
-          <a:lnRef idx="2">
-            <a:schemeClr val="accent1"/>
-          </a:lnRef>
-          <a:fillRef idx="0">
-            <a:schemeClr val="accent1"/>
-          </a:fillRef>
-          <a:effectRef idx="1">
-            <a:schemeClr val="accent1"/>
-          </a:effectRef>
-          <a:fontRef idx="minor">
-            <a:schemeClr val="tx1"/>
-          </a:fontRef>
-        </p:style>
-      </p:cxnSp>
-      <p:cxnSp>
-        <p:nvCxnSpPr>
-          <p:cNvPr id="60" name="Conector angular 59"/>
-          <p:cNvCxnSpPr>
-            <a:stCxn id="9" idx="3"/>
-            <a:endCxn id="11" idx="3"/>
-          </p:cNvCxnSpPr>
-          <p:nvPr/>
-        </p:nvCxnSpPr>
-        <p:spPr>
-          <a:xfrm>
-            <a:off x="6953159" y="3694317"/>
-            <a:ext cx="1617421" cy="1408708"/>
-          </a:xfrm>
-          <a:prstGeom prst="bentConnector3">
-            <a:avLst>
-              <a:gd name="adj1" fmla="val 114134"/>
-            </a:avLst>
-          </a:prstGeom>
-          <a:ln>
-            <a:solidFill>
-              <a:schemeClr val="tx1"/>
-            </a:solidFill>
-            <a:headEnd type="triangle"/>
-            <a:tailEnd type="triangle"/>
-          </a:ln>
-        </p:spPr>
-        <p:style>
-          <a:lnRef idx="2">
-            <a:schemeClr val="accent1"/>
-          </a:lnRef>
-          <a:fillRef idx="0">
-            <a:schemeClr val="accent1"/>
-          </a:fillRef>
-          <a:effectRef idx="1">
-            <a:schemeClr val="accent1"/>
-          </a:effectRef>
-          <a:fontRef idx="minor">
-            <a:schemeClr val="tx1"/>
-          </a:fontRef>
-        </p:style>
-      </p:cxnSp>
-      <p:cxnSp>
-        <p:nvCxnSpPr>
-          <p:cNvPr id="64" name="Conector recto de flecha 63"/>
-          <p:cNvCxnSpPr>
-            <a:endCxn id="15" idx="1"/>
-          </p:cNvCxnSpPr>
-          <p:nvPr/>
-        </p:nvCxnSpPr>
-        <p:spPr>
-          <a:xfrm flipV="1">
-            <a:off x="5473600" y="5827068"/>
-            <a:ext cx="0" cy="390016"/>
-          </a:xfrm>
-          <a:prstGeom prst="straightConnector1">
-            <a:avLst/>
-          </a:prstGeom>
-          <a:ln>
-            <a:solidFill>
-              <a:schemeClr val="tx1">
-                <a:lumMod val="65000"/>
-              </a:schemeClr>
-            </a:solidFill>
-            <a:headEnd type="none"/>
-            <a:tailEnd type="none"/>
-          </a:ln>
-        </p:spPr>
-        <p:style>
-          <a:lnRef idx="2">
-            <a:schemeClr val="accent1"/>
-          </a:lnRef>
-          <a:fillRef idx="0">
-            <a:schemeClr val="accent1"/>
-          </a:fillRef>
-          <a:effectRef idx="1">
-            <a:schemeClr val="accent1"/>
-          </a:effectRef>
-          <a:fontRef idx="minor">
-            <a:schemeClr val="tx1"/>
-          </a:fontRef>
-        </p:style>
-      </p:cxnSp>
-      <p:cxnSp>
-        <p:nvCxnSpPr>
-          <p:cNvPr id="68" name="Conector recto de flecha 67"/>
-          <p:cNvCxnSpPr>
-            <a:endCxn id="14" idx="1"/>
-          </p:cNvCxnSpPr>
-          <p:nvPr/>
-        </p:nvCxnSpPr>
-        <p:spPr>
-          <a:xfrm flipV="1">
-            <a:off x="3537201" y="5827068"/>
-            <a:ext cx="0" cy="390016"/>
-          </a:xfrm>
-          <a:prstGeom prst="straightConnector1">
-            <a:avLst/>
-          </a:prstGeom>
-          <a:ln>
-            <a:solidFill>
-              <a:schemeClr val="tx1">
-                <a:lumMod val="65000"/>
-              </a:schemeClr>
-            </a:solidFill>
-            <a:headEnd type="none"/>
-            <a:tailEnd type="none"/>
-          </a:ln>
-        </p:spPr>
-        <p:style>
-          <a:lnRef idx="2">
-            <a:schemeClr val="accent1"/>
-          </a:lnRef>
-          <a:fillRef idx="0">
-            <a:schemeClr val="accent1"/>
-          </a:fillRef>
-          <a:effectRef idx="1">
-            <a:schemeClr val="accent1"/>
-          </a:effectRef>
-          <a:fontRef idx="minor">
-            <a:schemeClr val="tx1"/>
-          </a:fontRef>
-        </p:style>
-      </p:cxnSp>
-      <p:cxnSp>
-        <p:nvCxnSpPr>
-          <p:cNvPr id="71" name="Conector recto de flecha 70"/>
-          <p:cNvCxnSpPr>
-            <a:endCxn id="13" idx="1"/>
-          </p:cNvCxnSpPr>
-          <p:nvPr/>
-        </p:nvCxnSpPr>
-        <p:spPr>
-          <a:xfrm flipV="1">
-            <a:off x="2083420" y="5823627"/>
-            <a:ext cx="0" cy="393457"/>
-          </a:xfrm>
-          <a:prstGeom prst="straightConnector1">
-            <a:avLst/>
-          </a:prstGeom>
-          <a:ln>
-            <a:solidFill>
-              <a:schemeClr val="tx1">
-                <a:lumMod val="65000"/>
-              </a:schemeClr>
-            </a:solidFill>
-            <a:headEnd type="none"/>
-            <a:tailEnd type="none"/>
-          </a:ln>
-        </p:spPr>
-        <p:style>
-          <a:lnRef idx="2">
-            <a:schemeClr val="accent1"/>
-          </a:lnRef>
-          <a:fillRef idx="0">
-            <a:schemeClr val="accent1"/>
-          </a:fillRef>
-          <a:effectRef idx="1">
-            <a:schemeClr val="accent1"/>
-          </a:effectRef>
-          <a:fontRef idx="minor">
-            <a:schemeClr val="tx1"/>
-          </a:fontRef>
-        </p:style>
-      </p:cxnSp>
-      <p:sp>
-        <p:nvSpPr>
-          <p:cNvPr id="16" name="Rectángulo 15"/>
-          <p:cNvSpPr/>
-          <p:nvPr/>
-        </p:nvSpPr>
-        <p:spPr>
-          <a:xfrm>
-            <a:off x="1180135" y="6036766"/>
-            <a:ext cx="5300567" cy="266558"/>
-          </a:xfrm>
-          <a:prstGeom prst="rect">
-            <a:avLst/>
-          </a:prstGeom>
-          <a:solidFill>
-            <a:schemeClr val="tx1">
-              <a:lumMod val="50000"/>
-            </a:schemeClr>
-          </a:solidFill>
-          <a:ln>
-            <a:solidFill>
-              <a:schemeClr val="bg1">
-                <a:lumMod val="50000"/>
-                <a:lumOff val="50000"/>
-              </a:schemeClr>
-            </a:solidFill>
-          </a:ln>
-        </p:spPr>
-        <p:style>
-          <a:lnRef idx="1">
-            <a:schemeClr val="accent1"/>
-          </a:lnRef>
-          <a:fillRef idx="3">
-            <a:schemeClr val="accent1"/>
-          </a:fillRef>
-          <a:effectRef idx="2">
-            <a:schemeClr val="accent1"/>
-          </a:effectRef>
-          <a:fontRef idx="minor">
-            <a:schemeClr val="lt1"/>
-          </a:fontRef>
-        </p:style>
-        <p:txBody>
-          <a:bodyPr rtlCol="0" anchor="ctr"/>
-          <a:lstStyle/>
-          <a:p>
-            <a:pPr algn="ctr"/>
-            <a:r>
-              <a:rPr lang="es-ES" sz="1000"/>
-              <a:t>Host File System</a:t>
-            </a:r>
-          </a:p>
-        </p:txBody>
-      </p:sp>
-      <p:grpSp>
-        <p:nvGrpSpPr>
-          <p:cNvPr id="76" name="Agrupar 75"/>
-          <p:cNvGrpSpPr/>
-          <p:nvPr/>
-        </p:nvGrpSpPr>
-        <p:grpSpPr>
-          <a:xfrm rot="19827909">
-            <a:off x="2478539" y="3026894"/>
-            <a:ext cx="1092134" cy="183760"/>
-            <a:chOff x="4725640" y="2648945"/>
-            <a:chExt cx="1092134" cy="183760"/>
-          </a:xfrm>
-        </p:grpSpPr>
-        <p:cxnSp>
-          <p:nvCxnSpPr>
-            <p:cNvPr id="74" name="Conector recto de flecha 73"/>
-            <p:cNvCxnSpPr/>
-            <p:nvPr/>
-          </p:nvCxnSpPr>
-          <p:spPr>
-            <a:xfrm flipH="1">
-              <a:off x="4725640" y="2648945"/>
-              <a:ext cx="1092134" cy="0"/>
-            </a:xfrm>
-            <a:prstGeom prst="straightConnector1">
-              <a:avLst/>
-            </a:prstGeom>
-            <a:ln>
-              <a:solidFill>
-                <a:schemeClr val="tx1"/>
-              </a:solidFill>
-              <a:tailEnd type="stealth"/>
-            </a:ln>
-          </p:spPr>
-          <p:style>
-            <a:lnRef idx="2">
-              <a:schemeClr val="accent1"/>
-            </a:lnRef>
-            <a:fillRef idx="0">
-              <a:schemeClr val="accent1"/>
-            </a:fillRef>
-            <a:effectRef idx="1">
-              <a:schemeClr val="accent1"/>
-            </a:effectRef>
-            <a:fontRef idx="minor">
-              <a:schemeClr val="tx1"/>
-            </a:fontRef>
-          </p:style>
-        </p:cxnSp>
-        <p:cxnSp>
-          <p:nvCxnSpPr>
-            <p:cNvPr id="75" name="Conector recto de flecha 74"/>
-            <p:cNvCxnSpPr/>
-            <p:nvPr/>
-          </p:nvCxnSpPr>
-          <p:spPr>
-            <a:xfrm>
-              <a:off x="4725640" y="2832705"/>
-              <a:ext cx="1092134" cy="0"/>
-            </a:xfrm>
-            <a:prstGeom prst="straightConnector1">
-              <a:avLst/>
-            </a:prstGeom>
-            <a:ln>
-              <a:solidFill>
-                <a:schemeClr val="tx1"/>
-              </a:solidFill>
-              <a:tailEnd type="stealth"/>
-            </a:ln>
-          </p:spPr>
-          <p:style>
-            <a:lnRef idx="2">
-              <a:schemeClr val="accent1"/>
-            </a:lnRef>
-            <a:fillRef idx="0">
-              <a:schemeClr val="accent1"/>
-            </a:fillRef>
-            <a:effectRef idx="1">
-              <a:schemeClr val="accent1"/>
-            </a:effectRef>
-            <a:fontRef idx="minor">
-              <a:schemeClr val="tx1"/>
-            </a:fontRef>
-          </p:style>
-        </p:cxnSp>
-      </p:grpSp>
-      <p:grpSp>
-        <p:nvGrpSpPr>
-          <p:cNvPr id="79" name="Agrupar 78"/>
-          <p:cNvGrpSpPr/>
-          <p:nvPr/>
-        </p:nvGrpSpPr>
-        <p:grpSpPr>
-          <a:xfrm rot="5400000">
-            <a:off x="3792239" y="3040410"/>
-            <a:ext cx="593419" cy="183761"/>
-            <a:chOff x="4738269" y="3757819"/>
-            <a:chExt cx="974540" cy="183760"/>
-          </a:xfrm>
-        </p:grpSpPr>
-        <p:cxnSp>
-          <p:nvCxnSpPr>
-            <p:cNvPr id="77" name="Conector recto de flecha 76"/>
-            <p:cNvCxnSpPr/>
-            <p:nvPr/>
-          </p:nvCxnSpPr>
-          <p:spPr>
-            <a:xfrm flipH="1">
-              <a:off x="4738269" y="3757819"/>
-              <a:ext cx="974540" cy="0"/>
-            </a:xfrm>
-            <a:prstGeom prst="straightConnector1">
-              <a:avLst/>
-            </a:prstGeom>
-            <a:ln>
-              <a:solidFill>
-                <a:schemeClr val="tx1"/>
-              </a:solidFill>
-              <a:tailEnd type="stealth"/>
-            </a:ln>
-          </p:spPr>
-          <p:style>
-            <a:lnRef idx="2">
-              <a:schemeClr val="accent1"/>
-            </a:lnRef>
-            <a:fillRef idx="0">
-              <a:schemeClr val="accent1"/>
-            </a:fillRef>
-            <a:effectRef idx="1">
-              <a:schemeClr val="accent1"/>
-            </a:effectRef>
-            <a:fontRef idx="minor">
-              <a:schemeClr val="tx1"/>
-            </a:fontRef>
-          </p:style>
-        </p:cxnSp>
-        <p:cxnSp>
-          <p:nvCxnSpPr>
-            <p:cNvPr id="78" name="Conector recto de flecha 77"/>
-            <p:cNvCxnSpPr/>
-            <p:nvPr/>
-          </p:nvCxnSpPr>
-          <p:spPr>
-            <a:xfrm>
-              <a:off x="4738269" y="3941579"/>
-              <a:ext cx="974539" cy="0"/>
-            </a:xfrm>
-            <a:prstGeom prst="straightConnector1">
-              <a:avLst/>
-            </a:prstGeom>
-            <a:ln>
-              <a:solidFill>
-                <a:schemeClr val="tx1"/>
-              </a:solidFill>
-              <a:tailEnd type="stealth"/>
-            </a:ln>
-          </p:spPr>
-          <p:style>
-            <a:lnRef idx="2">
-              <a:schemeClr val="accent1"/>
-            </a:lnRef>
-            <a:fillRef idx="0">
-              <a:schemeClr val="accent1"/>
-            </a:fillRef>
-            <a:effectRef idx="1">
-              <a:schemeClr val="accent1"/>
-            </a:effectRef>
-            <a:fontRef idx="minor">
-              <a:schemeClr val="tx1"/>
-            </a:fontRef>
-          </p:style>
-        </p:cxnSp>
-      </p:grpSp>
-      <p:sp>
-        <p:nvSpPr>
-          <p:cNvPr id="80" name="CuadroTexto 79"/>
-          <p:cNvSpPr txBox="1"/>
-          <p:nvPr/>
-        </p:nvSpPr>
-        <p:spPr>
-          <a:xfrm>
-            <a:off x="4078910" y="1601049"/>
-            <a:ext cx="659155" cy="369332"/>
-          </a:xfrm>
-          <a:prstGeom prst="rect">
-            <a:avLst/>
-          </a:prstGeom>
-          <a:noFill/>
-        </p:spPr>
-        <p:txBody>
-          <a:bodyPr wrap="none" rtlCol="0">
-            <a:spAutoFit/>
-          </a:bodyPr>
-          <a:lstStyle/>
-          <a:p>
-            <a:r>
-              <a:rPr lang="es-ES" sz="600"/>
-              <a:t>INDATA</a:t>
-            </a:r>
-          </a:p>
-          <a:p>
-            <a:r>
-              <a:rPr lang="es-ES" sz="600"/>
-              <a:t>DATA_RQST</a:t>
-            </a:r>
-          </a:p>
-          <a:p>
-            <a:r>
-              <a:rPr lang="es-ES" sz="600"/>
-              <a:t>MONIT_RQST</a:t>
-            </a:r>
-          </a:p>
-        </p:txBody>
-      </p:sp>
-      <p:sp>
-        <p:nvSpPr>
-          <p:cNvPr id="81" name="CuadroTexto 80"/>
-          <p:cNvSpPr txBox="1"/>
-          <p:nvPr/>
-        </p:nvSpPr>
-        <p:spPr>
-          <a:xfrm>
-            <a:off x="4951654" y="2652530"/>
-            <a:ext cx="659155" cy="276999"/>
-          </a:xfrm>
-          <a:prstGeom prst="rect">
-            <a:avLst/>
-          </a:prstGeom>
-          <a:noFill/>
-        </p:spPr>
-        <p:txBody>
-          <a:bodyPr wrap="none" rtlCol="0">
-            <a:spAutoFit/>
-          </a:bodyPr>
-          <a:lstStyle/>
-          <a:p>
-            <a:r>
-              <a:rPr lang="es-ES" sz="600"/>
-              <a:t>START / STOP</a:t>
-            </a:r>
-          </a:p>
-          <a:p>
-            <a:r>
-              <a:rPr lang="es-ES" sz="600"/>
-              <a:t>MONIT_RQST</a:t>
-            </a:r>
-          </a:p>
-        </p:txBody>
-      </p:sp>
-      <p:sp>
-        <p:nvSpPr>
-          <p:cNvPr id="82" name="CuadroTexto 81"/>
-          <p:cNvSpPr txBox="1"/>
-          <p:nvPr/>
-        </p:nvSpPr>
-        <p:spPr>
-          <a:xfrm>
-            <a:off x="2446139" y="2138534"/>
-            <a:ext cx="1065203" cy="369332"/>
-          </a:xfrm>
-          <a:prstGeom prst="rect">
-            <a:avLst/>
-          </a:prstGeom>
-          <a:noFill/>
-        </p:spPr>
-        <p:txBody>
-          <a:bodyPr wrap="none" rtlCol="0">
-            <a:spAutoFit/>
-          </a:bodyPr>
-          <a:lstStyle/>
-          <a:p>
-            <a:pPr algn="ctr"/>
-            <a:r>
-              <a:rPr lang="es-ES" sz="600"/>
-              <a:t>START / STOP</a:t>
-            </a:r>
-          </a:p>
-          <a:p>
-            <a:pPr algn="ctr"/>
-            <a:r>
-              <a:rPr lang="es-ES" sz="600"/>
-              <a:t>TSK_PROC / TSK_RES</a:t>
-            </a:r>
-          </a:p>
-          <a:p>
-            <a:pPr algn="ctr"/>
-            <a:r>
-              <a:rPr lang="es-ES" sz="600"/>
-              <a:t>DATA_INFO / MONIT_INFO</a:t>
-            </a:r>
-          </a:p>
-        </p:txBody>
-      </p:sp>
-      <p:sp>
-        <p:nvSpPr>
-          <p:cNvPr id="83" name="CuadroTexto 82"/>
-          <p:cNvSpPr txBox="1"/>
-          <p:nvPr/>
-        </p:nvSpPr>
-        <p:spPr>
-          <a:xfrm>
-            <a:off x="4141629" y="2912073"/>
-            <a:ext cx="484365" cy="184666"/>
-          </a:xfrm>
-          <a:prstGeom prst="rect">
-            <a:avLst/>
-          </a:prstGeom>
-          <a:noFill/>
-        </p:spPr>
-        <p:txBody>
-          <a:bodyPr wrap="none" rtlCol="0">
-            <a:spAutoFit/>
-          </a:bodyPr>
-          <a:lstStyle/>
-          <a:p>
-            <a:r>
-              <a:rPr lang="es-ES" sz="600"/>
-              <a:t>TSK_RES</a:t>
-            </a:r>
-          </a:p>
-        </p:txBody>
-      </p:sp>
-      <p:sp>
-        <p:nvSpPr>
-          <p:cNvPr id="84" name="CuadroTexto 83"/>
-          <p:cNvSpPr txBox="1"/>
-          <p:nvPr/>
-        </p:nvSpPr>
-        <p:spPr>
-          <a:xfrm>
-            <a:off x="3385266" y="3057539"/>
-            <a:ext cx="659155" cy="276999"/>
-          </a:xfrm>
-          <a:prstGeom prst="rect">
-            <a:avLst/>
-          </a:prstGeom>
-          <a:noFill/>
-        </p:spPr>
-        <p:txBody>
-          <a:bodyPr wrap="none" rtlCol="0">
-            <a:spAutoFit/>
-          </a:bodyPr>
-          <a:lstStyle/>
-          <a:p>
-            <a:pPr algn="r"/>
-            <a:r>
-              <a:rPr lang="es-ES" sz="600"/>
-              <a:t>START / STOP</a:t>
-            </a:r>
-          </a:p>
-          <a:p>
-            <a:pPr algn="r"/>
-            <a:r>
-              <a:rPr lang="es-ES" sz="600"/>
-              <a:t>INDATA</a:t>
-            </a:r>
-          </a:p>
-        </p:txBody>
-      </p:sp>
-      <p:sp>
-        <p:nvSpPr>
-          <p:cNvPr id="85" name="CuadroTexto 84"/>
-          <p:cNvSpPr txBox="1"/>
-          <p:nvPr/>
-        </p:nvSpPr>
-        <p:spPr>
-          <a:xfrm>
-            <a:off x="2961290" y="3180665"/>
-            <a:ext cx="573557" cy="184666"/>
-          </a:xfrm>
-          <a:prstGeom prst="rect">
-            <a:avLst/>
-          </a:prstGeom>
-          <a:noFill/>
-        </p:spPr>
-        <p:txBody>
-          <a:bodyPr wrap="none" rtlCol="0">
-            <a:spAutoFit/>
-          </a:bodyPr>
-          <a:lstStyle/>
-          <a:p>
-            <a:r>
-              <a:rPr lang="es-ES" sz="600"/>
-              <a:t>DATA_INFO</a:t>
-            </a:r>
-          </a:p>
-        </p:txBody>
-      </p:sp>
-      <p:sp>
-        <p:nvSpPr>
-          <p:cNvPr id="86" name="CuadroTexto 85"/>
-          <p:cNvSpPr txBox="1"/>
-          <p:nvPr/>
-        </p:nvSpPr>
-        <p:spPr>
-          <a:xfrm>
-            <a:off x="2027756" y="2913981"/>
-            <a:ext cx="902811" cy="369332"/>
-          </a:xfrm>
-          <a:prstGeom prst="rect">
-            <a:avLst/>
-          </a:prstGeom>
-          <a:noFill/>
-        </p:spPr>
-        <p:txBody>
-          <a:bodyPr wrap="none" rtlCol="0">
-            <a:spAutoFit/>
-          </a:bodyPr>
-          <a:lstStyle/>
-          <a:p>
-            <a:r>
-              <a:rPr lang="es-ES" sz="600"/>
-              <a:t>                 START / STOP</a:t>
-            </a:r>
-          </a:p>
-          <a:p>
-            <a:r>
-              <a:rPr lang="es-ES" sz="600"/>
-              <a:t>                   INDATA   </a:t>
-            </a:r>
-          </a:p>
-          <a:p>
-            <a:r>
-              <a:rPr lang="es-ES" sz="600"/>
-              <a:t>DATA_RQST</a:t>
-            </a:r>
-          </a:p>
-        </p:txBody>
-      </p:sp>
-      <p:sp>
-        <p:nvSpPr>
-          <p:cNvPr id="87" name="CuadroTexto 86"/>
-          <p:cNvSpPr txBox="1"/>
-          <p:nvPr/>
-        </p:nvSpPr>
-        <p:spPr>
-          <a:xfrm>
-            <a:off x="2727048" y="3773499"/>
-            <a:ext cx="573557" cy="184666"/>
-          </a:xfrm>
-          <a:prstGeom prst="rect">
-            <a:avLst/>
-          </a:prstGeom>
-          <a:noFill/>
-        </p:spPr>
-        <p:txBody>
-          <a:bodyPr wrap="none" rtlCol="0">
-            <a:spAutoFit/>
-          </a:bodyPr>
-          <a:lstStyle/>
-          <a:p>
-            <a:r>
-              <a:rPr lang="es-ES" sz="600"/>
-              <a:t>DATA_INFO</a:t>
-            </a:r>
-          </a:p>
-        </p:txBody>
-      </p:sp>
-      <p:sp>
-        <p:nvSpPr>
-          <p:cNvPr id="88" name="CuadroTexto 87"/>
-          <p:cNvSpPr txBox="1"/>
-          <p:nvPr/>
-        </p:nvSpPr>
-        <p:spPr>
-          <a:xfrm>
-            <a:off x="2893572" y="3342182"/>
-            <a:ext cx="607859" cy="276999"/>
-          </a:xfrm>
-          <a:prstGeom prst="rect">
-            <a:avLst/>
-          </a:prstGeom>
-          <a:noFill/>
-        </p:spPr>
-        <p:txBody>
-          <a:bodyPr wrap="none" rtlCol="0">
-            <a:spAutoFit/>
-          </a:bodyPr>
-          <a:lstStyle/>
-          <a:p>
-            <a:pPr algn="ctr"/>
-            <a:r>
-              <a:rPr lang="es-ES" sz="600"/>
-              <a:t>DATA_RQST</a:t>
-            </a:r>
-            <a:br>
-              <a:rPr lang="es-ES" sz="600"/>
-            </a:br>
-            <a:r>
-              <a:rPr lang="es-ES" sz="600"/>
-              <a:t>TSK_RES</a:t>
-            </a:r>
-          </a:p>
-        </p:txBody>
-      </p:sp>
-      <p:sp>
-        <p:nvSpPr>
-          <p:cNvPr id="89" name="CuadroTexto 88"/>
-          <p:cNvSpPr txBox="1"/>
-          <p:nvPr/>
-        </p:nvSpPr>
-        <p:spPr>
-          <a:xfrm>
-            <a:off x="6998716" y="3507101"/>
-            <a:ext cx="484365" cy="184666"/>
-          </a:xfrm>
-          <a:prstGeom prst="rect">
-            <a:avLst/>
-          </a:prstGeom>
-          <a:noFill/>
-        </p:spPr>
-        <p:txBody>
-          <a:bodyPr wrap="none" rtlCol="0">
-            <a:spAutoFit/>
-          </a:bodyPr>
-          <a:lstStyle/>
-          <a:p>
-            <a:r>
-              <a:rPr lang="es-ES" sz="600"/>
-              <a:t>TSK_RES</a:t>
-            </a:r>
-          </a:p>
-        </p:txBody>
-      </p:sp>
-      <p:sp>
-        <p:nvSpPr>
-          <p:cNvPr id="90" name="CuadroTexto 89"/>
-          <p:cNvSpPr txBox="1"/>
-          <p:nvPr/>
-        </p:nvSpPr>
-        <p:spPr>
-          <a:xfrm>
-            <a:off x="8559043" y="5141168"/>
-            <a:ext cx="556563" cy="184666"/>
-          </a:xfrm>
-          <a:prstGeom prst="rect">
-            <a:avLst/>
-          </a:prstGeom>
-          <a:noFill/>
-        </p:spPr>
-        <p:txBody>
-          <a:bodyPr wrap="none" rtlCol="0">
-            <a:spAutoFit/>
-          </a:bodyPr>
-          <a:lstStyle/>
-          <a:p>
-            <a:r>
-              <a:rPr lang="es-ES" sz="600"/>
-              <a:t>TSK_PROC</a:t>
-            </a:r>
-          </a:p>
-        </p:txBody>
-      </p:sp>
-      <p:sp>
-        <p:nvSpPr>
-          <p:cNvPr id="91" name="CuadroTexto 90"/>
-          <p:cNvSpPr txBox="1"/>
-          <p:nvPr/>
-        </p:nvSpPr>
-        <p:spPr>
-          <a:xfrm>
-            <a:off x="3292664" y="1235607"/>
-            <a:ext cx="697627" cy="184666"/>
-          </a:xfrm>
-          <a:prstGeom prst="rect">
-            <a:avLst/>
-          </a:prstGeom>
-          <a:noFill/>
-        </p:spPr>
-        <p:txBody>
-          <a:bodyPr wrap="none" rtlCol="0">
-            <a:spAutoFit/>
-          </a:bodyPr>
-          <a:lstStyle/>
-          <a:p>
-            <a:r>
-              <a:rPr lang="es-ES" sz="600">
-                <a:solidFill>
-                  <a:schemeClr val="bg2">
-                    <a:lumMod val="50000"/>
-                    <a:lumOff val="50000"/>
-                  </a:schemeClr>
-                </a:solidFill>
-              </a:rPr>
-              <a:t>SYSTEM START</a:t>
-            </a:r>
-          </a:p>
-        </p:txBody>
-      </p:sp>
-      <p:sp>
-        <p:nvSpPr>
-          <p:cNvPr id="92" name="CuadroTexto 91"/>
-          <p:cNvSpPr txBox="1"/>
-          <p:nvPr/>
-        </p:nvSpPr>
-        <p:spPr>
-          <a:xfrm>
-            <a:off x="2557582" y="2650914"/>
-            <a:ext cx="671979" cy="184666"/>
-          </a:xfrm>
-          <a:prstGeom prst="rect">
-            <a:avLst/>
-          </a:prstGeom>
-          <a:noFill/>
-        </p:spPr>
-        <p:txBody>
-          <a:bodyPr wrap="none" rtlCol="0">
-            <a:spAutoFit/>
-          </a:bodyPr>
-          <a:lstStyle/>
-          <a:p>
-            <a:r>
-              <a:rPr lang="es-ES" sz="600">
-                <a:solidFill>
-                  <a:schemeClr val="bg2">
-                    <a:lumMod val="50000"/>
-                    <a:lumOff val="50000"/>
-                  </a:schemeClr>
-                </a:solidFill>
-              </a:rPr>
-              <a:t>SYSTEM STOP</a:t>
-            </a:r>
-          </a:p>
-        </p:txBody>
-      </p:sp>
-      <p:sp>
-        <p:nvSpPr>
-          <p:cNvPr id="93" name="CuadroTexto 92"/>
-          <p:cNvSpPr txBox="1"/>
-          <p:nvPr/>
-        </p:nvSpPr>
-        <p:spPr>
-          <a:xfrm>
-            <a:off x="4992009" y="3414768"/>
-            <a:ext cx="484365" cy="184666"/>
-          </a:xfrm>
-          <a:prstGeom prst="rect">
-            <a:avLst/>
-          </a:prstGeom>
-          <a:noFill/>
-        </p:spPr>
-        <p:txBody>
-          <a:bodyPr wrap="none" rtlCol="0">
-            <a:spAutoFit/>
-          </a:bodyPr>
-          <a:lstStyle/>
-          <a:p>
-            <a:r>
-              <a:rPr lang="es-ES" sz="600"/>
-              <a:t>TSK_RES</a:t>
-            </a:r>
-          </a:p>
-        </p:txBody>
-      </p:sp>
-      <p:sp>
-        <p:nvSpPr>
-          <p:cNvPr id="94" name="CuadroTexto 93"/>
-          <p:cNvSpPr txBox="1"/>
-          <p:nvPr/>
-        </p:nvSpPr>
-        <p:spPr>
-          <a:xfrm>
-            <a:off x="4961553" y="3774968"/>
-            <a:ext cx="556563" cy="184666"/>
-          </a:xfrm>
-          <a:prstGeom prst="rect">
-            <a:avLst/>
-          </a:prstGeom>
-          <a:noFill/>
-        </p:spPr>
-        <p:txBody>
-          <a:bodyPr wrap="none" rtlCol="0">
-            <a:spAutoFit/>
-          </a:bodyPr>
-          <a:lstStyle/>
-          <a:p>
-            <a:r>
-              <a:rPr lang="es-ES" sz="600"/>
-              <a:t>TSK_PROC</a:t>
-            </a:r>
-          </a:p>
-        </p:txBody>
-      </p:sp>
-      <p:sp>
-        <p:nvSpPr>
-          <p:cNvPr id="95" name="CuadroTexto 94"/>
-          <p:cNvSpPr txBox="1"/>
-          <p:nvPr/>
-        </p:nvSpPr>
-        <p:spPr>
-          <a:xfrm>
-            <a:off x="4952614" y="2320627"/>
-            <a:ext cx="624352" cy="184666"/>
-          </a:xfrm>
-          <a:prstGeom prst="rect">
-            <a:avLst/>
-          </a:prstGeom>
-          <a:noFill/>
-        </p:spPr>
-        <p:txBody>
-          <a:bodyPr wrap="none" rtlCol="0">
-            <a:spAutoFit/>
-          </a:bodyPr>
-          <a:lstStyle/>
-          <a:p>
-            <a:r>
-              <a:rPr lang="es-ES" sz="600"/>
-              <a:t>MONIT_INFO</a:t>
-            </a:r>
-          </a:p>
-        </p:txBody>
-      </p:sp>
-      <p:cxnSp>
-        <p:nvCxnSpPr>
-          <p:cNvPr id="97" name="Conector recto de flecha 96"/>
-          <p:cNvCxnSpPr/>
-          <p:nvPr/>
-        </p:nvCxnSpPr>
-        <p:spPr>
-          <a:xfrm rot="1772091">
-            <a:off x="4701156" y="3100723"/>
-            <a:ext cx="1092134" cy="0"/>
-          </a:xfrm>
-          <a:prstGeom prst="straightConnector1">
-            <a:avLst/>
-          </a:prstGeom>
-          <a:ln>
-            <a:solidFill>
-              <a:schemeClr val="tx1"/>
-            </a:solidFill>
-            <a:tailEnd type="stealth"/>
-          </a:ln>
-        </p:spPr>
-        <p:style>
-          <a:lnRef idx="2">
-            <a:schemeClr val="accent1"/>
-          </a:lnRef>
-          <a:fillRef idx="0">
-            <a:schemeClr val="accent1"/>
-          </a:fillRef>
-          <a:effectRef idx="1">
-            <a:schemeClr val="accent1"/>
-          </a:effectRef>
-          <a:fontRef idx="minor">
-            <a:schemeClr val="tx1"/>
-          </a:fontRef>
-        </p:style>
-      </p:cxnSp>
-      <p:sp>
-        <p:nvSpPr>
-          <p:cNvPr id="99" name="CuadroTexto 98"/>
-          <p:cNvSpPr txBox="1"/>
-          <p:nvPr/>
-        </p:nvSpPr>
-        <p:spPr>
-          <a:xfrm>
-            <a:off x="4697299" y="3062380"/>
-            <a:ext cx="646331" cy="184666"/>
-          </a:xfrm>
-          <a:prstGeom prst="rect">
-            <a:avLst/>
-          </a:prstGeom>
-          <a:noFill/>
-        </p:spPr>
-        <p:txBody>
-          <a:bodyPr wrap="none" rtlCol="0">
-            <a:spAutoFit/>
-          </a:bodyPr>
-          <a:lstStyle/>
-          <a:p>
-            <a:r>
-              <a:rPr lang="es-ES" sz="600"/>
-              <a:t>START / STOP</a:t>
-            </a:r>
-          </a:p>
-        </p:txBody>
-      </p:sp>
-      <p:sp>
-        <p:nvSpPr>
-          <p:cNvPr id="12" name="Rounded Rectangle 11"/>
-          <p:cNvSpPr/>
-          <p:nvPr/>
-        </p:nvSpPr>
-        <p:spPr>
-          <a:xfrm>
-            <a:off x="333375" y="2844090"/>
-            <a:ext cx="476250" cy="2092555"/>
-          </a:xfrm>
-          <a:prstGeom prst="roundRect">
-            <a:avLst/>
-          </a:prstGeom>
-        </p:spPr>
-        <p:style>
-          <a:lnRef idx="1">
-            <a:schemeClr val="accent2"/>
-          </a:lnRef>
-          <a:fillRef idx="3">
-            <a:schemeClr val="accent2"/>
-          </a:fillRef>
-          <a:effectRef idx="2">
-            <a:schemeClr val="accent2"/>
-          </a:effectRef>
-          <a:fontRef idx="minor">
-            <a:schemeClr val="lt1"/>
-          </a:fontRef>
-        </p:style>
-        <p:txBody>
-          <a:bodyPr vert="vert270" rtlCol="0" anchor="ctr"/>
-          <a:lstStyle/>
-          <a:p>
-            <a:pPr algn="ctr"/>
-            <a:r>
-              <a:rPr lang="en-US" sz="1200" b="1" dirty="0" smtClean="0"/>
-              <a:t>External Archive</a:t>
-            </a:r>
-            <a:endParaRPr lang="es-ES" sz="1200" b="1" dirty="0"/>
-          </a:p>
-        </p:txBody>
-      </p:sp>
-      <p:cxnSp>
-        <p:nvCxnSpPr>
-          <p:cNvPr id="22" name="Straight Arrow Connector 21"/>
-          <p:cNvCxnSpPr>
-            <a:stCxn id="7" idx="1"/>
-          </p:cNvCxnSpPr>
-          <p:nvPr/>
-        </p:nvCxnSpPr>
-        <p:spPr>
-          <a:xfrm flipH="1">
-            <a:off x="809625" y="3694317"/>
-            <a:ext cx="488105" cy="0"/>
-          </a:xfrm>
-          <a:prstGeom prst="straightConnector1">
-            <a:avLst/>
-          </a:prstGeom>
-          <a:ln w="50800">
-            <a:tailEnd type="stealth"/>
-          </a:ln>
+          <a:ln w="76200"/>
         </p:spPr>
         <p:style>
           <a:lnRef idx="1">
@@ -6137,10 +8949,2280 @@
           </a:fontRef>
         </p:style>
       </p:cxnSp>
+      <p:grpSp>
+        <p:nvGrpSpPr>
+          <p:cNvPr id="367" name="Group 366"/>
+          <p:cNvGrpSpPr/>
+          <p:nvPr/>
+        </p:nvGrpSpPr>
+        <p:grpSpPr>
+          <a:xfrm>
+            <a:off x="1105321" y="4009541"/>
+            <a:ext cx="1235091" cy="533842"/>
+            <a:chOff x="1244877" y="4009541"/>
+            <a:chExt cx="1235091" cy="533842"/>
+          </a:xfrm>
+        </p:grpSpPr>
+        <p:grpSp>
+          <p:nvGrpSpPr>
+            <p:cNvPr id="242" name="Group 241"/>
+            <p:cNvGrpSpPr/>
+            <p:nvPr/>
+          </p:nvGrpSpPr>
+          <p:grpSpPr>
+            <a:xfrm>
+              <a:off x="1248450" y="4012749"/>
+              <a:ext cx="1231518" cy="530634"/>
+              <a:chOff x="4906456" y="1214806"/>
+              <a:chExt cx="1231518" cy="530634"/>
+            </a:xfrm>
+          </p:grpSpPr>
+          <p:grpSp>
+            <p:nvGrpSpPr>
+              <p:cNvPr id="243" name="Group 242"/>
+              <p:cNvGrpSpPr/>
+              <p:nvPr/>
+            </p:nvGrpSpPr>
+            <p:grpSpPr>
+              <a:xfrm>
+                <a:off x="4944656" y="1214806"/>
+                <a:ext cx="1155118" cy="530634"/>
+                <a:chOff x="4932574" y="1214806"/>
+                <a:chExt cx="1155118" cy="530634"/>
+              </a:xfrm>
+            </p:grpSpPr>
+            <p:sp>
+              <p:nvSpPr>
+                <p:cNvPr id="249" name="Rectangle 248"/>
+                <p:cNvSpPr/>
+                <p:nvPr/>
+              </p:nvSpPr>
+              <p:spPr>
+                <a:xfrm>
+                  <a:off x="5132409" y="1214806"/>
+                  <a:ext cx="155944" cy="530634"/>
+                </a:xfrm>
+                <a:prstGeom prst="rect">
+                  <a:avLst/>
+                </a:prstGeom>
+                <a:solidFill>
+                  <a:schemeClr val="bg2"/>
+                </a:solidFill>
+                <a:ln w="3175">
+                  <a:noFill/>
+                </a:ln>
+              </p:spPr>
+              <p:style>
+                <a:lnRef idx="2">
+                  <a:schemeClr val="dk1"/>
+                </a:lnRef>
+                <a:fillRef idx="1">
+                  <a:schemeClr val="lt1"/>
+                </a:fillRef>
+                <a:effectRef idx="0">
+                  <a:schemeClr val="dk1"/>
+                </a:effectRef>
+                <a:fontRef idx="minor">
+                  <a:schemeClr val="dk1"/>
+                </a:fontRef>
+              </p:style>
+              <p:txBody>
+                <a:bodyPr rtlCol="0" anchor="ctr"/>
+                <a:lstStyle/>
+                <a:p>
+                  <a:pPr algn="ctr"/>
+                  <a:endParaRPr lang="es-ES"/>
+                </a:p>
+              </p:txBody>
+            </p:sp>
+            <p:sp>
+              <p:nvSpPr>
+                <p:cNvPr id="250" name="Rectangle 249"/>
+                <p:cNvSpPr/>
+                <p:nvPr/>
+              </p:nvSpPr>
+              <p:spPr>
+                <a:xfrm>
+                  <a:off x="5731914" y="1214806"/>
+                  <a:ext cx="155944" cy="530634"/>
+                </a:xfrm>
+                <a:prstGeom prst="rect">
+                  <a:avLst/>
+                </a:prstGeom>
+                <a:solidFill>
+                  <a:schemeClr val="bg2"/>
+                </a:solidFill>
+                <a:ln w="3175">
+                  <a:noFill/>
+                </a:ln>
+              </p:spPr>
+              <p:style>
+                <a:lnRef idx="2">
+                  <a:schemeClr val="dk1"/>
+                </a:lnRef>
+                <a:fillRef idx="1">
+                  <a:schemeClr val="lt1"/>
+                </a:fillRef>
+                <a:effectRef idx="0">
+                  <a:schemeClr val="dk1"/>
+                </a:effectRef>
+                <a:fontRef idx="minor">
+                  <a:schemeClr val="dk1"/>
+                </a:fontRef>
+              </p:style>
+              <p:txBody>
+                <a:bodyPr rtlCol="0" anchor="ctr"/>
+                <a:lstStyle/>
+                <a:p>
+                  <a:pPr algn="ctr"/>
+                  <a:endParaRPr lang="es-ES"/>
+                </a:p>
+              </p:txBody>
+            </p:sp>
+            <p:sp>
+              <p:nvSpPr>
+                <p:cNvPr id="251" name="Rectangle 250"/>
+                <p:cNvSpPr/>
+                <p:nvPr/>
+              </p:nvSpPr>
+              <p:spPr>
+                <a:xfrm>
+                  <a:off x="5332244" y="1214806"/>
+                  <a:ext cx="155944" cy="530634"/>
+                </a:xfrm>
+                <a:prstGeom prst="rect">
+                  <a:avLst/>
+                </a:prstGeom>
+                <a:solidFill>
+                  <a:schemeClr val="bg2"/>
+                </a:solidFill>
+                <a:ln w="3175">
+                  <a:noFill/>
+                </a:ln>
+              </p:spPr>
+              <p:style>
+                <a:lnRef idx="2">
+                  <a:schemeClr val="dk1"/>
+                </a:lnRef>
+                <a:fillRef idx="1">
+                  <a:schemeClr val="lt1"/>
+                </a:fillRef>
+                <a:effectRef idx="0">
+                  <a:schemeClr val="dk1"/>
+                </a:effectRef>
+                <a:fontRef idx="minor">
+                  <a:schemeClr val="dk1"/>
+                </a:fontRef>
+              </p:style>
+              <p:txBody>
+                <a:bodyPr rtlCol="0" anchor="ctr"/>
+                <a:lstStyle/>
+                <a:p>
+                  <a:pPr algn="ctr"/>
+                  <a:endParaRPr lang="es-ES"/>
+                </a:p>
+              </p:txBody>
+            </p:sp>
+            <p:sp>
+              <p:nvSpPr>
+                <p:cNvPr id="252" name="Rectangle 251"/>
+                <p:cNvSpPr/>
+                <p:nvPr/>
+              </p:nvSpPr>
+              <p:spPr>
+                <a:xfrm>
+                  <a:off x="5931748" y="1214806"/>
+                  <a:ext cx="155944" cy="530634"/>
+                </a:xfrm>
+                <a:prstGeom prst="rect">
+                  <a:avLst/>
+                </a:prstGeom>
+                <a:solidFill>
+                  <a:schemeClr val="bg2"/>
+                </a:solidFill>
+                <a:ln w="3175">
+                  <a:noFill/>
+                </a:ln>
+              </p:spPr>
+              <p:style>
+                <a:lnRef idx="2">
+                  <a:schemeClr val="dk1"/>
+                </a:lnRef>
+                <a:fillRef idx="1">
+                  <a:schemeClr val="lt1"/>
+                </a:fillRef>
+                <a:effectRef idx="0">
+                  <a:schemeClr val="dk1"/>
+                </a:effectRef>
+                <a:fontRef idx="minor">
+                  <a:schemeClr val="dk1"/>
+                </a:fontRef>
+              </p:style>
+              <p:txBody>
+                <a:bodyPr rtlCol="0" anchor="ctr"/>
+                <a:lstStyle/>
+                <a:p>
+                  <a:pPr algn="ctr"/>
+                  <a:endParaRPr lang="es-ES"/>
+                </a:p>
+              </p:txBody>
+            </p:sp>
+            <p:sp>
+              <p:nvSpPr>
+                <p:cNvPr id="253" name="Rectangle 252"/>
+                <p:cNvSpPr/>
+                <p:nvPr/>
+              </p:nvSpPr>
+              <p:spPr>
+                <a:xfrm>
+                  <a:off x="4932574" y="1214806"/>
+                  <a:ext cx="155944" cy="530634"/>
+                </a:xfrm>
+                <a:prstGeom prst="rect">
+                  <a:avLst/>
+                </a:prstGeom>
+                <a:solidFill>
+                  <a:schemeClr val="bg2"/>
+                </a:solidFill>
+                <a:ln w="3175">
+                  <a:noFill/>
+                </a:ln>
+              </p:spPr>
+              <p:style>
+                <a:lnRef idx="2">
+                  <a:schemeClr val="dk1"/>
+                </a:lnRef>
+                <a:fillRef idx="1">
+                  <a:schemeClr val="lt1"/>
+                </a:fillRef>
+                <a:effectRef idx="0">
+                  <a:schemeClr val="dk1"/>
+                </a:effectRef>
+                <a:fontRef idx="minor">
+                  <a:schemeClr val="dk1"/>
+                </a:fontRef>
+              </p:style>
+              <p:txBody>
+                <a:bodyPr rtlCol="0" anchor="ctr"/>
+                <a:lstStyle/>
+                <a:p>
+                  <a:pPr algn="ctr"/>
+                  <a:endParaRPr lang="es-ES"/>
+                </a:p>
+              </p:txBody>
+            </p:sp>
+            <p:sp>
+              <p:nvSpPr>
+                <p:cNvPr id="254" name="Rectangle 253"/>
+                <p:cNvSpPr/>
+                <p:nvPr/>
+              </p:nvSpPr>
+              <p:spPr>
+                <a:xfrm>
+                  <a:off x="5532079" y="1214806"/>
+                  <a:ext cx="155944" cy="530634"/>
+                </a:xfrm>
+                <a:prstGeom prst="rect">
+                  <a:avLst/>
+                </a:prstGeom>
+                <a:solidFill>
+                  <a:schemeClr val="bg2"/>
+                </a:solidFill>
+                <a:ln w="3175">
+                  <a:noFill/>
+                </a:ln>
+              </p:spPr>
+              <p:style>
+                <a:lnRef idx="2">
+                  <a:schemeClr val="dk1"/>
+                </a:lnRef>
+                <a:fillRef idx="1">
+                  <a:schemeClr val="lt1"/>
+                </a:fillRef>
+                <a:effectRef idx="0">
+                  <a:schemeClr val="dk1"/>
+                </a:effectRef>
+                <a:fontRef idx="minor">
+                  <a:schemeClr val="dk1"/>
+                </a:fontRef>
+              </p:style>
+              <p:txBody>
+                <a:bodyPr rtlCol="0" anchor="ctr"/>
+                <a:lstStyle/>
+                <a:p>
+                  <a:pPr algn="ctr"/>
+                  <a:endParaRPr lang="es-ES"/>
+                </a:p>
+              </p:txBody>
+            </p:sp>
+          </p:grpSp>
+          <p:grpSp>
+            <p:nvGrpSpPr>
+              <p:cNvPr id="244" name="Group 243"/>
+              <p:cNvGrpSpPr/>
+              <p:nvPr/>
+            </p:nvGrpSpPr>
+            <p:grpSpPr>
+              <a:xfrm>
+                <a:off x="4906456" y="1279287"/>
+                <a:ext cx="1231518" cy="401672"/>
+                <a:chOff x="4906456" y="1283690"/>
+                <a:chExt cx="1231518" cy="401672"/>
+              </a:xfrm>
+            </p:grpSpPr>
+            <p:sp>
+              <p:nvSpPr>
+                <p:cNvPr id="245" name="Rectangle 244"/>
+                <p:cNvSpPr/>
+                <p:nvPr/>
+              </p:nvSpPr>
+              <p:spPr>
+                <a:xfrm>
+                  <a:off x="4906456" y="1283690"/>
+                  <a:ext cx="1231518" cy="71977"/>
+                </a:xfrm>
+                <a:prstGeom prst="rect">
+                  <a:avLst/>
+                </a:prstGeom>
+                <a:solidFill>
+                  <a:schemeClr val="bg2"/>
+                </a:solidFill>
+                <a:ln w="3175">
+                  <a:noFill/>
+                </a:ln>
+              </p:spPr>
+              <p:style>
+                <a:lnRef idx="2">
+                  <a:schemeClr val="dk1"/>
+                </a:lnRef>
+                <a:fillRef idx="1">
+                  <a:schemeClr val="lt1"/>
+                </a:fillRef>
+                <a:effectRef idx="0">
+                  <a:schemeClr val="dk1"/>
+                </a:effectRef>
+                <a:fontRef idx="minor">
+                  <a:schemeClr val="dk1"/>
+                </a:fontRef>
+              </p:style>
+              <p:txBody>
+                <a:bodyPr rtlCol="0" anchor="ctr"/>
+                <a:lstStyle/>
+                <a:p>
+                  <a:pPr algn="ctr"/>
+                  <a:endParaRPr lang="es-ES"/>
+                </a:p>
+              </p:txBody>
+            </p:sp>
+            <p:sp>
+              <p:nvSpPr>
+                <p:cNvPr id="246" name="Rectangle 245"/>
+                <p:cNvSpPr/>
+                <p:nvPr/>
+              </p:nvSpPr>
+              <p:spPr>
+                <a:xfrm>
+                  <a:off x="4906456" y="1532962"/>
+                  <a:ext cx="1231518" cy="71977"/>
+                </a:xfrm>
+                <a:prstGeom prst="rect">
+                  <a:avLst/>
+                </a:prstGeom>
+                <a:solidFill>
+                  <a:schemeClr val="bg2"/>
+                </a:solidFill>
+                <a:ln w="3175">
+                  <a:noFill/>
+                </a:ln>
+              </p:spPr>
+              <p:style>
+                <a:lnRef idx="2">
+                  <a:schemeClr val="dk1"/>
+                </a:lnRef>
+                <a:fillRef idx="1">
+                  <a:schemeClr val="lt1"/>
+                </a:fillRef>
+                <a:effectRef idx="0">
+                  <a:schemeClr val="dk1"/>
+                </a:effectRef>
+                <a:fontRef idx="minor">
+                  <a:schemeClr val="dk1"/>
+                </a:fontRef>
+              </p:style>
+              <p:txBody>
+                <a:bodyPr rtlCol="0" anchor="ctr"/>
+                <a:lstStyle/>
+                <a:p>
+                  <a:pPr algn="ctr"/>
+                  <a:endParaRPr lang="es-ES"/>
+                </a:p>
+              </p:txBody>
+            </p:sp>
+            <p:sp>
+              <p:nvSpPr>
+                <p:cNvPr id="247" name="Rectangle 246"/>
+                <p:cNvSpPr/>
+                <p:nvPr/>
+              </p:nvSpPr>
+              <p:spPr>
+                <a:xfrm>
+                  <a:off x="4906456" y="1364113"/>
+                  <a:ext cx="1231518" cy="71977"/>
+                </a:xfrm>
+                <a:prstGeom prst="rect">
+                  <a:avLst/>
+                </a:prstGeom>
+                <a:solidFill>
+                  <a:schemeClr val="bg2"/>
+                </a:solidFill>
+                <a:ln w="3175">
+                  <a:noFill/>
+                </a:ln>
+              </p:spPr>
+              <p:style>
+                <a:lnRef idx="2">
+                  <a:schemeClr val="dk1"/>
+                </a:lnRef>
+                <a:fillRef idx="1">
+                  <a:schemeClr val="lt1"/>
+                </a:fillRef>
+                <a:effectRef idx="0">
+                  <a:schemeClr val="dk1"/>
+                </a:effectRef>
+                <a:fontRef idx="minor">
+                  <a:schemeClr val="dk1"/>
+                </a:fontRef>
+              </p:style>
+              <p:txBody>
+                <a:bodyPr rtlCol="0" anchor="ctr"/>
+                <a:lstStyle/>
+                <a:p>
+                  <a:pPr algn="ctr"/>
+                  <a:endParaRPr lang="es-ES"/>
+                </a:p>
+              </p:txBody>
+            </p:sp>
+            <p:sp>
+              <p:nvSpPr>
+                <p:cNvPr id="248" name="Rectangle 247"/>
+                <p:cNvSpPr/>
+                <p:nvPr/>
+              </p:nvSpPr>
+              <p:spPr>
+                <a:xfrm>
+                  <a:off x="4906456" y="1613385"/>
+                  <a:ext cx="1231518" cy="71977"/>
+                </a:xfrm>
+                <a:prstGeom prst="rect">
+                  <a:avLst/>
+                </a:prstGeom>
+                <a:solidFill>
+                  <a:schemeClr val="bg2"/>
+                </a:solidFill>
+                <a:ln w="3175">
+                  <a:noFill/>
+                </a:ln>
+              </p:spPr>
+              <p:style>
+                <a:lnRef idx="2">
+                  <a:schemeClr val="dk1"/>
+                </a:lnRef>
+                <a:fillRef idx="1">
+                  <a:schemeClr val="lt1"/>
+                </a:fillRef>
+                <a:effectRef idx="0">
+                  <a:schemeClr val="dk1"/>
+                </a:effectRef>
+                <a:fontRef idx="minor">
+                  <a:schemeClr val="dk1"/>
+                </a:fontRef>
+              </p:style>
+              <p:txBody>
+                <a:bodyPr rtlCol="0" anchor="ctr"/>
+                <a:lstStyle/>
+                <a:p>
+                  <a:pPr algn="ctr"/>
+                  <a:endParaRPr lang="es-ES"/>
+                </a:p>
+              </p:txBody>
+            </p:sp>
+          </p:grpSp>
+        </p:grpSp>
+        <p:sp>
+          <p:nvSpPr>
+            <p:cNvPr id="8" name="Rectángulo 7"/>
+            <p:cNvSpPr/>
+            <p:nvPr/>
+          </p:nvSpPr>
+          <p:spPr>
+            <a:xfrm>
+              <a:off x="1244877" y="4009541"/>
+              <a:ext cx="1230828" cy="530634"/>
+            </a:xfrm>
+            <a:prstGeom prst="rect">
+              <a:avLst/>
+            </a:prstGeom>
+          </p:spPr>
+          <p:style>
+            <a:lnRef idx="0">
+              <a:schemeClr val="accent6"/>
+            </a:lnRef>
+            <a:fillRef idx="3">
+              <a:schemeClr val="accent6"/>
+            </a:fillRef>
+            <a:effectRef idx="3">
+              <a:schemeClr val="accent6"/>
+            </a:effectRef>
+            <a:fontRef idx="minor">
+              <a:schemeClr val="lt1"/>
+            </a:fontRef>
+          </p:style>
+          <p:txBody>
+            <a:bodyPr rtlCol="0" anchor="ctr"/>
+            <a:lstStyle/>
+            <a:p>
+              <a:pPr algn="ctr"/>
+              <a:r>
+                <a:rPr lang="es-ES" sz="1000" b="1" dirty="0" err="1"/>
+                <a:t>Task</a:t>
+              </a:r>
+              <a:r>
+                <a:rPr lang="es-ES" sz="1000" b="1" dirty="0"/>
+                <a:t> </a:t>
+              </a:r>
+              <a:r>
+                <a:rPr lang="es-ES" sz="1000" b="1" dirty="0" err="1"/>
+                <a:t>Orchestrator</a:t>
+              </a:r>
+              <a:endParaRPr lang="es-ES" sz="1000" b="1" dirty="0"/>
+            </a:p>
+            <a:p>
+              <a:pPr algn="ctr"/>
+              <a:endParaRPr lang="es-ES" sz="1000" dirty="0"/>
+            </a:p>
+            <a:p>
+              <a:pPr algn="ctr"/>
+              <a:r>
+                <a:rPr lang="es-ES" sz="800" dirty="0" err="1"/>
+                <a:t>TaskOrc</a:t>
+              </a:r>
+              <a:endParaRPr lang="es-ES" sz="800" dirty="0"/>
+            </a:p>
+          </p:txBody>
+        </p:sp>
+      </p:grpSp>
+      <p:sp>
+        <p:nvSpPr>
+          <p:cNvPr id="369" name="CuadroTexto 87"/>
+          <p:cNvSpPr txBox="1"/>
+          <p:nvPr/>
+        </p:nvSpPr>
+        <p:spPr>
+          <a:xfrm>
+            <a:off x="2868658" y="4330293"/>
+            <a:ext cx="542135" cy="184666"/>
+          </a:xfrm>
+          <a:prstGeom prst="rect">
+            <a:avLst/>
+          </a:prstGeom>
+          <a:noFill/>
+        </p:spPr>
+        <p:txBody>
+          <a:bodyPr wrap="none" rtlCol="0">
+            <a:spAutoFit/>
+          </a:bodyPr>
+          <a:lstStyle/>
+          <a:p>
+            <a:pPr algn="ctr"/>
+            <a:r>
+              <a:rPr lang="es-ES" sz="600" dirty="0" smtClean="0"/>
+              <a:t>TSK_PROC</a:t>
+            </a:r>
+            <a:endParaRPr lang="es-ES" sz="600" dirty="0"/>
+          </a:p>
+        </p:txBody>
+      </p:sp>
+      <p:cxnSp>
+        <p:nvCxnSpPr>
+          <p:cNvPr id="373" name="Conector recto de flecha 96"/>
+          <p:cNvCxnSpPr>
+            <a:stCxn id="3" idx="1"/>
+            <a:endCxn id="207" idx="1"/>
+          </p:cNvCxnSpPr>
+          <p:nvPr/>
+        </p:nvCxnSpPr>
+        <p:spPr>
+          <a:xfrm rot="10800000" flipH="1" flipV="1">
+            <a:off x="1109556" y="3417504"/>
+            <a:ext cx="2334521" cy="1932155"/>
+          </a:xfrm>
+          <a:prstGeom prst="bentConnector3">
+            <a:avLst>
+              <a:gd name="adj1" fmla="val -21216"/>
+            </a:avLst>
+          </a:prstGeom>
+          <a:ln w="6350">
+            <a:solidFill>
+              <a:srgbClr val="FF0000"/>
+            </a:solidFill>
+            <a:tailEnd type="stealth"/>
+          </a:ln>
+        </p:spPr>
+        <p:style>
+          <a:lnRef idx="1">
+            <a:schemeClr val="accent4"/>
+          </a:lnRef>
+          <a:fillRef idx="0">
+            <a:schemeClr val="accent4"/>
+          </a:fillRef>
+          <a:effectRef idx="0">
+            <a:schemeClr val="accent4"/>
+          </a:effectRef>
+          <a:fontRef idx="minor">
+            <a:schemeClr val="tx1"/>
+          </a:fontRef>
+        </p:style>
+      </p:cxnSp>
+      <p:sp>
+        <p:nvSpPr>
+          <p:cNvPr id="380" name="CuadroTexto 85"/>
+          <p:cNvSpPr txBox="1"/>
+          <p:nvPr/>
+        </p:nvSpPr>
+        <p:spPr>
+          <a:xfrm>
+            <a:off x="2471478" y="3488368"/>
+            <a:ext cx="463588" cy="184666"/>
+          </a:xfrm>
+          <a:prstGeom prst="rect">
+            <a:avLst/>
+          </a:prstGeom>
+          <a:noFill/>
+        </p:spPr>
+        <p:txBody>
+          <a:bodyPr wrap="none" rtlCol="0">
+            <a:spAutoFit/>
+          </a:bodyPr>
+          <a:lstStyle/>
+          <a:p>
+            <a:r>
+              <a:rPr lang="es-ES" sz="600" dirty="0" smtClean="0"/>
+              <a:t>INDATA </a:t>
+            </a:r>
+            <a:endParaRPr lang="es-ES" sz="600" dirty="0"/>
+          </a:p>
+        </p:txBody>
+      </p:sp>
+      <p:cxnSp>
+        <p:nvCxnSpPr>
+          <p:cNvPr id="390" name="Conector angular 41"/>
+          <p:cNvCxnSpPr>
+            <a:stCxn id="148" idx="2"/>
+            <a:endCxn id="175" idx="0"/>
+          </p:cNvCxnSpPr>
+          <p:nvPr/>
+        </p:nvCxnSpPr>
+        <p:spPr>
+          <a:xfrm rot="5400000">
+            <a:off x="1207977" y="2936708"/>
+            <a:ext cx="428857" cy="2102"/>
+          </a:xfrm>
+          <a:prstGeom prst="bentConnector3">
+            <a:avLst>
+              <a:gd name="adj1" fmla="val 50000"/>
+            </a:avLst>
+          </a:prstGeom>
+          <a:ln w="6350">
+            <a:solidFill>
+              <a:schemeClr val="accent6">
+                <a:lumMod val="40000"/>
+                <a:lumOff val="60000"/>
+              </a:schemeClr>
+            </a:solidFill>
+            <a:tailEnd type="stealth"/>
+          </a:ln>
+        </p:spPr>
+        <p:style>
+          <a:lnRef idx="1">
+            <a:schemeClr val="accent4"/>
+          </a:lnRef>
+          <a:fillRef idx="0">
+            <a:schemeClr val="accent4"/>
+          </a:fillRef>
+          <a:effectRef idx="0">
+            <a:schemeClr val="accent4"/>
+          </a:effectRef>
+          <a:fontRef idx="minor">
+            <a:schemeClr val="tx1"/>
+          </a:fontRef>
+        </p:style>
+      </p:cxnSp>
+      <p:cxnSp>
+        <p:nvCxnSpPr>
+          <p:cNvPr id="394" name="Conector angular 41"/>
+          <p:cNvCxnSpPr>
+            <a:stCxn id="137" idx="1"/>
+            <a:endCxn id="117" idx="3"/>
+          </p:cNvCxnSpPr>
+          <p:nvPr/>
+        </p:nvCxnSpPr>
+        <p:spPr>
+          <a:xfrm rot="16200000" flipV="1">
+            <a:off x="3645869" y="148654"/>
+            <a:ext cx="330605" cy="2944265"/>
+          </a:xfrm>
+          <a:prstGeom prst="bentConnector2">
+            <a:avLst/>
+          </a:prstGeom>
+          <a:ln w="9525" cmpd="dbl">
+            <a:solidFill>
+              <a:srgbClr val="00B0F0"/>
+            </a:solidFill>
+            <a:headEnd type="stealth"/>
+            <a:tailEnd type="stealth"/>
+          </a:ln>
+        </p:spPr>
+        <p:style>
+          <a:lnRef idx="1">
+            <a:schemeClr val="accent4"/>
+          </a:lnRef>
+          <a:fillRef idx="0">
+            <a:schemeClr val="accent4"/>
+          </a:fillRef>
+          <a:effectRef idx="0">
+            <a:schemeClr val="accent4"/>
+          </a:effectRef>
+          <a:fontRef idx="minor">
+            <a:schemeClr val="tx1"/>
+          </a:fontRef>
+        </p:style>
+      </p:cxnSp>
+      <p:sp>
+        <p:nvSpPr>
+          <p:cNvPr id="402" name="CuadroTexto 89"/>
+          <p:cNvSpPr txBox="1"/>
+          <p:nvPr/>
+        </p:nvSpPr>
+        <p:spPr>
+          <a:xfrm>
+            <a:off x="5328872" y="5783224"/>
+            <a:ext cx="556563" cy="184666"/>
+          </a:xfrm>
+          <a:prstGeom prst="rect">
+            <a:avLst/>
+          </a:prstGeom>
+          <a:noFill/>
+        </p:spPr>
+        <p:txBody>
+          <a:bodyPr wrap="none" rtlCol="0">
+            <a:spAutoFit/>
+          </a:bodyPr>
+          <a:lstStyle/>
+          <a:p>
+            <a:r>
+              <a:rPr lang="es-ES" sz="600" dirty="0"/>
+              <a:t>TSK_PROC</a:t>
+            </a:r>
+          </a:p>
+        </p:txBody>
+      </p:sp>
+      <p:cxnSp>
+        <p:nvCxnSpPr>
+          <p:cNvPr id="404" name="Elbow Connector 403"/>
+          <p:cNvCxnSpPr>
+            <a:stCxn id="220" idx="1"/>
+            <a:endCxn id="206" idx="3"/>
+          </p:cNvCxnSpPr>
+          <p:nvPr/>
+        </p:nvCxnSpPr>
+        <p:spPr>
+          <a:xfrm rot="10800000" flipV="1">
+            <a:off x="4675597" y="5049278"/>
+            <a:ext cx="1249057" cy="51110"/>
+          </a:xfrm>
+          <a:prstGeom prst="bentConnector3">
+            <a:avLst>
+              <a:gd name="adj1" fmla="val 57626"/>
+            </a:avLst>
+          </a:prstGeom>
+          <a:ln w="6350">
+            <a:solidFill>
+              <a:srgbClr val="00B050"/>
+            </a:solidFill>
+            <a:headEnd type="none"/>
+            <a:tailEnd type="stealth"/>
+          </a:ln>
+        </p:spPr>
+        <p:style>
+          <a:lnRef idx="1">
+            <a:schemeClr val="accent4"/>
+          </a:lnRef>
+          <a:fillRef idx="0">
+            <a:schemeClr val="accent4"/>
+          </a:fillRef>
+          <a:effectRef idx="0">
+            <a:schemeClr val="accent4"/>
+          </a:effectRef>
+          <a:fontRef idx="minor">
+            <a:schemeClr val="tx1"/>
+          </a:fontRef>
+        </p:style>
+      </p:cxnSp>
+      <p:cxnSp>
+        <p:nvCxnSpPr>
+          <p:cNvPr id="408" name="Elbow Connector 407"/>
+          <p:cNvCxnSpPr>
+            <a:stCxn id="223" idx="1"/>
+            <a:endCxn id="207" idx="3"/>
+          </p:cNvCxnSpPr>
+          <p:nvPr/>
+        </p:nvCxnSpPr>
+        <p:spPr>
+          <a:xfrm rot="10800000">
+            <a:off x="4675597" y="5349660"/>
+            <a:ext cx="1249057" cy="637628"/>
+          </a:xfrm>
+          <a:prstGeom prst="bentConnector3">
+            <a:avLst>
+              <a:gd name="adj1" fmla="val 54004"/>
+            </a:avLst>
+          </a:prstGeom>
+          <a:ln w="6350">
+            <a:solidFill>
+              <a:srgbClr val="00B050"/>
+            </a:solidFill>
+            <a:headEnd type="none"/>
+            <a:tailEnd type="stealth"/>
+          </a:ln>
+        </p:spPr>
+        <p:style>
+          <a:lnRef idx="1">
+            <a:schemeClr val="accent4"/>
+          </a:lnRef>
+          <a:fillRef idx="0">
+            <a:schemeClr val="accent4"/>
+          </a:fillRef>
+          <a:effectRef idx="0">
+            <a:schemeClr val="accent4"/>
+          </a:effectRef>
+          <a:fontRef idx="minor">
+            <a:schemeClr val="tx1"/>
+          </a:fontRef>
+        </p:style>
+      </p:cxnSp>
+      <p:sp>
+        <p:nvSpPr>
+          <p:cNvPr id="415" name="CuadroTexto 88"/>
+          <p:cNvSpPr txBox="1"/>
+          <p:nvPr/>
+        </p:nvSpPr>
+        <p:spPr>
+          <a:xfrm>
+            <a:off x="4770493" y="5065358"/>
+            <a:ext cx="484365" cy="184666"/>
+          </a:xfrm>
+          <a:prstGeom prst="rect">
+            <a:avLst/>
+          </a:prstGeom>
+          <a:noFill/>
+        </p:spPr>
+        <p:txBody>
+          <a:bodyPr wrap="none" rtlCol="0">
+            <a:spAutoFit/>
+          </a:bodyPr>
+          <a:lstStyle/>
+          <a:p>
+            <a:r>
+              <a:rPr lang="es-ES" sz="600" dirty="0"/>
+              <a:t>TSK_RES</a:t>
+            </a:r>
+          </a:p>
+        </p:txBody>
+      </p:sp>
+      <p:grpSp>
+        <p:nvGrpSpPr>
+          <p:cNvPr id="425" name="Group 424"/>
+          <p:cNvGrpSpPr/>
+          <p:nvPr/>
+        </p:nvGrpSpPr>
+        <p:grpSpPr>
+          <a:xfrm>
+            <a:off x="7113573" y="915337"/>
+            <a:ext cx="1814050" cy="1196616"/>
+            <a:chOff x="7113573" y="1212962"/>
+            <a:chExt cx="1814050" cy="1196616"/>
+          </a:xfrm>
+        </p:grpSpPr>
+        <p:sp>
+          <p:nvSpPr>
+            <p:cNvPr id="159" name="Rectangle 158"/>
+            <p:cNvSpPr/>
+            <p:nvPr/>
+          </p:nvSpPr>
+          <p:spPr>
+            <a:xfrm>
+              <a:off x="7113573" y="1212962"/>
+              <a:ext cx="1814050" cy="1196616"/>
+            </a:xfrm>
+            <a:prstGeom prst="rect">
+              <a:avLst/>
+            </a:prstGeom>
+          </p:spPr>
+          <p:style>
+            <a:lnRef idx="2">
+              <a:schemeClr val="accent2">
+                <a:shade val="50000"/>
+              </a:schemeClr>
+            </a:lnRef>
+            <a:fillRef idx="1">
+              <a:schemeClr val="accent2"/>
+            </a:fillRef>
+            <a:effectRef idx="0">
+              <a:schemeClr val="accent2"/>
+            </a:effectRef>
+            <a:fontRef idx="minor">
+              <a:schemeClr val="lt1"/>
+            </a:fontRef>
+          </p:style>
+          <p:txBody>
+            <a:bodyPr rtlCol="0" anchor="ctr"/>
+            <a:lstStyle/>
+            <a:p>
+              <a:pPr algn="ctr"/>
+              <a:endParaRPr lang="es-ES"/>
+            </a:p>
+          </p:txBody>
+        </p:sp>
+        <p:cxnSp>
+          <p:nvCxnSpPr>
+            <p:cNvPr id="151" name="Straight Arrow Connector 150"/>
+            <p:cNvCxnSpPr/>
+            <p:nvPr/>
+          </p:nvCxnSpPr>
+          <p:spPr>
+            <a:xfrm>
+              <a:off x="7239816" y="1346384"/>
+              <a:ext cx="251009" cy="0"/>
+            </a:xfrm>
+            <a:prstGeom prst="straightConnector1">
+              <a:avLst/>
+            </a:prstGeom>
+            <a:ln>
+              <a:solidFill>
+                <a:schemeClr val="accent6">
+                  <a:lumMod val="40000"/>
+                  <a:lumOff val="60000"/>
+                </a:schemeClr>
+              </a:solidFill>
+              <a:headEnd type="none" w="med" len="med"/>
+              <a:tailEnd type="none" w="med" len="med"/>
+            </a:ln>
+          </p:spPr>
+          <p:style>
+            <a:lnRef idx="1">
+              <a:schemeClr val="accent1"/>
+            </a:lnRef>
+            <a:fillRef idx="0">
+              <a:schemeClr val="accent1"/>
+            </a:fillRef>
+            <a:effectRef idx="0">
+              <a:schemeClr val="accent1"/>
+            </a:effectRef>
+            <a:fontRef idx="minor">
+              <a:schemeClr val="tx1"/>
+            </a:fontRef>
+          </p:style>
+        </p:cxnSp>
+        <p:sp>
+          <p:nvSpPr>
+            <p:cNvPr id="155" name="CuadroTexto 81"/>
+            <p:cNvSpPr txBox="1"/>
+            <p:nvPr/>
+          </p:nvSpPr>
+          <p:spPr>
+            <a:xfrm>
+              <a:off x="7448207" y="1237478"/>
+              <a:ext cx="1409360" cy="184666"/>
+            </a:xfrm>
+            <a:prstGeom prst="rect">
+              <a:avLst/>
+            </a:prstGeom>
+            <a:noFill/>
+          </p:spPr>
+          <p:txBody>
+            <a:bodyPr wrap="none" rtlCol="0">
+              <a:spAutoFit/>
+            </a:bodyPr>
+            <a:lstStyle/>
+            <a:p>
+              <a:r>
+                <a:rPr lang="es-ES" sz="600" dirty="0" err="1" smtClean="0"/>
+                <a:t>Indirect</a:t>
+              </a:r>
+              <a:r>
+                <a:rPr lang="es-ES" sz="600" dirty="0" smtClean="0"/>
+                <a:t>/Non-standard </a:t>
+              </a:r>
+              <a:r>
+                <a:rPr lang="es-ES" sz="600" dirty="0" err="1" smtClean="0"/>
+                <a:t>communication</a:t>
+              </a:r>
+              <a:endParaRPr lang="es-ES" sz="600" dirty="0"/>
+            </a:p>
+          </p:txBody>
+        </p:sp>
+        <p:cxnSp>
+          <p:nvCxnSpPr>
+            <p:cNvPr id="152" name="Straight Arrow Connector 151"/>
+            <p:cNvCxnSpPr/>
+            <p:nvPr/>
+          </p:nvCxnSpPr>
+          <p:spPr>
+            <a:xfrm>
+              <a:off x="7239816" y="1902512"/>
+              <a:ext cx="251009" cy="0"/>
+            </a:xfrm>
+            <a:prstGeom prst="straightConnector1">
+              <a:avLst/>
+            </a:prstGeom>
+            <a:ln>
+              <a:solidFill>
+                <a:schemeClr val="accent5">
+                  <a:lumMod val="60000"/>
+                  <a:lumOff val="40000"/>
+                </a:schemeClr>
+              </a:solidFill>
+              <a:headEnd type="none" w="med" len="med"/>
+              <a:tailEnd type="none" w="med" len="med"/>
+            </a:ln>
+          </p:spPr>
+          <p:style>
+            <a:lnRef idx="1">
+              <a:schemeClr val="accent1"/>
+            </a:lnRef>
+            <a:fillRef idx="0">
+              <a:schemeClr val="accent1"/>
+            </a:fillRef>
+            <a:effectRef idx="0">
+              <a:schemeClr val="accent1"/>
+            </a:effectRef>
+            <a:fontRef idx="minor">
+              <a:schemeClr val="tx1"/>
+            </a:fontRef>
+          </p:style>
+        </p:cxnSp>
+        <p:sp>
+          <p:nvSpPr>
+            <p:cNvPr id="156" name="CuadroTexto 81"/>
+            <p:cNvSpPr txBox="1"/>
+            <p:nvPr/>
+          </p:nvSpPr>
+          <p:spPr>
+            <a:xfrm>
+              <a:off x="7448207" y="1795803"/>
+              <a:ext cx="827471" cy="184666"/>
+            </a:xfrm>
+            <a:prstGeom prst="rect">
+              <a:avLst/>
+            </a:prstGeom>
+            <a:noFill/>
+          </p:spPr>
+          <p:txBody>
+            <a:bodyPr wrap="none" rtlCol="0">
+              <a:spAutoFit/>
+            </a:bodyPr>
+            <a:lstStyle/>
+            <a:p>
+              <a:r>
+                <a:rPr lang="es-ES" sz="600" dirty="0" err="1" smtClean="0"/>
+                <a:t>Data_Info</a:t>
+              </a:r>
+              <a:r>
+                <a:rPr lang="es-ES" sz="600" dirty="0" smtClean="0"/>
+                <a:t> </a:t>
+              </a:r>
+              <a:r>
+                <a:rPr lang="es-ES" sz="600" dirty="0" err="1" smtClean="0"/>
+                <a:t>Messages</a:t>
+              </a:r>
+              <a:endParaRPr lang="es-ES" sz="600" dirty="0"/>
+            </a:p>
+          </p:txBody>
+        </p:sp>
+        <p:cxnSp>
+          <p:nvCxnSpPr>
+            <p:cNvPr id="153" name="Straight Arrow Connector 152"/>
+            <p:cNvCxnSpPr/>
+            <p:nvPr/>
+          </p:nvCxnSpPr>
+          <p:spPr>
+            <a:xfrm>
+              <a:off x="7239816" y="2108752"/>
+              <a:ext cx="251009" cy="0"/>
+            </a:xfrm>
+            <a:prstGeom prst="straightConnector1">
+              <a:avLst/>
+            </a:prstGeom>
+            <a:ln>
+              <a:solidFill>
+                <a:srgbClr val="00B0F0"/>
+              </a:solidFill>
+              <a:headEnd type="none" w="med" len="med"/>
+              <a:tailEnd type="none" w="med" len="med"/>
+            </a:ln>
+          </p:spPr>
+          <p:style>
+            <a:lnRef idx="1">
+              <a:schemeClr val="accent1"/>
+            </a:lnRef>
+            <a:fillRef idx="0">
+              <a:schemeClr val="accent1"/>
+            </a:fillRef>
+            <a:effectRef idx="0">
+              <a:schemeClr val="accent1"/>
+            </a:effectRef>
+            <a:fontRef idx="minor">
+              <a:schemeClr val="tx1"/>
+            </a:fontRef>
+          </p:style>
+        </p:cxnSp>
+        <p:sp>
+          <p:nvSpPr>
+            <p:cNvPr id="157" name="CuadroTexto 81"/>
+            <p:cNvSpPr txBox="1"/>
+            <p:nvPr/>
+          </p:nvSpPr>
+          <p:spPr>
+            <a:xfrm>
+              <a:off x="7448207" y="2006437"/>
+              <a:ext cx="1420582" cy="184666"/>
+            </a:xfrm>
+            <a:prstGeom prst="rect">
+              <a:avLst/>
+            </a:prstGeom>
+            <a:noFill/>
+          </p:spPr>
+          <p:txBody>
+            <a:bodyPr wrap="none" rtlCol="0">
+              <a:spAutoFit/>
+            </a:bodyPr>
+            <a:lstStyle/>
+            <a:p>
+              <a:r>
+                <a:rPr lang="es-ES" sz="600" dirty="0" err="1" smtClean="0"/>
+                <a:t>Database</a:t>
+              </a:r>
+              <a:r>
+                <a:rPr lang="es-ES" sz="600" dirty="0" smtClean="0"/>
+                <a:t>/local </a:t>
+              </a:r>
+              <a:r>
+                <a:rPr lang="es-ES" sz="600" dirty="0" err="1" smtClean="0"/>
+                <a:t>storage</a:t>
+              </a:r>
+              <a:r>
+                <a:rPr lang="es-ES" sz="600" dirty="0" smtClean="0"/>
+                <a:t> </a:t>
+              </a:r>
+              <a:r>
+                <a:rPr lang="es-ES" sz="600" dirty="0" err="1" smtClean="0"/>
+                <a:t>saving</a:t>
+              </a:r>
+              <a:r>
+                <a:rPr lang="es-ES" sz="600" dirty="0" smtClean="0"/>
+                <a:t>/</a:t>
+              </a:r>
+              <a:r>
+                <a:rPr lang="es-ES" sz="600" dirty="0" err="1" smtClean="0"/>
+                <a:t>retrieval</a:t>
+              </a:r>
+              <a:endParaRPr lang="es-ES" sz="600" dirty="0"/>
+            </a:p>
+          </p:txBody>
+        </p:sp>
+        <p:cxnSp>
+          <p:nvCxnSpPr>
+            <p:cNvPr id="154" name="Straight Arrow Connector 153"/>
+            <p:cNvCxnSpPr/>
+            <p:nvPr/>
+          </p:nvCxnSpPr>
+          <p:spPr>
+            <a:xfrm>
+              <a:off x="7239816" y="2211872"/>
+              <a:ext cx="251009" cy="0"/>
+            </a:xfrm>
+            <a:prstGeom prst="straightConnector1">
+              <a:avLst/>
+            </a:prstGeom>
+            <a:ln>
+              <a:solidFill>
+                <a:srgbClr val="FFC000"/>
+              </a:solidFill>
+              <a:headEnd type="none" w="med" len="med"/>
+              <a:tailEnd type="none" w="med" len="med"/>
+            </a:ln>
+          </p:spPr>
+          <p:style>
+            <a:lnRef idx="1">
+              <a:schemeClr val="accent1"/>
+            </a:lnRef>
+            <a:fillRef idx="0">
+              <a:schemeClr val="accent1"/>
+            </a:fillRef>
+            <a:effectRef idx="0">
+              <a:schemeClr val="accent1"/>
+            </a:effectRef>
+            <a:fontRef idx="minor">
+              <a:schemeClr val="tx1"/>
+            </a:fontRef>
+          </p:style>
+        </p:cxnSp>
+        <p:sp>
+          <p:nvSpPr>
+            <p:cNvPr id="158" name="CuadroTexto 81"/>
+            <p:cNvSpPr txBox="1"/>
+            <p:nvPr/>
+          </p:nvSpPr>
+          <p:spPr>
+            <a:xfrm>
+              <a:off x="7448207" y="2111754"/>
+              <a:ext cx="697627" cy="184666"/>
+            </a:xfrm>
+            <a:prstGeom prst="rect">
+              <a:avLst/>
+            </a:prstGeom>
+            <a:noFill/>
+          </p:spPr>
+          <p:txBody>
+            <a:bodyPr wrap="none" rtlCol="0">
+              <a:spAutoFit/>
+            </a:bodyPr>
+            <a:lstStyle/>
+            <a:p>
+              <a:r>
+                <a:rPr lang="en-US" sz="600" dirty="0" smtClean="0"/>
+                <a:t>Direct reference</a:t>
+              </a:r>
+              <a:endParaRPr lang="es-ES" sz="600" dirty="0"/>
+            </a:p>
+          </p:txBody>
+        </p:sp>
+        <p:cxnSp>
+          <p:nvCxnSpPr>
+            <p:cNvPr id="168" name="Straight Arrow Connector 167"/>
+            <p:cNvCxnSpPr/>
+            <p:nvPr/>
+          </p:nvCxnSpPr>
+          <p:spPr>
+            <a:xfrm>
+              <a:off x="7239816" y="2314991"/>
+              <a:ext cx="251009" cy="0"/>
+            </a:xfrm>
+            <a:prstGeom prst="straightConnector1">
+              <a:avLst/>
+            </a:prstGeom>
+            <a:ln w="19050" cmpd="dbl">
+              <a:solidFill>
+                <a:schemeClr val="tx1">
+                  <a:lumMod val="65000"/>
+                </a:schemeClr>
+              </a:solidFill>
+              <a:headEnd type="none" w="med" len="med"/>
+              <a:tailEnd type="none" w="med" len="med"/>
+            </a:ln>
+          </p:spPr>
+          <p:style>
+            <a:lnRef idx="1">
+              <a:schemeClr val="accent1"/>
+            </a:lnRef>
+            <a:fillRef idx="0">
+              <a:schemeClr val="accent1"/>
+            </a:fillRef>
+            <a:effectRef idx="0">
+              <a:schemeClr val="accent1"/>
+            </a:effectRef>
+            <a:fontRef idx="minor">
+              <a:schemeClr val="tx1"/>
+            </a:fontRef>
+          </p:style>
+        </p:cxnSp>
+        <p:sp>
+          <p:nvSpPr>
+            <p:cNvPr id="169" name="CuadroTexto 81"/>
+            <p:cNvSpPr txBox="1"/>
+            <p:nvPr/>
+          </p:nvSpPr>
+          <p:spPr>
+            <a:xfrm>
+              <a:off x="7448207" y="2217070"/>
+              <a:ext cx="1099981" cy="184666"/>
+            </a:xfrm>
+            <a:prstGeom prst="rect">
+              <a:avLst/>
+            </a:prstGeom>
+            <a:noFill/>
+          </p:spPr>
+          <p:txBody>
+            <a:bodyPr wrap="none" rtlCol="0">
+              <a:spAutoFit/>
+            </a:bodyPr>
+            <a:lstStyle/>
+            <a:p>
+              <a:r>
+                <a:rPr lang="en-US" sz="600" dirty="0" smtClean="0"/>
+                <a:t>Communication with archive</a:t>
+              </a:r>
+              <a:endParaRPr lang="es-ES" sz="600" dirty="0"/>
+            </a:p>
+          </p:txBody>
+        </p:sp>
+        <p:cxnSp>
+          <p:nvCxnSpPr>
+            <p:cNvPr id="177" name="Straight Arrow Connector 176"/>
+            <p:cNvCxnSpPr/>
+            <p:nvPr/>
+          </p:nvCxnSpPr>
+          <p:spPr>
+            <a:xfrm>
+              <a:off x="7238920" y="2005632"/>
+              <a:ext cx="251009" cy="0"/>
+            </a:xfrm>
+            <a:prstGeom prst="straightConnector1">
+              <a:avLst/>
+            </a:prstGeom>
+            <a:ln>
+              <a:solidFill>
+                <a:schemeClr val="accent5">
+                  <a:lumMod val="60000"/>
+                  <a:lumOff val="40000"/>
+                </a:schemeClr>
+              </a:solidFill>
+              <a:prstDash val="dashDot"/>
+              <a:headEnd type="none" w="med" len="med"/>
+              <a:tailEnd type="none" w="med" len="med"/>
+            </a:ln>
+          </p:spPr>
+          <p:style>
+            <a:lnRef idx="1">
+              <a:schemeClr val="accent1"/>
+            </a:lnRef>
+            <a:fillRef idx="0">
+              <a:schemeClr val="accent1"/>
+            </a:fillRef>
+            <a:effectRef idx="0">
+              <a:schemeClr val="accent1"/>
+            </a:effectRef>
+            <a:fontRef idx="minor">
+              <a:schemeClr val="tx1"/>
+            </a:fontRef>
+          </p:style>
+        </p:cxnSp>
+        <p:sp>
+          <p:nvSpPr>
+            <p:cNvPr id="178" name="CuadroTexto 81"/>
+            <p:cNvSpPr txBox="1"/>
+            <p:nvPr/>
+          </p:nvSpPr>
+          <p:spPr>
+            <a:xfrm>
+              <a:off x="7447311" y="1901120"/>
+              <a:ext cx="1410964" cy="184666"/>
+            </a:xfrm>
+            <a:prstGeom prst="rect">
+              <a:avLst/>
+            </a:prstGeom>
+            <a:noFill/>
+          </p:spPr>
+          <p:txBody>
+            <a:bodyPr wrap="none" rtlCol="0">
+              <a:spAutoFit/>
+            </a:bodyPr>
+            <a:lstStyle/>
+            <a:p>
+              <a:r>
+                <a:rPr lang="es-ES" sz="600" dirty="0" err="1" smtClean="0"/>
+                <a:t>Message</a:t>
+              </a:r>
+              <a:r>
+                <a:rPr lang="es-ES" sz="600" dirty="0" smtClean="0"/>
+                <a:t> </a:t>
+              </a:r>
+              <a:r>
+                <a:rPr lang="es-ES" sz="600" dirty="0" err="1" smtClean="0"/>
+                <a:t>transmission</a:t>
+              </a:r>
+              <a:r>
+                <a:rPr lang="es-ES" sz="600" dirty="0" smtClean="0"/>
+                <a:t> (to be removed)</a:t>
+              </a:r>
+              <a:endParaRPr lang="es-ES" sz="600" dirty="0"/>
+            </a:p>
+          </p:txBody>
+        </p:sp>
+        <p:cxnSp>
+          <p:nvCxnSpPr>
+            <p:cNvPr id="417" name="Straight Arrow Connector 416"/>
+            <p:cNvCxnSpPr/>
+            <p:nvPr/>
+          </p:nvCxnSpPr>
+          <p:spPr>
+            <a:xfrm>
+              <a:off x="7244563" y="1460680"/>
+              <a:ext cx="251009" cy="0"/>
+            </a:xfrm>
+            <a:prstGeom prst="straightConnector1">
+              <a:avLst/>
+            </a:prstGeom>
+            <a:ln>
+              <a:solidFill>
+                <a:srgbClr val="FF0000"/>
+              </a:solidFill>
+              <a:headEnd type="none" w="med" len="med"/>
+              <a:tailEnd type="none" w="med" len="med"/>
+            </a:ln>
+          </p:spPr>
+          <p:style>
+            <a:lnRef idx="1">
+              <a:schemeClr val="accent1"/>
+            </a:lnRef>
+            <a:fillRef idx="0">
+              <a:schemeClr val="accent1"/>
+            </a:fillRef>
+            <a:effectRef idx="0">
+              <a:schemeClr val="accent1"/>
+            </a:effectRef>
+            <a:fontRef idx="minor">
+              <a:schemeClr val="tx1"/>
+            </a:fontRef>
+          </p:style>
+        </p:cxnSp>
+        <p:sp>
+          <p:nvSpPr>
+            <p:cNvPr id="418" name="CuadroTexto 81"/>
+            <p:cNvSpPr txBox="1"/>
+            <p:nvPr/>
+          </p:nvSpPr>
+          <p:spPr>
+            <a:xfrm>
+              <a:off x="7452954" y="1351774"/>
+              <a:ext cx="516488" cy="184666"/>
+            </a:xfrm>
+            <a:prstGeom prst="rect">
+              <a:avLst/>
+            </a:prstGeom>
+            <a:noFill/>
+          </p:spPr>
+          <p:txBody>
+            <a:bodyPr wrap="none" rtlCol="0">
+              <a:spAutoFit/>
+            </a:bodyPr>
+            <a:lstStyle/>
+            <a:p>
+              <a:r>
+                <a:rPr lang="en-US" sz="600" dirty="0" smtClean="0"/>
+                <a:t>Start/Stop</a:t>
+              </a:r>
+              <a:endParaRPr lang="es-ES" sz="600" dirty="0"/>
+            </a:p>
+          </p:txBody>
+        </p:sp>
+        <p:cxnSp>
+          <p:nvCxnSpPr>
+            <p:cNvPr id="419" name="Straight Arrow Connector 418"/>
+            <p:cNvCxnSpPr/>
+            <p:nvPr/>
+          </p:nvCxnSpPr>
+          <p:spPr>
+            <a:xfrm>
+              <a:off x="7244563" y="1570655"/>
+              <a:ext cx="251009" cy="0"/>
+            </a:xfrm>
+            <a:prstGeom prst="straightConnector1">
+              <a:avLst/>
+            </a:prstGeom>
+            <a:ln>
+              <a:solidFill>
+                <a:srgbClr val="8F45C7"/>
+              </a:solidFill>
+              <a:headEnd type="none" w="med" len="med"/>
+              <a:tailEnd type="none" w="med" len="med"/>
+            </a:ln>
+          </p:spPr>
+          <p:style>
+            <a:lnRef idx="1">
+              <a:schemeClr val="accent1"/>
+            </a:lnRef>
+            <a:fillRef idx="0">
+              <a:schemeClr val="accent1"/>
+            </a:fillRef>
+            <a:effectRef idx="0">
+              <a:schemeClr val="accent1"/>
+            </a:effectRef>
+            <a:fontRef idx="minor">
+              <a:schemeClr val="tx1"/>
+            </a:fontRef>
+          </p:style>
+        </p:cxnSp>
+        <p:sp>
+          <p:nvSpPr>
+            <p:cNvPr id="420" name="CuadroTexto 81"/>
+            <p:cNvSpPr txBox="1"/>
+            <p:nvPr/>
+          </p:nvSpPr>
+          <p:spPr>
+            <a:xfrm>
+              <a:off x="7452954" y="1461749"/>
+              <a:ext cx="617477" cy="184666"/>
+            </a:xfrm>
+            <a:prstGeom prst="rect">
+              <a:avLst/>
+            </a:prstGeom>
+            <a:noFill/>
+          </p:spPr>
+          <p:txBody>
+            <a:bodyPr wrap="none" rtlCol="0">
+              <a:spAutoFit/>
+            </a:bodyPr>
+            <a:lstStyle/>
+            <a:p>
+              <a:r>
+                <a:rPr lang="en-US" sz="600" dirty="0" smtClean="0"/>
+                <a:t>Commanding</a:t>
+              </a:r>
+              <a:endParaRPr lang="es-ES" sz="600" dirty="0"/>
+            </a:p>
+          </p:txBody>
+        </p:sp>
+        <p:cxnSp>
+          <p:nvCxnSpPr>
+            <p:cNvPr id="421" name="Straight Arrow Connector 420"/>
+            <p:cNvCxnSpPr/>
+            <p:nvPr/>
+          </p:nvCxnSpPr>
+          <p:spPr>
+            <a:xfrm>
+              <a:off x="7244563" y="1681068"/>
+              <a:ext cx="251009" cy="0"/>
+            </a:xfrm>
+            <a:prstGeom prst="straightConnector1">
+              <a:avLst/>
+            </a:prstGeom>
+            <a:ln>
+              <a:solidFill>
+                <a:schemeClr val="tx1">
+                  <a:lumMod val="95000"/>
+                </a:schemeClr>
+              </a:solidFill>
+              <a:headEnd type="none" w="med" len="med"/>
+              <a:tailEnd type="none" w="med" len="med"/>
+            </a:ln>
+          </p:spPr>
+          <p:style>
+            <a:lnRef idx="1">
+              <a:schemeClr val="accent1"/>
+            </a:lnRef>
+            <a:fillRef idx="0">
+              <a:schemeClr val="accent1"/>
+            </a:fillRef>
+            <a:effectRef idx="0">
+              <a:schemeClr val="accent1"/>
+            </a:effectRef>
+            <a:fontRef idx="minor">
+              <a:schemeClr val="tx1"/>
+            </a:fontRef>
+          </p:style>
+        </p:cxnSp>
+        <p:sp>
+          <p:nvSpPr>
+            <p:cNvPr id="422" name="CuadroTexto 81"/>
+            <p:cNvSpPr txBox="1"/>
+            <p:nvPr/>
+          </p:nvSpPr>
+          <p:spPr>
+            <a:xfrm>
+              <a:off x="7452954" y="1572162"/>
+              <a:ext cx="399468" cy="184666"/>
+            </a:xfrm>
+            <a:prstGeom prst="rect">
+              <a:avLst/>
+            </a:prstGeom>
+            <a:noFill/>
+          </p:spPr>
+          <p:txBody>
+            <a:bodyPr wrap="none" rtlCol="0">
+              <a:spAutoFit/>
+            </a:bodyPr>
+            <a:lstStyle/>
+            <a:p>
+              <a:r>
+                <a:rPr lang="en-US" sz="600" dirty="0" err="1" smtClean="0"/>
+                <a:t>InData</a:t>
+              </a:r>
+              <a:endParaRPr lang="es-ES" sz="600" dirty="0"/>
+            </a:p>
+          </p:txBody>
+        </p:sp>
+        <p:cxnSp>
+          <p:nvCxnSpPr>
+            <p:cNvPr id="423" name="Straight Arrow Connector 422"/>
+            <p:cNvCxnSpPr/>
+            <p:nvPr/>
+          </p:nvCxnSpPr>
+          <p:spPr>
+            <a:xfrm>
+              <a:off x="7244563" y="1795803"/>
+              <a:ext cx="251009" cy="0"/>
+            </a:xfrm>
+            <a:prstGeom prst="straightConnector1">
+              <a:avLst/>
+            </a:prstGeom>
+            <a:ln>
+              <a:solidFill>
+                <a:srgbClr val="00B050"/>
+              </a:solidFill>
+              <a:headEnd type="none" w="med" len="med"/>
+              <a:tailEnd type="none" w="med" len="med"/>
+            </a:ln>
+          </p:spPr>
+          <p:style>
+            <a:lnRef idx="1">
+              <a:schemeClr val="accent1"/>
+            </a:lnRef>
+            <a:fillRef idx="0">
+              <a:schemeClr val="accent1"/>
+            </a:fillRef>
+            <a:effectRef idx="0">
+              <a:schemeClr val="accent1"/>
+            </a:effectRef>
+            <a:fontRef idx="minor">
+              <a:schemeClr val="tx1"/>
+            </a:fontRef>
+          </p:style>
+        </p:cxnSp>
+        <p:sp>
+          <p:nvSpPr>
+            <p:cNvPr id="424" name="CuadroTexto 81"/>
+            <p:cNvSpPr txBox="1"/>
+            <p:nvPr/>
+          </p:nvSpPr>
+          <p:spPr>
+            <a:xfrm>
+              <a:off x="7452954" y="1686897"/>
+              <a:ext cx="912429" cy="184666"/>
+            </a:xfrm>
+            <a:prstGeom prst="rect">
+              <a:avLst/>
+            </a:prstGeom>
+            <a:noFill/>
+          </p:spPr>
+          <p:txBody>
+            <a:bodyPr wrap="none" rtlCol="0">
+              <a:spAutoFit/>
+            </a:bodyPr>
+            <a:lstStyle/>
+            <a:p>
+              <a:r>
+                <a:rPr lang="en-US" sz="600" dirty="0" smtClean="0"/>
+                <a:t>Task-related Messages</a:t>
+              </a:r>
+              <a:endParaRPr lang="es-ES" sz="600" dirty="0"/>
+            </a:p>
+          </p:txBody>
+        </p:sp>
+      </p:grpSp>
+      <p:cxnSp>
+        <p:nvCxnSpPr>
+          <p:cNvPr id="55" name="Elbow Connector 54"/>
+          <p:cNvCxnSpPr>
+            <a:stCxn id="9" idx="3"/>
+            <a:endCxn id="10" idx="2"/>
+          </p:cNvCxnSpPr>
+          <p:nvPr/>
+        </p:nvCxnSpPr>
+        <p:spPr>
+          <a:xfrm>
+            <a:off x="4674015" y="5181596"/>
+            <a:ext cx="1866052" cy="15195"/>
+          </a:xfrm>
+          <a:prstGeom prst="bentConnector4">
+            <a:avLst>
+              <a:gd name="adj1" fmla="val 50099"/>
+              <a:gd name="adj2" fmla="val 930576"/>
+            </a:avLst>
+          </a:prstGeom>
+          <a:ln w="6350">
+            <a:solidFill>
+              <a:srgbClr val="8F45C7"/>
+            </a:solidFill>
+            <a:headEnd type="none"/>
+            <a:tailEnd type="stealth"/>
+          </a:ln>
+        </p:spPr>
+        <p:style>
+          <a:lnRef idx="1">
+            <a:schemeClr val="accent4"/>
+          </a:lnRef>
+          <a:fillRef idx="0">
+            <a:schemeClr val="accent4"/>
+          </a:fillRef>
+          <a:effectRef idx="0">
+            <a:schemeClr val="accent4"/>
+          </a:effectRef>
+          <a:fontRef idx="minor">
+            <a:schemeClr val="tx1"/>
+          </a:fontRef>
+        </p:style>
+      </p:cxnSp>
+      <p:cxnSp>
+        <p:nvCxnSpPr>
+          <p:cNvPr id="231" name="Elbow Connector 230"/>
+          <p:cNvCxnSpPr>
+            <a:stCxn id="209" idx="2"/>
+            <a:endCxn id="11" idx="2"/>
+          </p:cNvCxnSpPr>
+          <p:nvPr/>
+        </p:nvCxnSpPr>
+        <p:spPr>
+          <a:xfrm rot="16200000" flipH="1">
+            <a:off x="5107656" y="4702062"/>
+            <a:ext cx="684344" cy="2180477"/>
+          </a:xfrm>
+          <a:prstGeom prst="bentConnector3">
+            <a:avLst>
+              <a:gd name="adj1" fmla="val 119138"/>
+            </a:avLst>
+          </a:prstGeom>
+          <a:ln w="6350">
+            <a:solidFill>
+              <a:srgbClr val="8F45C7"/>
+            </a:solidFill>
+            <a:headEnd type="none"/>
+            <a:tailEnd type="stealth"/>
+          </a:ln>
+        </p:spPr>
+        <p:style>
+          <a:lnRef idx="1">
+            <a:schemeClr val="accent4"/>
+          </a:lnRef>
+          <a:fillRef idx="0">
+            <a:schemeClr val="accent4"/>
+          </a:fillRef>
+          <a:effectRef idx="0">
+            <a:schemeClr val="accent4"/>
+          </a:effectRef>
+          <a:fontRef idx="minor">
+            <a:schemeClr val="tx1"/>
+          </a:fontRef>
+        </p:style>
+      </p:cxnSp>
+      <p:sp>
+        <p:nvSpPr>
+          <p:cNvPr id="238" name="CuadroTexto 88"/>
+          <p:cNvSpPr txBox="1"/>
+          <p:nvPr/>
+        </p:nvSpPr>
+        <p:spPr>
+          <a:xfrm>
+            <a:off x="6113516" y="5293315"/>
+            <a:ext cx="343364" cy="184666"/>
+          </a:xfrm>
+          <a:prstGeom prst="rect">
+            <a:avLst/>
+          </a:prstGeom>
+          <a:noFill/>
+        </p:spPr>
+        <p:txBody>
+          <a:bodyPr wrap="none" rtlCol="0">
+            <a:spAutoFit/>
+          </a:bodyPr>
+          <a:lstStyle/>
+          <a:p>
+            <a:r>
+              <a:rPr lang="es-ES" sz="600" dirty="0" smtClean="0"/>
+              <a:t>CMD</a:t>
+            </a:r>
+            <a:endParaRPr lang="es-ES" sz="600" dirty="0"/>
+          </a:p>
+        </p:txBody>
+      </p:sp>
+      <p:sp>
+        <p:nvSpPr>
+          <p:cNvPr id="239" name="CuadroTexto 88"/>
+          <p:cNvSpPr txBox="1"/>
+          <p:nvPr/>
+        </p:nvSpPr>
+        <p:spPr>
+          <a:xfrm>
+            <a:off x="6113516" y="6233000"/>
+            <a:ext cx="343364" cy="184666"/>
+          </a:xfrm>
+          <a:prstGeom prst="rect">
+            <a:avLst/>
+          </a:prstGeom>
+          <a:noFill/>
+        </p:spPr>
+        <p:txBody>
+          <a:bodyPr wrap="none" rtlCol="0">
+            <a:spAutoFit/>
+          </a:bodyPr>
+          <a:lstStyle/>
+          <a:p>
+            <a:r>
+              <a:rPr lang="es-ES" sz="600" dirty="0" smtClean="0"/>
+              <a:t>CMD</a:t>
+            </a:r>
+            <a:endParaRPr lang="es-ES" sz="600" dirty="0"/>
+          </a:p>
+        </p:txBody>
+      </p:sp>
+      <p:cxnSp>
+        <p:nvCxnSpPr>
+          <p:cNvPr id="240" name="Conector recto de flecha 96"/>
+          <p:cNvCxnSpPr>
+            <a:stCxn id="3" idx="1"/>
+            <a:endCxn id="11" idx="2"/>
+          </p:cNvCxnSpPr>
+          <p:nvPr/>
+        </p:nvCxnSpPr>
+        <p:spPr>
+          <a:xfrm rot="10800000" flipH="1" flipV="1">
+            <a:off x="1109557" y="3417505"/>
+            <a:ext cx="5430510" cy="2716968"/>
+          </a:xfrm>
+          <a:prstGeom prst="bentConnector4">
+            <a:avLst>
+              <a:gd name="adj1" fmla="val -10384"/>
+              <a:gd name="adj2" fmla="val 108414"/>
+            </a:avLst>
+          </a:prstGeom>
+          <a:ln w="6350">
+            <a:solidFill>
+              <a:srgbClr val="FF0000"/>
+            </a:solidFill>
+            <a:tailEnd type="stealth"/>
+          </a:ln>
+        </p:spPr>
+        <p:style>
+          <a:lnRef idx="1">
+            <a:schemeClr val="accent4"/>
+          </a:lnRef>
+          <a:fillRef idx="0">
+            <a:schemeClr val="accent4"/>
+          </a:fillRef>
+          <a:effectRef idx="0">
+            <a:schemeClr val="accent4"/>
+          </a:effectRef>
+          <a:fontRef idx="minor">
+            <a:schemeClr val="tx1"/>
+          </a:fontRef>
+        </p:style>
+      </p:cxnSp>
+      <p:cxnSp>
+        <p:nvCxnSpPr>
+          <p:cNvPr id="268" name="Conector recto de flecha 96"/>
+          <p:cNvCxnSpPr>
+            <a:stCxn id="3" idx="1"/>
+            <a:endCxn id="10" idx="2"/>
+          </p:cNvCxnSpPr>
+          <p:nvPr/>
+        </p:nvCxnSpPr>
+        <p:spPr>
+          <a:xfrm rot="10800000" flipH="1" flipV="1">
+            <a:off x="1109557" y="3417505"/>
+            <a:ext cx="5430510" cy="1779286"/>
+          </a:xfrm>
+          <a:prstGeom prst="bentConnector4">
+            <a:avLst>
+              <a:gd name="adj1" fmla="val -11927"/>
+              <a:gd name="adj2" fmla="val 173661"/>
+            </a:avLst>
+          </a:prstGeom>
+          <a:ln w="6350">
+            <a:solidFill>
+              <a:srgbClr val="FF0000"/>
+            </a:solidFill>
+            <a:tailEnd type="stealth"/>
+          </a:ln>
+        </p:spPr>
+        <p:style>
+          <a:lnRef idx="1">
+            <a:schemeClr val="accent4"/>
+          </a:lnRef>
+          <a:fillRef idx="0">
+            <a:schemeClr val="accent4"/>
+          </a:fillRef>
+          <a:effectRef idx="0">
+            <a:schemeClr val="accent4"/>
+          </a:effectRef>
+          <a:fontRef idx="minor">
+            <a:schemeClr val="tx1"/>
+          </a:fontRef>
+        </p:style>
+      </p:cxnSp>
+      <p:grpSp>
+        <p:nvGrpSpPr>
+          <p:cNvPr id="39" name="Group 38"/>
+          <p:cNvGrpSpPr/>
+          <p:nvPr/>
+        </p:nvGrpSpPr>
+        <p:grpSpPr>
+          <a:xfrm>
+            <a:off x="5924653" y="4844449"/>
+            <a:ext cx="1230828" cy="352342"/>
+            <a:chOff x="6061813" y="4844449"/>
+            <a:chExt cx="1230828" cy="352342"/>
+          </a:xfrm>
+        </p:grpSpPr>
+        <p:grpSp>
+          <p:nvGrpSpPr>
+            <p:cNvPr id="24" name="Group 23"/>
+            <p:cNvGrpSpPr/>
+            <p:nvPr/>
+          </p:nvGrpSpPr>
+          <p:grpSpPr>
+            <a:xfrm>
+              <a:off x="6061813" y="4961993"/>
+              <a:ext cx="1230828" cy="116598"/>
+              <a:chOff x="6061813" y="4961993"/>
+              <a:chExt cx="1230828" cy="116598"/>
+            </a:xfrm>
+          </p:grpSpPr>
+          <p:sp>
+            <p:nvSpPr>
+              <p:cNvPr id="218" name="Rectángulo 9"/>
+              <p:cNvSpPr/>
+              <p:nvPr/>
+            </p:nvSpPr>
+            <p:spPr>
+              <a:xfrm>
+                <a:off x="6061813" y="4961993"/>
+                <a:ext cx="1230828" cy="58627"/>
+              </a:xfrm>
+              <a:prstGeom prst="rect">
+                <a:avLst/>
+              </a:prstGeom>
+              <a:ln>
+                <a:noFill/>
+              </a:ln>
+            </p:spPr>
+            <p:style>
+              <a:lnRef idx="2">
+                <a:schemeClr val="dk1">
+                  <a:shade val="50000"/>
+                </a:schemeClr>
+              </a:lnRef>
+              <a:fillRef idx="1">
+                <a:schemeClr val="dk1"/>
+              </a:fillRef>
+              <a:effectRef idx="0">
+                <a:schemeClr val="dk1"/>
+              </a:effectRef>
+              <a:fontRef idx="minor">
+                <a:schemeClr val="lt1"/>
+              </a:fontRef>
+            </p:style>
+            <p:txBody>
+              <a:bodyPr rtlCol="0" anchor="ctr"/>
+              <a:lstStyle/>
+              <a:p>
+                <a:pPr algn="ctr"/>
+                <a:endParaRPr lang="es-ES" sz="800" dirty="0"/>
+              </a:p>
+            </p:txBody>
+          </p:sp>
+          <p:sp>
+            <p:nvSpPr>
+              <p:cNvPr id="220" name="Rectángulo 9"/>
+              <p:cNvSpPr/>
+              <p:nvPr/>
+            </p:nvSpPr>
+            <p:spPr>
+              <a:xfrm>
+                <a:off x="6061813" y="5019964"/>
+                <a:ext cx="1230828" cy="58627"/>
+              </a:xfrm>
+              <a:prstGeom prst="rect">
+                <a:avLst/>
+              </a:prstGeom>
+              <a:ln>
+                <a:noFill/>
+              </a:ln>
+            </p:spPr>
+            <p:style>
+              <a:lnRef idx="2">
+                <a:schemeClr val="dk1">
+                  <a:shade val="50000"/>
+                </a:schemeClr>
+              </a:lnRef>
+              <a:fillRef idx="1">
+                <a:schemeClr val="dk1"/>
+              </a:fillRef>
+              <a:effectRef idx="0">
+                <a:schemeClr val="dk1"/>
+              </a:effectRef>
+              <a:fontRef idx="minor">
+                <a:schemeClr val="lt1"/>
+              </a:fontRef>
+            </p:style>
+            <p:txBody>
+              <a:bodyPr rtlCol="0" anchor="ctr"/>
+              <a:lstStyle/>
+              <a:p>
+                <a:pPr algn="ctr"/>
+                <a:endParaRPr lang="es-ES" sz="800" dirty="0"/>
+              </a:p>
+            </p:txBody>
+          </p:sp>
+        </p:grpSp>
+        <p:sp>
+          <p:nvSpPr>
+            <p:cNvPr id="10" name="Rectángulo 9"/>
+            <p:cNvSpPr/>
+            <p:nvPr/>
+          </p:nvSpPr>
+          <p:spPr>
+            <a:xfrm>
+              <a:off x="6061813" y="4844449"/>
+              <a:ext cx="1230828" cy="352342"/>
+            </a:xfrm>
+            <a:prstGeom prst="rect">
+              <a:avLst/>
+            </a:prstGeom>
+            <a:solidFill>
+              <a:srgbClr val="660066"/>
+            </a:solidFill>
+          </p:spPr>
+          <p:style>
+            <a:lnRef idx="0">
+              <a:schemeClr val="accent1"/>
+            </a:lnRef>
+            <a:fillRef idx="3">
+              <a:schemeClr val="accent1"/>
+            </a:fillRef>
+            <a:effectRef idx="3">
+              <a:schemeClr val="accent1"/>
+            </a:effectRef>
+            <a:fontRef idx="minor">
+              <a:schemeClr val="lt1"/>
+            </a:fontRef>
+          </p:style>
+          <p:txBody>
+            <a:bodyPr rtlCol="0" anchor="ctr"/>
+            <a:lstStyle/>
+            <a:p>
+              <a:pPr algn="ctr"/>
+              <a:r>
+                <a:rPr lang="es-ES" sz="1000" b="1" dirty="0" err="1"/>
+                <a:t>Task</a:t>
+              </a:r>
+              <a:r>
+                <a:rPr lang="es-ES" sz="1000" b="1" dirty="0"/>
+                <a:t> </a:t>
+              </a:r>
+              <a:r>
+                <a:rPr lang="es-ES" sz="1000" b="1" dirty="0" err="1"/>
+                <a:t>Agent</a:t>
+              </a:r>
+              <a:r>
+                <a:rPr lang="es-ES" sz="1000" b="1" dirty="0"/>
+                <a:t> 1</a:t>
+              </a:r>
+            </a:p>
+            <a:p>
+              <a:pPr algn="ctr"/>
+              <a:r>
+                <a:rPr lang="es-ES" sz="800" dirty="0" err="1" smtClean="0"/>
+                <a:t>TaskAg</a:t>
+              </a:r>
+              <a:endParaRPr lang="es-ES" sz="800" dirty="0"/>
+            </a:p>
+          </p:txBody>
+        </p:sp>
+      </p:grpSp>
+      <p:grpSp>
+        <p:nvGrpSpPr>
+          <p:cNvPr id="40" name="Group 39"/>
+          <p:cNvGrpSpPr/>
+          <p:nvPr/>
+        </p:nvGrpSpPr>
+        <p:grpSpPr>
+          <a:xfrm>
+            <a:off x="5924653" y="5782131"/>
+            <a:ext cx="1230828" cy="352342"/>
+            <a:chOff x="6061813" y="5782131"/>
+            <a:chExt cx="1230828" cy="352342"/>
+          </a:xfrm>
+        </p:grpSpPr>
+        <p:grpSp>
+          <p:nvGrpSpPr>
+            <p:cNvPr id="221" name="Group 220"/>
+            <p:cNvGrpSpPr/>
+            <p:nvPr/>
+          </p:nvGrpSpPr>
+          <p:grpSpPr>
+            <a:xfrm>
+              <a:off x="6061813" y="5900003"/>
+              <a:ext cx="1230828" cy="116598"/>
+              <a:chOff x="6061813" y="4961993"/>
+              <a:chExt cx="1230828" cy="116598"/>
+            </a:xfrm>
+          </p:grpSpPr>
+          <p:sp>
+            <p:nvSpPr>
+              <p:cNvPr id="222" name="Rectángulo 9"/>
+              <p:cNvSpPr/>
+              <p:nvPr/>
+            </p:nvSpPr>
+            <p:spPr>
+              <a:xfrm>
+                <a:off x="6061813" y="4961993"/>
+                <a:ext cx="1230828" cy="58627"/>
+              </a:xfrm>
+              <a:prstGeom prst="rect">
+                <a:avLst/>
+              </a:prstGeom>
+              <a:ln>
+                <a:noFill/>
+              </a:ln>
+            </p:spPr>
+            <p:style>
+              <a:lnRef idx="2">
+                <a:schemeClr val="dk1">
+                  <a:shade val="50000"/>
+                </a:schemeClr>
+              </a:lnRef>
+              <a:fillRef idx="1">
+                <a:schemeClr val="dk1"/>
+              </a:fillRef>
+              <a:effectRef idx="0">
+                <a:schemeClr val="dk1"/>
+              </a:effectRef>
+              <a:fontRef idx="minor">
+                <a:schemeClr val="lt1"/>
+              </a:fontRef>
+            </p:style>
+            <p:txBody>
+              <a:bodyPr rtlCol="0" anchor="ctr"/>
+              <a:lstStyle/>
+              <a:p>
+                <a:pPr algn="ctr"/>
+                <a:endParaRPr lang="es-ES" sz="800" dirty="0"/>
+              </a:p>
+            </p:txBody>
+          </p:sp>
+          <p:sp>
+            <p:nvSpPr>
+              <p:cNvPr id="223" name="Rectángulo 9"/>
+              <p:cNvSpPr/>
+              <p:nvPr/>
+            </p:nvSpPr>
+            <p:spPr>
+              <a:xfrm>
+                <a:off x="6061813" y="5019964"/>
+                <a:ext cx="1230828" cy="58627"/>
+              </a:xfrm>
+              <a:prstGeom prst="rect">
+                <a:avLst/>
+              </a:prstGeom>
+              <a:ln>
+                <a:noFill/>
+              </a:ln>
+            </p:spPr>
+            <p:style>
+              <a:lnRef idx="2">
+                <a:schemeClr val="dk1">
+                  <a:shade val="50000"/>
+                </a:schemeClr>
+              </a:lnRef>
+              <a:fillRef idx="1">
+                <a:schemeClr val="dk1"/>
+              </a:fillRef>
+              <a:effectRef idx="0">
+                <a:schemeClr val="dk1"/>
+              </a:effectRef>
+              <a:fontRef idx="minor">
+                <a:schemeClr val="lt1"/>
+              </a:fontRef>
+            </p:style>
+            <p:txBody>
+              <a:bodyPr rtlCol="0" anchor="ctr"/>
+              <a:lstStyle/>
+              <a:p>
+                <a:pPr algn="ctr"/>
+                <a:endParaRPr lang="es-ES" sz="800" dirty="0"/>
+              </a:p>
+            </p:txBody>
+          </p:sp>
+        </p:grpSp>
+        <p:sp>
+          <p:nvSpPr>
+            <p:cNvPr id="11" name="Rectángulo 10"/>
+            <p:cNvSpPr/>
+            <p:nvPr/>
+          </p:nvSpPr>
+          <p:spPr>
+            <a:xfrm>
+              <a:off x="6061813" y="5782131"/>
+              <a:ext cx="1230828" cy="352342"/>
+            </a:xfrm>
+            <a:prstGeom prst="rect">
+              <a:avLst/>
+            </a:prstGeom>
+            <a:solidFill>
+              <a:srgbClr val="660066"/>
+            </a:solidFill>
+          </p:spPr>
+          <p:style>
+            <a:lnRef idx="0">
+              <a:schemeClr val="accent1"/>
+            </a:lnRef>
+            <a:fillRef idx="3">
+              <a:schemeClr val="accent1"/>
+            </a:fillRef>
+            <a:effectRef idx="3">
+              <a:schemeClr val="accent1"/>
+            </a:effectRef>
+            <a:fontRef idx="minor">
+              <a:schemeClr val="lt1"/>
+            </a:fontRef>
+          </p:style>
+          <p:txBody>
+            <a:bodyPr rtlCol="0" anchor="ctr"/>
+            <a:lstStyle/>
+            <a:p>
+              <a:pPr algn="ctr"/>
+              <a:r>
+                <a:rPr lang="es-ES" sz="1000" b="1" dirty="0" err="1"/>
+                <a:t>Task</a:t>
+              </a:r>
+              <a:r>
+                <a:rPr lang="es-ES" sz="1000" b="1" dirty="0"/>
+                <a:t> </a:t>
+              </a:r>
+              <a:r>
+                <a:rPr lang="es-ES" sz="1000" b="1" dirty="0" err="1"/>
+                <a:t>Agent</a:t>
+              </a:r>
+              <a:r>
+                <a:rPr lang="es-ES" sz="1000" b="1" dirty="0"/>
+                <a:t> N</a:t>
+              </a:r>
+            </a:p>
+            <a:p>
+              <a:pPr algn="ctr"/>
+              <a:r>
+                <a:rPr lang="es-ES" sz="800" dirty="0" err="1" smtClean="0"/>
+                <a:t>TaskAg</a:t>
+              </a:r>
+              <a:endParaRPr lang="es-ES" sz="800" dirty="0"/>
+            </a:p>
+          </p:txBody>
+        </p:sp>
+      </p:grpSp>
     </p:spTree>
     <p:extLst>
       <p:ext uri="{BB962C8B-B14F-4D97-AF65-F5344CB8AC3E}">
-        <p14:creationId xmlns:p14="http://schemas.microsoft.com/office/powerpoint/2010/main" val="145063787"/>
+        <p14:creationId xmlns:p14="http://schemas.microsoft.com/office/powerpoint/2010/main" val="3070325487"/>
       </p:ext>
     </p:extLst>
   </p:cSld>
@@ -6158,7 +11240,7 @@
 </file>
 
 <file path=ppt/slides/slide3.xml><?xml version="1.0" encoding="utf-8"?>
-<p:sld xmlns:a="http://schemas.openxmlformats.org/drawingml/2006/main" xmlns:r="http://schemas.openxmlformats.org/officeDocument/2006/relationships" xmlns:p="http://schemas.openxmlformats.org/presentationml/2006/main">
+<p:sld xmlns:a="http://schemas.openxmlformats.org/drawingml/2006/main" xmlns:r="http://schemas.openxmlformats.org/officeDocument/2006/relationships" xmlns:p="http://schemas.openxmlformats.org/presentationml/2006/main" show="0">
   <p:cSld>
     <p:spTree>
       <p:nvGrpSpPr>
@@ -6254,6 +11336,14 @@
   <p:clrMapOvr>
     <a:masterClrMapping/>
   </p:clrMapOvr>
+  <mc:AlternateContent xmlns:mc="http://schemas.openxmlformats.org/markup-compatibility/2006">
+    <mc:Choice xmlns:p14="http://schemas.microsoft.com/office/powerpoint/2010/main" Requires="p14">
+      <p:transition spd="slow" p14:dur="2000"/>
+    </mc:Choice>
+    <mc:Fallback>
+      <p:transition spd="slow"/>
+    </mc:Fallback>
+  </mc:AlternateContent>
 </p:sld>
 </file>
 
@@ -10976,11 +16066,7 @@
             </a:r>
             <a:r>
               <a:rPr lang="es-ES" sz="800" dirty="0" err="1" smtClean="0"/>
-              <a:t>c</a:t>
-            </a:r>
-            <a:r>
-              <a:rPr lang="es-ES" sz="800" dirty="0" err="1" smtClean="0"/>
-              <a:t>ontainer</a:t>
+              <a:t>container</a:t>
             </a:r>
             <a:r>
               <a:rPr lang="es-ES" sz="800" dirty="0" smtClean="0"/>
@@ -11833,11 +16919,7 @@
             </a:r>
             <a:r>
               <a:rPr lang="es-ES" sz="800" dirty="0" err="1" smtClean="0"/>
-              <a:t>c</a:t>
-            </a:r>
-            <a:r>
-              <a:rPr lang="es-ES" sz="800" dirty="0" err="1" smtClean="0"/>
-              <a:t>ontainer</a:t>
+              <a:t>container</a:t>
             </a:r>
             <a:r>
               <a:rPr lang="es-ES" sz="800" dirty="0" smtClean="0"/>
